--- a/course/项目分析课程.pptx
+++ b/course/项目分析课程.pptx
@@ -5,21 +5,34 @@
     <p:sldMasterId id="2147483648" r:id="rId1"/>
   </p:sldMasterIdLst>
   <p:notesMasterIdLst>
-    <p:notesMasterId r:id="rId12"/>
+    <p:notesMasterId r:id="rId25"/>
   </p:notesMasterIdLst>
   <p:handoutMasterIdLst>
-    <p:handoutMasterId r:id="rId13"/>
+    <p:handoutMasterId r:id="rId26"/>
   </p:handoutMasterIdLst>
   <p:sldIdLst>
     <p:sldId id="257" r:id="rId3"/>
     <p:sldId id="258" r:id="rId4"/>
-    <p:sldId id="262" r:id="rId5"/>
-    <p:sldId id="263" r:id="rId6"/>
-    <p:sldId id="259" r:id="rId7"/>
-    <p:sldId id="261" r:id="rId8"/>
+    <p:sldId id="263" r:id="rId5"/>
+    <p:sldId id="262" r:id="rId6"/>
+    <p:sldId id="261" r:id="rId7"/>
+    <p:sldId id="259" r:id="rId8"/>
     <p:sldId id="260" r:id="rId9"/>
     <p:sldId id="265" r:id="rId10"/>
     <p:sldId id="264" r:id="rId11"/>
+    <p:sldId id="267" r:id="rId12"/>
+    <p:sldId id="268" r:id="rId13"/>
+    <p:sldId id="269" r:id="rId14"/>
+    <p:sldId id="272" r:id="rId15"/>
+    <p:sldId id="266" r:id="rId16"/>
+    <p:sldId id="270" r:id="rId17"/>
+    <p:sldId id="273" r:id="rId18"/>
+    <p:sldId id="275" r:id="rId19"/>
+    <p:sldId id="278" r:id="rId20"/>
+    <p:sldId id="277" r:id="rId21"/>
+    <p:sldId id="276" r:id="rId22"/>
+    <p:sldId id="274" r:id="rId23"/>
+    <p:sldId id="271" r:id="rId24"/>
   </p:sldIdLst>
   <p:sldSz cx="12192000" cy="6858000"/>
   <p:notesSz cx="7103745" cy="10234295"/>
@@ -3932,7 +3945,7 @@
 </p:sld>
 </file>
 
-<file path=ppt/slides/slide2.xml><?xml version="1.0" encoding="utf-8"?>
+<file path=ppt/slides/slide10.xml><?xml version="1.0" encoding="utf-8"?>
 <p:sld xmlns:a="http://schemas.openxmlformats.org/drawingml/2006/main" xmlns:r="http://schemas.openxmlformats.org/officeDocument/2006/relationships" xmlns:p="http://schemas.openxmlformats.org/presentationml/2006/main">
   <p:cSld>
     <p:spTree>
@@ -3965,16 +3978,12 @@
           <a:p>
             <a:pPr algn="l"/>
             <a:r>
+              <a:rPr lang="en-US" altLang="en-US"/>
+              <a:t>  </a:t>
+            </a:r>
+            <a:r>
               <a:rPr lang="" altLang="en-US"/>
-              <a:t>  </a:t>
-            </a:r>
-            <a:r>
-              <a:rPr lang="en-US" altLang="en-US"/>
-              <a:t>项目</a:t>
-            </a:r>
-            <a:r>
-              <a:rPr lang="" altLang="en-US"/>
-              <a:t>分解说明</a:t>
+              <a:t>创建静态资源目录</a:t>
             </a:r>
             <a:endParaRPr lang="" altLang="en-US"/>
           </a:p>
@@ -4314,39 +4323,6 @@
       </p:grpSp>
       <p:sp>
         <p:nvSpPr>
-          <p:cNvPr id="11" name="Text Box 10"/>
-          <p:cNvSpPr txBox="true"/>
-          <p:nvPr/>
-        </p:nvSpPr>
-        <p:spPr>
-          <a:xfrm>
-            <a:off x="1032510" y="1875790"/>
-            <a:ext cx="9464675" cy="521970"/>
-          </a:xfrm>
-          <a:prstGeom prst="rect">
-            <a:avLst/>
-          </a:prstGeom>
-          <a:noFill/>
-        </p:spPr>
-        <p:txBody>
-          <a:bodyPr wrap="square" rtlCol="0">
-            <a:spAutoFit/>
-          </a:bodyPr>
-          <a:p>
-            <a:r>
-              <a:rPr lang="" altLang="en-US" sz="2800"/>
-              <a:t>1. 项目初始化</a:t>
-            </a:r>
-            <a:r>
-              <a:rPr lang="" altLang="en-US"/>
-              <a:t> </a:t>
-            </a:r>
-            <a:endParaRPr lang="" altLang="en-US"/>
-          </a:p>
-        </p:txBody>
-      </p:sp>
-      <p:sp>
-        <p:nvSpPr>
           <p:cNvPr id="14" name="Date Placeholder 13"/>
           <p:cNvSpPr>
             <a:spLocks noGrp="true"/>
@@ -4368,13 +4344,13 @@
       </p:sp>
       <p:sp>
         <p:nvSpPr>
-          <p:cNvPr id="15" name="Text Box 14"/>
+          <p:cNvPr id="17" name="Text Box 16"/>
           <p:cNvSpPr txBox="true"/>
           <p:nvPr/>
         </p:nvSpPr>
         <p:spPr>
           <a:xfrm>
-            <a:off x="1032510" y="3314700"/>
+            <a:off x="1014730" y="1770380"/>
             <a:ext cx="9464675" cy="521970"/>
           </a:xfrm>
           <a:prstGeom prst="rect">
@@ -4389,45 +4365,40 @@
           <a:p>
             <a:r>
               <a:rPr lang="" altLang="en-US" sz="2800"/>
-              <a:t>2. 创建项目服务器</a:t>
-            </a:r>
-            <a:endParaRPr lang="en-US" altLang="en-US" sz="2000"/>
-          </a:p>
-        </p:txBody>
-      </p:sp>
-      <p:sp>
-        <p:nvSpPr>
-          <p:cNvPr id="17" name="Text Box 16"/>
-          <p:cNvSpPr txBox="true"/>
+              <a:t>5</a:t>
+            </a:r>
+            <a:r>
+              <a:rPr lang="en-US" altLang="en-US" sz="2800"/>
+              <a:t>. 静态资源目录</a:t>
+            </a:r>
+            <a:endParaRPr lang="en-US" altLang="en-US" sz="2800"/>
+          </a:p>
+        </p:txBody>
+      </p:sp>
+      <p:pic>
+        <p:nvPicPr>
+          <p:cNvPr id="11" name="Picture 10" descr="静态资源目录"/>
+          <p:cNvPicPr>
+            <a:picLocks noChangeAspect="true"/>
+          </p:cNvPicPr>
           <p:nvPr/>
-        </p:nvSpPr>
+        </p:nvPicPr>
+        <p:blipFill>
+          <a:blip r:embed="rId1"/>
+          <a:stretch>
+            <a:fillRect/>
+          </a:stretch>
+        </p:blipFill>
         <p:spPr>
           <a:xfrm>
-            <a:off x="1032510" y="4752975"/>
-            <a:ext cx="9464675" cy="521970"/>
+            <a:off x="4349115" y="1593850"/>
+            <a:ext cx="6587490" cy="4369435"/>
           </a:xfrm>
           <a:prstGeom prst="rect">
             <a:avLst/>
           </a:prstGeom>
-          <a:noFill/>
         </p:spPr>
-        <p:txBody>
-          <a:bodyPr wrap="square" rtlCol="0">
-            <a:spAutoFit/>
-          </a:bodyPr>
-          <a:p>
-            <a:r>
-              <a:rPr lang="" altLang="en-US" sz="2800"/>
-              <a:t>3. 创建静态页面</a:t>
-            </a:r>
-            <a:r>
-              <a:rPr lang="en-US" altLang="en-US" sz="2800"/>
-              <a:t> </a:t>
-            </a:r>
-            <a:endParaRPr lang="" altLang="en-US" sz="2800"/>
-          </a:p>
-        </p:txBody>
-      </p:sp>
+      </p:pic>
     </p:spTree>
   </p:cSld>
   <p:clrMapOvr>
@@ -4439,7 +4410,7 @@
 </p:sld>
 </file>
 
-<file path=ppt/slides/slide3.xml><?xml version="1.0" encoding="utf-8"?>
+<file path=ppt/slides/slide11.xml><?xml version="1.0" encoding="utf-8"?>
 <p:sld xmlns:a="http://schemas.openxmlformats.org/drawingml/2006/main" xmlns:r="http://schemas.openxmlformats.org/officeDocument/2006/relationships" xmlns:p="http://schemas.openxmlformats.org/presentationml/2006/main">
   <p:cSld>
     <p:spTree>
@@ -4473,9 +4444,13 @@
             <a:pPr algn="l"/>
             <a:r>
               <a:rPr lang="en-US" altLang="en-US"/>
-              <a:t>  项目分解说明</a:t>
-            </a:r>
-            <a:endParaRPr lang="en-US" altLang="en-US"/>
+              <a:t>  </a:t>
+            </a:r>
+            <a:r>
+              <a:rPr lang="" altLang="en-US"/>
+              <a:t>VS Code编辑器安装与配置</a:t>
+            </a:r>
+            <a:endParaRPr lang="" altLang="en-US"/>
           </a:p>
         </p:txBody>
       </p:sp>
@@ -4813,140 +4788,6 @@
       </p:grpSp>
       <p:sp>
         <p:nvSpPr>
-          <p:cNvPr id="11" name="Text Box 10"/>
-          <p:cNvSpPr txBox="true"/>
-          <p:nvPr/>
-        </p:nvSpPr>
-        <p:spPr>
-          <a:xfrm>
-            <a:off x="1032510" y="1875790"/>
-            <a:ext cx="9464675" cy="521970"/>
-          </a:xfrm>
-          <a:prstGeom prst="rect">
-            <a:avLst/>
-          </a:prstGeom>
-          <a:noFill/>
-        </p:spPr>
-        <p:txBody>
-          <a:bodyPr wrap="square" rtlCol="0">
-            <a:spAutoFit/>
-          </a:bodyPr>
-          <a:p>
-            <a:r>
-              <a:rPr lang="en-US" altLang="en-US" sz="2800"/>
-              <a:t>1. 项目初始化</a:t>
-            </a:r>
-            <a:r>
-              <a:rPr lang="en-US" altLang="en-US"/>
-              <a:t> </a:t>
-            </a:r>
-            <a:endParaRPr lang="en-US" altLang="en-US"/>
-          </a:p>
-        </p:txBody>
-      </p:sp>
-      <p:sp>
-        <p:nvSpPr>
-          <p:cNvPr id="13" name="Rounded Rectangle 12"/>
-          <p:cNvSpPr/>
-          <p:nvPr/>
-        </p:nvSpPr>
-        <p:spPr>
-          <a:xfrm>
-            <a:off x="1694180" y="3303905"/>
-            <a:ext cx="8803640" cy="922020"/>
-          </a:xfrm>
-          <a:prstGeom prst="roundRect">
-            <a:avLst/>
-          </a:prstGeom>
-          <a:solidFill>
-            <a:schemeClr val="bg2">
-              <a:lumMod val="50000"/>
-            </a:schemeClr>
-          </a:solidFill>
-          <a:ln>
-            <a:solidFill>
-              <a:schemeClr val="bg2">
-                <a:lumMod val="50000"/>
-              </a:schemeClr>
-            </a:solidFill>
-          </a:ln>
-        </p:spPr>
-        <p:style>
-          <a:lnRef idx="2">
-            <a:schemeClr val="accent1">
-              <a:shade val="50000"/>
-            </a:schemeClr>
-          </a:lnRef>
-          <a:fillRef idx="1">
-            <a:schemeClr val="accent1"/>
-          </a:fillRef>
-          <a:effectRef idx="0">
-            <a:schemeClr val="accent1"/>
-          </a:effectRef>
-          <a:fontRef idx="minor">
-            <a:schemeClr val="lt1"/>
-          </a:fontRef>
-        </p:style>
-        <p:txBody>
-          <a:bodyPr rtlCol="0" anchor="ctr"/>
-          <a:p>
-            <a:pPr algn="ctr"/>
-            <a:endParaRPr lang="en-US"/>
-          </a:p>
-        </p:txBody>
-      </p:sp>
-      <p:sp>
-        <p:nvSpPr>
-          <p:cNvPr id="12" name="Text Box 11"/>
-          <p:cNvSpPr txBox="true"/>
-          <p:nvPr/>
-        </p:nvSpPr>
-        <p:spPr>
-          <a:xfrm>
-            <a:off x="1694180" y="3218180"/>
-            <a:ext cx="8803640" cy="1014730"/>
-          </a:xfrm>
-          <a:prstGeom prst="rect">
-            <a:avLst/>
-          </a:prstGeom>
-          <a:noFill/>
-        </p:spPr>
-        <p:txBody>
-          <a:bodyPr wrap="square" rtlCol="0">
-            <a:spAutoFit/>
-          </a:bodyPr>
-          <a:p>
-            <a:pPr algn="l"/>
-            <a:endParaRPr lang="en-US"/>
-          </a:p>
-          <a:p>
-            <a:pPr algn="l"/>
-            <a:r>
-              <a:rPr lang="en-US"/>
-              <a:t> </a:t>
-            </a:r>
-            <a:r>
-              <a:rPr lang="en-US" sz="2400">
-                <a:solidFill>
-                  <a:schemeClr val="bg1"/>
-                </a:solidFill>
-              </a:rPr>
-              <a:t> npm init -y</a:t>
-            </a:r>
-            <a:endParaRPr lang="en-US"/>
-          </a:p>
-          <a:p>
-            <a:pPr algn="l"/>
-            <a:r>
-              <a:rPr lang="en-US"/>
-              <a:t>  </a:t>
-            </a:r>
-            <a:endParaRPr lang="en-US"/>
-          </a:p>
-        </p:txBody>
-      </p:sp>
-      <p:sp>
-        <p:nvSpPr>
           <p:cNvPr id="14" name="Date Placeholder 13"/>
           <p:cNvSpPr>
             <a:spLocks noGrp="true"/>
@@ -4963,6 +4804,92 @@
               <a:rPr lang="en-US" altLang="en-US" smtClean="0"/>
             </a:fld>
             <a:endParaRPr lang="zh-CN" altLang="en-US"/>
+          </a:p>
+        </p:txBody>
+      </p:sp>
+      <p:sp>
+        <p:nvSpPr>
+          <p:cNvPr id="17" name="Text Box 16"/>
+          <p:cNvSpPr txBox="true"/>
+          <p:nvPr/>
+        </p:nvSpPr>
+        <p:spPr>
+          <a:xfrm>
+            <a:off x="1014730" y="1770380"/>
+            <a:ext cx="9464675" cy="521970"/>
+          </a:xfrm>
+          <a:prstGeom prst="rect">
+            <a:avLst/>
+          </a:prstGeom>
+          <a:noFill/>
+        </p:spPr>
+        <p:txBody>
+          <a:bodyPr wrap="square" rtlCol="0">
+            <a:spAutoFit/>
+          </a:bodyPr>
+          <a:p>
+            <a:r>
+              <a:rPr lang="" altLang="en-US" sz="2800"/>
+              <a:t>6</a:t>
+            </a:r>
+            <a:r>
+              <a:rPr lang="en-US" altLang="en-US" sz="2800"/>
+              <a:t>. </a:t>
+            </a:r>
+            <a:r>
+              <a:rPr lang="" altLang="en-US" sz="2800"/>
+              <a:t>VS Code编辑其的准备工作</a:t>
+            </a:r>
+            <a:endParaRPr lang="" altLang="en-US" sz="2800"/>
+          </a:p>
+        </p:txBody>
+      </p:sp>
+      <p:sp>
+        <p:nvSpPr>
+          <p:cNvPr id="12" name="Text Box 11"/>
+          <p:cNvSpPr txBox="true"/>
+          <p:nvPr/>
+        </p:nvSpPr>
+        <p:spPr>
+          <a:xfrm>
+            <a:off x="1363980" y="2541905"/>
+            <a:ext cx="9464675" cy="1938020"/>
+          </a:xfrm>
+          <a:prstGeom prst="rect">
+            <a:avLst/>
+          </a:prstGeom>
+          <a:noFill/>
+        </p:spPr>
+        <p:txBody>
+          <a:bodyPr wrap="square" rtlCol="0">
+            <a:spAutoFit/>
+          </a:bodyPr>
+          <a:p>
+            <a:r>
+              <a:rPr lang="" altLang="en-US" sz="2400"/>
+              <a:t>1) 设置同步：setting sync</a:t>
+            </a:r>
+            <a:endParaRPr lang="" altLang="en-US" sz="2400"/>
+          </a:p>
+          <a:p>
+            <a:endParaRPr lang="" altLang="en-US" sz="2400"/>
+          </a:p>
+          <a:p>
+            <a:r>
+              <a:rPr lang="" altLang="en-US" sz="2400"/>
+              <a:t>2) User Snippet</a:t>
+            </a:r>
+            <a:endParaRPr lang="" altLang="en-US" sz="2400"/>
+          </a:p>
+          <a:p>
+            <a:endParaRPr lang="" altLang="en-US" sz="2400"/>
+          </a:p>
+          <a:p>
+            <a:r>
+              <a:rPr lang="" altLang="en-US" sz="2400"/>
+              <a:t>3) 安装插件</a:t>
+            </a:r>
+            <a:endParaRPr lang="" altLang="en-US" sz="2400"/>
           </a:p>
         </p:txBody>
       </p:sp>
@@ -4977,7 +4904,7 @@
 </p:sld>
 </file>
 
-<file path=ppt/slides/slide4.xml><?xml version="1.0" encoding="utf-8"?>
+<file path=ppt/slides/slide12.xml><?xml version="1.0" encoding="utf-8"?>
 <p:sld xmlns:a="http://schemas.openxmlformats.org/drawingml/2006/main" xmlns:r="http://schemas.openxmlformats.org/officeDocument/2006/relationships" xmlns:p="http://schemas.openxmlformats.org/presentationml/2006/main">
   <p:cSld>
     <p:spTree>
@@ -4987,36 +4914,6 @@
         <p:nvPr/>
       </p:nvGrpSpPr>
       <p:grpSpPr/>
-      <p:sp>
-        <p:nvSpPr>
-          <p:cNvPr id="2" name="Title 1"/>
-          <p:cNvSpPr>
-            <a:spLocks noGrp="true"/>
-          </p:cNvSpPr>
-          <p:nvPr>
-            <p:ph type="ctrTitle"/>
-          </p:nvPr>
-        </p:nvSpPr>
-        <p:spPr>
-          <a:xfrm>
-            <a:off x="-34925" y="340995"/>
-            <a:ext cx="9118600" cy="1252855"/>
-          </a:xfrm>
-        </p:spPr>
-        <p:txBody>
-          <a:bodyPr>
-            <a:normAutofit fontScale="90000"/>
-          </a:bodyPr>
-          <a:p>
-            <a:pPr algn="l"/>
-            <a:r>
-              <a:rPr lang="en-US" altLang="en-US"/>
-              <a:t>  项目分解说明</a:t>
-            </a:r>
-            <a:endParaRPr lang="en-US" altLang="en-US"/>
-          </a:p>
-        </p:txBody>
-      </p:sp>
       <p:sp>
         <p:nvSpPr>
           <p:cNvPr id="3" name="Subtitle 2"/>
@@ -5372,13 +5269,13 @@
       </p:sp>
       <p:sp>
         <p:nvSpPr>
-          <p:cNvPr id="15" name="Text Box 14"/>
+          <p:cNvPr id="17" name="Text Box 16"/>
           <p:cNvSpPr txBox="true"/>
           <p:nvPr/>
         </p:nvSpPr>
         <p:spPr>
           <a:xfrm>
-            <a:off x="838200" y="1901190"/>
+            <a:off x="1014730" y="1770380"/>
             <a:ext cx="9464675" cy="521970"/>
           </a:xfrm>
           <a:prstGeom prst="rect">
@@ -5393,22 +5290,22 @@
           <a:p>
             <a:r>
               <a:rPr lang="en-US" altLang="en-US" sz="2800"/>
-              <a:t>2. 创建项目服务器</a:t>
-            </a:r>
-            <a:endParaRPr lang="en-US" altLang="en-US" sz="2000"/>
-          </a:p>
-        </p:txBody>
-      </p:sp>
-      <p:sp>
-        <p:nvSpPr>
-          <p:cNvPr id="16" name="Text Box 15"/>
+              <a:t>6. VS Code编辑其的准备工作</a:t>
+            </a:r>
+            <a:endParaRPr lang="en-US" altLang="en-US" sz="2800"/>
+          </a:p>
+        </p:txBody>
+      </p:sp>
+      <p:sp>
+        <p:nvSpPr>
+          <p:cNvPr id="12" name="Text Box 11"/>
           <p:cNvSpPr txBox="true"/>
           <p:nvPr/>
         </p:nvSpPr>
         <p:spPr>
           <a:xfrm>
-            <a:off x="1032510" y="2836545"/>
-            <a:ext cx="7454265" cy="2676525"/>
+            <a:off x="1363980" y="2541905"/>
+            <a:ext cx="9464675" cy="3784600"/>
           </a:xfrm>
           <a:prstGeom prst="rect">
             <a:avLst/>
@@ -5422,73 +5319,98 @@
           <a:p>
             <a:r>
               <a:rPr lang="en-US" altLang="en-US" sz="2400"/>
-              <a:t>1) </a:t>
-            </a:r>
+              <a:t>3) 安装插件</a:t>
+            </a:r>
+            <a:endParaRPr lang="en-US" altLang="en-US" sz="2400"/>
+          </a:p>
+          <a:p>
+            <a:endParaRPr lang="en-US" altLang="en-US" sz="2400"/>
+          </a:p>
+          <a:p>
+            <a:r>
+              <a:rPr lang="en-US" altLang="en-US" sz="2400"/>
+              <a:t>      + Compile Hero Plugin</a:t>
+            </a:r>
+            <a:endParaRPr lang="en-US" altLang="en-US" sz="2400"/>
+          </a:p>
+          <a:p>
+            <a:r>
+              <a:rPr lang="en-US" altLang="en-US" sz="2400"/>
+              <a:t>      + Path Intellisense</a:t>
+            </a:r>
+            <a:endParaRPr lang="en-US" altLang="en-US" sz="2400"/>
+          </a:p>
+          <a:p>
+            <a:r>
+              <a:rPr lang="en-US" altLang="en-US" sz="2400"/>
+              <a:t>      + Prettier - Code formatter</a:t>
+            </a:r>
+            <a:endParaRPr lang="en-US" altLang="en-US" sz="2400"/>
+          </a:p>
+          <a:p>
             <a:r>
               <a:rPr lang="" altLang="en-US" sz="2400"/>
-              <a:t>安装项目包： Express</a:t>
-            </a:r>
-            <a:endParaRPr lang="en-US" altLang="en-US" sz="2400"/>
+              <a:t>      + Auto Rename Tag</a:t>
+            </a:r>
+            <a:endParaRPr lang="" altLang="en-US" sz="2400"/>
           </a:p>
           <a:p>
             <a:r>
               <a:rPr lang="" altLang="en-US" sz="2400"/>
-              <a:t>2) 引用项目文件</a:t>
+              <a:t>      + Vscode Icons</a:t>
             </a:r>
             <a:endParaRPr lang="" altLang="en-US" sz="2400"/>
           </a:p>
           <a:p>
             <a:r>
               <a:rPr lang="" altLang="en-US" sz="2400"/>
-              <a:t>3) 创建服务器</a:t>
+              <a:t>      + CSS Peek</a:t>
             </a:r>
             <a:endParaRPr lang="" altLang="en-US" sz="2400"/>
           </a:p>
           <a:p>
             <a:r>
               <a:rPr lang="" altLang="en-US" sz="2400"/>
-              <a:t>4) 监听端口</a:t>
+              <a:t>      + Color info</a:t>
             </a:r>
             <a:endParaRPr lang="" altLang="en-US" sz="2400"/>
           </a:p>
           <a:p>
             <a:r>
               <a:rPr lang="" altLang="en-US" sz="2400"/>
-              <a:t>5) 启动服务器,启动浏览器</a:t>
-            </a:r>
-            <a:endParaRPr lang="en-US" altLang="en-US" sz="2400"/>
-          </a:p>
-          <a:p>
-            <a:r>
-              <a:rPr lang="" altLang="en-US" sz="2400"/>
-              <a:t>6) </a:t>
-            </a:r>
-            <a:r>
-              <a:rPr lang="en-US" altLang="en-US" sz="2400"/>
-              <a:t>开放静态资源文件目录</a:t>
-            </a:r>
-            <a:endParaRPr lang="en-US" altLang="en-US" sz="2400"/>
-          </a:p>
-          <a:p>
-            <a:r>
-              <a:rPr lang="" altLang="en-US" sz="2400"/>
-              <a:t>7)</a:t>
-            </a:r>
-            <a:r>
-              <a:rPr lang="en-US" altLang="en-US" sz="2400"/>
-              <a:t> </a:t>
-            </a:r>
-            <a:r>
-              <a:rPr lang="en-US" altLang="en-US" sz="2400">
-                <a:sym typeface="+mn-ea"/>
-              </a:rPr>
-              <a:t>设置渲染文件目录</a:t>
-            </a:r>
-            <a:r>
-              <a:rPr lang="en-US" altLang="en-US" sz="2400"/>
-              <a:t> </a:t>
+              <a:t>      + Debugger for Chrome</a:t>
             </a:r>
             <a:endParaRPr lang="" altLang="en-US" sz="2400"/>
+          </a:p>
+        </p:txBody>
+      </p:sp>
+      <p:sp>
+        <p:nvSpPr>
+          <p:cNvPr id="13" name="Title 12"/>
+          <p:cNvSpPr>
+            <a:spLocks noGrp="true"/>
+          </p:cNvSpPr>
+          <p:nvPr>
+            <p:ph type="ctrTitle"/>
+          </p:nvPr>
+        </p:nvSpPr>
+        <p:spPr>
+          <a:xfrm>
+            <a:off x="-34925" y="340995"/>
+            <a:ext cx="9118600" cy="1252855"/>
+          </a:xfrm>
+        </p:spPr>
+        <p:txBody>
+          <a:bodyPr>
+            <a:normAutofit fontScale="90000"/>
+          </a:bodyPr>
+          <a:p>
+            <a:pPr algn="l"/>
+            <a:r>
+              <a:rPr lang="en-US" altLang="en-US"/>
+              <a:t>  VS Code编辑器安装与配置</a:t>
+            </a:r>
+            <a:endParaRPr lang="en-US" altLang="en-US"/>
           </a:p>
         </p:txBody>
       </p:sp>
@@ -5503,7 +5425,7 @@
 </p:sld>
 </file>
 
-<file path=ppt/slides/slide5.xml><?xml version="1.0" encoding="utf-8"?>
+<file path=ppt/slides/slide13.xml><?xml version="1.0" encoding="utf-8"?>
 <p:sld xmlns:a="http://schemas.openxmlformats.org/drawingml/2006/main" xmlns:r="http://schemas.openxmlformats.org/officeDocument/2006/relationships" xmlns:p="http://schemas.openxmlformats.org/presentationml/2006/main">
   <p:cSld>
     <p:spTree>
@@ -5513,36 +5435,6 @@
         <p:nvPr/>
       </p:nvGrpSpPr>
       <p:grpSpPr/>
-      <p:sp>
-        <p:nvSpPr>
-          <p:cNvPr id="2" name="Title 1"/>
-          <p:cNvSpPr>
-            <a:spLocks noGrp="true"/>
-          </p:cNvSpPr>
-          <p:nvPr>
-            <p:ph type="ctrTitle"/>
-          </p:nvPr>
-        </p:nvSpPr>
-        <p:spPr>
-          <a:xfrm>
-            <a:off x="-34925" y="340995"/>
-            <a:ext cx="9118600" cy="1252855"/>
-          </a:xfrm>
-        </p:spPr>
-        <p:txBody>
-          <a:bodyPr>
-            <a:normAutofit fontScale="90000"/>
-          </a:bodyPr>
-          <a:p>
-            <a:pPr algn="l"/>
-            <a:r>
-              <a:rPr lang="en-US" altLang="en-US"/>
-              <a:t>  项目分解说明</a:t>
-            </a:r>
-            <a:endParaRPr lang="en-US" altLang="en-US"/>
-          </a:p>
-        </p:txBody>
-      </p:sp>
       <p:sp>
         <p:nvSpPr>
           <p:cNvPr id="3" name="Subtitle 2"/>
@@ -5877,14 +5769,35 @@
       </p:grpSp>
       <p:sp>
         <p:nvSpPr>
-          <p:cNvPr id="11" name="Text Box 10"/>
+          <p:cNvPr id="14" name="Date Placeholder 13"/>
+          <p:cNvSpPr>
+            <a:spLocks noGrp="true"/>
+          </p:cNvSpPr>
+          <p:nvPr>
+            <p:ph type="dt" sz="half" idx="10"/>
+          </p:nvPr>
+        </p:nvSpPr>
+        <p:spPr/>
+        <p:txBody>
+          <a:bodyPr/>
+          <a:p>
+            <a:fld id="{760FBDFE-C587-4B4C-A407-44438C67B59E}" type="datetime1">
+              <a:rPr lang="en-US" altLang="en-US" smtClean="0"/>
+            </a:fld>
+            <a:endParaRPr lang="zh-CN" altLang="en-US"/>
+          </a:p>
+        </p:txBody>
+      </p:sp>
+      <p:sp>
+        <p:nvSpPr>
+          <p:cNvPr id="17" name="Text Box 16"/>
           <p:cNvSpPr txBox="true"/>
           <p:nvPr/>
         </p:nvSpPr>
         <p:spPr>
           <a:xfrm>
-            <a:off x="838835" y="1824355"/>
-            <a:ext cx="8990330" cy="521970"/>
+            <a:off x="1014730" y="1770380"/>
+            <a:ext cx="9464675" cy="521970"/>
           </a:xfrm>
           <a:prstGeom prst="rect">
             <a:avLst/>
@@ -5896,10 +5809,6424 @@
             <a:spAutoFit/>
           </a:bodyPr>
           <a:p>
+            <a:r>
+              <a:rPr lang="en-US" altLang="en-US" sz="2800"/>
+              <a:t>6. VS Code编辑其的准备工作</a:t>
+            </a:r>
+            <a:endParaRPr lang="en-US" altLang="en-US" sz="2800"/>
+          </a:p>
+        </p:txBody>
+      </p:sp>
+      <p:sp>
+        <p:nvSpPr>
+          <p:cNvPr id="12" name="Text Box 11"/>
+          <p:cNvSpPr txBox="true"/>
+          <p:nvPr/>
+        </p:nvSpPr>
+        <p:spPr>
+          <a:xfrm>
+            <a:off x="1363980" y="2541905"/>
+            <a:ext cx="9464675" cy="460375"/>
+          </a:xfrm>
+          <a:prstGeom prst="rect">
+            <a:avLst/>
+          </a:prstGeom>
+          <a:noFill/>
+        </p:spPr>
+        <p:txBody>
+          <a:bodyPr wrap="square" rtlCol="0">
+            <a:spAutoFit/>
+          </a:bodyPr>
+          <a:p>
+            <a:r>
+              <a:rPr lang="" altLang="en-US" sz="2400"/>
+              <a:t>1</a:t>
+            </a:r>
+            <a:r>
+              <a:rPr lang="en-US" altLang="en-US" sz="2400"/>
+              <a:t>) 插件</a:t>
+            </a:r>
+            <a:r>
+              <a:rPr lang="" altLang="en-US" sz="2400"/>
+              <a:t>配置文件</a:t>
+            </a:r>
+            <a:endParaRPr lang="en-US" altLang="en-US" sz="2400"/>
+          </a:p>
+        </p:txBody>
+      </p:sp>
+      <p:sp>
+        <p:nvSpPr>
+          <p:cNvPr id="13" name="Title 12"/>
+          <p:cNvSpPr>
+            <a:spLocks noGrp="true"/>
+          </p:cNvSpPr>
+          <p:nvPr>
+            <p:ph type="ctrTitle"/>
+          </p:nvPr>
+        </p:nvSpPr>
+        <p:spPr>
+          <a:xfrm>
+            <a:off x="-34925" y="340995"/>
+            <a:ext cx="9118600" cy="1252855"/>
+          </a:xfrm>
+        </p:spPr>
+        <p:txBody>
+          <a:bodyPr>
+            <a:normAutofit fontScale="90000"/>
+          </a:bodyPr>
+          <a:p>
             <a:pPr algn="l"/>
             <a:r>
+              <a:rPr lang="en-US" altLang="en-US"/>
+              <a:t>  VS Code编辑器安装与配置</a:t>
+            </a:r>
+            <a:endParaRPr lang="en-US" altLang="en-US"/>
+          </a:p>
+        </p:txBody>
+      </p:sp>
+    </p:spTree>
+  </p:cSld>
+  <p:clrMapOvr>
+    <a:masterClrMapping/>
+  </p:clrMapOvr>
+  <p:transition>
+    <p:wipe/>
+  </p:transition>
+</p:sld>
+</file>
+
+<file path=ppt/slides/slide14.xml><?xml version="1.0" encoding="utf-8"?>
+<p:sld xmlns:a="http://schemas.openxmlformats.org/drawingml/2006/main" xmlns:r="http://schemas.openxmlformats.org/officeDocument/2006/relationships" xmlns:p="http://schemas.openxmlformats.org/presentationml/2006/main">
+  <p:cSld>
+    <p:spTree>
+      <p:nvGrpSpPr>
+        <p:cNvPr id="1" name=""/>
+        <p:cNvGrpSpPr/>
+        <p:nvPr/>
+      </p:nvGrpSpPr>
+      <p:grpSpPr/>
+      <p:sp>
+        <p:nvSpPr>
+          <p:cNvPr id="3" name="Subtitle 2"/>
+          <p:cNvSpPr>
+            <a:spLocks noGrp="true"/>
+          </p:cNvSpPr>
+          <p:nvPr>
+            <p:ph type="subTitle" idx="1"/>
+          </p:nvPr>
+        </p:nvSpPr>
+        <p:spPr>
+          <a:xfrm>
+            <a:off x="-17780" y="6407785"/>
+            <a:ext cx="3229610" cy="349250"/>
+          </a:xfrm>
+        </p:spPr>
+        <p:txBody>
+          <a:bodyPr>
+            <a:normAutofit lnSpcReduction="20000"/>
+          </a:bodyPr>
+          <a:p>
+            <a:pPr algn="r"/>
+            <a:r>
+              <a:rPr lang="en-US" altLang="en-US"/>
+              <a:t>Coding your wanderful life</a:t>
+            </a:r>
+            <a:endParaRPr lang="en-US" altLang="en-US"/>
+          </a:p>
+        </p:txBody>
+      </p:sp>
+      <p:grpSp>
+        <p:nvGrpSpPr>
+          <p:cNvPr id="6" name="Group 5"/>
+          <p:cNvGrpSpPr/>
+          <p:nvPr/>
+        </p:nvGrpSpPr>
+        <p:grpSpPr>
+          <a:xfrm>
+            <a:off x="-20320" y="6691630"/>
+            <a:ext cx="12218035" cy="152400"/>
+            <a:chOff x="-32" y="10538"/>
+            <a:chExt cx="19241" cy="240"/>
+          </a:xfrm>
+        </p:grpSpPr>
+        <p:sp>
+          <p:nvSpPr>
+            <p:cNvPr id="4" name="Rectangle 3"/>
+            <p:cNvSpPr/>
+            <p:nvPr/>
+          </p:nvSpPr>
+          <p:spPr>
+            <a:xfrm>
+              <a:off x="-32" y="10538"/>
+              <a:ext cx="14944" cy="240"/>
+            </a:xfrm>
+            <a:prstGeom prst="rect">
+              <a:avLst/>
+            </a:prstGeom>
+            <a:solidFill>
+              <a:srgbClr val="FF6600"/>
+            </a:solidFill>
+            <a:ln>
+              <a:solidFill>
+                <a:srgbClr val="FF6600"/>
+              </a:solidFill>
+            </a:ln>
+          </p:spPr>
+          <p:style>
+            <a:lnRef idx="2">
+              <a:schemeClr val="accent1">
+                <a:shade val="50000"/>
+              </a:schemeClr>
+            </a:lnRef>
+            <a:fillRef idx="1">
+              <a:schemeClr val="accent1"/>
+            </a:fillRef>
+            <a:effectRef idx="0">
+              <a:schemeClr val="accent1"/>
+            </a:effectRef>
+            <a:fontRef idx="minor">
+              <a:schemeClr val="lt1"/>
+            </a:fontRef>
+          </p:style>
+          <p:txBody>
+            <a:bodyPr rtlCol="0" anchor="ctr"/>
+            <a:p>
+              <a:pPr algn="ctr"/>
+              <a:endParaRPr lang="en-US"/>
+            </a:p>
+          </p:txBody>
+        </p:sp>
+        <p:sp>
+          <p:nvSpPr>
+            <p:cNvPr id="5" name="Rectangle 4"/>
+            <p:cNvSpPr/>
+            <p:nvPr/>
+          </p:nvSpPr>
+          <p:spPr>
+            <a:xfrm>
+              <a:off x="14933" y="10538"/>
+              <a:ext cx="4276" cy="240"/>
+            </a:xfrm>
+            <a:prstGeom prst="rect">
+              <a:avLst/>
+            </a:prstGeom>
+            <a:solidFill>
+              <a:schemeClr val="tx1">
+                <a:lumMod val="75000"/>
+                <a:lumOff val="25000"/>
+              </a:schemeClr>
+            </a:solidFill>
+            <a:ln>
+              <a:solidFill>
+                <a:schemeClr val="tx1">
+                  <a:lumMod val="75000"/>
+                  <a:lumOff val="25000"/>
+                </a:schemeClr>
+              </a:solidFill>
+            </a:ln>
+          </p:spPr>
+          <p:style>
+            <a:lnRef idx="2">
+              <a:schemeClr val="accent1">
+                <a:shade val="50000"/>
+              </a:schemeClr>
+            </a:lnRef>
+            <a:fillRef idx="1">
+              <a:schemeClr val="accent1"/>
+            </a:fillRef>
+            <a:effectRef idx="0">
+              <a:schemeClr val="accent1"/>
+            </a:effectRef>
+            <a:fontRef idx="minor">
+              <a:schemeClr val="lt1"/>
+            </a:fontRef>
+          </p:style>
+          <p:txBody>
+            <a:bodyPr rtlCol="0" anchor="ctr"/>
+            <a:p>
+              <a:pPr algn="ctr"/>
+              <a:endParaRPr lang="en-US"/>
+            </a:p>
+          </p:txBody>
+        </p:sp>
+      </p:grpSp>
+      <p:sp>
+        <p:nvSpPr>
+          <p:cNvPr id="7" name="Rectangle 6"/>
+          <p:cNvSpPr/>
+          <p:nvPr/>
+        </p:nvSpPr>
+        <p:spPr>
+          <a:xfrm>
+            <a:off x="-20320" y="779145"/>
+            <a:ext cx="96520" cy="650875"/>
+          </a:xfrm>
+          <a:prstGeom prst="rect">
+            <a:avLst/>
+          </a:prstGeom>
+          <a:solidFill>
+            <a:schemeClr val="tx1">
+              <a:lumMod val="50000"/>
+              <a:lumOff val="50000"/>
+            </a:schemeClr>
+          </a:solidFill>
+          <a:ln>
+            <a:solidFill>
+              <a:schemeClr val="tx1">
+                <a:lumMod val="50000"/>
+                <a:lumOff val="50000"/>
+              </a:schemeClr>
+            </a:solidFill>
+          </a:ln>
+        </p:spPr>
+        <p:style>
+          <a:lnRef idx="2">
+            <a:schemeClr val="accent1">
+              <a:shade val="50000"/>
+            </a:schemeClr>
+          </a:lnRef>
+          <a:fillRef idx="1">
+            <a:schemeClr val="accent1"/>
+          </a:fillRef>
+          <a:effectRef idx="0">
+            <a:schemeClr val="accent1"/>
+          </a:effectRef>
+          <a:fontRef idx="minor">
+            <a:schemeClr val="lt1"/>
+          </a:fontRef>
+        </p:style>
+        <p:txBody>
+          <a:bodyPr rtlCol="0" anchor="ctr"/>
+          <a:p>
+            <a:pPr algn="ctr"/>
+            <a:endParaRPr lang="en-US"/>
+          </a:p>
+        </p:txBody>
+      </p:sp>
+      <p:grpSp>
+        <p:nvGrpSpPr>
+          <p:cNvPr id="10" name="Group 9"/>
+          <p:cNvGrpSpPr/>
+          <p:nvPr/>
+        </p:nvGrpSpPr>
+        <p:grpSpPr>
+          <a:xfrm>
+            <a:off x="10734040" y="422275"/>
+            <a:ext cx="928370" cy="900430"/>
+            <a:chOff x="16799" y="665"/>
+            <a:chExt cx="1462" cy="1418"/>
+          </a:xfrm>
+        </p:grpSpPr>
+        <p:sp>
+          <p:nvSpPr>
+            <p:cNvPr id="8" name="Oval 7"/>
+            <p:cNvSpPr/>
+            <p:nvPr/>
+          </p:nvSpPr>
+          <p:spPr>
+            <a:xfrm>
+              <a:off x="16799" y="665"/>
+              <a:ext cx="1463" cy="1419"/>
+            </a:xfrm>
+            <a:prstGeom prst="ellipse">
+              <a:avLst/>
+            </a:prstGeom>
+            <a:solidFill>
+              <a:srgbClr val="FF8D41"/>
+            </a:solidFill>
+            <a:ln>
+              <a:solidFill>
+                <a:srgbClr val="FF8D41"/>
+              </a:solidFill>
+            </a:ln>
+          </p:spPr>
+          <p:style>
+            <a:lnRef idx="2">
+              <a:schemeClr val="accent1">
+                <a:shade val="50000"/>
+              </a:schemeClr>
+            </a:lnRef>
+            <a:fillRef idx="1">
+              <a:schemeClr val="accent1"/>
+            </a:fillRef>
+            <a:effectRef idx="0">
+              <a:schemeClr val="accent1"/>
+            </a:effectRef>
+            <a:fontRef idx="minor">
+              <a:schemeClr val="lt1"/>
+            </a:fontRef>
+          </p:style>
+          <p:txBody>
+            <a:bodyPr rtlCol="0" anchor="ctr"/>
+            <a:p>
+              <a:pPr algn="ctr"/>
+              <a:endParaRPr lang="en-US"/>
+            </a:p>
+          </p:txBody>
+        </p:sp>
+        <p:sp>
+          <p:nvSpPr>
+            <p:cNvPr id="9" name="Text Box 8"/>
+            <p:cNvSpPr txBox="true"/>
+            <p:nvPr/>
+          </p:nvSpPr>
+          <p:spPr>
+            <a:xfrm>
+              <a:off x="16916" y="964"/>
+              <a:ext cx="1187" cy="822"/>
+            </a:xfrm>
+            <a:prstGeom prst="rect">
+              <a:avLst/>
+            </a:prstGeom>
+            <a:noFill/>
+          </p:spPr>
+          <p:txBody>
+            <a:bodyPr wrap="square" rtlCol="0">
+              <a:spAutoFit/>
+            </a:bodyPr>
+            <a:p>
+              <a:r>
+                <a:rPr lang="en-US" altLang="en-US" sz="1400">
+                  <a:ln>
+                    <a:solidFill>
+                      <a:schemeClr val="bg1"/>
+                    </a:solidFill>
+                  </a:ln>
+                  <a:solidFill>
+                    <a:schemeClr val="bg1"/>
+                  </a:solidFill>
+                </a:rPr>
+                <a:t> HTML</a:t>
+              </a:r>
+              <a:endParaRPr lang="en-US" altLang="en-US" sz="1400">
+                <a:ln>
+                  <a:solidFill>
+                    <a:schemeClr val="bg1"/>
+                  </a:solidFill>
+                </a:ln>
+                <a:solidFill>
+                  <a:schemeClr val="bg1"/>
+                </a:solidFill>
+              </a:endParaRPr>
+            </a:p>
+            <a:p>
+              <a:r>
+                <a:rPr lang="en-US" altLang="en-US" sz="1400">
+                  <a:ln>
+                    <a:solidFill>
+                      <a:schemeClr val="bg1"/>
+                    </a:solidFill>
+                  </a:ln>
+                  <a:solidFill>
+                    <a:schemeClr val="bg1"/>
+                  </a:solidFill>
+                </a:rPr>
+                <a:t>  CSS</a:t>
+              </a:r>
+              <a:endParaRPr lang="en-US" altLang="en-US" sz="1400">
+                <a:ln>
+                  <a:solidFill>
+                    <a:schemeClr val="bg1"/>
+                  </a:solidFill>
+                </a:ln>
+                <a:solidFill>
+                  <a:schemeClr val="bg1"/>
+                </a:solidFill>
+              </a:endParaRPr>
+            </a:p>
+          </p:txBody>
+        </p:sp>
+      </p:grpSp>
+      <p:sp>
+        <p:nvSpPr>
+          <p:cNvPr id="14" name="Date Placeholder 13"/>
+          <p:cNvSpPr>
+            <a:spLocks noGrp="true"/>
+          </p:cNvSpPr>
+          <p:nvPr>
+            <p:ph type="dt" sz="half" idx="10"/>
+          </p:nvPr>
+        </p:nvSpPr>
+        <p:spPr/>
+        <p:txBody>
+          <a:bodyPr/>
+          <a:p>
+            <a:fld id="{760FBDFE-C587-4B4C-A407-44438C67B59E}" type="datetime1">
+              <a:rPr lang="en-US" altLang="en-US" smtClean="0"/>
+            </a:fld>
+            <a:endParaRPr lang="zh-CN" altLang="en-US"/>
+          </a:p>
+        </p:txBody>
+      </p:sp>
+      <p:sp>
+        <p:nvSpPr>
+          <p:cNvPr id="17" name="Text Box 16"/>
+          <p:cNvSpPr txBox="true"/>
+          <p:nvPr/>
+        </p:nvSpPr>
+        <p:spPr>
+          <a:xfrm>
+            <a:off x="1014730" y="1770380"/>
+            <a:ext cx="9464675" cy="521970"/>
+          </a:xfrm>
+          <a:prstGeom prst="rect">
+            <a:avLst/>
+          </a:prstGeom>
+          <a:noFill/>
+        </p:spPr>
+        <p:txBody>
+          <a:bodyPr wrap="square" rtlCol="0">
+            <a:spAutoFit/>
+          </a:bodyPr>
+          <a:p>
+            <a:r>
               <a:rPr lang="" altLang="en-US" sz="2800"/>
-              <a:t>2. 本地下载安装项目所需第三方模块</a:t>
+              <a:t>7</a:t>
+            </a:r>
+            <a:r>
+              <a:rPr lang="en-US" altLang="en-US" sz="2800"/>
+              <a:t>. </a:t>
+            </a:r>
+            <a:r>
+              <a:rPr lang="" altLang="en-US" sz="2800"/>
+              <a:t>index.html页面</a:t>
+            </a:r>
+            <a:endParaRPr lang="" altLang="en-US" sz="2800"/>
+          </a:p>
+        </p:txBody>
+      </p:sp>
+      <p:sp>
+        <p:nvSpPr>
+          <p:cNvPr id="12" name="Text Box 11"/>
+          <p:cNvSpPr txBox="true"/>
+          <p:nvPr/>
+        </p:nvSpPr>
+        <p:spPr>
+          <a:xfrm>
+            <a:off x="1600835" y="2577465"/>
+            <a:ext cx="8990330" cy="3415030"/>
+          </a:xfrm>
+          <a:prstGeom prst="rect">
+            <a:avLst/>
+          </a:prstGeom>
+          <a:noFill/>
+        </p:spPr>
+        <p:txBody>
+          <a:bodyPr wrap="square" rtlCol="0">
+            <a:spAutoFit/>
+          </a:bodyPr>
+          <a:p>
+            <a:pPr algn="l"/>
+            <a:r>
+              <a:rPr lang="" altLang="en-US" sz="2400"/>
+              <a:t>1) 页面favicon.ico引入</a:t>
+            </a:r>
+            <a:endParaRPr lang="" altLang="en-US" sz="2400"/>
+          </a:p>
+          <a:p>
+            <a:pPr algn="l"/>
+            <a:endParaRPr lang="" altLang="en-US" sz="2400"/>
+          </a:p>
+          <a:p>
+            <a:pPr algn="l"/>
+            <a:r>
+              <a:rPr lang="" altLang="en-US" sz="2400"/>
+              <a:t>2) 引入CSS外联样式</a:t>
+            </a:r>
+            <a:endParaRPr lang="" altLang="en-US" sz="2400"/>
+          </a:p>
+          <a:p>
+            <a:pPr algn="l"/>
+            <a:endParaRPr lang="" altLang="en-US" sz="2400"/>
+          </a:p>
+          <a:p>
+            <a:pPr algn="l"/>
+            <a:r>
+              <a:rPr lang="" altLang="en-US" sz="2400"/>
+              <a:t>3) 引入Vue3.js</a:t>
+            </a:r>
+            <a:endParaRPr lang="" altLang="en-US" sz="2400"/>
+          </a:p>
+          <a:p>
+            <a:pPr algn="l"/>
+            <a:endParaRPr lang="" altLang="en-US" sz="2400"/>
+          </a:p>
+          <a:p>
+            <a:pPr algn="l"/>
+            <a:r>
+              <a:rPr lang="" altLang="en-US" sz="2400"/>
+              <a:t>4) 编辑title</a:t>
+            </a:r>
+            <a:endParaRPr lang="" altLang="en-US" sz="2400"/>
+          </a:p>
+          <a:p>
+            <a:pPr algn="l"/>
+            <a:endParaRPr lang="" altLang="en-US" sz="2400"/>
+          </a:p>
+          <a:p>
+            <a:pPr algn="l"/>
+            <a:r>
+              <a:rPr lang="" altLang="en-US" sz="2400"/>
+              <a:t>5) 编辑Vue3.0</a:t>
+            </a:r>
+            <a:endParaRPr lang="" altLang="en-US" sz="2400"/>
+          </a:p>
+        </p:txBody>
+      </p:sp>
+      <p:sp>
+        <p:nvSpPr>
+          <p:cNvPr id="19" name="Title 18"/>
+          <p:cNvSpPr>
+            <a:spLocks noGrp="true"/>
+          </p:cNvSpPr>
+          <p:nvPr>
+            <p:ph type="ctrTitle"/>
+          </p:nvPr>
+        </p:nvSpPr>
+        <p:spPr>
+          <a:xfrm>
+            <a:off x="-34925" y="340995"/>
+            <a:ext cx="9118600" cy="1252855"/>
+          </a:xfrm>
+        </p:spPr>
+        <p:txBody>
+          <a:bodyPr>
+            <a:normAutofit fontScale="90000"/>
+          </a:bodyPr>
+          <a:p>
+            <a:pPr algn="l"/>
+            <a:r>
+              <a:rPr lang="en-US" altLang="en-US"/>
+              <a:t>  </a:t>
+            </a:r>
+            <a:r>
+              <a:rPr lang="" altLang="en-US"/>
+              <a:t>Index.html首页布局</a:t>
+            </a:r>
+            <a:endParaRPr lang="" altLang="en-US"/>
+          </a:p>
+        </p:txBody>
+      </p:sp>
+    </p:spTree>
+  </p:cSld>
+  <p:clrMapOvr>
+    <a:masterClrMapping/>
+  </p:clrMapOvr>
+  <p:transition>
+    <p:wipe/>
+  </p:transition>
+</p:sld>
+</file>
+
+<file path=ppt/slides/slide15.xml><?xml version="1.0" encoding="utf-8"?>
+<p:sld xmlns:a="http://schemas.openxmlformats.org/drawingml/2006/main" xmlns:r="http://schemas.openxmlformats.org/officeDocument/2006/relationships" xmlns:p="http://schemas.openxmlformats.org/presentationml/2006/main">
+  <p:cSld>
+    <p:spTree>
+      <p:nvGrpSpPr>
+        <p:cNvPr id="1" name=""/>
+        <p:cNvGrpSpPr/>
+        <p:nvPr/>
+      </p:nvGrpSpPr>
+      <p:grpSpPr/>
+      <p:sp>
+        <p:nvSpPr>
+          <p:cNvPr id="3" name="Subtitle 2"/>
+          <p:cNvSpPr>
+            <a:spLocks noGrp="true"/>
+          </p:cNvSpPr>
+          <p:nvPr>
+            <p:ph type="subTitle" idx="1"/>
+          </p:nvPr>
+        </p:nvSpPr>
+        <p:spPr>
+          <a:xfrm>
+            <a:off x="-17780" y="6407785"/>
+            <a:ext cx="3229610" cy="349250"/>
+          </a:xfrm>
+        </p:spPr>
+        <p:txBody>
+          <a:bodyPr>
+            <a:normAutofit lnSpcReduction="20000"/>
+          </a:bodyPr>
+          <a:p>
+            <a:pPr algn="r"/>
+            <a:r>
+              <a:rPr lang="en-US" altLang="en-US"/>
+              <a:t>Coding your wanderful life</a:t>
+            </a:r>
+            <a:endParaRPr lang="en-US" altLang="en-US"/>
+          </a:p>
+        </p:txBody>
+      </p:sp>
+      <p:grpSp>
+        <p:nvGrpSpPr>
+          <p:cNvPr id="6" name="Group 5"/>
+          <p:cNvGrpSpPr/>
+          <p:nvPr/>
+        </p:nvGrpSpPr>
+        <p:grpSpPr>
+          <a:xfrm>
+            <a:off x="-20320" y="6691630"/>
+            <a:ext cx="12218035" cy="152400"/>
+            <a:chOff x="-32" y="10538"/>
+            <a:chExt cx="19241" cy="240"/>
+          </a:xfrm>
+        </p:grpSpPr>
+        <p:sp>
+          <p:nvSpPr>
+            <p:cNvPr id="4" name="Rectangle 3"/>
+            <p:cNvSpPr/>
+            <p:nvPr/>
+          </p:nvSpPr>
+          <p:spPr>
+            <a:xfrm>
+              <a:off x="-32" y="10538"/>
+              <a:ext cx="14944" cy="240"/>
+            </a:xfrm>
+            <a:prstGeom prst="rect">
+              <a:avLst/>
+            </a:prstGeom>
+            <a:solidFill>
+              <a:srgbClr val="FF6600"/>
+            </a:solidFill>
+            <a:ln>
+              <a:solidFill>
+                <a:srgbClr val="FF6600"/>
+              </a:solidFill>
+            </a:ln>
+          </p:spPr>
+          <p:style>
+            <a:lnRef idx="2">
+              <a:schemeClr val="accent1">
+                <a:shade val="50000"/>
+              </a:schemeClr>
+            </a:lnRef>
+            <a:fillRef idx="1">
+              <a:schemeClr val="accent1"/>
+            </a:fillRef>
+            <a:effectRef idx="0">
+              <a:schemeClr val="accent1"/>
+            </a:effectRef>
+            <a:fontRef idx="minor">
+              <a:schemeClr val="lt1"/>
+            </a:fontRef>
+          </p:style>
+          <p:txBody>
+            <a:bodyPr rtlCol="0" anchor="ctr"/>
+            <a:p>
+              <a:pPr algn="ctr"/>
+              <a:endParaRPr lang="en-US"/>
+            </a:p>
+          </p:txBody>
+        </p:sp>
+        <p:sp>
+          <p:nvSpPr>
+            <p:cNvPr id="5" name="Rectangle 4"/>
+            <p:cNvSpPr/>
+            <p:nvPr/>
+          </p:nvSpPr>
+          <p:spPr>
+            <a:xfrm>
+              <a:off x="14933" y="10538"/>
+              <a:ext cx="4276" cy="240"/>
+            </a:xfrm>
+            <a:prstGeom prst="rect">
+              <a:avLst/>
+            </a:prstGeom>
+            <a:solidFill>
+              <a:schemeClr val="tx1">
+                <a:lumMod val="75000"/>
+                <a:lumOff val="25000"/>
+              </a:schemeClr>
+            </a:solidFill>
+            <a:ln>
+              <a:solidFill>
+                <a:schemeClr val="tx1">
+                  <a:lumMod val="75000"/>
+                  <a:lumOff val="25000"/>
+                </a:schemeClr>
+              </a:solidFill>
+            </a:ln>
+          </p:spPr>
+          <p:style>
+            <a:lnRef idx="2">
+              <a:schemeClr val="accent1">
+                <a:shade val="50000"/>
+              </a:schemeClr>
+            </a:lnRef>
+            <a:fillRef idx="1">
+              <a:schemeClr val="accent1"/>
+            </a:fillRef>
+            <a:effectRef idx="0">
+              <a:schemeClr val="accent1"/>
+            </a:effectRef>
+            <a:fontRef idx="minor">
+              <a:schemeClr val="lt1"/>
+            </a:fontRef>
+          </p:style>
+          <p:txBody>
+            <a:bodyPr rtlCol="0" anchor="ctr"/>
+            <a:p>
+              <a:pPr algn="ctr"/>
+              <a:endParaRPr lang="en-US"/>
+            </a:p>
+          </p:txBody>
+        </p:sp>
+      </p:grpSp>
+      <p:sp>
+        <p:nvSpPr>
+          <p:cNvPr id="7" name="Rectangle 6"/>
+          <p:cNvSpPr/>
+          <p:nvPr/>
+        </p:nvSpPr>
+        <p:spPr>
+          <a:xfrm>
+            <a:off x="-20320" y="779145"/>
+            <a:ext cx="96520" cy="650875"/>
+          </a:xfrm>
+          <a:prstGeom prst="rect">
+            <a:avLst/>
+          </a:prstGeom>
+          <a:solidFill>
+            <a:schemeClr val="tx1">
+              <a:lumMod val="50000"/>
+              <a:lumOff val="50000"/>
+            </a:schemeClr>
+          </a:solidFill>
+          <a:ln>
+            <a:solidFill>
+              <a:schemeClr val="tx1">
+                <a:lumMod val="50000"/>
+                <a:lumOff val="50000"/>
+              </a:schemeClr>
+            </a:solidFill>
+          </a:ln>
+        </p:spPr>
+        <p:style>
+          <a:lnRef idx="2">
+            <a:schemeClr val="accent1">
+              <a:shade val="50000"/>
+            </a:schemeClr>
+          </a:lnRef>
+          <a:fillRef idx="1">
+            <a:schemeClr val="accent1"/>
+          </a:fillRef>
+          <a:effectRef idx="0">
+            <a:schemeClr val="accent1"/>
+          </a:effectRef>
+          <a:fontRef idx="minor">
+            <a:schemeClr val="lt1"/>
+          </a:fontRef>
+        </p:style>
+        <p:txBody>
+          <a:bodyPr rtlCol="0" anchor="ctr"/>
+          <a:p>
+            <a:pPr algn="ctr"/>
+            <a:endParaRPr lang="en-US"/>
+          </a:p>
+        </p:txBody>
+      </p:sp>
+      <p:grpSp>
+        <p:nvGrpSpPr>
+          <p:cNvPr id="10" name="Group 9"/>
+          <p:cNvGrpSpPr/>
+          <p:nvPr/>
+        </p:nvGrpSpPr>
+        <p:grpSpPr>
+          <a:xfrm>
+            <a:off x="10734040" y="422275"/>
+            <a:ext cx="928370" cy="900430"/>
+            <a:chOff x="16799" y="665"/>
+            <a:chExt cx="1462" cy="1418"/>
+          </a:xfrm>
+        </p:grpSpPr>
+        <p:sp>
+          <p:nvSpPr>
+            <p:cNvPr id="8" name="Oval 7"/>
+            <p:cNvSpPr/>
+            <p:nvPr/>
+          </p:nvSpPr>
+          <p:spPr>
+            <a:xfrm>
+              <a:off x="16799" y="665"/>
+              <a:ext cx="1463" cy="1419"/>
+            </a:xfrm>
+            <a:prstGeom prst="ellipse">
+              <a:avLst/>
+            </a:prstGeom>
+            <a:solidFill>
+              <a:srgbClr val="FF8D41"/>
+            </a:solidFill>
+            <a:ln>
+              <a:solidFill>
+                <a:srgbClr val="FF8D41"/>
+              </a:solidFill>
+            </a:ln>
+          </p:spPr>
+          <p:style>
+            <a:lnRef idx="2">
+              <a:schemeClr val="accent1">
+                <a:shade val="50000"/>
+              </a:schemeClr>
+            </a:lnRef>
+            <a:fillRef idx="1">
+              <a:schemeClr val="accent1"/>
+            </a:fillRef>
+            <a:effectRef idx="0">
+              <a:schemeClr val="accent1"/>
+            </a:effectRef>
+            <a:fontRef idx="minor">
+              <a:schemeClr val="lt1"/>
+            </a:fontRef>
+          </p:style>
+          <p:txBody>
+            <a:bodyPr rtlCol="0" anchor="ctr"/>
+            <a:p>
+              <a:pPr algn="ctr"/>
+              <a:endParaRPr lang="en-US"/>
+            </a:p>
+          </p:txBody>
+        </p:sp>
+        <p:sp>
+          <p:nvSpPr>
+            <p:cNvPr id="9" name="Text Box 8"/>
+            <p:cNvSpPr txBox="true"/>
+            <p:nvPr/>
+          </p:nvSpPr>
+          <p:spPr>
+            <a:xfrm>
+              <a:off x="16916" y="964"/>
+              <a:ext cx="1187" cy="822"/>
+            </a:xfrm>
+            <a:prstGeom prst="rect">
+              <a:avLst/>
+            </a:prstGeom>
+            <a:noFill/>
+          </p:spPr>
+          <p:txBody>
+            <a:bodyPr wrap="square" rtlCol="0">
+              <a:spAutoFit/>
+            </a:bodyPr>
+            <a:p>
+              <a:r>
+                <a:rPr lang="en-US" altLang="en-US" sz="1400">
+                  <a:ln>
+                    <a:solidFill>
+                      <a:schemeClr val="bg1"/>
+                    </a:solidFill>
+                  </a:ln>
+                  <a:solidFill>
+                    <a:schemeClr val="bg1"/>
+                  </a:solidFill>
+                </a:rPr>
+                <a:t> HTML</a:t>
+              </a:r>
+              <a:endParaRPr lang="en-US" altLang="en-US" sz="1400">
+                <a:ln>
+                  <a:solidFill>
+                    <a:schemeClr val="bg1"/>
+                  </a:solidFill>
+                </a:ln>
+                <a:solidFill>
+                  <a:schemeClr val="bg1"/>
+                </a:solidFill>
+              </a:endParaRPr>
+            </a:p>
+            <a:p>
+              <a:r>
+                <a:rPr lang="en-US" altLang="en-US" sz="1400">
+                  <a:ln>
+                    <a:solidFill>
+                      <a:schemeClr val="bg1"/>
+                    </a:solidFill>
+                  </a:ln>
+                  <a:solidFill>
+                    <a:schemeClr val="bg1"/>
+                  </a:solidFill>
+                </a:rPr>
+                <a:t>  CSS</a:t>
+              </a:r>
+              <a:endParaRPr lang="en-US" altLang="en-US" sz="1400">
+                <a:ln>
+                  <a:solidFill>
+                    <a:schemeClr val="bg1"/>
+                  </a:solidFill>
+                </a:ln>
+                <a:solidFill>
+                  <a:schemeClr val="bg1"/>
+                </a:solidFill>
+              </a:endParaRPr>
+            </a:p>
+          </p:txBody>
+        </p:sp>
+      </p:grpSp>
+      <p:sp>
+        <p:nvSpPr>
+          <p:cNvPr id="14" name="Date Placeholder 13"/>
+          <p:cNvSpPr>
+            <a:spLocks noGrp="true"/>
+          </p:cNvSpPr>
+          <p:nvPr>
+            <p:ph type="dt" sz="half" idx="10"/>
+          </p:nvPr>
+        </p:nvSpPr>
+        <p:spPr/>
+        <p:txBody>
+          <a:bodyPr/>
+          <a:p>
+            <a:fld id="{760FBDFE-C587-4B4C-A407-44438C67B59E}" type="datetime1">
+              <a:rPr lang="en-US" altLang="en-US" smtClean="0"/>
+            </a:fld>
+            <a:endParaRPr lang="zh-CN" altLang="en-US"/>
+          </a:p>
+        </p:txBody>
+      </p:sp>
+      <p:sp>
+        <p:nvSpPr>
+          <p:cNvPr id="17" name="Text Box 16"/>
+          <p:cNvSpPr txBox="true"/>
+          <p:nvPr/>
+        </p:nvSpPr>
+        <p:spPr>
+          <a:xfrm>
+            <a:off x="1014730" y="1770380"/>
+            <a:ext cx="9464675" cy="521970"/>
+          </a:xfrm>
+          <a:prstGeom prst="rect">
+            <a:avLst/>
+          </a:prstGeom>
+          <a:noFill/>
+        </p:spPr>
+        <p:txBody>
+          <a:bodyPr wrap="square" rtlCol="0">
+            <a:spAutoFit/>
+          </a:bodyPr>
+          <a:p>
+            <a:r>
+              <a:rPr lang="" altLang="en-US" sz="2800"/>
+              <a:t>8</a:t>
+            </a:r>
+            <a:r>
+              <a:rPr lang="en-US" altLang="en-US" sz="2800"/>
+              <a:t>. html</a:t>
+            </a:r>
+            <a:r>
+              <a:rPr lang="" altLang="en-US" sz="2800"/>
+              <a:t>代码</a:t>
+            </a:r>
+            <a:endParaRPr lang="" altLang="en-US" sz="2800"/>
+          </a:p>
+        </p:txBody>
+      </p:sp>
+      <p:sp>
+        <p:nvSpPr>
+          <p:cNvPr id="19" name="Title 18"/>
+          <p:cNvSpPr>
+            <a:spLocks noGrp="true"/>
+          </p:cNvSpPr>
+          <p:nvPr>
+            <p:ph type="ctrTitle"/>
+          </p:nvPr>
+        </p:nvSpPr>
+        <p:spPr>
+          <a:xfrm>
+            <a:off x="-34925" y="340995"/>
+            <a:ext cx="9118600" cy="1252855"/>
+          </a:xfrm>
+        </p:spPr>
+        <p:txBody>
+          <a:bodyPr>
+            <a:normAutofit fontScale="90000"/>
+          </a:bodyPr>
+          <a:p>
+            <a:pPr algn="l"/>
+            <a:r>
+              <a:rPr lang="en-US" altLang="en-US"/>
+              <a:t>  Index.html首页布局</a:t>
+            </a:r>
+            <a:endParaRPr lang="en-US" altLang="en-US"/>
+          </a:p>
+        </p:txBody>
+      </p:sp>
+      <p:sp>
+        <p:nvSpPr>
+          <p:cNvPr id="11" name="Text Box 10"/>
+          <p:cNvSpPr txBox="true"/>
+          <p:nvPr/>
+        </p:nvSpPr>
+        <p:spPr>
+          <a:xfrm>
+            <a:off x="1343660" y="2643505"/>
+            <a:ext cx="9464675" cy="1938020"/>
+          </a:xfrm>
+          <a:prstGeom prst="rect">
+            <a:avLst/>
+          </a:prstGeom>
+          <a:noFill/>
+        </p:spPr>
+        <p:txBody>
+          <a:bodyPr wrap="square" rtlCol="0">
+            <a:spAutoFit/>
+          </a:bodyPr>
+          <a:p>
+            <a:r>
+              <a:rPr lang="en-US" altLang="en-US" sz="2400"/>
+              <a:t>1) </a:t>
+            </a:r>
+            <a:r>
+              <a:rPr lang="" altLang="en-US" sz="2400"/>
+              <a:t>header</a:t>
+            </a:r>
+            <a:endParaRPr lang="" altLang="en-US" sz="2400"/>
+          </a:p>
+          <a:p>
+            <a:endParaRPr lang="" altLang="en-US" sz="2400"/>
+          </a:p>
+          <a:p>
+            <a:r>
+              <a:rPr lang="" altLang="en-US" sz="2400"/>
+              <a:t>2) main</a:t>
+            </a:r>
+            <a:endParaRPr lang="" altLang="en-US" sz="2400"/>
+          </a:p>
+          <a:p>
+            <a:endParaRPr lang="" altLang="en-US" sz="2400"/>
+          </a:p>
+          <a:p>
+            <a:r>
+              <a:rPr lang="" altLang="en-US" sz="2400"/>
+              <a:t>3) footer</a:t>
+            </a:r>
+            <a:endParaRPr lang="" altLang="en-US" sz="2400"/>
+          </a:p>
+        </p:txBody>
+      </p:sp>
+    </p:spTree>
+  </p:cSld>
+  <p:clrMapOvr>
+    <a:masterClrMapping/>
+  </p:clrMapOvr>
+  <p:transition>
+    <p:wipe/>
+  </p:transition>
+</p:sld>
+</file>
+
+<file path=ppt/slides/slide16.xml><?xml version="1.0" encoding="utf-8"?>
+<p:sld xmlns:a="http://schemas.openxmlformats.org/drawingml/2006/main" xmlns:r="http://schemas.openxmlformats.org/officeDocument/2006/relationships" xmlns:p="http://schemas.openxmlformats.org/presentationml/2006/main">
+  <p:cSld>
+    <p:spTree>
+      <p:nvGrpSpPr>
+        <p:cNvPr id="1" name=""/>
+        <p:cNvGrpSpPr/>
+        <p:nvPr/>
+      </p:nvGrpSpPr>
+      <p:grpSpPr/>
+      <p:sp>
+        <p:nvSpPr>
+          <p:cNvPr id="3" name="Subtitle 2"/>
+          <p:cNvSpPr>
+            <a:spLocks noGrp="true"/>
+          </p:cNvSpPr>
+          <p:nvPr>
+            <p:ph type="subTitle" idx="1"/>
+          </p:nvPr>
+        </p:nvSpPr>
+        <p:spPr>
+          <a:xfrm>
+            <a:off x="-17780" y="6407785"/>
+            <a:ext cx="3229610" cy="349250"/>
+          </a:xfrm>
+        </p:spPr>
+        <p:txBody>
+          <a:bodyPr>
+            <a:normAutofit lnSpcReduction="20000"/>
+          </a:bodyPr>
+          <a:p>
+            <a:pPr algn="r"/>
+            <a:r>
+              <a:rPr lang="en-US" altLang="en-US"/>
+              <a:t>Coding your wanderful life</a:t>
+            </a:r>
+            <a:endParaRPr lang="en-US" altLang="en-US"/>
+          </a:p>
+        </p:txBody>
+      </p:sp>
+      <p:grpSp>
+        <p:nvGrpSpPr>
+          <p:cNvPr id="6" name="Group 5"/>
+          <p:cNvGrpSpPr/>
+          <p:nvPr/>
+        </p:nvGrpSpPr>
+        <p:grpSpPr>
+          <a:xfrm>
+            <a:off x="-20320" y="6691630"/>
+            <a:ext cx="12218035" cy="152400"/>
+            <a:chOff x="-32" y="10538"/>
+            <a:chExt cx="19241" cy="240"/>
+          </a:xfrm>
+        </p:grpSpPr>
+        <p:sp>
+          <p:nvSpPr>
+            <p:cNvPr id="4" name="Rectangle 3"/>
+            <p:cNvSpPr/>
+            <p:nvPr/>
+          </p:nvSpPr>
+          <p:spPr>
+            <a:xfrm>
+              <a:off x="-32" y="10538"/>
+              <a:ext cx="14944" cy="240"/>
+            </a:xfrm>
+            <a:prstGeom prst="rect">
+              <a:avLst/>
+            </a:prstGeom>
+            <a:solidFill>
+              <a:srgbClr val="FF6600"/>
+            </a:solidFill>
+            <a:ln>
+              <a:solidFill>
+                <a:srgbClr val="FF6600"/>
+              </a:solidFill>
+            </a:ln>
+          </p:spPr>
+          <p:style>
+            <a:lnRef idx="2">
+              <a:schemeClr val="accent1">
+                <a:shade val="50000"/>
+              </a:schemeClr>
+            </a:lnRef>
+            <a:fillRef idx="1">
+              <a:schemeClr val="accent1"/>
+            </a:fillRef>
+            <a:effectRef idx="0">
+              <a:schemeClr val="accent1"/>
+            </a:effectRef>
+            <a:fontRef idx="minor">
+              <a:schemeClr val="lt1"/>
+            </a:fontRef>
+          </p:style>
+          <p:txBody>
+            <a:bodyPr rtlCol="0" anchor="ctr"/>
+            <a:p>
+              <a:pPr algn="ctr"/>
+              <a:endParaRPr lang="en-US"/>
+            </a:p>
+          </p:txBody>
+        </p:sp>
+        <p:sp>
+          <p:nvSpPr>
+            <p:cNvPr id="5" name="Rectangle 4"/>
+            <p:cNvSpPr/>
+            <p:nvPr/>
+          </p:nvSpPr>
+          <p:spPr>
+            <a:xfrm>
+              <a:off x="14933" y="10538"/>
+              <a:ext cx="4276" cy="240"/>
+            </a:xfrm>
+            <a:prstGeom prst="rect">
+              <a:avLst/>
+            </a:prstGeom>
+            <a:solidFill>
+              <a:schemeClr val="tx1">
+                <a:lumMod val="75000"/>
+                <a:lumOff val="25000"/>
+              </a:schemeClr>
+            </a:solidFill>
+            <a:ln>
+              <a:solidFill>
+                <a:schemeClr val="tx1">
+                  <a:lumMod val="75000"/>
+                  <a:lumOff val="25000"/>
+                </a:schemeClr>
+              </a:solidFill>
+            </a:ln>
+          </p:spPr>
+          <p:style>
+            <a:lnRef idx="2">
+              <a:schemeClr val="accent1">
+                <a:shade val="50000"/>
+              </a:schemeClr>
+            </a:lnRef>
+            <a:fillRef idx="1">
+              <a:schemeClr val="accent1"/>
+            </a:fillRef>
+            <a:effectRef idx="0">
+              <a:schemeClr val="accent1"/>
+            </a:effectRef>
+            <a:fontRef idx="minor">
+              <a:schemeClr val="lt1"/>
+            </a:fontRef>
+          </p:style>
+          <p:txBody>
+            <a:bodyPr rtlCol="0" anchor="ctr"/>
+            <a:p>
+              <a:pPr algn="ctr"/>
+              <a:endParaRPr lang="en-US"/>
+            </a:p>
+          </p:txBody>
+        </p:sp>
+      </p:grpSp>
+      <p:sp>
+        <p:nvSpPr>
+          <p:cNvPr id="7" name="Rectangle 6"/>
+          <p:cNvSpPr/>
+          <p:nvPr/>
+        </p:nvSpPr>
+        <p:spPr>
+          <a:xfrm>
+            <a:off x="-20320" y="779145"/>
+            <a:ext cx="96520" cy="650875"/>
+          </a:xfrm>
+          <a:prstGeom prst="rect">
+            <a:avLst/>
+          </a:prstGeom>
+          <a:solidFill>
+            <a:schemeClr val="tx1">
+              <a:lumMod val="50000"/>
+              <a:lumOff val="50000"/>
+            </a:schemeClr>
+          </a:solidFill>
+          <a:ln>
+            <a:solidFill>
+              <a:schemeClr val="tx1">
+                <a:lumMod val="50000"/>
+                <a:lumOff val="50000"/>
+              </a:schemeClr>
+            </a:solidFill>
+          </a:ln>
+        </p:spPr>
+        <p:style>
+          <a:lnRef idx="2">
+            <a:schemeClr val="accent1">
+              <a:shade val="50000"/>
+            </a:schemeClr>
+          </a:lnRef>
+          <a:fillRef idx="1">
+            <a:schemeClr val="accent1"/>
+          </a:fillRef>
+          <a:effectRef idx="0">
+            <a:schemeClr val="accent1"/>
+          </a:effectRef>
+          <a:fontRef idx="minor">
+            <a:schemeClr val="lt1"/>
+          </a:fontRef>
+        </p:style>
+        <p:txBody>
+          <a:bodyPr rtlCol="0" anchor="ctr"/>
+          <a:p>
+            <a:pPr algn="ctr"/>
+            <a:endParaRPr lang="en-US"/>
+          </a:p>
+        </p:txBody>
+      </p:sp>
+      <p:grpSp>
+        <p:nvGrpSpPr>
+          <p:cNvPr id="10" name="Group 9"/>
+          <p:cNvGrpSpPr/>
+          <p:nvPr/>
+        </p:nvGrpSpPr>
+        <p:grpSpPr>
+          <a:xfrm>
+            <a:off x="10734040" y="422275"/>
+            <a:ext cx="928370" cy="900430"/>
+            <a:chOff x="16799" y="665"/>
+            <a:chExt cx="1462" cy="1418"/>
+          </a:xfrm>
+        </p:grpSpPr>
+        <p:sp>
+          <p:nvSpPr>
+            <p:cNvPr id="8" name="Oval 7"/>
+            <p:cNvSpPr/>
+            <p:nvPr/>
+          </p:nvSpPr>
+          <p:spPr>
+            <a:xfrm>
+              <a:off x="16799" y="665"/>
+              <a:ext cx="1463" cy="1419"/>
+            </a:xfrm>
+            <a:prstGeom prst="ellipse">
+              <a:avLst/>
+            </a:prstGeom>
+            <a:solidFill>
+              <a:srgbClr val="FF8D41"/>
+            </a:solidFill>
+            <a:ln>
+              <a:solidFill>
+                <a:srgbClr val="FF8D41"/>
+              </a:solidFill>
+            </a:ln>
+          </p:spPr>
+          <p:style>
+            <a:lnRef idx="2">
+              <a:schemeClr val="accent1">
+                <a:shade val="50000"/>
+              </a:schemeClr>
+            </a:lnRef>
+            <a:fillRef idx="1">
+              <a:schemeClr val="accent1"/>
+            </a:fillRef>
+            <a:effectRef idx="0">
+              <a:schemeClr val="accent1"/>
+            </a:effectRef>
+            <a:fontRef idx="minor">
+              <a:schemeClr val="lt1"/>
+            </a:fontRef>
+          </p:style>
+          <p:txBody>
+            <a:bodyPr rtlCol="0" anchor="ctr"/>
+            <a:p>
+              <a:pPr algn="ctr"/>
+              <a:endParaRPr lang="en-US"/>
+            </a:p>
+          </p:txBody>
+        </p:sp>
+        <p:sp>
+          <p:nvSpPr>
+            <p:cNvPr id="9" name="Text Box 8"/>
+            <p:cNvSpPr txBox="true"/>
+            <p:nvPr/>
+          </p:nvSpPr>
+          <p:spPr>
+            <a:xfrm>
+              <a:off x="16916" y="964"/>
+              <a:ext cx="1187" cy="822"/>
+            </a:xfrm>
+            <a:prstGeom prst="rect">
+              <a:avLst/>
+            </a:prstGeom>
+            <a:noFill/>
+          </p:spPr>
+          <p:txBody>
+            <a:bodyPr wrap="square" rtlCol="0">
+              <a:spAutoFit/>
+            </a:bodyPr>
+            <a:p>
+              <a:r>
+                <a:rPr lang="en-US" altLang="en-US" sz="1400">
+                  <a:ln>
+                    <a:solidFill>
+                      <a:schemeClr val="bg1"/>
+                    </a:solidFill>
+                  </a:ln>
+                  <a:solidFill>
+                    <a:schemeClr val="bg1"/>
+                  </a:solidFill>
+                </a:rPr>
+                <a:t> HTML</a:t>
+              </a:r>
+              <a:endParaRPr lang="en-US" altLang="en-US" sz="1400">
+                <a:ln>
+                  <a:solidFill>
+                    <a:schemeClr val="bg1"/>
+                  </a:solidFill>
+                </a:ln>
+                <a:solidFill>
+                  <a:schemeClr val="bg1"/>
+                </a:solidFill>
+              </a:endParaRPr>
+            </a:p>
+            <a:p>
+              <a:r>
+                <a:rPr lang="en-US" altLang="en-US" sz="1400">
+                  <a:ln>
+                    <a:solidFill>
+                      <a:schemeClr val="bg1"/>
+                    </a:solidFill>
+                  </a:ln>
+                  <a:solidFill>
+                    <a:schemeClr val="bg1"/>
+                  </a:solidFill>
+                </a:rPr>
+                <a:t>  CSS</a:t>
+              </a:r>
+              <a:endParaRPr lang="en-US" altLang="en-US" sz="1400">
+                <a:ln>
+                  <a:solidFill>
+                    <a:schemeClr val="bg1"/>
+                  </a:solidFill>
+                </a:ln>
+                <a:solidFill>
+                  <a:schemeClr val="bg1"/>
+                </a:solidFill>
+              </a:endParaRPr>
+            </a:p>
+          </p:txBody>
+        </p:sp>
+      </p:grpSp>
+      <p:sp>
+        <p:nvSpPr>
+          <p:cNvPr id="14" name="Date Placeholder 13"/>
+          <p:cNvSpPr>
+            <a:spLocks noGrp="true"/>
+          </p:cNvSpPr>
+          <p:nvPr>
+            <p:ph type="dt" sz="half" idx="10"/>
+          </p:nvPr>
+        </p:nvSpPr>
+        <p:spPr>
+          <a:xfrm>
+            <a:off x="8888095" y="6379845"/>
+            <a:ext cx="2940050" cy="365125"/>
+          </a:xfrm>
+        </p:spPr>
+        <p:txBody>
+          <a:bodyPr/>
+          <a:p>
+            <a:pPr algn="r"/>
+            <a:fld id="{760FBDFE-C587-4B4C-A407-44438C67B59E}" type="datetime1">
+              <a:rPr lang="en-US" altLang="en-US" smtClean="0"/>
+            </a:fld>
+            <a:endParaRPr lang="zh-CN" altLang="en-US"/>
+          </a:p>
+        </p:txBody>
+      </p:sp>
+      <p:sp>
+        <p:nvSpPr>
+          <p:cNvPr id="17" name="Text Box 16"/>
+          <p:cNvSpPr txBox="true"/>
+          <p:nvPr/>
+        </p:nvSpPr>
+        <p:spPr>
+          <a:xfrm>
+            <a:off x="1015365" y="1727835"/>
+            <a:ext cx="9464675" cy="521970"/>
+          </a:xfrm>
+          <a:prstGeom prst="rect">
+            <a:avLst/>
+          </a:prstGeom>
+          <a:noFill/>
+        </p:spPr>
+        <p:txBody>
+          <a:bodyPr wrap="square" rtlCol="0">
+            <a:spAutoFit/>
+          </a:bodyPr>
+          <a:p>
+            <a:r>
+              <a:rPr lang="en-US" altLang="en-US" sz="2800"/>
+              <a:t>8. </a:t>
+            </a:r>
+            <a:r>
+              <a:rPr lang="en-US" altLang="en-US" sz="2800">
+                <a:sym typeface="+mn-ea"/>
+              </a:rPr>
+              <a:t>header</a:t>
+            </a:r>
+            <a:r>
+              <a:rPr lang="en-US" altLang="en-US" sz="2800"/>
+              <a:t>代码</a:t>
+            </a:r>
+            <a:r>
+              <a:rPr lang="" altLang="en-US" sz="2800"/>
+              <a:t> :  .container</a:t>
+            </a:r>
+            <a:endParaRPr lang="" altLang="en-US" sz="2800"/>
+          </a:p>
+        </p:txBody>
+      </p:sp>
+      <p:sp>
+        <p:nvSpPr>
+          <p:cNvPr id="19" name="Title 18"/>
+          <p:cNvSpPr>
+            <a:spLocks noGrp="true"/>
+          </p:cNvSpPr>
+          <p:nvPr>
+            <p:ph type="ctrTitle"/>
+          </p:nvPr>
+        </p:nvSpPr>
+        <p:spPr>
+          <a:xfrm>
+            <a:off x="-20320" y="246380"/>
+            <a:ext cx="9118600" cy="1252855"/>
+          </a:xfrm>
+        </p:spPr>
+        <p:txBody>
+          <a:bodyPr>
+            <a:normAutofit fontScale="90000"/>
+          </a:bodyPr>
+          <a:p>
+            <a:pPr algn="l"/>
+            <a:r>
+              <a:rPr lang="en-US" altLang="en-US"/>
+              <a:t>  Index.html首页布局</a:t>
+            </a:r>
+            <a:endParaRPr lang="en-US" altLang="en-US"/>
+          </a:p>
+        </p:txBody>
+      </p:sp>
+      <p:sp>
+        <p:nvSpPr>
+          <p:cNvPr id="2" name="Rectangle 1"/>
+          <p:cNvSpPr/>
+          <p:nvPr/>
+        </p:nvSpPr>
+        <p:spPr>
+          <a:xfrm>
+            <a:off x="1016000" y="2435225"/>
+            <a:ext cx="10289540" cy="411480"/>
+          </a:xfrm>
+          <a:prstGeom prst="rect">
+            <a:avLst/>
+          </a:prstGeom>
+          <a:solidFill>
+            <a:schemeClr val="tx1">
+              <a:lumMod val="95000"/>
+              <a:lumOff val="5000"/>
+            </a:schemeClr>
+          </a:solidFill>
+          <a:ln>
+            <a:solidFill>
+              <a:schemeClr val="tx1">
+                <a:lumMod val="95000"/>
+                <a:lumOff val="5000"/>
+              </a:schemeClr>
+            </a:solidFill>
+          </a:ln>
+        </p:spPr>
+        <p:style>
+          <a:lnRef idx="2">
+            <a:schemeClr val="accent1">
+              <a:shade val="50000"/>
+            </a:schemeClr>
+          </a:lnRef>
+          <a:fillRef idx="1">
+            <a:schemeClr val="accent1"/>
+          </a:fillRef>
+          <a:effectRef idx="0">
+            <a:schemeClr val="accent1"/>
+          </a:effectRef>
+          <a:fontRef idx="minor">
+            <a:schemeClr val="lt1"/>
+          </a:fontRef>
+        </p:style>
+        <p:txBody>
+          <a:bodyPr rtlCol="0" anchor="ctr"/>
+          <a:p>
+            <a:pPr algn="ctr"/>
+            <a:endParaRPr lang="en-US"/>
+          </a:p>
+        </p:txBody>
+      </p:sp>
+      <p:pic>
+        <p:nvPicPr>
+          <p:cNvPr id="13" name="Picture 12" descr="Homepage Banner_Savour Summer_Optimized"/>
+          <p:cNvPicPr>
+            <a:picLocks noChangeAspect="true"/>
+          </p:cNvPicPr>
+          <p:nvPr/>
+        </p:nvPicPr>
+        <p:blipFill>
+          <a:blip r:embed="rId1"/>
+          <a:stretch>
+            <a:fillRect/>
+          </a:stretch>
+        </p:blipFill>
+        <p:spPr>
+          <a:xfrm>
+            <a:off x="1008380" y="2917825"/>
+            <a:ext cx="10296525" cy="2256155"/>
+          </a:xfrm>
+          <a:prstGeom prst="rect">
+            <a:avLst/>
+          </a:prstGeom>
+        </p:spPr>
+      </p:pic>
+      <p:pic>
+        <p:nvPicPr>
+          <p:cNvPr id="15" name="Picture 14" descr="001-home"/>
+          <p:cNvPicPr>
+            <a:picLocks noChangeAspect="true"/>
+          </p:cNvPicPr>
+          <p:nvPr/>
+        </p:nvPicPr>
+        <p:blipFill>
+          <a:blip r:embed="rId2">
+            <a:extLst>
+              <a:ext uri="{96DAC541-7B7A-43D3-8B79-37D633B846F1}">
+                <asvg:svgBlip xmlns:asvg="http://schemas.microsoft.com/office/drawing/2016/SVG/main" r:embed="rId3"/>
+              </a:ext>
+            </a:extLst>
+          </a:blip>
+          <a:stretch>
+            <a:fillRect/>
+          </a:stretch>
+        </p:blipFill>
+        <p:spPr>
+          <a:xfrm>
+            <a:off x="1008380" y="2517775"/>
+            <a:ext cx="228600" cy="228600"/>
+          </a:xfrm>
+          <a:prstGeom prst="rect">
+            <a:avLst/>
+          </a:prstGeom>
+        </p:spPr>
+      </p:pic>
+      <p:sp>
+        <p:nvSpPr>
+          <p:cNvPr id="16" name="Text Box 15"/>
+          <p:cNvSpPr txBox="true"/>
+          <p:nvPr/>
+        </p:nvSpPr>
+        <p:spPr>
+          <a:xfrm>
+            <a:off x="8431530" y="2478405"/>
+            <a:ext cx="3222625" cy="306705"/>
+          </a:xfrm>
+          <a:prstGeom prst="rect">
+            <a:avLst/>
+          </a:prstGeom>
+          <a:noFill/>
+        </p:spPr>
+        <p:txBody>
+          <a:bodyPr wrap="square" rtlCol="0">
+            <a:spAutoFit/>
+          </a:bodyPr>
+          <a:p>
+            <a:r>
+              <a:rPr lang="" altLang="en-US" sz="1400">
+                <a:solidFill>
+                  <a:schemeClr val="bg1"/>
+                </a:solidFill>
+              </a:rPr>
+              <a:t>About  Blog  Products  Contract</a:t>
+            </a:r>
+            <a:endParaRPr lang="" altLang="en-US" sz="1400">
+              <a:solidFill>
+                <a:schemeClr val="bg1"/>
+              </a:solidFill>
+            </a:endParaRPr>
+          </a:p>
+        </p:txBody>
+      </p:sp>
+    </p:spTree>
+  </p:cSld>
+  <p:clrMapOvr>
+    <a:masterClrMapping/>
+  </p:clrMapOvr>
+  <p:transition>
+    <p:wipe/>
+  </p:transition>
+</p:sld>
+</file>
+
+<file path=ppt/slides/slide17.xml><?xml version="1.0" encoding="utf-8"?>
+<p:sld xmlns:a="http://schemas.openxmlformats.org/drawingml/2006/main" xmlns:r="http://schemas.openxmlformats.org/officeDocument/2006/relationships" xmlns:p="http://schemas.openxmlformats.org/presentationml/2006/main">
+  <p:cSld>
+    <p:spTree>
+      <p:nvGrpSpPr>
+        <p:cNvPr id="1" name=""/>
+        <p:cNvGrpSpPr/>
+        <p:nvPr/>
+      </p:nvGrpSpPr>
+      <p:grpSpPr/>
+      <p:sp>
+        <p:nvSpPr>
+          <p:cNvPr id="3" name="Subtitle 2"/>
+          <p:cNvSpPr>
+            <a:spLocks noGrp="true"/>
+          </p:cNvSpPr>
+          <p:nvPr>
+            <p:ph type="subTitle" idx="1"/>
+          </p:nvPr>
+        </p:nvSpPr>
+        <p:spPr>
+          <a:xfrm>
+            <a:off x="-17780" y="6407785"/>
+            <a:ext cx="3229610" cy="349250"/>
+          </a:xfrm>
+        </p:spPr>
+        <p:txBody>
+          <a:bodyPr>
+            <a:normAutofit lnSpcReduction="20000"/>
+          </a:bodyPr>
+          <a:p>
+            <a:pPr algn="r"/>
+            <a:r>
+              <a:rPr lang="en-US" altLang="en-US"/>
+              <a:t>Coding your wanderful life</a:t>
+            </a:r>
+            <a:endParaRPr lang="en-US" altLang="en-US"/>
+          </a:p>
+        </p:txBody>
+      </p:sp>
+      <p:grpSp>
+        <p:nvGrpSpPr>
+          <p:cNvPr id="6" name="Group 5"/>
+          <p:cNvGrpSpPr/>
+          <p:nvPr/>
+        </p:nvGrpSpPr>
+        <p:grpSpPr>
+          <a:xfrm>
+            <a:off x="-20320" y="6691630"/>
+            <a:ext cx="12218035" cy="152400"/>
+            <a:chOff x="-32" y="10538"/>
+            <a:chExt cx="19241" cy="240"/>
+          </a:xfrm>
+        </p:grpSpPr>
+        <p:sp>
+          <p:nvSpPr>
+            <p:cNvPr id="4" name="Rectangle 3"/>
+            <p:cNvSpPr/>
+            <p:nvPr/>
+          </p:nvSpPr>
+          <p:spPr>
+            <a:xfrm>
+              <a:off x="-32" y="10538"/>
+              <a:ext cx="14944" cy="240"/>
+            </a:xfrm>
+            <a:prstGeom prst="rect">
+              <a:avLst/>
+            </a:prstGeom>
+            <a:solidFill>
+              <a:srgbClr val="FF6600"/>
+            </a:solidFill>
+            <a:ln>
+              <a:solidFill>
+                <a:srgbClr val="FF6600"/>
+              </a:solidFill>
+            </a:ln>
+          </p:spPr>
+          <p:style>
+            <a:lnRef idx="2">
+              <a:schemeClr val="accent1">
+                <a:shade val="50000"/>
+              </a:schemeClr>
+            </a:lnRef>
+            <a:fillRef idx="1">
+              <a:schemeClr val="accent1"/>
+            </a:fillRef>
+            <a:effectRef idx="0">
+              <a:schemeClr val="accent1"/>
+            </a:effectRef>
+            <a:fontRef idx="minor">
+              <a:schemeClr val="lt1"/>
+            </a:fontRef>
+          </p:style>
+          <p:txBody>
+            <a:bodyPr rtlCol="0" anchor="ctr"/>
+            <a:p>
+              <a:pPr algn="ctr"/>
+              <a:endParaRPr lang="en-US"/>
+            </a:p>
+          </p:txBody>
+        </p:sp>
+        <p:sp>
+          <p:nvSpPr>
+            <p:cNvPr id="5" name="Rectangle 4"/>
+            <p:cNvSpPr/>
+            <p:nvPr/>
+          </p:nvSpPr>
+          <p:spPr>
+            <a:xfrm>
+              <a:off x="14933" y="10538"/>
+              <a:ext cx="4276" cy="240"/>
+            </a:xfrm>
+            <a:prstGeom prst="rect">
+              <a:avLst/>
+            </a:prstGeom>
+            <a:solidFill>
+              <a:schemeClr val="tx1">
+                <a:lumMod val="75000"/>
+                <a:lumOff val="25000"/>
+              </a:schemeClr>
+            </a:solidFill>
+            <a:ln>
+              <a:solidFill>
+                <a:schemeClr val="tx1">
+                  <a:lumMod val="75000"/>
+                  <a:lumOff val="25000"/>
+                </a:schemeClr>
+              </a:solidFill>
+            </a:ln>
+          </p:spPr>
+          <p:style>
+            <a:lnRef idx="2">
+              <a:schemeClr val="accent1">
+                <a:shade val="50000"/>
+              </a:schemeClr>
+            </a:lnRef>
+            <a:fillRef idx="1">
+              <a:schemeClr val="accent1"/>
+            </a:fillRef>
+            <a:effectRef idx="0">
+              <a:schemeClr val="accent1"/>
+            </a:effectRef>
+            <a:fontRef idx="minor">
+              <a:schemeClr val="lt1"/>
+            </a:fontRef>
+          </p:style>
+          <p:txBody>
+            <a:bodyPr rtlCol="0" anchor="ctr"/>
+            <a:p>
+              <a:pPr algn="ctr"/>
+              <a:endParaRPr lang="en-US"/>
+            </a:p>
+          </p:txBody>
+        </p:sp>
+      </p:grpSp>
+      <p:sp>
+        <p:nvSpPr>
+          <p:cNvPr id="7" name="Rectangle 6"/>
+          <p:cNvSpPr/>
+          <p:nvPr/>
+        </p:nvSpPr>
+        <p:spPr>
+          <a:xfrm>
+            <a:off x="-20320" y="779145"/>
+            <a:ext cx="96520" cy="650875"/>
+          </a:xfrm>
+          <a:prstGeom prst="rect">
+            <a:avLst/>
+          </a:prstGeom>
+          <a:solidFill>
+            <a:schemeClr val="tx1">
+              <a:lumMod val="50000"/>
+              <a:lumOff val="50000"/>
+            </a:schemeClr>
+          </a:solidFill>
+          <a:ln>
+            <a:solidFill>
+              <a:schemeClr val="tx1">
+                <a:lumMod val="50000"/>
+                <a:lumOff val="50000"/>
+              </a:schemeClr>
+            </a:solidFill>
+          </a:ln>
+        </p:spPr>
+        <p:style>
+          <a:lnRef idx="2">
+            <a:schemeClr val="accent1">
+              <a:shade val="50000"/>
+            </a:schemeClr>
+          </a:lnRef>
+          <a:fillRef idx="1">
+            <a:schemeClr val="accent1"/>
+          </a:fillRef>
+          <a:effectRef idx="0">
+            <a:schemeClr val="accent1"/>
+          </a:effectRef>
+          <a:fontRef idx="minor">
+            <a:schemeClr val="lt1"/>
+          </a:fontRef>
+        </p:style>
+        <p:txBody>
+          <a:bodyPr rtlCol="0" anchor="ctr"/>
+          <a:p>
+            <a:pPr algn="ctr"/>
+            <a:endParaRPr lang="en-US"/>
+          </a:p>
+        </p:txBody>
+      </p:sp>
+      <p:grpSp>
+        <p:nvGrpSpPr>
+          <p:cNvPr id="10" name="Group 9"/>
+          <p:cNvGrpSpPr/>
+          <p:nvPr/>
+        </p:nvGrpSpPr>
+        <p:grpSpPr>
+          <a:xfrm>
+            <a:off x="10734040" y="422275"/>
+            <a:ext cx="928370" cy="900430"/>
+            <a:chOff x="16799" y="665"/>
+            <a:chExt cx="1462" cy="1418"/>
+          </a:xfrm>
+        </p:grpSpPr>
+        <p:sp>
+          <p:nvSpPr>
+            <p:cNvPr id="8" name="Oval 7"/>
+            <p:cNvSpPr/>
+            <p:nvPr/>
+          </p:nvSpPr>
+          <p:spPr>
+            <a:xfrm>
+              <a:off x="16799" y="665"/>
+              <a:ext cx="1463" cy="1419"/>
+            </a:xfrm>
+            <a:prstGeom prst="ellipse">
+              <a:avLst/>
+            </a:prstGeom>
+            <a:solidFill>
+              <a:srgbClr val="FF8D41"/>
+            </a:solidFill>
+            <a:ln>
+              <a:solidFill>
+                <a:srgbClr val="FF8D41"/>
+              </a:solidFill>
+            </a:ln>
+          </p:spPr>
+          <p:style>
+            <a:lnRef idx="2">
+              <a:schemeClr val="accent1">
+                <a:shade val="50000"/>
+              </a:schemeClr>
+            </a:lnRef>
+            <a:fillRef idx="1">
+              <a:schemeClr val="accent1"/>
+            </a:fillRef>
+            <a:effectRef idx="0">
+              <a:schemeClr val="accent1"/>
+            </a:effectRef>
+            <a:fontRef idx="minor">
+              <a:schemeClr val="lt1"/>
+            </a:fontRef>
+          </p:style>
+          <p:txBody>
+            <a:bodyPr rtlCol="0" anchor="ctr"/>
+            <a:p>
+              <a:pPr algn="ctr"/>
+              <a:endParaRPr lang="en-US"/>
+            </a:p>
+          </p:txBody>
+        </p:sp>
+        <p:sp>
+          <p:nvSpPr>
+            <p:cNvPr id="9" name="Text Box 8"/>
+            <p:cNvSpPr txBox="true"/>
+            <p:nvPr/>
+          </p:nvSpPr>
+          <p:spPr>
+            <a:xfrm>
+              <a:off x="16916" y="964"/>
+              <a:ext cx="1187" cy="822"/>
+            </a:xfrm>
+            <a:prstGeom prst="rect">
+              <a:avLst/>
+            </a:prstGeom>
+            <a:noFill/>
+          </p:spPr>
+          <p:txBody>
+            <a:bodyPr wrap="square" rtlCol="0">
+              <a:spAutoFit/>
+            </a:bodyPr>
+            <a:p>
+              <a:r>
+                <a:rPr lang="en-US" altLang="en-US" sz="1400">
+                  <a:ln>
+                    <a:solidFill>
+                      <a:schemeClr val="bg1"/>
+                    </a:solidFill>
+                  </a:ln>
+                  <a:solidFill>
+                    <a:schemeClr val="bg1"/>
+                  </a:solidFill>
+                </a:rPr>
+                <a:t> HTML</a:t>
+              </a:r>
+              <a:endParaRPr lang="en-US" altLang="en-US" sz="1400">
+                <a:ln>
+                  <a:solidFill>
+                    <a:schemeClr val="bg1"/>
+                  </a:solidFill>
+                </a:ln>
+                <a:solidFill>
+                  <a:schemeClr val="bg1"/>
+                </a:solidFill>
+              </a:endParaRPr>
+            </a:p>
+            <a:p>
+              <a:r>
+                <a:rPr lang="en-US" altLang="en-US" sz="1400">
+                  <a:ln>
+                    <a:solidFill>
+                      <a:schemeClr val="bg1"/>
+                    </a:solidFill>
+                  </a:ln>
+                  <a:solidFill>
+                    <a:schemeClr val="bg1"/>
+                  </a:solidFill>
+                </a:rPr>
+                <a:t>  CSS</a:t>
+              </a:r>
+              <a:endParaRPr lang="en-US" altLang="en-US" sz="1400">
+                <a:ln>
+                  <a:solidFill>
+                    <a:schemeClr val="bg1"/>
+                  </a:solidFill>
+                </a:ln>
+                <a:solidFill>
+                  <a:schemeClr val="bg1"/>
+                </a:solidFill>
+              </a:endParaRPr>
+            </a:p>
+          </p:txBody>
+        </p:sp>
+      </p:grpSp>
+      <p:sp>
+        <p:nvSpPr>
+          <p:cNvPr id="14" name="Date Placeholder 13"/>
+          <p:cNvSpPr>
+            <a:spLocks noGrp="true"/>
+          </p:cNvSpPr>
+          <p:nvPr>
+            <p:ph type="dt" sz="half" idx="10"/>
+          </p:nvPr>
+        </p:nvSpPr>
+        <p:spPr>
+          <a:xfrm>
+            <a:off x="8888095" y="6379845"/>
+            <a:ext cx="2940050" cy="365125"/>
+          </a:xfrm>
+        </p:spPr>
+        <p:txBody>
+          <a:bodyPr/>
+          <a:p>
+            <a:pPr algn="r"/>
+            <a:fld id="{760FBDFE-C587-4B4C-A407-44438C67B59E}" type="datetime1">
+              <a:rPr lang="en-US" altLang="en-US" smtClean="0"/>
+            </a:fld>
+            <a:endParaRPr lang="zh-CN" altLang="en-US"/>
+          </a:p>
+        </p:txBody>
+      </p:sp>
+      <p:sp>
+        <p:nvSpPr>
+          <p:cNvPr id="17" name="Text Box 16"/>
+          <p:cNvSpPr txBox="true"/>
+          <p:nvPr/>
+        </p:nvSpPr>
+        <p:spPr>
+          <a:xfrm>
+            <a:off x="996950" y="1739900"/>
+            <a:ext cx="9464675" cy="521970"/>
+          </a:xfrm>
+          <a:prstGeom prst="rect">
+            <a:avLst/>
+          </a:prstGeom>
+          <a:noFill/>
+        </p:spPr>
+        <p:txBody>
+          <a:bodyPr wrap="square" rtlCol="0">
+            <a:spAutoFit/>
+          </a:bodyPr>
+          <a:p>
+            <a:r>
+              <a:rPr lang="en-US" altLang="en-US" sz="2800"/>
+              <a:t>8. </a:t>
+            </a:r>
+            <a:r>
+              <a:rPr lang="en-US" altLang="en-US" sz="2800">
+                <a:sym typeface="+mn-ea"/>
+              </a:rPr>
+              <a:t>header</a:t>
+            </a:r>
+            <a:r>
+              <a:rPr lang="en-US" altLang="en-US" sz="2800"/>
+              <a:t>代码</a:t>
+            </a:r>
+            <a:r>
+              <a:rPr lang="" altLang="en-US" sz="2800"/>
+              <a:t>: header</a:t>
+            </a:r>
+            <a:endParaRPr lang="" altLang="en-US" sz="2800"/>
+          </a:p>
+        </p:txBody>
+      </p:sp>
+      <p:sp>
+        <p:nvSpPr>
+          <p:cNvPr id="19" name="Title 18"/>
+          <p:cNvSpPr>
+            <a:spLocks noGrp="true"/>
+          </p:cNvSpPr>
+          <p:nvPr>
+            <p:ph type="ctrTitle"/>
+          </p:nvPr>
+        </p:nvSpPr>
+        <p:spPr>
+          <a:xfrm>
+            <a:off x="-20320" y="246380"/>
+            <a:ext cx="9118600" cy="1252855"/>
+          </a:xfrm>
+        </p:spPr>
+        <p:txBody>
+          <a:bodyPr>
+            <a:normAutofit fontScale="90000"/>
+          </a:bodyPr>
+          <a:p>
+            <a:pPr algn="l"/>
+            <a:r>
+              <a:rPr lang="en-US" altLang="en-US"/>
+              <a:t>  Index.html首页布局</a:t>
+            </a:r>
+            <a:endParaRPr lang="en-US" altLang="en-US"/>
+          </a:p>
+        </p:txBody>
+      </p:sp>
+      <p:sp>
+        <p:nvSpPr>
+          <p:cNvPr id="2" name="Rectangle 1"/>
+          <p:cNvSpPr/>
+          <p:nvPr/>
+        </p:nvSpPr>
+        <p:spPr>
+          <a:xfrm>
+            <a:off x="635000" y="2435225"/>
+            <a:ext cx="11028045" cy="2642870"/>
+          </a:xfrm>
+          <a:prstGeom prst="rect">
+            <a:avLst/>
+          </a:prstGeom>
+          <a:solidFill>
+            <a:schemeClr val="tx1">
+              <a:lumMod val="95000"/>
+              <a:lumOff val="5000"/>
+            </a:schemeClr>
+          </a:solidFill>
+          <a:ln>
+            <a:solidFill>
+              <a:schemeClr val="tx1">
+                <a:lumMod val="95000"/>
+                <a:lumOff val="5000"/>
+              </a:schemeClr>
+            </a:solidFill>
+          </a:ln>
+        </p:spPr>
+        <p:style>
+          <a:lnRef idx="2">
+            <a:schemeClr val="accent1">
+              <a:shade val="50000"/>
+            </a:schemeClr>
+          </a:lnRef>
+          <a:fillRef idx="1">
+            <a:schemeClr val="accent1"/>
+          </a:fillRef>
+          <a:effectRef idx="0">
+            <a:schemeClr val="accent1"/>
+          </a:effectRef>
+          <a:fontRef idx="minor">
+            <a:schemeClr val="lt1"/>
+          </a:fontRef>
+        </p:style>
+        <p:txBody>
+          <a:bodyPr rtlCol="0" anchor="ctr"/>
+          <a:p>
+            <a:pPr algn="ctr"/>
+            <a:endParaRPr lang="en-US"/>
+          </a:p>
+        </p:txBody>
+      </p:sp>
+      <p:pic>
+        <p:nvPicPr>
+          <p:cNvPr id="13" name="Picture 12" descr="Homepage Banner_Savour Summer_Optimized"/>
+          <p:cNvPicPr>
+            <a:picLocks noChangeAspect="true"/>
+          </p:cNvPicPr>
+          <p:nvPr/>
+        </p:nvPicPr>
+        <p:blipFill>
+          <a:blip r:embed="rId1"/>
+          <a:stretch>
+            <a:fillRect/>
+          </a:stretch>
+        </p:blipFill>
+        <p:spPr>
+          <a:xfrm>
+            <a:off x="635635" y="2839720"/>
+            <a:ext cx="11064240" cy="2256155"/>
+          </a:xfrm>
+          <a:prstGeom prst="rect">
+            <a:avLst/>
+          </a:prstGeom>
+        </p:spPr>
+      </p:pic>
+      <p:pic>
+        <p:nvPicPr>
+          <p:cNvPr id="15" name="Picture 14" descr="001-home"/>
+          <p:cNvPicPr>
+            <a:picLocks noChangeAspect="true"/>
+          </p:cNvPicPr>
+          <p:nvPr/>
+        </p:nvPicPr>
+        <p:blipFill>
+          <a:blip r:embed="rId2">
+            <a:extLst>
+              <a:ext uri="{96DAC541-7B7A-43D3-8B79-37D633B846F1}">
+                <asvg:svgBlip xmlns:asvg="http://schemas.microsoft.com/office/drawing/2016/SVG/main" r:embed="rId3"/>
+              </a:ext>
+            </a:extLst>
+          </a:blip>
+          <a:stretch>
+            <a:fillRect/>
+          </a:stretch>
+        </p:blipFill>
+        <p:spPr>
+          <a:xfrm>
+            <a:off x="1167130" y="2519680"/>
+            <a:ext cx="228600" cy="228600"/>
+          </a:xfrm>
+          <a:prstGeom prst="rect">
+            <a:avLst/>
+          </a:prstGeom>
+        </p:spPr>
+      </p:pic>
+      <p:sp>
+        <p:nvSpPr>
+          <p:cNvPr id="16" name="Text Box 15"/>
+          <p:cNvSpPr txBox="true"/>
+          <p:nvPr/>
+        </p:nvSpPr>
+        <p:spPr>
+          <a:xfrm>
+            <a:off x="8364220" y="2478405"/>
+            <a:ext cx="3222625" cy="306705"/>
+          </a:xfrm>
+          <a:prstGeom prst="rect">
+            <a:avLst/>
+          </a:prstGeom>
+          <a:noFill/>
+        </p:spPr>
+        <p:txBody>
+          <a:bodyPr wrap="square" rtlCol="0">
+            <a:spAutoFit/>
+          </a:bodyPr>
+          <a:p>
+            <a:r>
+              <a:rPr lang="en-US" altLang="en-US" sz="1400">
+                <a:solidFill>
+                  <a:schemeClr val="bg1"/>
+                </a:solidFill>
+              </a:rPr>
+              <a:t>About  Blog  Products  Contract</a:t>
+            </a:r>
+            <a:endParaRPr lang="en-US" altLang="en-US" sz="1400">
+              <a:solidFill>
+                <a:schemeClr val="bg1"/>
+              </a:solidFill>
+            </a:endParaRPr>
+          </a:p>
+        </p:txBody>
+      </p:sp>
+    </p:spTree>
+  </p:cSld>
+  <p:clrMapOvr>
+    <a:masterClrMapping/>
+  </p:clrMapOvr>
+  <p:transition>
+    <p:wipe/>
+  </p:transition>
+</p:sld>
+</file>
+
+<file path=ppt/slides/slide18.xml><?xml version="1.0" encoding="utf-8"?>
+<p:sld xmlns:a="http://schemas.openxmlformats.org/drawingml/2006/main" xmlns:r="http://schemas.openxmlformats.org/officeDocument/2006/relationships" xmlns:p="http://schemas.openxmlformats.org/presentationml/2006/main">
+  <p:cSld>
+    <p:spTree>
+      <p:nvGrpSpPr>
+        <p:cNvPr id="1" name=""/>
+        <p:cNvGrpSpPr/>
+        <p:nvPr/>
+      </p:nvGrpSpPr>
+      <p:grpSpPr/>
+      <p:sp>
+        <p:nvSpPr>
+          <p:cNvPr id="3" name="Subtitle 2"/>
+          <p:cNvSpPr>
+            <a:spLocks noGrp="true"/>
+          </p:cNvSpPr>
+          <p:nvPr>
+            <p:ph type="subTitle" idx="1"/>
+          </p:nvPr>
+        </p:nvSpPr>
+        <p:spPr>
+          <a:xfrm>
+            <a:off x="-17780" y="6407785"/>
+            <a:ext cx="3229610" cy="349250"/>
+          </a:xfrm>
+        </p:spPr>
+        <p:txBody>
+          <a:bodyPr>
+            <a:normAutofit lnSpcReduction="20000"/>
+          </a:bodyPr>
+          <a:p>
+            <a:pPr algn="r"/>
+            <a:r>
+              <a:rPr lang="en-US" altLang="en-US"/>
+              <a:t>Coding your wanderful life</a:t>
+            </a:r>
+            <a:endParaRPr lang="en-US" altLang="en-US"/>
+          </a:p>
+        </p:txBody>
+      </p:sp>
+      <p:grpSp>
+        <p:nvGrpSpPr>
+          <p:cNvPr id="6" name="Group 5"/>
+          <p:cNvGrpSpPr/>
+          <p:nvPr/>
+        </p:nvGrpSpPr>
+        <p:grpSpPr>
+          <a:xfrm>
+            <a:off x="-20320" y="6691630"/>
+            <a:ext cx="12218035" cy="152400"/>
+            <a:chOff x="-32" y="10538"/>
+            <a:chExt cx="19241" cy="240"/>
+          </a:xfrm>
+        </p:grpSpPr>
+        <p:sp>
+          <p:nvSpPr>
+            <p:cNvPr id="4" name="Rectangle 3"/>
+            <p:cNvSpPr/>
+            <p:nvPr/>
+          </p:nvSpPr>
+          <p:spPr>
+            <a:xfrm>
+              <a:off x="-32" y="10538"/>
+              <a:ext cx="14944" cy="240"/>
+            </a:xfrm>
+            <a:prstGeom prst="rect">
+              <a:avLst/>
+            </a:prstGeom>
+            <a:solidFill>
+              <a:srgbClr val="FF6600"/>
+            </a:solidFill>
+            <a:ln>
+              <a:solidFill>
+                <a:srgbClr val="FF6600"/>
+              </a:solidFill>
+            </a:ln>
+          </p:spPr>
+          <p:style>
+            <a:lnRef idx="2">
+              <a:schemeClr val="accent1">
+                <a:shade val="50000"/>
+              </a:schemeClr>
+            </a:lnRef>
+            <a:fillRef idx="1">
+              <a:schemeClr val="accent1"/>
+            </a:fillRef>
+            <a:effectRef idx="0">
+              <a:schemeClr val="accent1"/>
+            </a:effectRef>
+            <a:fontRef idx="minor">
+              <a:schemeClr val="lt1"/>
+            </a:fontRef>
+          </p:style>
+          <p:txBody>
+            <a:bodyPr rtlCol="0" anchor="ctr"/>
+            <a:p>
+              <a:pPr algn="ctr"/>
+              <a:endParaRPr lang="en-US"/>
+            </a:p>
+          </p:txBody>
+        </p:sp>
+        <p:sp>
+          <p:nvSpPr>
+            <p:cNvPr id="5" name="Rectangle 4"/>
+            <p:cNvSpPr/>
+            <p:nvPr/>
+          </p:nvSpPr>
+          <p:spPr>
+            <a:xfrm>
+              <a:off x="14933" y="10538"/>
+              <a:ext cx="4276" cy="240"/>
+            </a:xfrm>
+            <a:prstGeom prst="rect">
+              <a:avLst/>
+            </a:prstGeom>
+            <a:solidFill>
+              <a:schemeClr val="tx1">
+                <a:lumMod val="75000"/>
+                <a:lumOff val="25000"/>
+              </a:schemeClr>
+            </a:solidFill>
+            <a:ln>
+              <a:solidFill>
+                <a:schemeClr val="tx1">
+                  <a:lumMod val="75000"/>
+                  <a:lumOff val="25000"/>
+                </a:schemeClr>
+              </a:solidFill>
+            </a:ln>
+          </p:spPr>
+          <p:style>
+            <a:lnRef idx="2">
+              <a:schemeClr val="accent1">
+                <a:shade val="50000"/>
+              </a:schemeClr>
+            </a:lnRef>
+            <a:fillRef idx="1">
+              <a:schemeClr val="accent1"/>
+            </a:fillRef>
+            <a:effectRef idx="0">
+              <a:schemeClr val="accent1"/>
+            </a:effectRef>
+            <a:fontRef idx="minor">
+              <a:schemeClr val="lt1"/>
+            </a:fontRef>
+          </p:style>
+          <p:txBody>
+            <a:bodyPr rtlCol="0" anchor="ctr"/>
+            <a:p>
+              <a:pPr algn="ctr"/>
+              <a:endParaRPr lang="en-US"/>
+            </a:p>
+          </p:txBody>
+        </p:sp>
+      </p:grpSp>
+      <p:sp>
+        <p:nvSpPr>
+          <p:cNvPr id="7" name="Rectangle 6"/>
+          <p:cNvSpPr/>
+          <p:nvPr/>
+        </p:nvSpPr>
+        <p:spPr>
+          <a:xfrm>
+            <a:off x="-20320" y="779145"/>
+            <a:ext cx="96520" cy="650875"/>
+          </a:xfrm>
+          <a:prstGeom prst="rect">
+            <a:avLst/>
+          </a:prstGeom>
+          <a:solidFill>
+            <a:schemeClr val="tx1">
+              <a:lumMod val="50000"/>
+              <a:lumOff val="50000"/>
+            </a:schemeClr>
+          </a:solidFill>
+          <a:ln>
+            <a:solidFill>
+              <a:schemeClr val="tx1">
+                <a:lumMod val="50000"/>
+                <a:lumOff val="50000"/>
+              </a:schemeClr>
+            </a:solidFill>
+          </a:ln>
+        </p:spPr>
+        <p:style>
+          <a:lnRef idx="2">
+            <a:schemeClr val="accent1">
+              <a:shade val="50000"/>
+            </a:schemeClr>
+          </a:lnRef>
+          <a:fillRef idx="1">
+            <a:schemeClr val="accent1"/>
+          </a:fillRef>
+          <a:effectRef idx="0">
+            <a:schemeClr val="accent1"/>
+          </a:effectRef>
+          <a:fontRef idx="minor">
+            <a:schemeClr val="lt1"/>
+          </a:fontRef>
+        </p:style>
+        <p:txBody>
+          <a:bodyPr rtlCol="0" anchor="ctr"/>
+          <a:p>
+            <a:pPr algn="ctr"/>
+            <a:endParaRPr lang="en-US"/>
+          </a:p>
+        </p:txBody>
+      </p:sp>
+      <p:grpSp>
+        <p:nvGrpSpPr>
+          <p:cNvPr id="10" name="Group 9"/>
+          <p:cNvGrpSpPr/>
+          <p:nvPr/>
+        </p:nvGrpSpPr>
+        <p:grpSpPr>
+          <a:xfrm>
+            <a:off x="10734040" y="422275"/>
+            <a:ext cx="928370" cy="900430"/>
+            <a:chOff x="16799" y="665"/>
+            <a:chExt cx="1462" cy="1418"/>
+          </a:xfrm>
+        </p:grpSpPr>
+        <p:sp>
+          <p:nvSpPr>
+            <p:cNvPr id="8" name="Oval 7"/>
+            <p:cNvSpPr/>
+            <p:nvPr/>
+          </p:nvSpPr>
+          <p:spPr>
+            <a:xfrm>
+              <a:off x="16799" y="665"/>
+              <a:ext cx="1463" cy="1419"/>
+            </a:xfrm>
+            <a:prstGeom prst="ellipse">
+              <a:avLst/>
+            </a:prstGeom>
+            <a:solidFill>
+              <a:srgbClr val="FF8D41"/>
+            </a:solidFill>
+            <a:ln>
+              <a:solidFill>
+                <a:srgbClr val="FF8D41"/>
+              </a:solidFill>
+            </a:ln>
+          </p:spPr>
+          <p:style>
+            <a:lnRef idx="2">
+              <a:schemeClr val="accent1">
+                <a:shade val="50000"/>
+              </a:schemeClr>
+            </a:lnRef>
+            <a:fillRef idx="1">
+              <a:schemeClr val="accent1"/>
+            </a:fillRef>
+            <a:effectRef idx="0">
+              <a:schemeClr val="accent1"/>
+            </a:effectRef>
+            <a:fontRef idx="minor">
+              <a:schemeClr val="lt1"/>
+            </a:fontRef>
+          </p:style>
+          <p:txBody>
+            <a:bodyPr rtlCol="0" anchor="ctr"/>
+            <a:p>
+              <a:pPr algn="ctr"/>
+              <a:endParaRPr lang="en-US"/>
+            </a:p>
+          </p:txBody>
+        </p:sp>
+        <p:sp>
+          <p:nvSpPr>
+            <p:cNvPr id="9" name="Text Box 8"/>
+            <p:cNvSpPr txBox="true"/>
+            <p:nvPr/>
+          </p:nvSpPr>
+          <p:spPr>
+            <a:xfrm>
+              <a:off x="16916" y="964"/>
+              <a:ext cx="1187" cy="822"/>
+            </a:xfrm>
+            <a:prstGeom prst="rect">
+              <a:avLst/>
+            </a:prstGeom>
+            <a:noFill/>
+          </p:spPr>
+          <p:txBody>
+            <a:bodyPr wrap="square" rtlCol="0">
+              <a:spAutoFit/>
+            </a:bodyPr>
+            <a:p>
+              <a:r>
+                <a:rPr lang="en-US" altLang="en-US" sz="1400">
+                  <a:ln>
+                    <a:solidFill>
+                      <a:schemeClr val="bg1"/>
+                    </a:solidFill>
+                  </a:ln>
+                  <a:solidFill>
+                    <a:schemeClr val="bg1"/>
+                  </a:solidFill>
+                </a:rPr>
+                <a:t> HTML</a:t>
+              </a:r>
+              <a:endParaRPr lang="en-US" altLang="en-US" sz="1400">
+                <a:ln>
+                  <a:solidFill>
+                    <a:schemeClr val="bg1"/>
+                  </a:solidFill>
+                </a:ln>
+                <a:solidFill>
+                  <a:schemeClr val="bg1"/>
+                </a:solidFill>
+              </a:endParaRPr>
+            </a:p>
+            <a:p>
+              <a:r>
+                <a:rPr lang="en-US" altLang="en-US" sz="1400">
+                  <a:ln>
+                    <a:solidFill>
+                      <a:schemeClr val="bg1"/>
+                    </a:solidFill>
+                  </a:ln>
+                  <a:solidFill>
+                    <a:schemeClr val="bg1"/>
+                  </a:solidFill>
+                </a:rPr>
+                <a:t>  CSS</a:t>
+              </a:r>
+              <a:endParaRPr lang="en-US" altLang="en-US" sz="1400">
+                <a:ln>
+                  <a:solidFill>
+                    <a:schemeClr val="bg1"/>
+                  </a:solidFill>
+                </a:ln>
+                <a:solidFill>
+                  <a:schemeClr val="bg1"/>
+                </a:solidFill>
+              </a:endParaRPr>
+            </a:p>
+          </p:txBody>
+        </p:sp>
+      </p:grpSp>
+      <p:sp>
+        <p:nvSpPr>
+          <p:cNvPr id="14" name="Date Placeholder 13"/>
+          <p:cNvSpPr>
+            <a:spLocks noGrp="true"/>
+          </p:cNvSpPr>
+          <p:nvPr>
+            <p:ph type="dt" sz="half" idx="10"/>
+          </p:nvPr>
+        </p:nvSpPr>
+        <p:spPr>
+          <a:xfrm>
+            <a:off x="8888095" y="6379845"/>
+            <a:ext cx="2940050" cy="365125"/>
+          </a:xfrm>
+        </p:spPr>
+        <p:txBody>
+          <a:bodyPr/>
+          <a:p>
+            <a:pPr algn="r"/>
+            <a:fld id="{760FBDFE-C587-4B4C-A407-44438C67B59E}" type="datetime1">
+              <a:rPr lang="en-US" altLang="en-US" smtClean="0"/>
+            </a:fld>
+            <a:endParaRPr lang="zh-CN" altLang="en-US"/>
+          </a:p>
+        </p:txBody>
+      </p:sp>
+      <p:sp>
+        <p:nvSpPr>
+          <p:cNvPr id="17" name="Text Box 16"/>
+          <p:cNvSpPr txBox="true"/>
+          <p:nvPr/>
+        </p:nvSpPr>
+        <p:spPr>
+          <a:xfrm>
+            <a:off x="996950" y="1739900"/>
+            <a:ext cx="9464675" cy="521970"/>
+          </a:xfrm>
+          <a:prstGeom prst="rect">
+            <a:avLst/>
+          </a:prstGeom>
+          <a:noFill/>
+        </p:spPr>
+        <p:txBody>
+          <a:bodyPr wrap="square" rtlCol="0">
+            <a:spAutoFit/>
+          </a:bodyPr>
+          <a:p>
+            <a:r>
+              <a:rPr lang="en-US" altLang="en-US" sz="2800"/>
+              <a:t>8. </a:t>
+            </a:r>
+            <a:r>
+              <a:rPr lang="en-US" altLang="en-US" sz="2800">
+                <a:sym typeface="+mn-ea"/>
+              </a:rPr>
+              <a:t>header</a:t>
+            </a:r>
+            <a:r>
+              <a:rPr lang="en-US" altLang="en-US" sz="2800"/>
+              <a:t>代码: header</a:t>
+            </a:r>
+            <a:endParaRPr lang="en-US" altLang="en-US" sz="2800"/>
+          </a:p>
+        </p:txBody>
+      </p:sp>
+      <p:sp>
+        <p:nvSpPr>
+          <p:cNvPr id="19" name="Title 18"/>
+          <p:cNvSpPr>
+            <a:spLocks noGrp="true"/>
+          </p:cNvSpPr>
+          <p:nvPr>
+            <p:ph type="ctrTitle"/>
+          </p:nvPr>
+        </p:nvSpPr>
+        <p:spPr>
+          <a:xfrm>
+            <a:off x="-20320" y="246380"/>
+            <a:ext cx="9118600" cy="1252855"/>
+          </a:xfrm>
+        </p:spPr>
+        <p:txBody>
+          <a:bodyPr>
+            <a:normAutofit fontScale="90000"/>
+          </a:bodyPr>
+          <a:p>
+            <a:pPr algn="l"/>
+            <a:r>
+              <a:rPr lang="en-US" altLang="en-US"/>
+              <a:t>  Index.html首页布局</a:t>
+            </a:r>
+            <a:endParaRPr lang="en-US" altLang="en-US"/>
+          </a:p>
+        </p:txBody>
+      </p:sp>
+      <p:sp>
+        <p:nvSpPr>
+          <p:cNvPr id="2" name="Rectangle 1"/>
+          <p:cNvSpPr/>
+          <p:nvPr/>
+        </p:nvSpPr>
+        <p:spPr>
+          <a:xfrm>
+            <a:off x="635000" y="2435225"/>
+            <a:ext cx="11028045" cy="2642870"/>
+          </a:xfrm>
+          <a:prstGeom prst="rect">
+            <a:avLst/>
+          </a:prstGeom>
+          <a:solidFill>
+            <a:schemeClr val="tx1">
+              <a:lumMod val="95000"/>
+              <a:lumOff val="5000"/>
+            </a:schemeClr>
+          </a:solidFill>
+          <a:ln>
+            <a:solidFill>
+              <a:schemeClr val="tx1">
+                <a:lumMod val="95000"/>
+                <a:lumOff val="5000"/>
+              </a:schemeClr>
+            </a:solidFill>
+          </a:ln>
+        </p:spPr>
+        <p:style>
+          <a:lnRef idx="2">
+            <a:schemeClr val="accent1">
+              <a:shade val="50000"/>
+            </a:schemeClr>
+          </a:lnRef>
+          <a:fillRef idx="1">
+            <a:schemeClr val="accent1"/>
+          </a:fillRef>
+          <a:effectRef idx="0">
+            <a:schemeClr val="accent1"/>
+          </a:effectRef>
+          <a:fontRef idx="minor">
+            <a:schemeClr val="lt1"/>
+          </a:fontRef>
+        </p:style>
+        <p:txBody>
+          <a:bodyPr rtlCol="0" anchor="ctr"/>
+          <a:p>
+            <a:pPr algn="ctr"/>
+            <a:endParaRPr lang="en-US"/>
+          </a:p>
+        </p:txBody>
+      </p:sp>
+      <p:pic>
+        <p:nvPicPr>
+          <p:cNvPr id="13" name="Picture 12" descr="Homepage Banner_Savour Summer_Optimized"/>
+          <p:cNvPicPr>
+            <a:picLocks noChangeAspect="true"/>
+          </p:cNvPicPr>
+          <p:nvPr/>
+        </p:nvPicPr>
+        <p:blipFill>
+          <a:blip r:embed="rId1"/>
+          <a:stretch>
+            <a:fillRect/>
+          </a:stretch>
+        </p:blipFill>
+        <p:spPr>
+          <a:xfrm>
+            <a:off x="1092200" y="2839720"/>
+            <a:ext cx="10137775" cy="2256155"/>
+          </a:xfrm>
+          <a:prstGeom prst="rect">
+            <a:avLst/>
+          </a:prstGeom>
+        </p:spPr>
+      </p:pic>
+      <p:pic>
+        <p:nvPicPr>
+          <p:cNvPr id="15" name="Picture 14" descr="001-home"/>
+          <p:cNvPicPr>
+            <a:picLocks noChangeAspect="true"/>
+          </p:cNvPicPr>
+          <p:nvPr/>
+        </p:nvPicPr>
+        <p:blipFill>
+          <a:blip r:embed="rId2">
+            <a:extLst>
+              <a:ext uri="{96DAC541-7B7A-43D3-8B79-37D633B846F1}">
+                <asvg:svgBlip xmlns:asvg="http://schemas.microsoft.com/office/drawing/2016/SVG/main" r:embed="rId3"/>
+              </a:ext>
+            </a:extLst>
+          </a:blip>
+          <a:stretch>
+            <a:fillRect/>
+          </a:stretch>
+        </p:blipFill>
+        <p:spPr>
+          <a:xfrm>
+            <a:off x="1092200" y="2519680"/>
+            <a:ext cx="228600" cy="228600"/>
+          </a:xfrm>
+          <a:prstGeom prst="rect">
+            <a:avLst/>
+          </a:prstGeom>
+        </p:spPr>
+      </p:pic>
+      <p:sp>
+        <p:nvSpPr>
+          <p:cNvPr id="16" name="Text Box 15"/>
+          <p:cNvSpPr txBox="true"/>
+          <p:nvPr/>
+        </p:nvSpPr>
+        <p:spPr>
+          <a:xfrm>
+            <a:off x="8364220" y="2478405"/>
+            <a:ext cx="3222625" cy="306705"/>
+          </a:xfrm>
+          <a:prstGeom prst="rect">
+            <a:avLst/>
+          </a:prstGeom>
+          <a:noFill/>
+        </p:spPr>
+        <p:txBody>
+          <a:bodyPr wrap="square" rtlCol="0">
+            <a:spAutoFit/>
+          </a:bodyPr>
+          <a:p>
+            <a:r>
+              <a:rPr lang="en-US" altLang="en-US" sz="1400">
+                <a:solidFill>
+                  <a:schemeClr val="bg1"/>
+                </a:solidFill>
+              </a:rPr>
+              <a:t>About  Blog  Products  Contract</a:t>
+            </a:r>
+            <a:endParaRPr lang="en-US" altLang="en-US" sz="1400">
+              <a:solidFill>
+                <a:schemeClr val="bg1"/>
+              </a:solidFill>
+            </a:endParaRPr>
+          </a:p>
+        </p:txBody>
+      </p:sp>
+    </p:spTree>
+  </p:cSld>
+  <p:clrMapOvr>
+    <a:masterClrMapping/>
+  </p:clrMapOvr>
+  <p:transition>
+    <p:wipe/>
+  </p:transition>
+</p:sld>
+</file>
+
+<file path=ppt/slides/slide19.xml><?xml version="1.0" encoding="utf-8"?>
+<p:sld xmlns:a="http://schemas.openxmlformats.org/drawingml/2006/main" xmlns:r="http://schemas.openxmlformats.org/officeDocument/2006/relationships" xmlns:p="http://schemas.openxmlformats.org/presentationml/2006/main">
+  <p:cSld>
+    <p:spTree>
+      <p:nvGrpSpPr>
+        <p:cNvPr id="1" name=""/>
+        <p:cNvGrpSpPr/>
+        <p:nvPr/>
+      </p:nvGrpSpPr>
+      <p:grpSpPr/>
+      <p:sp>
+        <p:nvSpPr>
+          <p:cNvPr id="3" name="Subtitle 2"/>
+          <p:cNvSpPr>
+            <a:spLocks noGrp="true"/>
+          </p:cNvSpPr>
+          <p:nvPr>
+            <p:ph type="subTitle" idx="1"/>
+          </p:nvPr>
+        </p:nvSpPr>
+        <p:spPr>
+          <a:xfrm>
+            <a:off x="-17780" y="6407785"/>
+            <a:ext cx="3229610" cy="349250"/>
+          </a:xfrm>
+        </p:spPr>
+        <p:txBody>
+          <a:bodyPr>
+            <a:normAutofit lnSpcReduction="20000"/>
+          </a:bodyPr>
+          <a:p>
+            <a:pPr algn="r"/>
+            <a:r>
+              <a:rPr lang="en-US" altLang="en-US"/>
+              <a:t>Coding your wanderful life</a:t>
+            </a:r>
+            <a:endParaRPr lang="en-US" altLang="en-US"/>
+          </a:p>
+        </p:txBody>
+      </p:sp>
+      <p:grpSp>
+        <p:nvGrpSpPr>
+          <p:cNvPr id="6" name="Group 5"/>
+          <p:cNvGrpSpPr/>
+          <p:nvPr/>
+        </p:nvGrpSpPr>
+        <p:grpSpPr>
+          <a:xfrm>
+            <a:off x="-20320" y="6691630"/>
+            <a:ext cx="12218035" cy="152400"/>
+            <a:chOff x="-32" y="10538"/>
+            <a:chExt cx="19241" cy="240"/>
+          </a:xfrm>
+        </p:grpSpPr>
+        <p:sp>
+          <p:nvSpPr>
+            <p:cNvPr id="4" name="Rectangle 3"/>
+            <p:cNvSpPr/>
+            <p:nvPr/>
+          </p:nvSpPr>
+          <p:spPr>
+            <a:xfrm>
+              <a:off x="-32" y="10538"/>
+              <a:ext cx="14944" cy="240"/>
+            </a:xfrm>
+            <a:prstGeom prst="rect">
+              <a:avLst/>
+            </a:prstGeom>
+            <a:solidFill>
+              <a:srgbClr val="FF6600"/>
+            </a:solidFill>
+            <a:ln>
+              <a:solidFill>
+                <a:srgbClr val="FF6600"/>
+              </a:solidFill>
+            </a:ln>
+          </p:spPr>
+          <p:style>
+            <a:lnRef idx="2">
+              <a:schemeClr val="accent1">
+                <a:shade val="50000"/>
+              </a:schemeClr>
+            </a:lnRef>
+            <a:fillRef idx="1">
+              <a:schemeClr val="accent1"/>
+            </a:fillRef>
+            <a:effectRef idx="0">
+              <a:schemeClr val="accent1"/>
+            </a:effectRef>
+            <a:fontRef idx="minor">
+              <a:schemeClr val="lt1"/>
+            </a:fontRef>
+          </p:style>
+          <p:txBody>
+            <a:bodyPr rtlCol="0" anchor="ctr"/>
+            <a:p>
+              <a:pPr algn="ctr"/>
+              <a:endParaRPr lang="en-US"/>
+            </a:p>
+          </p:txBody>
+        </p:sp>
+        <p:sp>
+          <p:nvSpPr>
+            <p:cNvPr id="5" name="Rectangle 4"/>
+            <p:cNvSpPr/>
+            <p:nvPr/>
+          </p:nvSpPr>
+          <p:spPr>
+            <a:xfrm>
+              <a:off x="14933" y="10538"/>
+              <a:ext cx="4276" cy="240"/>
+            </a:xfrm>
+            <a:prstGeom prst="rect">
+              <a:avLst/>
+            </a:prstGeom>
+            <a:solidFill>
+              <a:schemeClr val="tx1">
+                <a:lumMod val="75000"/>
+                <a:lumOff val="25000"/>
+              </a:schemeClr>
+            </a:solidFill>
+            <a:ln>
+              <a:solidFill>
+                <a:schemeClr val="tx1">
+                  <a:lumMod val="75000"/>
+                  <a:lumOff val="25000"/>
+                </a:schemeClr>
+              </a:solidFill>
+            </a:ln>
+          </p:spPr>
+          <p:style>
+            <a:lnRef idx="2">
+              <a:schemeClr val="accent1">
+                <a:shade val="50000"/>
+              </a:schemeClr>
+            </a:lnRef>
+            <a:fillRef idx="1">
+              <a:schemeClr val="accent1"/>
+            </a:fillRef>
+            <a:effectRef idx="0">
+              <a:schemeClr val="accent1"/>
+            </a:effectRef>
+            <a:fontRef idx="minor">
+              <a:schemeClr val="lt1"/>
+            </a:fontRef>
+          </p:style>
+          <p:txBody>
+            <a:bodyPr rtlCol="0" anchor="ctr"/>
+            <a:p>
+              <a:pPr algn="ctr"/>
+              <a:endParaRPr lang="en-US"/>
+            </a:p>
+          </p:txBody>
+        </p:sp>
+      </p:grpSp>
+      <p:sp>
+        <p:nvSpPr>
+          <p:cNvPr id="7" name="Rectangle 6"/>
+          <p:cNvSpPr/>
+          <p:nvPr/>
+        </p:nvSpPr>
+        <p:spPr>
+          <a:xfrm>
+            <a:off x="-20320" y="779145"/>
+            <a:ext cx="96520" cy="650875"/>
+          </a:xfrm>
+          <a:prstGeom prst="rect">
+            <a:avLst/>
+          </a:prstGeom>
+          <a:solidFill>
+            <a:schemeClr val="tx1">
+              <a:lumMod val="50000"/>
+              <a:lumOff val="50000"/>
+            </a:schemeClr>
+          </a:solidFill>
+          <a:ln>
+            <a:solidFill>
+              <a:schemeClr val="tx1">
+                <a:lumMod val="50000"/>
+                <a:lumOff val="50000"/>
+              </a:schemeClr>
+            </a:solidFill>
+          </a:ln>
+        </p:spPr>
+        <p:style>
+          <a:lnRef idx="2">
+            <a:schemeClr val="accent1">
+              <a:shade val="50000"/>
+            </a:schemeClr>
+          </a:lnRef>
+          <a:fillRef idx="1">
+            <a:schemeClr val="accent1"/>
+          </a:fillRef>
+          <a:effectRef idx="0">
+            <a:schemeClr val="accent1"/>
+          </a:effectRef>
+          <a:fontRef idx="minor">
+            <a:schemeClr val="lt1"/>
+          </a:fontRef>
+        </p:style>
+        <p:txBody>
+          <a:bodyPr rtlCol="0" anchor="ctr"/>
+          <a:p>
+            <a:pPr algn="ctr"/>
+            <a:endParaRPr lang="en-US"/>
+          </a:p>
+        </p:txBody>
+      </p:sp>
+      <p:grpSp>
+        <p:nvGrpSpPr>
+          <p:cNvPr id="10" name="Group 9"/>
+          <p:cNvGrpSpPr/>
+          <p:nvPr/>
+        </p:nvGrpSpPr>
+        <p:grpSpPr>
+          <a:xfrm>
+            <a:off x="10734040" y="422275"/>
+            <a:ext cx="928370" cy="900430"/>
+            <a:chOff x="16799" y="665"/>
+            <a:chExt cx="1462" cy="1418"/>
+          </a:xfrm>
+        </p:grpSpPr>
+        <p:sp>
+          <p:nvSpPr>
+            <p:cNvPr id="8" name="Oval 7"/>
+            <p:cNvSpPr/>
+            <p:nvPr/>
+          </p:nvSpPr>
+          <p:spPr>
+            <a:xfrm>
+              <a:off x="16799" y="665"/>
+              <a:ext cx="1463" cy="1419"/>
+            </a:xfrm>
+            <a:prstGeom prst="ellipse">
+              <a:avLst/>
+            </a:prstGeom>
+            <a:solidFill>
+              <a:srgbClr val="FF8D41"/>
+            </a:solidFill>
+            <a:ln>
+              <a:solidFill>
+                <a:srgbClr val="FF8D41"/>
+              </a:solidFill>
+            </a:ln>
+          </p:spPr>
+          <p:style>
+            <a:lnRef idx="2">
+              <a:schemeClr val="accent1">
+                <a:shade val="50000"/>
+              </a:schemeClr>
+            </a:lnRef>
+            <a:fillRef idx="1">
+              <a:schemeClr val="accent1"/>
+            </a:fillRef>
+            <a:effectRef idx="0">
+              <a:schemeClr val="accent1"/>
+            </a:effectRef>
+            <a:fontRef idx="minor">
+              <a:schemeClr val="lt1"/>
+            </a:fontRef>
+          </p:style>
+          <p:txBody>
+            <a:bodyPr rtlCol="0" anchor="ctr"/>
+            <a:p>
+              <a:pPr algn="ctr"/>
+              <a:endParaRPr lang="en-US"/>
+            </a:p>
+          </p:txBody>
+        </p:sp>
+        <p:sp>
+          <p:nvSpPr>
+            <p:cNvPr id="9" name="Text Box 8"/>
+            <p:cNvSpPr txBox="true"/>
+            <p:nvPr/>
+          </p:nvSpPr>
+          <p:spPr>
+            <a:xfrm>
+              <a:off x="16916" y="964"/>
+              <a:ext cx="1187" cy="822"/>
+            </a:xfrm>
+            <a:prstGeom prst="rect">
+              <a:avLst/>
+            </a:prstGeom>
+            <a:noFill/>
+          </p:spPr>
+          <p:txBody>
+            <a:bodyPr wrap="square" rtlCol="0">
+              <a:spAutoFit/>
+            </a:bodyPr>
+            <a:p>
+              <a:r>
+                <a:rPr lang="en-US" altLang="en-US" sz="1400">
+                  <a:ln>
+                    <a:solidFill>
+                      <a:schemeClr val="bg1"/>
+                    </a:solidFill>
+                  </a:ln>
+                  <a:solidFill>
+                    <a:schemeClr val="bg1"/>
+                  </a:solidFill>
+                </a:rPr>
+                <a:t> HTML</a:t>
+              </a:r>
+              <a:endParaRPr lang="en-US" altLang="en-US" sz="1400">
+                <a:ln>
+                  <a:solidFill>
+                    <a:schemeClr val="bg1"/>
+                  </a:solidFill>
+                </a:ln>
+                <a:solidFill>
+                  <a:schemeClr val="bg1"/>
+                </a:solidFill>
+              </a:endParaRPr>
+            </a:p>
+            <a:p>
+              <a:r>
+                <a:rPr lang="en-US" altLang="en-US" sz="1400">
+                  <a:ln>
+                    <a:solidFill>
+                      <a:schemeClr val="bg1"/>
+                    </a:solidFill>
+                  </a:ln>
+                  <a:solidFill>
+                    <a:schemeClr val="bg1"/>
+                  </a:solidFill>
+                </a:rPr>
+                <a:t>  CSS</a:t>
+              </a:r>
+              <a:endParaRPr lang="en-US" altLang="en-US" sz="1400">
+                <a:ln>
+                  <a:solidFill>
+                    <a:schemeClr val="bg1"/>
+                  </a:solidFill>
+                </a:ln>
+                <a:solidFill>
+                  <a:schemeClr val="bg1"/>
+                </a:solidFill>
+              </a:endParaRPr>
+            </a:p>
+          </p:txBody>
+        </p:sp>
+      </p:grpSp>
+      <p:sp>
+        <p:nvSpPr>
+          <p:cNvPr id="14" name="Date Placeholder 13"/>
+          <p:cNvSpPr>
+            <a:spLocks noGrp="true"/>
+          </p:cNvSpPr>
+          <p:nvPr>
+            <p:ph type="dt" sz="half" idx="10"/>
+          </p:nvPr>
+        </p:nvSpPr>
+        <p:spPr>
+          <a:xfrm>
+            <a:off x="8888095" y="6379845"/>
+            <a:ext cx="2940050" cy="365125"/>
+          </a:xfrm>
+        </p:spPr>
+        <p:txBody>
+          <a:bodyPr/>
+          <a:p>
+            <a:pPr algn="r"/>
+            <a:fld id="{760FBDFE-C587-4B4C-A407-44438C67B59E}" type="datetime1">
+              <a:rPr lang="en-US" altLang="en-US" smtClean="0"/>
+            </a:fld>
+            <a:endParaRPr lang="zh-CN" altLang="en-US"/>
+          </a:p>
+        </p:txBody>
+      </p:sp>
+      <p:sp>
+        <p:nvSpPr>
+          <p:cNvPr id="17" name="Text Box 16"/>
+          <p:cNvSpPr txBox="true"/>
+          <p:nvPr/>
+        </p:nvSpPr>
+        <p:spPr>
+          <a:xfrm>
+            <a:off x="996950" y="1739900"/>
+            <a:ext cx="9464675" cy="521970"/>
+          </a:xfrm>
+          <a:prstGeom prst="rect">
+            <a:avLst/>
+          </a:prstGeom>
+          <a:noFill/>
+        </p:spPr>
+        <p:txBody>
+          <a:bodyPr wrap="square" rtlCol="0">
+            <a:spAutoFit/>
+          </a:bodyPr>
+          <a:p>
+            <a:r>
+              <a:rPr lang="en-US" altLang="en-US" sz="2800"/>
+              <a:t>8. </a:t>
+            </a:r>
+            <a:r>
+              <a:rPr lang="en-US" altLang="en-US" sz="2800">
+                <a:sym typeface="+mn-ea"/>
+              </a:rPr>
+              <a:t>header</a:t>
+            </a:r>
+            <a:r>
+              <a:rPr lang="en-US" altLang="en-US" sz="2800"/>
+              <a:t>代码 :  nav</a:t>
+            </a:r>
+            <a:endParaRPr lang="en-US" altLang="en-US" sz="2800"/>
+          </a:p>
+        </p:txBody>
+      </p:sp>
+      <p:sp>
+        <p:nvSpPr>
+          <p:cNvPr id="19" name="Title 18"/>
+          <p:cNvSpPr>
+            <a:spLocks noGrp="true"/>
+          </p:cNvSpPr>
+          <p:nvPr>
+            <p:ph type="ctrTitle"/>
+          </p:nvPr>
+        </p:nvSpPr>
+        <p:spPr>
+          <a:xfrm>
+            <a:off x="-20320" y="246380"/>
+            <a:ext cx="9118600" cy="1252855"/>
+          </a:xfrm>
+        </p:spPr>
+        <p:txBody>
+          <a:bodyPr>
+            <a:normAutofit fontScale="90000"/>
+          </a:bodyPr>
+          <a:p>
+            <a:pPr algn="l"/>
+            <a:r>
+              <a:rPr lang="en-US" altLang="en-US"/>
+              <a:t>  Index.html首页布局</a:t>
+            </a:r>
+            <a:endParaRPr lang="en-US" altLang="en-US"/>
+          </a:p>
+        </p:txBody>
+      </p:sp>
+      <p:sp>
+        <p:nvSpPr>
+          <p:cNvPr id="2" name="Rectangle 1"/>
+          <p:cNvSpPr/>
+          <p:nvPr/>
+        </p:nvSpPr>
+        <p:spPr>
+          <a:xfrm>
+            <a:off x="635000" y="2435225"/>
+            <a:ext cx="11028045" cy="411480"/>
+          </a:xfrm>
+          <a:prstGeom prst="rect">
+            <a:avLst/>
+          </a:prstGeom>
+          <a:solidFill>
+            <a:schemeClr val="tx1">
+              <a:lumMod val="95000"/>
+              <a:lumOff val="5000"/>
+            </a:schemeClr>
+          </a:solidFill>
+          <a:ln>
+            <a:solidFill>
+              <a:schemeClr val="tx1">
+                <a:lumMod val="95000"/>
+                <a:lumOff val="5000"/>
+              </a:schemeClr>
+            </a:solidFill>
+          </a:ln>
+        </p:spPr>
+        <p:style>
+          <a:lnRef idx="2">
+            <a:schemeClr val="accent1">
+              <a:shade val="50000"/>
+            </a:schemeClr>
+          </a:lnRef>
+          <a:fillRef idx="1">
+            <a:schemeClr val="accent1"/>
+          </a:fillRef>
+          <a:effectRef idx="0">
+            <a:schemeClr val="accent1"/>
+          </a:effectRef>
+          <a:fontRef idx="minor">
+            <a:schemeClr val="lt1"/>
+          </a:fontRef>
+        </p:style>
+        <p:txBody>
+          <a:bodyPr rtlCol="0" anchor="ctr"/>
+          <a:p>
+            <a:pPr algn="ctr"/>
+            <a:endParaRPr lang="en-US"/>
+          </a:p>
+        </p:txBody>
+      </p:sp>
+      <p:pic>
+        <p:nvPicPr>
+          <p:cNvPr id="13" name="Picture 12" descr="Homepage Banner_Savour Summer_Optimized"/>
+          <p:cNvPicPr>
+            <a:picLocks noChangeAspect="true"/>
+          </p:cNvPicPr>
+          <p:nvPr/>
+        </p:nvPicPr>
+        <p:blipFill>
+          <a:blip r:embed="rId1"/>
+          <a:stretch>
+            <a:fillRect/>
+          </a:stretch>
+        </p:blipFill>
+        <p:spPr>
+          <a:xfrm>
+            <a:off x="635000" y="2846705"/>
+            <a:ext cx="11028045" cy="2256155"/>
+          </a:xfrm>
+          <a:prstGeom prst="rect">
+            <a:avLst/>
+          </a:prstGeom>
+        </p:spPr>
+      </p:pic>
+      <p:pic>
+        <p:nvPicPr>
+          <p:cNvPr id="15" name="Picture 14" descr="001-home"/>
+          <p:cNvPicPr>
+            <a:picLocks noChangeAspect="true"/>
+          </p:cNvPicPr>
+          <p:nvPr/>
+        </p:nvPicPr>
+        <p:blipFill>
+          <a:blip r:embed="rId2">
+            <a:extLst>
+              <a:ext uri="{96DAC541-7B7A-43D3-8B79-37D633B846F1}">
+                <asvg:svgBlip xmlns:asvg="http://schemas.microsoft.com/office/drawing/2016/SVG/main" r:embed="rId3"/>
+              </a:ext>
+            </a:extLst>
+          </a:blip>
+          <a:stretch>
+            <a:fillRect/>
+          </a:stretch>
+        </p:blipFill>
+        <p:spPr>
+          <a:xfrm>
+            <a:off x="1060450" y="2519680"/>
+            <a:ext cx="228600" cy="228600"/>
+          </a:xfrm>
+          <a:prstGeom prst="rect">
+            <a:avLst/>
+          </a:prstGeom>
+        </p:spPr>
+      </p:pic>
+      <p:sp>
+        <p:nvSpPr>
+          <p:cNvPr id="16" name="Text Box 15"/>
+          <p:cNvSpPr txBox="true"/>
+          <p:nvPr/>
+        </p:nvSpPr>
+        <p:spPr>
+          <a:xfrm>
+            <a:off x="8364220" y="2478405"/>
+            <a:ext cx="3222625" cy="306705"/>
+          </a:xfrm>
+          <a:prstGeom prst="rect">
+            <a:avLst/>
+          </a:prstGeom>
+          <a:noFill/>
+        </p:spPr>
+        <p:txBody>
+          <a:bodyPr wrap="square" rtlCol="0">
+            <a:spAutoFit/>
+          </a:bodyPr>
+          <a:p>
+            <a:r>
+              <a:rPr lang="en-US" altLang="en-US" sz="1400">
+                <a:solidFill>
+                  <a:schemeClr val="bg1"/>
+                </a:solidFill>
+              </a:rPr>
+              <a:t>About  Blog  Products  Contract</a:t>
+            </a:r>
+            <a:endParaRPr lang="en-US" altLang="en-US" sz="1400">
+              <a:solidFill>
+                <a:schemeClr val="bg1"/>
+              </a:solidFill>
+            </a:endParaRPr>
+          </a:p>
+        </p:txBody>
+      </p:sp>
+    </p:spTree>
+  </p:cSld>
+  <p:clrMapOvr>
+    <a:masterClrMapping/>
+  </p:clrMapOvr>
+  <p:transition>
+    <p:wipe/>
+  </p:transition>
+</p:sld>
+</file>
+
+<file path=ppt/slides/slide2.xml><?xml version="1.0" encoding="utf-8"?>
+<p:sld xmlns:a="http://schemas.openxmlformats.org/drawingml/2006/main" xmlns:r="http://schemas.openxmlformats.org/officeDocument/2006/relationships" xmlns:p="http://schemas.openxmlformats.org/presentationml/2006/main">
+  <p:cSld>
+    <p:spTree>
+      <p:nvGrpSpPr>
+        <p:cNvPr id="1" name=""/>
+        <p:cNvGrpSpPr/>
+        <p:nvPr/>
+      </p:nvGrpSpPr>
+      <p:grpSpPr/>
+      <p:sp>
+        <p:nvSpPr>
+          <p:cNvPr id="2" name="Title 1"/>
+          <p:cNvSpPr>
+            <a:spLocks noGrp="true"/>
+          </p:cNvSpPr>
+          <p:nvPr>
+            <p:ph type="ctrTitle"/>
+          </p:nvPr>
+        </p:nvSpPr>
+        <p:spPr>
+          <a:xfrm>
+            <a:off x="-34925" y="340995"/>
+            <a:ext cx="9118600" cy="1252855"/>
+          </a:xfrm>
+        </p:spPr>
+        <p:txBody>
+          <a:bodyPr>
+            <a:normAutofit fontScale="90000"/>
+          </a:bodyPr>
+          <a:p>
+            <a:pPr algn="l"/>
+            <a:r>
+              <a:rPr lang="" altLang="en-US"/>
+              <a:t>  </a:t>
+            </a:r>
+            <a:r>
+              <a:rPr lang="en-US" altLang="en-US"/>
+              <a:t>项目</a:t>
+            </a:r>
+            <a:r>
+              <a:rPr lang="" altLang="en-US"/>
+              <a:t>分解说明</a:t>
+            </a:r>
+            <a:endParaRPr lang="" altLang="en-US"/>
+          </a:p>
+        </p:txBody>
+      </p:sp>
+      <p:sp>
+        <p:nvSpPr>
+          <p:cNvPr id="3" name="Subtitle 2"/>
+          <p:cNvSpPr>
+            <a:spLocks noGrp="true"/>
+          </p:cNvSpPr>
+          <p:nvPr>
+            <p:ph type="subTitle" idx="1"/>
+          </p:nvPr>
+        </p:nvSpPr>
+        <p:spPr>
+          <a:xfrm>
+            <a:off x="-17780" y="6407785"/>
+            <a:ext cx="3229610" cy="349250"/>
+          </a:xfrm>
+        </p:spPr>
+        <p:txBody>
+          <a:bodyPr>
+            <a:normAutofit lnSpcReduction="20000"/>
+          </a:bodyPr>
+          <a:p>
+            <a:pPr algn="r"/>
+            <a:r>
+              <a:rPr lang="en-US" altLang="en-US"/>
+              <a:t>Coding your wanderful life</a:t>
+            </a:r>
+            <a:endParaRPr lang="en-US" altLang="en-US"/>
+          </a:p>
+        </p:txBody>
+      </p:sp>
+      <p:grpSp>
+        <p:nvGrpSpPr>
+          <p:cNvPr id="6" name="Group 5"/>
+          <p:cNvGrpSpPr/>
+          <p:nvPr/>
+        </p:nvGrpSpPr>
+        <p:grpSpPr>
+          <a:xfrm>
+            <a:off x="-20320" y="6691630"/>
+            <a:ext cx="12218035" cy="152400"/>
+            <a:chOff x="-32" y="10538"/>
+            <a:chExt cx="19241" cy="240"/>
+          </a:xfrm>
+        </p:grpSpPr>
+        <p:sp>
+          <p:nvSpPr>
+            <p:cNvPr id="4" name="Rectangle 3"/>
+            <p:cNvSpPr/>
+            <p:nvPr/>
+          </p:nvSpPr>
+          <p:spPr>
+            <a:xfrm>
+              <a:off x="-32" y="10538"/>
+              <a:ext cx="14944" cy="240"/>
+            </a:xfrm>
+            <a:prstGeom prst="rect">
+              <a:avLst/>
+            </a:prstGeom>
+            <a:solidFill>
+              <a:srgbClr val="FF6600"/>
+            </a:solidFill>
+            <a:ln>
+              <a:solidFill>
+                <a:srgbClr val="FF6600"/>
+              </a:solidFill>
+            </a:ln>
+          </p:spPr>
+          <p:style>
+            <a:lnRef idx="2">
+              <a:schemeClr val="accent1">
+                <a:shade val="50000"/>
+              </a:schemeClr>
+            </a:lnRef>
+            <a:fillRef idx="1">
+              <a:schemeClr val="accent1"/>
+            </a:fillRef>
+            <a:effectRef idx="0">
+              <a:schemeClr val="accent1"/>
+            </a:effectRef>
+            <a:fontRef idx="minor">
+              <a:schemeClr val="lt1"/>
+            </a:fontRef>
+          </p:style>
+          <p:txBody>
+            <a:bodyPr rtlCol="0" anchor="ctr"/>
+            <a:p>
+              <a:pPr algn="ctr"/>
+              <a:endParaRPr lang="en-US"/>
+            </a:p>
+          </p:txBody>
+        </p:sp>
+        <p:sp>
+          <p:nvSpPr>
+            <p:cNvPr id="5" name="Rectangle 4"/>
+            <p:cNvSpPr/>
+            <p:nvPr/>
+          </p:nvSpPr>
+          <p:spPr>
+            <a:xfrm>
+              <a:off x="14933" y="10538"/>
+              <a:ext cx="4276" cy="240"/>
+            </a:xfrm>
+            <a:prstGeom prst="rect">
+              <a:avLst/>
+            </a:prstGeom>
+            <a:solidFill>
+              <a:schemeClr val="tx1">
+                <a:lumMod val="75000"/>
+                <a:lumOff val="25000"/>
+              </a:schemeClr>
+            </a:solidFill>
+            <a:ln>
+              <a:solidFill>
+                <a:schemeClr val="tx1">
+                  <a:lumMod val="75000"/>
+                  <a:lumOff val="25000"/>
+                </a:schemeClr>
+              </a:solidFill>
+            </a:ln>
+          </p:spPr>
+          <p:style>
+            <a:lnRef idx="2">
+              <a:schemeClr val="accent1">
+                <a:shade val="50000"/>
+              </a:schemeClr>
+            </a:lnRef>
+            <a:fillRef idx="1">
+              <a:schemeClr val="accent1"/>
+            </a:fillRef>
+            <a:effectRef idx="0">
+              <a:schemeClr val="accent1"/>
+            </a:effectRef>
+            <a:fontRef idx="minor">
+              <a:schemeClr val="lt1"/>
+            </a:fontRef>
+          </p:style>
+          <p:txBody>
+            <a:bodyPr rtlCol="0" anchor="ctr"/>
+            <a:p>
+              <a:pPr algn="ctr"/>
+              <a:endParaRPr lang="en-US"/>
+            </a:p>
+          </p:txBody>
+        </p:sp>
+      </p:grpSp>
+      <p:sp>
+        <p:nvSpPr>
+          <p:cNvPr id="7" name="Rectangle 6"/>
+          <p:cNvSpPr/>
+          <p:nvPr/>
+        </p:nvSpPr>
+        <p:spPr>
+          <a:xfrm>
+            <a:off x="-20320" y="779145"/>
+            <a:ext cx="96520" cy="650875"/>
+          </a:xfrm>
+          <a:prstGeom prst="rect">
+            <a:avLst/>
+          </a:prstGeom>
+          <a:solidFill>
+            <a:schemeClr val="tx1">
+              <a:lumMod val="50000"/>
+              <a:lumOff val="50000"/>
+            </a:schemeClr>
+          </a:solidFill>
+          <a:ln>
+            <a:solidFill>
+              <a:schemeClr val="tx1">
+                <a:lumMod val="50000"/>
+                <a:lumOff val="50000"/>
+              </a:schemeClr>
+            </a:solidFill>
+          </a:ln>
+        </p:spPr>
+        <p:style>
+          <a:lnRef idx="2">
+            <a:schemeClr val="accent1">
+              <a:shade val="50000"/>
+            </a:schemeClr>
+          </a:lnRef>
+          <a:fillRef idx="1">
+            <a:schemeClr val="accent1"/>
+          </a:fillRef>
+          <a:effectRef idx="0">
+            <a:schemeClr val="accent1"/>
+          </a:effectRef>
+          <a:fontRef idx="minor">
+            <a:schemeClr val="lt1"/>
+          </a:fontRef>
+        </p:style>
+        <p:txBody>
+          <a:bodyPr rtlCol="0" anchor="ctr"/>
+          <a:p>
+            <a:pPr algn="ctr"/>
+            <a:endParaRPr lang="en-US"/>
+          </a:p>
+        </p:txBody>
+      </p:sp>
+      <p:grpSp>
+        <p:nvGrpSpPr>
+          <p:cNvPr id="10" name="Group 9"/>
+          <p:cNvGrpSpPr/>
+          <p:nvPr/>
+        </p:nvGrpSpPr>
+        <p:grpSpPr>
+          <a:xfrm>
+            <a:off x="10734040" y="422275"/>
+            <a:ext cx="928370" cy="900430"/>
+            <a:chOff x="16799" y="665"/>
+            <a:chExt cx="1462" cy="1418"/>
+          </a:xfrm>
+        </p:grpSpPr>
+        <p:sp>
+          <p:nvSpPr>
+            <p:cNvPr id="8" name="Oval 7"/>
+            <p:cNvSpPr/>
+            <p:nvPr/>
+          </p:nvSpPr>
+          <p:spPr>
+            <a:xfrm>
+              <a:off x="16799" y="665"/>
+              <a:ext cx="1463" cy="1419"/>
+            </a:xfrm>
+            <a:prstGeom prst="ellipse">
+              <a:avLst/>
+            </a:prstGeom>
+            <a:solidFill>
+              <a:srgbClr val="FF8D41"/>
+            </a:solidFill>
+            <a:ln>
+              <a:solidFill>
+                <a:srgbClr val="FF8D41"/>
+              </a:solidFill>
+            </a:ln>
+          </p:spPr>
+          <p:style>
+            <a:lnRef idx="2">
+              <a:schemeClr val="accent1">
+                <a:shade val="50000"/>
+              </a:schemeClr>
+            </a:lnRef>
+            <a:fillRef idx="1">
+              <a:schemeClr val="accent1"/>
+            </a:fillRef>
+            <a:effectRef idx="0">
+              <a:schemeClr val="accent1"/>
+            </a:effectRef>
+            <a:fontRef idx="minor">
+              <a:schemeClr val="lt1"/>
+            </a:fontRef>
+          </p:style>
+          <p:txBody>
+            <a:bodyPr rtlCol="0" anchor="ctr"/>
+            <a:p>
+              <a:pPr algn="ctr"/>
+              <a:endParaRPr lang="en-US"/>
+            </a:p>
+          </p:txBody>
+        </p:sp>
+        <p:sp>
+          <p:nvSpPr>
+            <p:cNvPr id="9" name="Text Box 8"/>
+            <p:cNvSpPr txBox="true"/>
+            <p:nvPr/>
+          </p:nvSpPr>
+          <p:spPr>
+            <a:xfrm>
+              <a:off x="16916" y="964"/>
+              <a:ext cx="1187" cy="822"/>
+            </a:xfrm>
+            <a:prstGeom prst="rect">
+              <a:avLst/>
+            </a:prstGeom>
+            <a:noFill/>
+          </p:spPr>
+          <p:txBody>
+            <a:bodyPr wrap="square" rtlCol="0">
+              <a:spAutoFit/>
+            </a:bodyPr>
+            <a:p>
+              <a:r>
+                <a:rPr lang="en-US" altLang="en-US" sz="1400">
+                  <a:ln>
+                    <a:solidFill>
+                      <a:schemeClr val="bg1"/>
+                    </a:solidFill>
+                  </a:ln>
+                  <a:solidFill>
+                    <a:schemeClr val="bg1"/>
+                  </a:solidFill>
+                </a:rPr>
+                <a:t> HTML</a:t>
+              </a:r>
+              <a:endParaRPr lang="en-US" altLang="en-US" sz="1400">
+                <a:ln>
+                  <a:solidFill>
+                    <a:schemeClr val="bg1"/>
+                  </a:solidFill>
+                </a:ln>
+                <a:solidFill>
+                  <a:schemeClr val="bg1"/>
+                </a:solidFill>
+              </a:endParaRPr>
+            </a:p>
+            <a:p>
+              <a:r>
+                <a:rPr lang="en-US" altLang="en-US" sz="1400">
+                  <a:ln>
+                    <a:solidFill>
+                      <a:schemeClr val="bg1"/>
+                    </a:solidFill>
+                  </a:ln>
+                  <a:solidFill>
+                    <a:schemeClr val="bg1"/>
+                  </a:solidFill>
+                </a:rPr>
+                <a:t>  CSS</a:t>
+              </a:r>
+              <a:endParaRPr lang="en-US" altLang="en-US" sz="1400">
+                <a:ln>
+                  <a:solidFill>
+                    <a:schemeClr val="bg1"/>
+                  </a:solidFill>
+                </a:ln>
+                <a:solidFill>
+                  <a:schemeClr val="bg1"/>
+                </a:solidFill>
+              </a:endParaRPr>
+            </a:p>
+          </p:txBody>
+        </p:sp>
+      </p:grpSp>
+      <p:sp>
+        <p:nvSpPr>
+          <p:cNvPr id="11" name="Text Box 10"/>
+          <p:cNvSpPr txBox="true"/>
+          <p:nvPr/>
+        </p:nvSpPr>
+        <p:spPr>
+          <a:xfrm>
+            <a:off x="1032510" y="1875790"/>
+            <a:ext cx="9464675" cy="521970"/>
+          </a:xfrm>
+          <a:prstGeom prst="rect">
+            <a:avLst/>
+          </a:prstGeom>
+          <a:noFill/>
+        </p:spPr>
+        <p:txBody>
+          <a:bodyPr wrap="square" rtlCol="0">
+            <a:spAutoFit/>
+          </a:bodyPr>
+          <a:p>
+            <a:r>
+              <a:rPr lang="" altLang="en-US" sz="2800"/>
+              <a:t>1. 项目初始化</a:t>
+            </a:r>
+            <a:r>
+              <a:rPr lang="" altLang="en-US"/>
+              <a:t> </a:t>
+            </a:r>
+            <a:endParaRPr lang="" altLang="en-US"/>
+          </a:p>
+        </p:txBody>
+      </p:sp>
+      <p:sp>
+        <p:nvSpPr>
+          <p:cNvPr id="14" name="Date Placeholder 13"/>
+          <p:cNvSpPr>
+            <a:spLocks noGrp="true"/>
+          </p:cNvSpPr>
+          <p:nvPr>
+            <p:ph type="dt" sz="half" idx="10"/>
+          </p:nvPr>
+        </p:nvSpPr>
+        <p:spPr/>
+        <p:txBody>
+          <a:bodyPr/>
+          <a:p>
+            <a:fld id="{760FBDFE-C587-4B4C-A407-44438C67B59E}" type="datetime1">
+              <a:rPr lang="en-US" altLang="en-US" smtClean="0"/>
+            </a:fld>
+            <a:endParaRPr lang="zh-CN" altLang="en-US"/>
+          </a:p>
+        </p:txBody>
+      </p:sp>
+      <p:sp>
+        <p:nvSpPr>
+          <p:cNvPr id="15" name="Text Box 14"/>
+          <p:cNvSpPr txBox="true"/>
+          <p:nvPr/>
+        </p:nvSpPr>
+        <p:spPr>
+          <a:xfrm>
+            <a:off x="1032510" y="3314700"/>
+            <a:ext cx="9464675" cy="521970"/>
+          </a:xfrm>
+          <a:prstGeom prst="rect">
+            <a:avLst/>
+          </a:prstGeom>
+          <a:noFill/>
+        </p:spPr>
+        <p:txBody>
+          <a:bodyPr wrap="square" rtlCol="0">
+            <a:spAutoFit/>
+          </a:bodyPr>
+          <a:p>
+            <a:r>
+              <a:rPr lang="" altLang="en-US" sz="2800"/>
+              <a:t>2. 创建项目服务器</a:t>
+            </a:r>
+            <a:endParaRPr lang="en-US" altLang="en-US" sz="2000"/>
+          </a:p>
+        </p:txBody>
+      </p:sp>
+      <p:sp>
+        <p:nvSpPr>
+          <p:cNvPr id="17" name="Text Box 16"/>
+          <p:cNvSpPr txBox="true"/>
+          <p:nvPr/>
+        </p:nvSpPr>
+        <p:spPr>
+          <a:xfrm>
+            <a:off x="1032510" y="4752975"/>
+            <a:ext cx="9464675" cy="521970"/>
+          </a:xfrm>
+          <a:prstGeom prst="rect">
+            <a:avLst/>
+          </a:prstGeom>
+          <a:noFill/>
+        </p:spPr>
+        <p:txBody>
+          <a:bodyPr wrap="square" rtlCol="0">
+            <a:spAutoFit/>
+          </a:bodyPr>
+          <a:p>
+            <a:r>
+              <a:rPr lang="" altLang="en-US" sz="2800"/>
+              <a:t>3. 创建静态页面</a:t>
+            </a:r>
+            <a:r>
+              <a:rPr lang="en-US" altLang="en-US" sz="2800"/>
+              <a:t> </a:t>
+            </a:r>
+            <a:endParaRPr lang="" altLang="en-US" sz="2800"/>
+          </a:p>
+        </p:txBody>
+      </p:sp>
+    </p:spTree>
+  </p:cSld>
+  <p:clrMapOvr>
+    <a:masterClrMapping/>
+  </p:clrMapOvr>
+  <p:transition>
+    <p:wipe/>
+  </p:transition>
+</p:sld>
+</file>
+
+<file path=ppt/slides/slide20.xml><?xml version="1.0" encoding="utf-8"?>
+<p:sld xmlns:a="http://schemas.openxmlformats.org/drawingml/2006/main" xmlns:r="http://schemas.openxmlformats.org/officeDocument/2006/relationships" xmlns:p="http://schemas.openxmlformats.org/presentationml/2006/main">
+  <p:cSld>
+    <p:spTree>
+      <p:nvGrpSpPr>
+        <p:cNvPr id="1" name=""/>
+        <p:cNvGrpSpPr/>
+        <p:nvPr/>
+      </p:nvGrpSpPr>
+      <p:grpSpPr/>
+      <p:sp>
+        <p:nvSpPr>
+          <p:cNvPr id="3" name="Subtitle 2"/>
+          <p:cNvSpPr>
+            <a:spLocks noGrp="true"/>
+          </p:cNvSpPr>
+          <p:nvPr>
+            <p:ph type="subTitle" idx="1"/>
+          </p:nvPr>
+        </p:nvSpPr>
+        <p:spPr>
+          <a:xfrm>
+            <a:off x="-17780" y="6407785"/>
+            <a:ext cx="3229610" cy="349250"/>
+          </a:xfrm>
+        </p:spPr>
+        <p:txBody>
+          <a:bodyPr>
+            <a:normAutofit lnSpcReduction="20000"/>
+          </a:bodyPr>
+          <a:p>
+            <a:pPr algn="r"/>
+            <a:r>
+              <a:rPr lang="en-US" altLang="en-US"/>
+              <a:t>Coding your wanderful life</a:t>
+            </a:r>
+            <a:endParaRPr lang="en-US" altLang="en-US"/>
+          </a:p>
+        </p:txBody>
+      </p:sp>
+      <p:grpSp>
+        <p:nvGrpSpPr>
+          <p:cNvPr id="6" name="Group 5"/>
+          <p:cNvGrpSpPr/>
+          <p:nvPr/>
+        </p:nvGrpSpPr>
+        <p:grpSpPr>
+          <a:xfrm>
+            <a:off x="-20320" y="6691630"/>
+            <a:ext cx="12218035" cy="152400"/>
+            <a:chOff x="-32" y="10538"/>
+            <a:chExt cx="19241" cy="240"/>
+          </a:xfrm>
+        </p:grpSpPr>
+        <p:sp>
+          <p:nvSpPr>
+            <p:cNvPr id="4" name="Rectangle 3"/>
+            <p:cNvSpPr/>
+            <p:nvPr/>
+          </p:nvSpPr>
+          <p:spPr>
+            <a:xfrm>
+              <a:off x="-32" y="10538"/>
+              <a:ext cx="14944" cy="240"/>
+            </a:xfrm>
+            <a:prstGeom prst="rect">
+              <a:avLst/>
+            </a:prstGeom>
+            <a:solidFill>
+              <a:srgbClr val="FF6600"/>
+            </a:solidFill>
+            <a:ln>
+              <a:solidFill>
+                <a:srgbClr val="FF6600"/>
+              </a:solidFill>
+            </a:ln>
+          </p:spPr>
+          <p:style>
+            <a:lnRef idx="2">
+              <a:schemeClr val="accent1">
+                <a:shade val="50000"/>
+              </a:schemeClr>
+            </a:lnRef>
+            <a:fillRef idx="1">
+              <a:schemeClr val="accent1"/>
+            </a:fillRef>
+            <a:effectRef idx="0">
+              <a:schemeClr val="accent1"/>
+            </a:effectRef>
+            <a:fontRef idx="minor">
+              <a:schemeClr val="lt1"/>
+            </a:fontRef>
+          </p:style>
+          <p:txBody>
+            <a:bodyPr rtlCol="0" anchor="ctr"/>
+            <a:p>
+              <a:pPr algn="ctr"/>
+              <a:endParaRPr lang="en-US"/>
+            </a:p>
+          </p:txBody>
+        </p:sp>
+        <p:sp>
+          <p:nvSpPr>
+            <p:cNvPr id="5" name="Rectangle 4"/>
+            <p:cNvSpPr/>
+            <p:nvPr/>
+          </p:nvSpPr>
+          <p:spPr>
+            <a:xfrm>
+              <a:off x="14933" y="10538"/>
+              <a:ext cx="4276" cy="240"/>
+            </a:xfrm>
+            <a:prstGeom prst="rect">
+              <a:avLst/>
+            </a:prstGeom>
+            <a:solidFill>
+              <a:schemeClr val="tx1">
+                <a:lumMod val="75000"/>
+                <a:lumOff val="25000"/>
+              </a:schemeClr>
+            </a:solidFill>
+            <a:ln>
+              <a:solidFill>
+                <a:schemeClr val="tx1">
+                  <a:lumMod val="75000"/>
+                  <a:lumOff val="25000"/>
+                </a:schemeClr>
+              </a:solidFill>
+            </a:ln>
+          </p:spPr>
+          <p:style>
+            <a:lnRef idx="2">
+              <a:schemeClr val="accent1">
+                <a:shade val="50000"/>
+              </a:schemeClr>
+            </a:lnRef>
+            <a:fillRef idx="1">
+              <a:schemeClr val="accent1"/>
+            </a:fillRef>
+            <a:effectRef idx="0">
+              <a:schemeClr val="accent1"/>
+            </a:effectRef>
+            <a:fontRef idx="minor">
+              <a:schemeClr val="lt1"/>
+            </a:fontRef>
+          </p:style>
+          <p:txBody>
+            <a:bodyPr rtlCol="0" anchor="ctr"/>
+            <a:p>
+              <a:pPr algn="ctr"/>
+              <a:endParaRPr lang="en-US"/>
+            </a:p>
+          </p:txBody>
+        </p:sp>
+      </p:grpSp>
+      <p:sp>
+        <p:nvSpPr>
+          <p:cNvPr id="7" name="Rectangle 6"/>
+          <p:cNvSpPr/>
+          <p:nvPr/>
+        </p:nvSpPr>
+        <p:spPr>
+          <a:xfrm>
+            <a:off x="-20320" y="779145"/>
+            <a:ext cx="96520" cy="650875"/>
+          </a:xfrm>
+          <a:prstGeom prst="rect">
+            <a:avLst/>
+          </a:prstGeom>
+          <a:solidFill>
+            <a:schemeClr val="tx1">
+              <a:lumMod val="50000"/>
+              <a:lumOff val="50000"/>
+            </a:schemeClr>
+          </a:solidFill>
+          <a:ln>
+            <a:solidFill>
+              <a:schemeClr val="tx1">
+                <a:lumMod val="50000"/>
+                <a:lumOff val="50000"/>
+              </a:schemeClr>
+            </a:solidFill>
+          </a:ln>
+        </p:spPr>
+        <p:style>
+          <a:lnRef idx="2">
+            <a:schemeClr val="accent1">
+              <a:shade val="50000"/>
+            </a:schemeClr>
+          </a:lnRef>
+          <a:fillRef idx="1">
+            <a:schemeClr val="accent1"/>
+          </a:fillRef>
+          <a:effectRef idx="0">
+            <a:schemeClr val="accent1"/>
+          </a:effectRef>
+          <a:fontRef idx="minor">
+            <a:schemeClr val="lt1"/>
+          </a:fontRef>
+        </p:style>
+        <p:txBody>
+          <a:bodyPr rtlCol="0" anchor="ctr"/>
+          <a:p>
+            <a:pPr algn="ctr"/>
+            <a:endParaRPr lang="en-US"/>
+          </a:p>
+        </p:txBody>
+      </p:sp>
+      <p:grpSp>
+        <p:nvGrpSpPr>
+          <p:cNvPr id="10" name="Group 9"/>
+          <p:cNvGrpSpPr/>
+          <p:nvPr/>
+        </p:nvGrpSpPr>
+        <p:grpSpPr>
+          <a:xfrm>
+            <a:off x="10734040" y="422275"/>
+            <a:ext cx="928370" cy="900430"/>
+            <a:chOff x="16799" y="665"/>
+            <a:chExt cx="1462" cy="1418"/>
+          </a:xfrm>
+        </p:grpSpPr>
+        <p:sp>
+          <p:nvSpPr>
+            <p:cNvPr id="8" name="Oval 7"/>
+            <p:cNvSpPr/>
+            <p:nvPr/>
+          </p:nvSpPr>
+          <p:spPr>
+            <a:xfrm>
+              <a:off x="16799" y="665"/>
+              <a:ext cx="1463" cy="1419"/>
+            </a:xfrm>
+            <a:prstGeom prst="ellipse">
+              <a:avLst/>
+            </a:prstGeom>
+            <a:solidFill>
+              <a:srgbClr val="FF8D41"/>
+            </a:solidFill>
+            <a:ln>
+              <a:solidFill>
+                <a:srgbClr val="FF8D41"/>
+              </a:solidFill>
+            </a:ln>
+          </p:spPr>
+          <p:style>
+            <a:lnRef idx="2">
+              <a:schemeClr val="accent1">
+                <a:shade val="50000"/>
+              </a:schemeClr>
+            </a:lnRef>
+            <a:fillRef idx="1">
+              <a:schemeClr val="accent1"/>
+            </a:fillRef>
+            <a:effectRef idx="0">
+              <a:schemeClr val="accent1"/>
+            </a:effectRef>
+            <a:fontRef idx="minor">
+              <a:schemeClr val="lt1"/>
+            </a:fontRef>
+          </p:style>
+          <p:txBody>
+            <a:bodyPr rtlCol="0" anchor="ctr"/>
+            <a:p>
+              <a:pPr algn="ctr"/>
+              <a:endParaRPr lang="en-US"/>
+            </a:p>
+          </p:txBody>
+        </p:sp>
+        <p:sp>
+          <p:nvSpPr>
+            <p:cNvPr id="9" name="Text Box 8"/>
+            <p:cNvSpPr txBox="true"/>
+            <p:nvPr/>
+          </p:nvSpPr>
+          <p:spPr>
+            <a:xfrm>
+              <a:off x="16916" y="964"/>
+              <a:ext cx="1187" cy="822"/>
+            </a:xfrm>
+            <a:prstGeom prst="rect">
+              <a:avLst/>
+            </a:prstGeom>
+            <a:noFill/>
+          </p:spPr>
+          <p:txBody>
+            <a:bodyPr wrap="square" rtlCol="0">
+              <a:spAutoFit/>
+            </a:bodyPr>
+            <a:p>
+              <a:r>
+                <a:rPr lang="en-US" altLang="en-US" sz="1400">
+                  <a:ln>
+                    <a:solidFill>
+                      <a:schemeClr val="bg1"/>
+                    </a:solidFill>
+                  </a:ln>
+                  <a:solidFill>
+                    <a:schemeClr val="bg1"/>
+                  </a:solidFill>
+                </a:rPr>
+                <a:t> HTML</a:t>
+              </a:r>
+              <a:endParaRPr lang="en-US" altLang="en-US" sz="1400">
+                <a:ln>
+                  <a:solidFill>
+                    <a:schemeClr val="bg1"/>
+                  </a:solidFill>
+                </a:ln>
+                <a:solidFill>
+                  <a:schemeClr val="bg1"/>
+                </a:solidFill>
+              </a:endParaRPr>
+            </a:p>
+            <a:p>
+              <a:r>
+                <a:rPr lang="en-US" altLang="en-US" sz="1400">
+                  <a:ln>
+                    <a:solidFill>
+                      <a:schemeClr val="bg1"/>
+                    </a:solidFill>
+                  </a:ln>
+                  <a:solidFill>
+                    <a:schemeClr val="bg1"/>
+                  </a:solidFill>
+                </a:rPr>
+                <a:t>  CSS</a:t>
+              </a:r>
+              <a:endParaRPr lang="en-US" altLang="en-US" sz="1400">
+                <a:ln>
+                  <a:solidFill>
+                    <a:schemeClr val="bg1"/>
+                  </a:solidFill>
+                </a:ln>
+                <a:solidFill>
+                  <a:schemeClr val="bg1"/>
+                </a:solidFill>
+              </a:endParaRPr>
+            </a:p>
+          </p:txBody>
+        </p:sp>
+      </p:grpSp>
+      <p:sp>
+        <p:nvSpPr>
+          <p:cNvPr id="14" name="Date Placeholder 13"/>
+          <p:cNvSpPr>
+            <a:spLocks noGrp="true"/>
+          </p:cNvSpPr>
+          <p:nvPr>
+            <p:ph type="dt" sz="half" idx="10"/>
+          </p:nvPr>
+        </p:nvSpPr>
+        <p:spPr>
+          <a:xfrm>
+            <a:off x="8888095" y="6379845"/>
+            <a:ext cx="2940050" cy="365125"/>
+          </a:xfrm>
+        </p:spPr>
+        <p:txBody>
+          <a:bodyPr/>
+          <a:p>
+            <a:pPr algn="r"/>
+            <a:fld id="{760FBDFE-C587-4B4C-A407-44438C67B59E}" type="datetime1">
+              <a:rPr lang="en-US" altLang="en-US" smtClean="0"/>
+            </a:fld>
+            <a:endParaRPr lang="zh-CN" altLang="en-US"/>
+          </a:p>
+        </p:txBody>
+      </p:sp>
+      <p:sp>
+        <p:nvSpPr>
+          <p:cNvPr id="17" name="Text Box 16"/>
+          <p:cNvSpPr txBox="true"/>
+          <p:nvPr/>
+        </p:nvSpPr>
+        <p:spPr>
+          <a:xfrm>
+            <a:off x="996950" y="1739900"/>
+            <a:ext cx="9464675" cy="521970"/>
+          </a:xfrm>
+          <a:prstGeom prst="rect">
+            <a:avLst/>
+          </a:prstGeom>
+          <a:noFill/>
+        </p:spPr>
+        <p:txBody>
+          <a:bodyPr wrap="square" rtlCol="0">
+            <a:spAutoFit/>
+          </a:bodyPr>
+          <a:p>
+            <a:r>
+              <a:rPr lang="en-US" altLang="en-US" sz="2800"/>
+              <a:t>8. h</a:t>
+            </a:r>
+            <a:r>
+              <a:rPr lang="" altLang="en-US" sz="2800"/>
+              <a:t>eader</a:t>
+            </a:r>
+            <a:r>
+              <a:rPr lang="en-US" altLang="en-US" sz="2800"/>
+              <a:t>代码 :  nav</a:t>
+            </a:r>
+            <a:endParaRPr lang="en-US" altLang="en-US" sz="2800"/>
+          </a:p>
+        </p:txBody>
+      </p:sp>
+      <p:sp>
+        <p:nvSpPr>
+          <p:cNvPr id="19" name="Title 18"/>
+          <p:cNvSpPr>
+            <a:spLocks noGrp="true"/>
+          </p:cNvSpPr>
+          <p:nvPr>
+            <p:ph type="ctrTitle"/>
+          </p:nvPr>
+        </p:nvSpPr>
+        <p:spPr>
+          <a:xfrm>
+            <a:off x="-20320" y="246380"/>
+            <a:ext cx="9118600" cy="1252855"/>
+          </a:xfrm>
+        </p:spPr>
+        <p:txBody>
+          <a:bodyPr>
+            <a:normAutofit fontScale="90000"/>
+          </a:bodyPr>
+          <a:p>
+            <a:pPr algn="l"/>
+            <a:r>
+              <a:rPr lang="en-US" altLang="en-US"/>
+              <a:t>  Index.html首页布局</a:t>
+            </a:r>
+            <a:endParaRPr lang="en-US" altLang="en-US"/>
+          </a:p>
+        </p:txBody>
+      </p:sp>
+      <p:sp>
+        <p:nvSpPr>
+          <p:cNvPr id="2" name="Rectangle 1"/>
+          <p:cNvSpPr/>
+          <p:nvPr/>
+        </p:nvSpPr>
+        <p:spPr>
+          <a:xfrm>
+            <a:off x="635000" y="2435225"/>
+            <a:ext cx="11028045" cy="411480"/>
+          </a:xfrm>
+          <a:prstGeom prst="rect">
+            <a:avLst/>
+          </a:prstGeom>
+          <a:solidFill>
+            <a:schemeClr val="tx1">
+              <a:lumMod val="95000"/>
+              <a:lumOff val="5000"/>
+            </a:schemeClr>
+          </a:solidFill>
+          <a:ln>
+            <a:solidFill>
+              <a:schemeClr val="tx1">
+                <a:lumMod val="95000"/>
+                <a:lumOff val="5000"/>
+              </a:schemeClr>
+            </a:solidFill>
+          </a:ln>
+        </p:spPr>
+        <p:style>
+          <a:lnRef idx="2">
+            <a:schemeClr val="accent1">
+              <a:shade val="50000"/>
+            </a:schemeClr>
+          </a:lnRef>
+          <a:fillRef idx="1">
+            <a:schemeClr val="accent1"/>
+          </a:fillRef>
+          <a:effectRef idx="0">
+            <a:schemeClr val="accent1"/>
+          </a:effectRef>
+          <a:fontRef idx="minor">
+            <a:schemeClr val="lt1"/>
+          </a:fontRef>
+        </p:style>
+        <p:txBody>
+          <a:bodyPr rtlCol="0" anchor="ctr"/>
+          <a:p>
+            <a:pPr algn="ctr"/>
+            <a:endParaRPr lang="en-US"/>
+          </a:p>
+        </p:txBody>
+      </p:sp>
+      <p:pic>
+        <p:nvPicPr>
+          <p:cNvPr id="13" name="Picture 12" descr="Homepage Banner_Savour Summer_Optimized"/>
+          <p:cNvPicPr>
+            <a:picLocks noChangeAspect="true"/>
+          </p:cNvPicPr>
+          <p:nvPr/>
+        </p:nvPicPr>
+        <p:blipFill>
+          <a:blip r:embed="rId1"/>
+          <a:stretch>
+            <a:fillRect/>
+          </a:stretch>
+        </p:blipFill>
+        <p:spPr>
+          <a:xfrm>
+            <a:off x="635000" y="3095625"/>
+            <a:ext cx="11028045" cy="2256155"/>
+          </a:xfrm>
+          <a:prstGeom prst="rect">
+            <a:avLst/>
+          </a:prstGeom>
+        </p:spPr>
+      </p:pic>
+      <p:pic>
+        <p:nvPicPr>
+          <p:cNvPr id="15" name="Picture 14" descr="001-home"/>
+          <p:cNvPicPr>
+            <a:picLocks noChangeAspect="true"/>
+          </p:cNvPicPr>
+          <p:nvPr/>
+        </p:nvPicPr>
+        <p:blipFill>
+          <a:blip r:embed="rId2">
+            <a:extLst>
+              <a:ext uri="{96DAC541-7B7A-43D3-8B79-37D633B846F1}">
+                <asvg:svgBlip xmlns:asvg="http://schemas.microsoft.com/office/drawing/2016/SVG/main" r:embed="rId3"/>
+              </a:ext>
+            </a:extLst>
+          </a:blip>
+          <a:stretch>
+            <a:fillRect/>
+          </a:stretch>
+        </p:blipFill>
+        <p:spPr>
+          <a:xfrm>
+            <a:off x="1078230" y="2519680"/>
+            <a:ext cx="228600" cy="228600"/>
+          </a:xfrm>
+          <a:prstGeom prst="rect">
+            <a:avLst/>
+          </a:prstGeom>
+        </p:spPr>
+      </p:pic>
+      <p:sp>
+        <p:nvSpPr>
+          <p:cNvPr id="16" name="Text Box 15"/>
+          <p:cNvSpPr txBox="true"/>
+          <p:nvPr/>
+        </p:nvSpPr>
+        <p:spPr>
+          <a:xfrm>
+            <a:off x="8364220" y="2478405"/>
+            <a:ext cx="3222625" cy="306705"/>
+          </a:xfrm>
+          <a:prstGeom prst="rect">
+            <a:avLst/>
+          </a:prstGeom>
+          <a:noFill/>
+        </p:spPr>
+        <p:txBody>
+          <a:bodyPr wrap="square" rtlCol="0">
+            <a:spAutoFit/>
+          </a:bodyPr>
+          <a:p>
+            <a:r>
+              <a:rPr lang="en-US" altLang="en-US" sz="1400">
+                <a:solidFill>
+                  <a:schemeClr val="bg1"/>
+                </a:solidFill>
+              </a:rPr>
+              <a:t>About  Blog  Products  Contract</a:t>
+            </a:r>
+            <a:endParaRPr lang="en-US" altLang="en-US" sz="1400">
+              <a:solidFill>
+                <a:schemeClr val="bg1"/>
+              </a:solidFill>
+            </a:endParaRPr>
+          </a:p>
+        </p:txBody>
+      </p:sp>
+    </p:spTree>
+  </p:cSld>
+  <p:clrMapOvr>
+    <a:masterClrMapping/>
+  </p:clrMapOvr>
+  <p:transition>
+    <p:wipe/>
+  </p:transition>
+</p:sld>
+</file>
+
+<file path=ppt/slides/slide21.xml><?xml version="1.0" encoding="utf-8"?>
+<p:sld xmlns:a="http://schemas.openxmlformats.org/drawingml/2006/main" xmlns:r="http://schemas.openxmlformats.org/officeDocument/2006/relationships" xmlns:p="http://schemas.openxmlformats.org/presentationml/2006/main">
+  <p:cSld>
+    <p:spTree>
+      <p:nvGrpSpPr>
+        <p:cNvPr id="1" name=""/>
+        <p:cNvGrpSpPr/>
+        <p:nvPr/>
+      </p:nvGrpSpPr>
+      <p:grpSpPr/>
+      <p:sp>
+        <p:nvSpPr>
+          <p:cNvPr id="3" name="Subtitle 2"/>
+          <p:cNvSpPr>
+            <a:spLocks noGrp="true"/>
+          </p:cNvSpPr>
+          <p:nvPr>
+            <p:ph type="subTitle" idx="1"/>
+          </p:nvPr>
+        </p:nvSpPr>
+        <p:spPr>
+          <a:xfrm>
+            <a:off x="-17780" y="6407785"/>
+            <a:ext cx="3229610" cy="349250"/>
+          </a:xfrm>
+        </p:spPr>
+        <p:txBody>
+          <a:bodyPr>
+            <a:normAutofit lnSpcReduction="20000"/>
+          </a:bodyPr>
+          <a:p>
+            <a:pPr algn="r"/>
+            <a:r>
+              <a:rPr lang="en-US" altLang="en-US"/>
+              <a:t>Coding your wanderful life</a:t>
+            </a:r>
+            <a:endParaRPr lang="en-US" altLang="en-US"/>
+          </a:p>
+        </p:txBody>
+      </p:sp>
+      <p:grpSp>
+        <p:nvGrpSpPr>
+          <p:cNvPr id="6" name="Group 5"/>
+          <p:cNvGrpSpPr/>
+          <p:nvPr/>
+        </p:nvGrpSpPr>
+        <p:grpSpPr>
+          <a:xfrm>
+            <a:off x="-20320" y="6691630"/>
+            <a:ext cx="12218035" cy="152400"/>
+            <a:chOff x="-32" y="10538"/>
+            <a:chExt cx="19241" cy="240"/>
+          </a:xfrm>
+        </p:grpSpPr>
+        <p:sp>
+          <p:nvSpPr>
+            <p:cNvPr id="4" name="Rectangle 3"/>
+            <p:cNvSpPr/>
+            <p:nvPr/>
+          </p:nvSpPr>
+          <p:spPr>
+            <a:xfrm>
+              <a:off x="-32" y="10538"/>
+              <a:ext cx="14944" cy="240"/>
+            </a:xfrm>
+            <a:prstGeom prst="rect">
+              <a:avLst/>
+            </a:prstGeom>
+            <a:solidFill>
+              <a:srgbClr val="FF6600"/>
+            </a:solidFill>
+            <a:ln>
+              <a:solidFill>
+                <a:srgbClr val="FF6600"/>
+              </a:solidFill>
+            </a:ln>
+          </p:spPr>
+          <p:style>
+            <a:lnRef idx="2">
+              <a:schemeClr val="accent1">
+                <a:shade val="50000"/>
+              </a:schemeClr>
+            </a:lnRef>
+            <a:fillRef idx="1">
+              <a:schemeClr val="accent1"/>
+            </a:fillRef>
+            <a:effectRef idx="0">
+              <a:schemeClr val="accent1"/>
+            </a:effectRef>
+            <a:fontRef idx="minor">
+              <a:schemeClr val="lt1"/>
+            </a:fontRef>
+          </p:style>
+          <p:txBody>
+            <a:bodyPr rtlCol="0" anchor="ctr"/>
+            <a:p>
+              <a:pPr algn="ctr"/>
+              <a:endParaRPr lang="en-US"/>
+            </a:p>
+          </p:txBody>
+        </p:sp>
+        <p:sp>
+          <p:nvSpPr>
+            <p:cNvPr id="5" name="Rectangle 4"/>
+            <p:cNvSpPr/>
+            <p:nvPr/>
+          </p:nvSpPr>
+          <p:spPr>
+            <a:xfrm>
+              <a:off x="14933" y="10538"/>
+              <a:ext cx="4276" cy="240"/>
+            </a:xfrm>
+            <a:prstGeom prst="rect">
+              <a:avLst/>
+            </a:prstGeom>
+            <a:solidFill>
+              <a:schemeClr val="tx1">
+                <a:lumMod val="75000"/>
+                <a:lumOff val="25000"/>
+              </a:schemeClr>
+            </a:solidFill>
+            <a:ln>
+              <a:solidFill>
+                <a:schemeClr val="tx1">
+                  <a:lumMod val="75000"/>
+                  <a:lumOff val="25000"/>
+                </a:schemeClr>
+              </a:solidFill>
+            </a:ln>
+          </p:spPr>
+          <p:style>
+            <a:lnRef idx="2">
+              <a:schemeClr val="accent1">
+                <a:shade val="50000"/>
+              </a:schemeClr>
+            </a:lnRef>
+            <a:fillRef idx="1">
+              <a:schemeClr val="accent1"/>
+            </a:fillRef>
+            <a:effectRef idx="0">
+              <a:schemeClr val="accent1"/>
+            </a:effectRef>
+            <a:fontRef idx="minor">
+              <a:schemeClr val="lt1"/>
+            </a:fontRef>
+          </p:style>
+          <p:txBody>
+            <a:bodyPr rtlCol="0" anchor="ctr"/>
+            <a:p>
+              <a:pPr algn="ctr"/>
+              <a:endParaRPr lang="en-US"/>
+            </a:p>
+          </p:txBody>
+        </p:sp>
+      </p:grpSp>
+      <p:sp>
+        <p:nvSpPr>
+          <p:cNvPr id="7" name="Rectangle 6"/>
+          <p:cNvSpPr/>
+          <p:nvPr/>
+        </p:nvSpPr>
+        <p:spPr>
+          <a:xfrm>
+            <a:off x="-20320" y="779145"/>
+            <a:ext cx="96520" cy="650875"/>
+          </a:xfrm>
+          <a:prstGeom prst="rect">
+            <a:avLst/>
+          </a:prstGeom>
+          <a:solidFill>
+            <a:schemeClr val="tx1">
+              <a:lumMod val="50000"/>
+              <a:lumOff val="50000"/>
+            </a:schemeClr>
+          </a:solidFill>
+          <a:ln>
+            <a:solidFill>
+              <a:schemeClr val="tx1">
+                <a:lumMod val="50000"/>
+                <a:lumOff val="50000"/>
+              </a:schemeClr>
+            </a:solidFill>
+          </a:ln>
+        </p:spPr>
+        <p:style>
+          <a:lnRef idx="2">
+            <a:schemeClr val="accent1">
+              <a:shade val="50000"/>
+            </a:schemeClr>
+          </a:lnRef>
+          <a:fillRef idx="1">
+            <a:schemeClr val="accent1"/>
+          </a:fillRef>
+          <a:effectRef idx="0">
+            <a:schemeClr val="accent1"/>
+          </a:effectRef>
+          <a:fontRef idx="minor">
+            <a:schemeClr val="lt1"/>
+          </a:fontRef>
+        </p:style>
+        <p:txBody>
+          <a:bodyPr rtlCol="0" anchor="ctr"/>
+          <a:p>
+            <a:pPr algn="ctr"/>
+            <a:endParaRPr lang="en-US"/>
+          </a:p>
+        </p:txBody>
+      </p:sp>
+      <p:grpSp>
+        <p:nvGrpSpPr>
+          <p:cNvPr id="10" name="Group 9"/>
+          <p:cNvGrpSpPr/>
+          <p:nvPr/>
+        </p:nvGrpSpPr>
+        <p:grpSpPr>
+          <a:xfrm>
+            <a:off x="10734040" y="422275"/>
+            <a:ext cx="928370" cy="900430"/>
+            <a:chOff x="16799" y="665"/>
+            <a:chExt cx="1462" cy="1418"/>
+          </a:xfrm>
+        </p:grpSpPr>
+        <p:sp>
+          <p:nvSpPr>
+            <p:cNvPr id="8" name="Oval 7"/>
+            <p:cNvSpPr/>
+            <p:nvPr/>
+          </p:nvSpPr>
+          <p:spPr>
+            <a:xfrm>
+              <a:off x="16799" y="665"/>
+              <a:ext cx="1463" cy="1419"/>
+            </a:xfrm>
+            <a:prstGeom prst="ellipse">
+              <a:avLst/>
+            </a:prstGeom>
+            <a:solidFill>
+              <a:srgbClr val="FF8D41"/>
+            </a:solidFill>
+            <a:ln>
+              <a:solidFill>
+                <a:srgbClr val="FF8D41"/>
+              </a:solidFill>
+            </a:ln>
+          </p:spPr>
+          <p:style>
+            <a:lnRef idx="2">
+              <a:schemeClr val="accent1">
+                <a:shade val="50000"/>
+              </a:schemeClr>
+            </a:lnRef>
+            <a:fillRef idx="1">
+              <a:schemeClr val="accent1"/>
+            </a:fillRef>
+            <a:effectRef idx="0">
+              <a:schemeClr val="accent1"/>
+            </a:effectRef>
+            <a:fontRef idx="minor">
+              <a:schemeClr val="lt1"/>
+            </a:fontRef>
+          </p:style>
+          <p:txBody>
+            <a:bodyPr rtlCol="0" anchor="ctr"/>
+            <a:p>
+              <a:pPr algn="ctr"/>
+              <a:endParaRPr lang="en-US"/>
+            </a:p>
+          </p:txBody>
+        </p:sp>
+        <p:sp>
+          <p:nvSpPr>
+            <p:cNvPr id="9" name="Text Box 8"/>
+            <p:cNvSpPr txBox="true"/>
+            <p:nvPr/>
+          </p:nvSpPr>
+          <p:spPr>
+            <a:xfrm>
+              <a:off x="16916" y="964"/>
+              <a:ext cx="1187" cy="822"/>
+            </a:xfrm>
+            <a:prstGeom prst="rect">
+              <a:avLst/>
+            </a:prstGeom>
+            <a:noFill/>
+          </p:spPr>
+          <p:txBody>
+            <a:bodyPr wrap="square" rtlCol="0">
+              <a:spAutoFit/>
+            </a:bodyPr>
+            <a:p>
+              <a:r>
+                <a:rPr lang="en-US" altLang="en-US" sz="1400">
+                  <a:ln>
+                    <a:solidFill>
+                      <a:schemeClr val="bg1"/>
+                    </a:solidFill>
+                  </a:ln>
+                  <a:solidFill>
+                    <a:schemeClr val="bg1"/>
+                  </a:solidFill>
+                </a:rPr>
+                <a:t> HTML</a:t>
+              </a:r>
+              <a:endParaRPr lang="en-US" altLang="en-US" sz="1400">
+                <a:ln>
+                  <a:solidFill>
+                    <a:schemeClr val="bg1"/>
+                  </a:solidFill>
+                </a:ln>
+                <a:solidFill>
+                  <a:schemeClr val="bg1"/>
+                </a:solidFill>
+              </a:endParaRPr>
+            </a:p>
+            <a:p>
+              <a:r>
+                <a:rPr lang="en-US" altLang="en-US" sz="1400">
+                  <a:ln>
+                    <a:solidFill>
+                      <a:schemeClr val="bg1"/>
+                    </a:solidFill>
+                  </a:ln>
+                  <a:solidFill>
+                    <a:schemeClr val="bg1"/>
+                  </a:solidFill>
+                </a:rPr>
+                <a:t>  CSS</a:t>
+              </a:r>
+              <a:endParaRPr lang="en-US" altLang="en-US" sz="1400">
+                <a:ln>
+                  <a:solidFill>
+                    <a:schemeClr val="bg1"/>
+                  </a:solidFill>
+                </a:ln>
+                <a:solidFill>
+                  <a:schemeClr val="bg1"/>
+                </a:solidFill>
+              </a:endParaRPr>
+            </a:p>
+          </p:txBody>
+        </p:sp>
+      </p:grpSp>
+      <p:sp>
+        <p:nvSpPr>
+          <p:cNvPr id="14" name="Date Placeholder 13"/>
+          <p:cNvSpPr>
+            <a:spLocks noGrp="true"/>
+          </p:cNvSpPr>
+          <p:nvPr>
+            <p:ph type="dt" sz="half" idx="10"/>
+          </p:nvPr>
+        </p:nvSpPr>
+        <p:spPr/>
+        <p:txBody>
+          <a:bodyPr/>
+          <a:p>
+            <a:fld id="{760FBDFE-C587-4B4C-A407-44438C67B59E}" type="datetime1">
+              <a:rPr lang="en-US" altLang="en-US" smtClean="0"/>
+            </a:fld>
+            <a:endParaRPr lang="zh-CN" altLang="en-US"/>
+          </a:p>
+        </p:txBody>
+      </p:sp>
+      <p:sp>
+        <p:nvSpPr>
+          <p:cNvPr id="17" name="Text Box 16"/>
+          <p:cNvSpPr txBox="true"/>
+          <p:nvPr/>
+        </p:nvSpPr>
+        <p:spPr>
+          <a:xfrm>
+            <a:off x="1014730" y="1770380"/>
+            <a:ext cx="9464675" cy="521970"/>
+          </a:xfrm>
+          <a:prstGeom prst="rect">
+            <a:avLst/>
+          </a:prstGeom>
+          <a:noFill/>
+        </p:spPr>
+        <p:txBody>
+          <a:bodyPr wrap="square" rtlCol="0">
+            <a:spAutoFit/>
+          </a:bodyPr>
+          <a:p>
+            <a:r>
+              <a:rPr lang="en-US" altLang="en-US" sz="2800"/>
+              <a:t>8. html代码</a:t>
+            </a:r>
+            <a:endParaRPr lang="en-US" altLang="en-US" sz="2800"/>
+          </a:p>
+        </p:txBody>
+      </p:sp>
+      <p:sp>
+        <p:nvSpPr>
+          <p:cNvPr id="19" name="Title 18"/>
+          <p:cNvSpPr>
+            <a:spLocks noGrp="true"/>
+          </p:cNvSpPr>
+          <p:nvPr>
+            <p:ph type="ctrTitle"/>
+          </p:nvPr>
+        </p:nvSpPr>
+        <p:spPr>
+          <a:xfrm>
+            <a:off x="-34925" y="340995"/>
+            <a:ext cx="9118600" cy="1252855"/>
+          </a:xfrm>
+        </p:spPr>
+        <p:txBody>
+          <a:bodyPr>
+            <a:normAutofit fontScale="90000"/>
+          </a:bodyPr>
+          <a:p>
+            <a:pPr algn="l"/>
+            <a:r>
+              <a:rPr lang="en-US" altLang="en-US"/>
+              <a:t>  Index.html首页布局</a:t>
+            </a:r>
+            <a:endParaRPr lang="en-US" altLang="en-US"/>
+          </a:p>
+        </p:txBody>
+      </p:sp>
+      <p:sp>
+        <p:nvSpPr>
+          <p:cNvPr id="11" name="Text Box 10"/>
+          <p:cNvSpPr txBox="true"/>
+          <p:nvPr/>
+        </p:nvSpPr>
+        <p:spPr>
+          <a:xfrm>
+            <a:off x="1343660" y="2527300"/>
+            <a:ext cx="9464675" cy="460375"/>
+          </a:xfrm>
+          <a:prstGeom prst="rect">
+            <a:avLst/>
+          </a:prstGeom>
+          <a:noFill/>
+        </p:spPr>
+        <p:txBody>
+          <a:bodyPr wrap="square" rtlCol="0">
+            <a:spAutoFit/>
+          </a:bodyPr>
+          <a:p>
+            <a:r>
+              <a:rPr lang="" altLang="en-US" sz="2400"/>
+              <a:t>2</a:t>
+            </a:r>
+            <a:r>
+              <a:rPr lang="en-US" altLang="en-US" sz="2400"/>
+              <a:t>)</a:t>
+            </a:r>
+            <a:r>
+              <a:rPr lang="" altLang="en-US" sz="2400"/>
+              <a:t> nav</a:t>
+            </a:r>
+            <a:endParaRPr lang="" altLang="en-US" sz="2400"/>
+          </a:p>
+        </p:txBody>
+      </p:sp>
+    </p:spTree>
+  </p:cSld>
+  <p:clrMapOvr>
+    <a:masterClrMapping/>
+  </p:clrMapOvr>
+  <p:transition>
+    <p:wipe/>
+  </p:transition>
+</p:sld>
+</file>
+
+<file path=ppt/slides/slide22.xml><?xml version="1.0" encoding="utf-8"?>
+<p:sld xmlns:a="http://schemas.openxmlformats.org/drawingml/2006/main" xmlns:r="http://schemas.openxmlformats.org/officeDocument/2006/relationships" xmlns:p="http://schemas.openxmlformats.org/presentationml/2006/main">
+  <p:cSld>
+    <p:spTree>
+      <p:nvGrpSpPr>
+        <p:cNvPr id="1" name=""/>
+        <p:cNvGrpSpPr/>
+        <p:nvPr/>
+      </p:nvGrpSpPr>
+      <p:grpSpPr/>
+      <p:sp>
+        <p:nvSpPr>
+          <p:cNvPr id="3" name="Subtitle 2"/>
+          <p:cNvSpPr>
+            <a:spLocks noGrp="true"/>
+          </p:cNvSpPr>
+          <p:nvPr>
+            <p:ph type="subTitle" idx="1"/>
+          </p:nvPr>
+        </p:nvSpPr>
+        <p:spPr>
+          <a:xfrm>
+            <a:off x="-17780" y="6407785"/>
+            <a:ext cx="3229610" cy="349250"/>
+          </a:xfrm>
+        </p:spPr>
+        <p:txBody>
+          <a:bodyPr>
+            <a:normAutofit lnSpcReduction="20000"/>
+          </a:bodyPr>
+          <a:p>
+            <a:pPr algn="r"/>
+            <a:r>
+              <a:rPr lang="en-US" altLang="en-US"/>
+              <a:t>Coding your wanderful life</a:t>
+            </a:r>
+            <a:endParaRPr lang="en-US" altLang="en-US"/>
+          </a:p>
+        </p:txBody>
+      </p:sp>
+      <p:grpSp>
+        <p:nvGrpSpPr>
+          <p:cNvPr id="6" name="Group 5"/>
+          <p:cNvGrpSpPr/>
+          <p:nvPr/>
+        </p:nvGrpSpPr>
+        <p:grpSpPr>
+          <a:xfrm>
+            <a:off x="-20320" y="6691630"/>
+            <a:ext cx="12218035" cy="152400"/>
+            <a:chOff x="-32" y="10538"/>
+            <a:chExt cx="19241" cy="240"/>
+          </a:xfrm>
+        </p:grpSpPr>
+        <p:sp>
+          <p:nvSpPr>
+            <p:cNvPr id="4" name="Rectangle 3"/>
+            <p:cNvSpPr/>
+            <p:nvPr/>
+          </p:nvSpPr>
+          <p:spPr>
+            <a:xfrm>
+              <a:off x="-32" y="10538"/>
+              <a:ext cx="14944" cy="240"/>
+            </a:xfrm>
+            <a:prstGeom prst="rect">
+              <a:avLst/>
+            </a:prstGeom>
+            <a:solidFill>
+              <a:srgbClr val="FF6600"/>
+            </a:solidFill>
+            <a:ln>
+              <a:solidFill>
+                <a:srgbClr val="FF6600"/>
+              </a:solidFill>
+            </a:ln>
+          </p:spPr>
+          <p:style>
+            <a:lnRef idx="2">
+              <a:schemeClr val="accent1">
+                <a:shade val="50000"/>
+              </a:schemeClr>
+            </a:lnRef>
+            <a:fillRef idx="1">
+              <a:schemeClr val="accent1"/>
+            </a:fillRef>
+            <a:effectRef idx="0">
+              <a:schemeClr val="accent1"/>
+            </a:effectRef>
+            <a:fontRef idx="minor">
+              <a:schemeClr val="lt1"/>
+            </a:fontRef>
+          </p:style>
+          <p:txBody>
+            <a:bodyPr rtlCol="0" anchor="ctr"/>
+            <a:p>
+              <a:pPr algn="ctr"/>
+              <a:endParaRPr lang="en-US"/>
+            </a:p>
+          </p:txBody>
+        </p:sp>
+        <p:sp>
+          <p:nvSpPr>
+            <p:cNvPr id="5" name="Rectangle 4"/>
+            <p:cNvSpPr/>
+            <p:nvPr/>
+          </p:nvSpPr>
+          <p:spPr>
+            <a:xfrm>
+              <a:off x="14933" y="10538"/>
+              <a:ext cx="4276" cy="240"/>
+            </a:xfrm>
+            <a:prstGeom prst="rect">
+              <a:avLst/>
+            </a:prstGeom>
+            <a:solidFill>
+              <a:schemeClr val="tx1">
+                <a:lumMod val="75000"/>
+                <a:lumOff val="25000"/>
+              </a:schemeClr>
+            </a:solidFill>
+            <a:ln>
+              <a:solidFill>
+                <a:schemeClr val="tx1">
+                  <a:lumMod val="75000"/>
+                  <a:lumOff val="25000"/>
+                </a:schemeClr>
+              </a:solidFill>
+            </a:ln>
+          </p:spPr>
+          <p:style>
+            <a:lnRef idx="2">
+              <a:schemeClr val="accent1">
+                <a:shade val="50000"/>
+              </a:schemeClr>
+            </a:lnRef>
+            <a:fillRef idx="1">
+              <a:schemeClr val="accent1"/>
+            </a:fillRef>
+            <a:effectRef idx="0">
+              <a:schemeClr val="accent1"/>
+            </a:effectRef>
+            <a:fontRef idx="minor">
+              <a:schemeClr val="lt1"/>
+            </a:fontRef>
+          </p:style>
+          <p:txBody>
+            <a:bodyPr rtlCol="0" anchor="ctr"/>
+            <a:p>
+              <a:pPr algn="ctr"/>
+              <a:endParaRPr lang="en-US"/>
+            </a:p>
+          </p:txBody>
+        </p:sp>
+      </p:grpSp>
+      <p:sp>
+        <p:nvSpPr>
+          <p:cNvPr id="7" name="Rectangle 6"/>
+          <p:cNvSpPr/>
+          <p:nvPr/>
+        </p:nvSpPr>
+        <p:spPr>
+          <a:xfrm>
+            <a:off x="-20320" y="779145"/>
+            <a:ext cx="96520" cy="650875"/>
+          </a:xfrm>
+          <a:prstGeom prst="rect">
+            <a:avLst/>
+          </a:prstGeom>
+          <a:solidFill>
+            <a:schemeClr val="tx1">
+              <a:lumMod val="50000"/>
+              <a:lumOff val="50000"/>
+            </a:schemeClr>
+          </a:solidFill>
+          <a:ln>
+            <a:solidFill>
+              <a:schemeClr val="tx1">
+                <a:lumMod val="50000"/>
+                <a:lumOff val="50000"/>
+              </a:schemeClr>
+            </a:solidFill>
+          </a:ln>
+        </p:spPr>
+        <p:style>
+          <a:lnRef idx="2">
+            <a:schemeClr val="accent1">
+              <a:shade val="50000"/>
+            </a:schemeClr>
+          </a:lnRef>
+          <a:fillRef idx="1">
+            <a:schemeClr val="accent1"/>
+          </a:fillRef>
+          <a:effectRef idx="0">
+            <a:schemeClr val="accent1"/>
+          </a:effectRef>
+          <a:fontRef idx="minor">
+            <a:schemeClr val="lt1"/>
+          </a:fontRef>
+        </p:style>
+        <p:txBody>
+          <a:bodyPr rtlCol="0" anchor="ctr"/>
+          <a:p>
+            <a:pPr algn="ctr"/>
+            <a:endParaRPr lang="en-US"/>
+          </a:p>
+        </p:txBody>
+      </p:sp>
+      <p:grpSp>
+        <p:nvGrpSpPr>
+          <p:cNvPr id="10" name="Group 9"/>
+          <p:cNvGrpSpPr/>
+          <p:nvPr/>
+        </p:nvGrpSpPr>
+        <p:grpSpPr>
+          <a:xfrm>
+            <a:off x="10734040" y="422275"/>
+            <a:ext cx="928370" cy="900430"/>
+            <a:chOff x="16799" y="665"/>
+            <a:chExt cx="1462" cy="1418"/>
+          </a:xfrm>
+        </p:grpSpPr>
+        <p:sp>
+          <p:nvSpPr>
+            <p:cNvPr id="8" name="Oval 7"/>
+            <p:cNvSpPr/>
+            <p:nvPr/>
+          </p:nvSpPr>
+          <p:spPr>
+            <a:xfrm>
+              <a:off x="16799" y="665"/>
+              <a:ext cx="1463" cy="1419"/>
+            </a:xfrm>
+            <a:prstGeom prst="ellipse">
+              <a:avLst/>
+            </a:prstGeom>
+            <a:solidFill>
+              <a:srgbClr val="FF8D41"/>
+            </a:solidFill>
+            <a:ln>
+              <a:solidFill>
+                <a:srgbClr val="FF8D41"/>
+              </a:solidFill>
+            </a:ln>
+          </p:spPr>
+          <p:style>
+            <a:lnRef idx="2">
+              <a:schemeClr val="accent1">
+                <a:shade val="50000"/>
+              </a:schemeClr>
+            </a:lnRef>
+            <a:fillRef idx="1">
+              <a:schemeClr val="accent1"/>
+            </a:fillRef>
+            <a:effectRef idx="0">
+              <a:schemeClr val="accent1"/>
+            </a:effectRef>
+            <a:fontRef idx="minor">
+              <a:schemeClr val="lt1"/>
+            </a:fontRef>
+          </p:style>
+          <p:txBody>
+            <a:bodyPr rtlCol="0" anchor="ctr"/>
+            <a:p>
+              <a:pPr algn="ctr"/>
+              <a:endParaRPr lang="en-US"/>
+            </a:p>
+          </p:txBody>
+        </p:sp>
+        <p:sp>
+          <p:nvSpPr>
+            <p:cNvPr id="9" name="Text Box 8"/>
+            <p:cNvSpPr txBox="true"/>
+            <p:nvPr/>
+          </p:nvSpPr>
+          <p:spPr>
+            <a:xfrm>
+              <a:off x="16916" y="964"/>
+              <a:ext cx="1187" cy="822"/>
+            </a:xfrm>
+            <a:prstGeom prst="rect">
+              <a:avLst/>
+            </a:prstGeom>
+            <a:noFill/>
+          </p:spPr>
+          <p:txBody>
+            <a:bodyPr wrap="square" rtlCol="0">
+              <a:spAutoFit/>
+            </a:bodyPr>
+            <a:p>
+              <a:r>
+                <a:rPr lang="en-US" altLang="en-US" sz="1400">
+                  <a:ln>
+                    <a:solidFill>
+                      <a:schemeClr val="bg1"/>
+                    </a:solidFill>
+                  </a:ln>
+                  <a:solidFill>
+                    <a:schemeClr val="bg1"/>
+                  </a:solidFill>
+                </a:rPr>
+                <a:t> HTML</a:t>
+              </a:r>
+              <a:endParaRPr lang="en-US" altLang="en-US" sz="1400">
+                <a:ln>
+                  <a:solidFill>
+                    <a:schemeClr val="bg1"/>
+                  </a:solidFill>
+                </a:ln>
+                <a:solidFill>
+                  <a:schemeClr val="bg1"/>
+                </a:solidFill>
+              </a:endParaRPr>
+            </a:p>
+            <a:p>
+              <a:r>
+                <a:rPr lang="en-US" altLang="en-US" sz="1400">
+                  <a:ln>
+                    <a:solidFill>
+                      <a:schemeClr val="bg1"/>
+                    </a:solidFill>
+                  </a:ln>
+                  <a:solidFill>
+                    <a:schemeClr val="bg1"/>
+                  </a:solidFill>
+                </a:rPr>
+                <a:t>  CSS</a:t>
+              </a:r>
+              <a:endParaRPr lang="en-US" altLang="en-US" sz="1400">
+                <a:ln>
+                  <a:solidFill>
+                    <a:schemeClr val="bg1"/>
+                  </a:solidFill>
+                </a:ln>
+                <a:solidFill>
+                  <a:schemeClr val="bg1"/>
+                </a:solidFill>
+              </a:endParaRPr>
+            </a:p>
+          </p:txBody>
+        </p:sp>
+      </p:grpSp>
+      <p:sp>
+        <p:nvSpPr>
+          <p:cNvPr id="14" name="Date Placeholder 13"/>
+          <p:cNvSpPr>
+            <a:spLocks noGrp="true"/>
+          </p:cNvSpPr>
+          <p:nvPr>
+            <p:ph type="dt" sz="half" idx="10"/>
+          </p:nvPr>
+        </p:nvSpPr>
+        <p:spPr/>
+        <p:txBody>
+          <a:bodyPr/>
+          <a:p>
+            <a:fld id="{760FBDFE-C587-4B4C-A407-44438C67B59E}" type="datetime1">
+              <a:rPr lang="en-US" altLang="en-US" smtClean="0"/>
+            </a:fld>
+            <a:endParaRPr lang="zh-CN" altLang="en-US"/>
+          </a:p>
+        </p:txBody>
+      </p:sp>
+      <p:sp>
+        <p:nvSpPr>
+          <p:cNvPr id="17" name="Text Box 16"/>
+          <p:cNvSpPr txBox="true"/>
+          <p:nvPr/>
+        </p:nvSpPr>
+        <p:spPr>
+          <a:xfrm>
+            <a:off x="1014730" y="1770380"/>
+            <a:ext cx="9464675" cy="521970"/>
+          </a:xfrm>
+          <a:prstGeom prst="rect">
+            <a:avLst/>
+          </a:prstGeom>
+          <a:noFill/>
+        </p:spPr>
+        <p:txBody>
+          <a:bodyPr wrap="square" rtlCol="0">
+            <a:spAutoFit/>
+          </a:bodyPr>
+          <a:p>
+            <a:r>
+              <a:rPr lang="en-US" altLang="en-US" sz="2800"/>
+              <a:t>8. </a:t>
+            </a:r>
+            <a:r>
+              <a:rPr lang="" altLang="en-US" sz="2800"/>
+              <a:t>less</a:t>
+            </a:r>
+            <a:r>
+              <a:rPr lang="en-US" altLang="en-US" sz="2800"/>
+              <a:t>代码</a:t>
+            </a:r>
+            <a:endParaRPr lang="en-US" altLang="en-US" sz="2800"/>
+          </a:p>
+        </p:txBody>
+      </p:sp>
+      <p:sp>
+        <p:nvSpPr>
+          <p:cNvPr id="19" name="Title 18"/>
+          <p:cNvSpPr>
+            <a:spLocks noGrp="true"/>
+          </p:cNvSpPr>
+          <p:nvPr>
+            <p:ph type="ctrTitle"/>
+          </p:nvPr>
+        </p:nvSpPr>
+        <p:spPr>
+          <a:xfrm>
+            <a:off x="-34925" y="340995"/>
+            <a:ext cx="9118600" cy="1252855"/>
+          </a:xfrm>
+        </p:spPr>
+        <p:txBody>
+          <a:bodyPr>
+            <a:normAutofit fontScale="90000"/>
+          </a:bodyPr>
+          <a:p>
+            <a:pPr algn="l"/>
+            <a:r>
+              <a:rPr lang="en-US" altLang="en-US"/>
+              <a:t>  Index.html首页布局</a:t>
+            </a:r>
+            <a:endParaRPr lang="en-US" altLang="en-US"/>
+          </a:p>
+        </p:txBody>
+      </p:sp>
+    </p:spTree>
+  </p:cSld>
+  <p:clrMapOvr>
+    <a:masterClrMapping/>
+  </p:clrMapOvr>
+  <p:transition>
+    <p:wipe/>
+  </p:transition>
+</p:sld>
+</file>
+
+<file path=ppt/slides/slide3.xml><?xml version="1.0" encoding="utf-8"?>
+<p:sld xmlns:a="http://schemas.openxmlformats.org/drawingml/2006/main" xmlns:r="http://schemas.openxmlformats.org/officeDocument/2006/relationships" xmlns:p="http://schemas.openxmlformats.org/presentationml/2006/main">
+  <p:cSld>
+    <p:spTree>
+      <p:nvGrpSpPr>
+        <p:cNvPr id="1" name=""/>
+        <p:cNvGrpSpPr/>
+        <p:nvPr/>
+      </p:nvGrpSpPr>
+      <p:grpSpPr/>
+      <p:sp>
+        <p:nvSpPr>
+          <p:cNvPr id="2" name="Title 1"/>
+          <p:cNvSpPr>
+            <a:spLocks noGrp="true"/>
+          </p:cNvSpPr>
+          <p:nvPr>
+            <p:ph type="ctrTitle"/>
+          </p:nvPr>
+        </p:nvSpPr>
+        <p:spPr>
+          <a:xfrm>
+            <a:off x="-34925" y="340995"/>
+            <a:ext cx="9118600" cy="1252855"/>
+          </a:xfrm>
+        </p:spPr>
+        <p:txBody>
+          <a:bodyPr>
+            <a:normAutofit fontScale="90000"/>
+          </a:bodyPr>
+          <a:p>
+            <a:pPr algn="l"/>
+            <a:r>
+              <a:rPr lang="en-US" altLang="en-US"/>
+              <a:t>  项目分解说明</a:t>
+            </a:r>
+            <a:endParaRPr lang="en-US" altLang="en-US"/>
+          </a:p>
+        </p:txBody>
+      </p:sp>
+      <p:sp>
+        <p:nvSpPr>
+          <p:cNvPr id="3" name="Subtitle 2"/>
+          <p:cNvSpPr>
+            <a:spLocks noGrp="true"/>
+          </p:cNvSpPr>
+          <p:nvPr>
+            <p:ph type="subTitle" idx="1"/>
+          </p:nvPr>
+        </p:nvSpPr>
+        <p:spPr>
+          <a:xfrm>
+            <a:off x="-17780" y="6407785"/>
+            <a:ext cx="3229610" cy="349250"/>
+          </a:xfrm>
+        </p:spPr>
+        <p:txBody>
+          <a:bodyPr>
+            <a:normAutofit lnSpcReduction="20000"/>
+          </a:bodyPr>
+          <a:p>
+            <a:pPr algn="r"/>
+            <a:r>
+              <a:rPr lang="en-US" altLang="en-US"/>
+              <a:t>Coding your wanderful life</a:t>
+            </a:r>
+            <a:endParaRPr lang="en-US" altLang="en-US"/>
+          </a:p>
+        </p:txBody>
+      </p:sp>
+      <p:grpSp>
+        <p:nvGrpSpPr>
+          <p:cNvPr id="6" name="Group 5"/>
+          <p:cNvGrpSpPr/>
+          <p:nvPr/>
+        </p:nvGrpSpPr>
+        <p:grpSpPr>
+          <a:xfrm>
+            <a:off x="-20320" y="6691630"/>
+            <a:ext cx="12218035" cy="152400"/>
+            <a:chOff x="-32" y="10538"/>
+            <a:chExt cx="19241" cy="240"/>
+          </a:xfrm>
+        </p:grpSpPr>
+        <p:sp>
+          <p:nvSpPr>
+            <p:cNvPr id="4" name="Rectangle 3"/>
+            <p:cNvSpPr/>
+            <p:nvPr/>
+          </p:nvSpPr>
+          <p:spPr>
+            <a:xfrm>
+              <a:off x="-32" y="10538"/>
+              <a:ext cx="14944" cy="240"/>
+            </a:xfrm>
+            <a:prstGeom prst="rect">
+              <a:avLst/>
+            </a:prstGeom>
+            <a:solidFill>
+              <a:srgbClr val="FF6600"/>
+            </a:solidFill>
+            <a:ln>
+              <a:solidFill>
+                <a:srgbClr val="FF6600"/>
+              </a:solidFill>
+            </a:ln>
+          </p:spPr>
+          <p:style>
+            <a:lnRef idx="2">
+              <a:schemeClr val="accent1">
+                <a:shade val="50000"/>
+              </a:schemeClr>
+            </a:lnRef>
+            <a:fillRef idx="1">
+              <a:schemeClr val="accent1"/>
+            </a:fillRef>
+            <a:effectRef idx="0">
+              <a:schemeClr val="accent1"/>
+            </a:effectRef>
+            <a:fontRef idx="minor">
+              <a:schemeClr val="lt1"/>
+            </a:fontRef>
+          </p:style>
+          <p:txBody>
+            <a:bodyPr rtlCol="0" anchor="ctr"/>
+            <a:p>
+              <a:pPr algn="ctr"/>
+              <a:endParaRPr lang="en-US"/>
+            </a:p>
+          </p:txBody>
+        </p:sp>
+        <p:sp>
+          <p:nvSpPr>
+            <p:cNvPr id="5" name="Rectangle 4"/>
+            <p:cNvSpPr/>
+            <p:nvPr/>
+          </p:nvSpPr>
+          <p:spPr>
+            <a:xfrm>
+              <a:off x="14933" y="10538"/>
+              <a:ext cx="4276" cy="240"/>
+            </a:xfrm>
+            <a:prstGeom prst="rect">
+              <a:avLst/>
+            </a:prstGeom>
+            <a:solidFill>
+              <a:schemeClr val="tx1">
+                <a:lumMod val="75000"/>
+                <a:lumOff val="25000"/>
+              </a:schemeClr>
+            </a:solidFill>
+            <a:ln>
+              <a:solidFill>
+                <a:schemeClr val="tx1">
+                  <a:lumMod val="75000"/>
+                  <a:lumOff val="25000"/>
+                </a:schemeClr>
+              </a:solidFill>
+            </a:ln>
+          </p:spPr>
+          <p:style>
+            <a:lnRef idx="2">
+              <a:schemeClr val="accent1">
+                <a:shade val="50000"/>
+              </a:schemeClr>
+            </a:lnRef>
+            <a:fillRef idx="1">
+              <a:schemeClr val="accent1"/>
+            </a:fillRef>
+            <a:effectRef idx="0">
+              <a:schemeClr val="accent1"/>
+            </a:effectRef>
+            <a:fontRef idx="minor">
+              <a:schemeClr val="lt1"/>
+            </a:fontRef>
+          </p:style>
+          <p:txBody>
+            <a:bodyPr rtlCol="0" anchor="ctr"/>
+            <a:p>
+              <a:pPr algn="ctr"/>
+              <a:endParaRPr lang="en-US"/>
+            </a:p>
+          </p:txBody>
+        </p:sp>
+      </p:grpSp>
+      <p:sp>
+        <p:nvSpPr>
+          <p:cNvPr id="7" name="Rectangle 6"/>
+          <p:cNvSpPr/>
+          <p:nvPr/>
+        </p:nvSpPr>
+        <p:spPr>
+          <a:xfrm>
+            <a:off x="-20320" y="779145"/>
+            <a:ext cx="96520" cy="650875"/>
+          </a:xfrm>
+          <a:prstGeom prst="rect">
+            <a:avLst/>
+          </a:prstGeom>
+          <a:solidFill>
+            <a:schemeClr val="tx1">
+              <a:lumMod val="50000"/>
+              <a:lumOff val="50000"/>
+            </a:schemeClr>
+          </a:solidFill>
+          <a:ln>
+            <a:solidFill>
+              <a:schemeClr val="tx1">
+                <a:lumMod val="50000"/>
+                <a:lumOff val="50000"/>
+              </a:schemeClr>
+            </a:solidFill>
+          </a:ln>
+        </p:spPr>
+        <p:style>
+          <a:lnRef idx="2">
+            <a:schemeClr val="accent1">
+              <a:shade val="50000"/>
+            </a:schemeClr>
+          </a:lnRef>
+          <a:fillRef idx="1">
+            <a:schemeClr val="accent1"/>
+          </a:fillRef>
+          <a:effectRef idx="0">
+            <a:schemeClr val="accent1"/>
+          </a:effectRef>
+          <a:fontRef idx="minor">
+            <a:schemeClr val="lt1"/>
+          </a:fontRef>
+        </p:style>
+        <p:txBody>
+          <a:bodyPr rtlCol="0" anchor="ctr"/>
+          <a:p>
+            <a:pPr algn="ctr"/>
+            <a:endParaRPr lang="en-US"/>
+          </a:p>
+        </p:txBody>
+      </p:sp>
+      <p:grpSp>
+        <p:nvGrpSpPr>
+          <p:cNvPr id="10" name="Group 9"/>
+          <p:cNvGrpSpPr/>
+          <p:nvPr/>
+        </p:nvGrpSpPr>
+        <p:grpSpPr>
+          <a:xfrm>
+            <a:off x="10734040" y="422275"/>
+            <a:ext cx="928370" cy="900430"/>
+            <a:chOff x="16799" y="665"/>
+            <a:chExt cx="1462" cy="1418"/>
+          </a:xfrm>
+        </p:grpSpPr>
+        <p:sp>
+          <p:nvSpPr>
+            <p:cNvPr id="8" name="Oval 7"/>
+            <p:cNvSpPr/>
+            <p:nvPr/>
+          </p:nvSpPr>
+          <p:spPr>
+            <a:xfrm>
+              <a:off x="16799" y="665"/>
+              <a:ext cx="1463" cy="1419"/>
+            </a:xfrm>
+            <a:prstGeom prst="ellipse">
+              <a:avLst/>
+            </a:prstGeom>
+            <a:solidFill>
+              <a:srgbClr val="FF8D41"/>
+            </a:solidFill>
+            <a:ln>
+              <a:solidFill>
+                <a:srgbClr val="FF8D41"/>
+              </a:solidFill>
+            </a:ln>
+          </p:spPr>
+          <p:style>
+            <a:lnRef idx="2">
+              <a:schemeClr val="accent1">
+                <a:shade val="50000"/>
+              </a:schemeClr>
+            </a:lnRef>
+            <a:fillRef idx="1">
+              <a:schemeClr val="accent1"/>
+            </a:fillRef>
+            <a:effectRef idx="0">
+              <a:schemeClr val="accent1"/>
+            </a:effectRef>
+            <a:fontRef idx="minor">
+              <a:schemeClr val="lt1"/>
+            </a:fontRef>
+          </p:style>
+          <p:txBody>
+            <a:bodyPr rtlCol="0" anchor="ctr"/>
+            <a:p>
+              <a:pPr algn="ctr"/>
+              <a:endParaRPr lang="en-US"/>
+            </a:p>
+          </p:txBody>
+        </p:sp>
+        <p:sp>
+          <p:nvSpPr>
+            <p:cNvPr id="9" name="Text Box 8"/>
+            <p:cNvSpPr txBox="true"/>
+            <p:nvPr/>
+          </p:nvSpPr>
+          <p:spPr>
+            <a:xfrm>
+              <a:off x="16916" y="964"/>
+              <a:ext cx="1187" cy="822"/>
+            </a:xfrm>
+            <a:prstGeom prst="rect">
+              <a:avLst/>
+            </a:prstGeom>
+            <a:noFill/>
+          </p:spPr>
+          <p:txBody>
+            <a:bodyPr wrap="square" rtlCol="0">
+              <a:spAutoFit/>
+            </a:bodyPr>
+            <a:p>
+              <a:r>
+                <a:rPr lang="en-US" altLang="en-US" sz="1400">
+                  <a:ln>
+                    <a:solidFill>
+                      <a:schemeClr val="bg1"/>
+                    </a:solidFill>
+                  </a:ln>
+                  <a:solidFill>
+                    <a:schemeClr val="bg1"/>
+                  </a:solidFill>
+                </a:rPr>
+                <a:t> HTML</a:t>
+              </a:r>
+              <a:endParaRPr lang="en-US" altLang="en-US" sz="1400">
+                <a:ln>
+                  <a:solidFill>
+                    <a:schemeClr val="bg1"/>
+                  </a:solidFill>
+                </a:ln>
+                <a:solidFill>
+                  <a:schemeClr val="bg1"/>
+                </a:solidFill>
+              </a:endParaRPr>
+            </a:p>
+            <a:p>
+              <a:r>
+                <a:rPr lang="en-US" altLang="en-US" sz="1400">
+                  <a:ln>
+                    <a:solidFill>
+                      <a:schemeClr val="bg1"/>
+                    </a:solidFill>
+                  </a:ln>
+                  <a:solidFill>
+                    <a:schemeClr val="bg1"/>
+                  </a:solidFill>
+                </a:rPr>
+                <a:t>  CSS</a:t>
+              </a:r>
+              <a:endParaRPr lang="en-US" altLang="en-US" sz="1400">
+                <a:ln>
+                  <a:solidFill>
+                    <a:schemeClr val="bg1"/>
+                  </a:solidFill>
+                </a:ln>
+                <a:solidFill>
+                  <a:schemeClr val="bg1"/>
+                </a:solidFill>
+              </a:endParaRPr>
+            </a:p>
+          </p:txBody>
+        </p:sp>
+      </p:grpSp>
+      <p:sp>
+        <p:nvSpPr>
+          <p:cNvPr id="14" name="Date Placeholder 13"/>
+          <p:cNvSpPr>
+            <a:spLocks noGrp="true"/>
+          </p:cNvSpPr>
+          <p:nvPr>
+            <p:ph type="dt" sz="half" idx="10"/>
+          </p:nvPr>
+        </p:nvSpPr>
+        <p:spPr/>
+        <p:txBody>
+          <a:bodyPr/>
+          <a:p>
+            <a:fld id="{760FBDFE-C587-4B4C-A407-44438C67B59E}" type="datetime1">
+              <a:rPr lang="en-US" altLang="en-US" smtClean="0"/>
+            </a:fld>
+            <a:endParaRPr lang="zh-CN" altLang="en-US"/>
+          </a:p>
+        </p:txBody>
+      </p:sp>
+      <p:sp>
+        <p:nvSpPr>
+          <p:cNvPr id="15" name="Text Box 14"/>
+          <p:cNvSpPr txBox="true"/>
+          <p:nvPr/>
+        </p:nvSpPr>
+        <p:spPr>
+          <a:xfrm>
+            <a:off x="838200" y="1901190"/>
+            <a:ext cx="9464675" cy="521970"/>
+          </a:xfrm>
+          <a:prstGeom prst="rect">
+            <a:avLst/>
+          </a:prstGeom>
+          <a:noFill/>
+        </p:spPr>
+        <p:txBody>
+          <a:bodyPr wrap="square" rtlCol="0">
+            <a:spAutoFit/>
+          </a:bodyPr>
+          <a:p>
+            <a:r>
+              <a:rPr lang="en-US" altLang="en-US" sz="2800"/>
+              <a:t>2. 创建项目服务器</a:t>
+            </a:r>
+            <a:endParaRPr lang="en-US" altLang="en-US" sz="2000"/>
+          </a:p>
+        </p:txBody>
+      </p:sp>
+      <p:sp>
+        <p:nvSpPr>
+          <p:cNvPr id="16" name="Text Box 15"/>
+          <p:cNvSpPr txBox="true"/>
+          <p:nvPr/>
+        </p:nvSpPr>
+        <p:spPr>
+          <a:xfrm>
+            <a:off x="1032510" y="2836545"/>
+            <a:ext cx="7454265" cy="2676525"/>
+          </a:xfrm>
+          <a:prstGeom prst="rect">
+            <a:avLst/>
+          </a:prstGeom>
+          <a:noFill/>
+        </p:spPr>
+        <p:txBody>
+          <a:bodyPr wrap="square" rtlCol="0">
+            <a:spAutoFit/>
+          </a:bodyPr>
+          <a:p>
+            <a:r>
+              <a:rPr lang="en-US" altLang="en-US" sz="2400"/>
+              <a:t>1) </a:t>
+            </a:r>
+            <a:r>
+              <a:rPr lang="" altLang="en-US" sz="2400"/>
+              <a:t>安装项目包： Express</a:t>
+            </a:r>
+            <a:endParaRPr lang="en-US" altLang="en-US" sz="2400"/>
+          </a:p>
+          <a:p>
+            <a:r>
+              <a:rPr lang="" altLang="en-US" sz="2400"/>
+              <a:t>2) 引用项目文件</a:t>
+            </a:r>
+            <a:endParaRPr lang="" altLang="en-US" sz="2400"/>
+          </a:p>
+          <a:p>
+            <a:r>
+              <a:rPr lang="" altLang="en-US" sz="2400"/>
+              <a:t>3) 创建服务器</a:t>
+            </a:r>
+            <a:endParaRPr lang="" altLang="en-US" sz="2400"/>
+          </a:p>
+          <a:p>
+            <a:r>
+              <a:rPr lang="" altLang="en-US" sz="2400"/>
+              <a:t>4) 监听端口</a:t>
+            </a:r>
+            <a:endParaRPr lang="" altLang="en-US" sz="2400"/>
+          </a:p>
+          <a:p>
+            <a:r>
+              <a:rPr lang="" altLang="en-US" sz="2400"/>
+              <a:t>5) 启动服务器,启动浏览器</a:t>
+            </a:r>
+            <a:endParaRPr lang="en-US" altLang="en-US" sz="2400"/>
+          </a:p>
+          <a:p>
+            <a:r>
+              <a:rPr lang="" altLang="en-US" sz="2400"/>
+              <a:t>6) </a:t>
+            </a:r>
+            <a:r>
+              <a:rPr lang="en-US" altLang="en-US" sz="2400"/>
+              <a:t>开放静态资源文件目录</a:t>
+            </a:r>
+            <a:endParaRPr lang="en-US" altLang="en-US" sz="2400"/>
+          </a:p>
+          <a:p>
+            <a:r>
+              <a:rPr lang="" altLang="en-US" sz="2400"/>
+              <a:t>7)</a:t>
+            </a:r>
+            <a:r>
+              <a:rPr lang="en-US" altLang="en-US" sz="2400"/>
+              <a:t> </a:t>
+            </a:r>
+            <a:r>
+              <a:rPr lang="en-US" altLang="en-US" sz="2400">
+                <a:sym typeface="+mn-ea"/>
+              </a:rPr>
+              <a:t>设置渲染文件目录</a:t>
+            </a:r>
+            <a:r>
+              <a:rPr lang="en-US" altLang="en-US" sz="2400"/>
+              <a:t> </a:t>
+            </a:r>
+            <a:endParaRPr lang="" altLang="en-US" sz="2400"/>
+          </a:p>
+        </p:txBody>
+      </p:sp>
+    </p:spTree>
+  </p:cSld>
+  <p:clrMapOvr>
+    <a:masterClrMapping/>
+  </p:clrMapOvr>
+  <p:transition>
+    <p:wipe/>
+  </p:transition>
+</p:sld>
+</file>
+
+<file path=ppt/slides/slide4.xml><?xml version="1.0" encoding="utf-8"?>
+<p:sld xmlns:a="http://schemas.openxmlformats.org/drawingml/2006/main" xmlns:r="http://schemas.openxmlformats.org/officeDocument/2006/relationships" xmlns:p="http://schemas.openxmlformats.org/presentationml/2006/main">
+  <p:cSld>
+    <p:spTree>
+      <p:nvGrpSpPr>
+        <p:cNvPr id="1" name=""/>
+        <p:cNvGrpSpPr/>
+        <p:nvPr/>
+      </p:nvGrpSpPr>
+      <p:grpSpPr/>
+      <p:sp>
+        <p:nvSpPr>
+          <p:cNvPr id="2" name="Title 1"/>
+          <p:cNvSpPr>
+            <a:spLocks noGrp="true"/>
+          </p:cNvSpPr>
+          <p:nvPr>
+            <p:ph type="ctrTitle"/>
+          </p:nvPr>
+        </p:nvSpPr>
+        <p:spPr>
+          <a:xfrm>
+            <a:off x="-34925" y="340995"/>
+            <a:ext cx="9118600" cy="1252855"/>
+          </a:xfrm>
+        </p:spPr>
+        <p:txBody>
+          <a:bodyPr>
+            <a:normAutofit fontScale="90000"/>
+          </a:bodyPr>
+          <a:p>
+            <a:pPr algn="l"/>
+            <a:r>
+              <a:rPr lang="en-US" altLang="en-US"/>
+              <a:t>  </a:t>
+            </a:r>
+            <a:r>
+              <a:rPr lang="" altLang="en-US"/>
+              <a:t>创建服务器</a:t>
+            </a:r>
+            <a:endParaRPr lang="" altLang="en-US"/>
+          </a:p>
+        </p:txBody>
+      </p:sp>
+      <p:sp>
+        <p:nvSpPr>
+          <p:cNvPr id="3" name="Subtitle 2"/>
+          <p:cNvSpPr>
+            <a:spLocks noGrp="true"/>
+          </p:cNvSpPr>
+          <p:nvPr>
+            <p:ph type="subTitle" idx="1"/>
+          </p:nvPr>
+        </p:nvSpPr>
+        <p:spPr>
+          <a:xfrm>
+            <a:off x="-17780" y="6407785"/>
+            <a:ext cx="3229610" cy="349250"/>
+          </a:xfrm>
+        </p:spPr>
+        <p:txBody>
+          <a:bodyPr>
+            <a:normAutofit lnSpcReduction="20000"/>
+          </a:bodyPr>
+          <a:p>
+            <a:pPr algn="r"/>
+            <a:r>
+              <a:rPr lang="en-US" altLang="en-US"/>
+              <a:t>Coding your wanderful life</a:t>
+            </a:r>
+            <a:endParaRPr lang="en-US" altLang="en-US"/>
+          </a:p>
+        </p:txBody>
+      </p:sp>
+      <p:grpSp>
+        <p:nvGrpSpPr>
+          <p:cNvPr id="6" name="Group 5"/>
+          <p:cNvGrpSpPr/>
+          <p:nvPr/>
+        </p:nvGrpSpPr>
+        <p:grpSpPr>
+          <a:xfrm>
+            <a:off x="-20320" y="6691630"/>
+            <a:ext cx="12218035" cy="152400"/>
+            <a:chOff x="-32" y="10538"/>
+            <a:chExt cx="19241" cy="240"/>
+          </a:xfrm>
+        </p:grpSpPr>
+        <p:sp>
+          <p:nvSpPr>
+            <p:cNvPr id="4" name="Rectangle 3"/>
+            <p:cNvSpPr/>
+            <p:nvPr/>
+          </p:nvSpPr>
+          <p:spPr>
+            <a:xfrm>
+              <a:off x="-32" y="10538"/>
+              <a:ext cx="14944" cy="240"/>
+            </a:xfrm>
+            <a:prstGeom prst="rect">
+              <a:avLst/>
+            </a:prstGeom>
+            <a:solidFill>
+              <a:srgbClr val="FF6600"/>
+            </a:solidFill>
+            <a:ln>
+              <a:solidFill>
+                <a:srgbClr val="FF6600"/>
+              </a:solidFill>
+            </a:ln>
+          </p:spPr>
+          <p:style>
+            <a:lnRef idx="2">
+              <a:schemeClr val="accent1">
+                <a:shade val="50000"/>
+              </a:schemeClr>
+            </a:lnRef>
+            <a:fillRef idx="1">
+              <a:schemeClr val="accent1"/>
+            </a:fillRef>
+            <a:effectRef idx="0">
+              <a:schemeClr val="accent1"/>
+            </a:effectRef>
+            <a:fontRef idx="minor">
+              <a:schemeClr val="lt1"/>
+            </a:fontRef>
+          </p:style>
+          <p:txBody>
+            <a:bodyPr rtlCol="0" anchor="ctr"/>
+            <a:p>
+              <a:pPr algn="ctr"/>
+              <a:endParaRPr lang="en-US"/>
+            </a:p>
+          </p:txBody>
+        </p:sp>
+        <p:sp>
+          <p:nvSpPr>
+            <p:cNvPr id="5" name="Rectangle 4"/>
+            <p:cNvSpPr/>
+            <p:nvPr/>
+          </p:nvSpPr>
+          <p:spPr>
+            <a:xfrm>
+              <a:off x="14933" y="10538"/>
+              <a:ext cx="4276" cy="240"/>
+            </a:xfrm>
+            <a:prstGeom prst="rect">
+              <a:avLst/>
+            </a:prstGeom>
+            <a:solidFill>
+              <a:schemeClr val="tx1">
+                <a:lumMod val="75000"/>
+                <a:lumOff val="25000"/>
+              </a:schemeClr>
+            </a:solidFill>
+            <a:ln>
+              <a:solidFill>
+                <a:schemeClr val="tx1">
+                  <a:lumMod val="75000"/>
+                  <a:lumOff val="25000"/>
+                </a:schemeClr>
+              </a:solidFill>
+            </a:ln>
+          </p:spPr>
+          <p:style>
+            <a:lnRef idx="2">
+              <a:schemeClr val="accent1">
+                <a:shade val="50000"/>
+              </a:schemeClr>
+            </a:lnRef>
+            <a:fillRef idx="1">
+              <a:schemeClr val="accent1"/>
+            </a:fillRef>
+            <a:effectRef idx="0">
+              <a:schemeClr val="accent1"/>
+            </a:effectRef>
+            <a:fontRef idx="minor">
+              <a:schemeClr val="lt1"/>
+            </a:fontRef>
+          </p:style>
+          <p:txBody>
+            <a:bodyPr rtlCol="0" anchor="ctr"/>
+            <a:p>
+              <a:pPr algn="ctr"/>
+              <a:endParaRPr lang="en-US"/>
+            </a:p>
+          </p:txBody>
+        </p:sp>
+      </p:grpSp>
+      <p:sp>
+        <p:nvSpPr>
+          <p:cNvPr id="7" name="Rectangle 6"/>
+          <p:cNvSpPr/>
+          <p:nvPr/>
+        </p:nvSpPr>
+        <p:spPr>
+          <a:xfrm>
+            <a:off x="-20320" y="779145"/>
+            <a:ext cx="96520" cy="650875"/>
+          </a:xfrm>
+          <a:prstGeom prst="rect">
+            <a:avLst/>
+          </a:prstGeom>
+          <a:solidFill>
+            <a:schemeClr val="tx1">
+              <a:lumMod val="50000"/>
+              <a:lumOff val="50000"/>
+            </a:schemeClr>
+          </a:solidFill>
+          <a:ln>
+            <a:solidFill>
+              <a:schemeClr val="tx1">
+                <a:lumMod val="50000"/>
+                <a:lumOff val="50000"/>
+              </a:schemeClr>
+            </a:solidFill>
+          </a:ln>
+        </p:spPr>
+        <p:style>
+          <a:lnRef idx="2">
+            <a:schemeClr val="accent1">
+              <a:shade val="50000"/>
+            </a:schemeClr>
+          </a:lnRef>
+          <a:fillRef idx="1">
+            <a:schemeClr val="accent1"/>
+          </a:fillRef>
+          <a:effectRef idx="0">
+            <a:schemeClr val="accent1"/>
+          </a:effectRef>
+          <a:fontRef idx="minor">
+            <a:schemeClr val="lt1"/>
+          </a:fontRef>
+        </p:style>
+        <p:txBody>
+          <a:bodyPr rtlCol="0" anchor="ctr"/>
+          <a:p>
+            <a:pPr algn="ctr"/>
+            <a:endParaRPr lang="en-US"/>
+          </a:p>
+        </p:txBody>
+      </p:sp>
+      <p:grpSp>
+        <p:nvGrpSpPr>
+          <p:cNvPr id="10" name="Group 9"/>
+          <p:cNvGrpSpPr/>
+          <p:nvPr/>
+        </p:nvGrpSpPr>
+        <p:grpSpPr>
+          <a:xfrm>
+            <a:off x="10734040" y="422275"/>
+            <a:ext cx="928370" cy="900430"/>
+            <a:chOff x="16799" y="665"/>
+            <a:chExt cx="1462" cy="1418"/>
+          </a:xfrm>
+        </p:grpSpPr>
+        <p:sp>
+          <p:nvSpPr>
+            <p:cNvPr id="8" name="Oval 7"/>
+            <p:cNvSpPr/>
+            <p:nvPr/>
+          </p:nvSpPr>
+          <p:spPr>
+            <a:xfrm>
+              <a:off x="16799" y="665"/>
+              <a:ext cx="1463" cy="1419"/>
+            </a:xfrm>
+            <a:prstGeom prst="ellipse">
+              <a:avLst/>
+            </a:prstGeom>
+            <a:solidFill>
+              <a:srgbClr val="FF8D41"/>
+            </a:solidFill>
+            <a:ln>
+              <a:solidFill>
+                <a:srgbClr val="FF8D41"/>
+              </a:solidFill>
+            </a:ln>
+          </p:spPr>
+          <p:style>
+            <a:lnRef idx="2">
+              <a:schemeClr val="accent1">
+                <a:shade val="50000"/>
+              </a:schemeClr>
+            </a:lnRef>
+            <a:fillRef idx="1">
+              <a:schemeClr val="accent1"/>
+            </a:fillRef>
+            <a:effectRef idx="0">
+              <a:schemeClr val="accent1"/>
+            </a:effectRef>
+            <a:fontRef idx="minor">
+              <a:schemeClr val="lt1"/>
+            </a:fontRef>
+          </p:style>
+          <p:txBody>
+            <a:bodyPr rtlCol="0" anchor="ctr"/>
+            <a:p>
+              <a:pPr algn="ctr"/>
+              <a:endParaRPr lang="en-US"/>
+            </a:p>
+          </p:txBody>
+        </p:sp>
+        <p:sp>
+          <p:nvSpPr>
+            <p:cNvPr id="9" name="Text Box 8"/>
+            <p:cNvSpPr txBox="true"/>
+            <p:nvPr/>
+          </p:nvSpPr>
+          <p:spPr>
+            <a:xfrm>
+              <a:off x="16916" y="964"/>
+              <a:ext cx="1187" cy="822"/>
+            </a:xfrm>
+            <a:prstGeom prst="rect">
+              <a:avLst/>
+            </a:prstGeom>
+            <a:noFill/>
+          </p:spPr>
+          <p:txBody>
+            <a:bodyPr wrap="square" rtlCol="0">
+              <a:spAutoFit/>
+            </a:bodyPr>
+            <a:p>
+              <a:r>
+                <a:rPr lang="en-US" altLang="en-US" sz="1400">
+                  <a:ln>
+                    <a:solidFill>
+                      <a:schemeClr val="bg1"/>
+                    </a:solidFill>
+                  </a:ln>
+                  <a:solidFill>
+                    <a:schemeClr val="bg1"/>
+                  </a:solidFill>
+                </a:rPr>
+                <a:t> HTML</a:t>
+              </a:r>
+              <a:endParaRPr lang="en-US" altLang="en-US" sz="1400">
+                <a:ln>
+                  <a:solidFill>
+                    <a:schemeClr val="bg1"/>
+                  </a:solidFill>
+                </a:ln>
+                <a:solidFill>
+                  <a:schemeClr val="bg1"/>
+                </a:solidFill>
+              </a:endParaRPr>
+            </a:p>
+            <a:p>
+              <a:r>
+                <a:rPr lang="en-US" altLang="en-US" sz="1400">
+                  <a:ln>
+                    <a:solidFill>
+                      <a:schemeClr val="bg1"/>
+                    </a:solidFill>
+                  </a:ln>
+                  <a:solidFill>
+                    <a:schemeClr val="bg1"/>
+                  </a:solidFill>
+                </a:rPr>
+                <a:t>  CSS</a:t>
+              </a:r>
+              <a:endParaRPr lang="en-US" altLang="en-US" sz="1400">
+                <a:ln>
+                  <a:solidFill>
+                    <a:schemeClr val="bg1"/>
+                  </a:solidFill>
+                </a:ln>
+                <a:solidFill>
+                  <a:schemeClr val="bg1"/>
+                </a:solidFill>
+              </a:endParaRPr>
+            </a:p>
+          </p:txBody>
+        </p:sp>
+      </p:grpSp>
+      <p:sp>
+        <p:nvSpPr>
+          <p:cNvPr id="11" name="Text Box 10"/>
+          <p:cNvSpPr txBox="true"/>
+          <p:nvPr/>
+        </p:nvSpPr>
+        <p:spPr>
+          <a:xfrm>
+            <a:off x="1032510" y="1875790"/>
+            <a:ext cx="9464675" cy="521970"/>
+          </a:xfrm>
+          <a:prstGeom prst="rect">
+            <a:avLst/>
+          </a:prstGeom>
+          <a:noFill/>
+        </p:spPr>
+        <p:txBody>
+          <a:bodyPr wrap="square" rtlCol="0">
+            <a:spAutoFit/>
+          </a:bodyPr>
+          <a:p>
+            <a:r>
+              <a:rPr lang="en-US" altLang="en-US" sz="2800"/>
+              <a:t>1. 项目初始化</a:t>
             </a:r>
             <a:r>
               <a:rPr lang="en-US" altLang="en-US"/>
@@ -5968,7 +12295,7 @@
         </p:nvSpPr>
         <p:spPr>
           <a:xfrm>
-            <a:off x="1694180" y="3262630"/>
+            <a:off x="1694180" y="3218180"/>
             <a:ext cx="8803640" cy="1014730"/>
           </a:xfrm>
           <a:prstGeom prst="rect">
@@ -5996,13 +12323,9 @@
                   <a:schemeClr val="bg1"/>
                 </a:solidFill>
               </a:rPr>
-              <a:t> npm install express </a:t>
-            </a:r>
-            <a:endParaRPr lang="en-US" sz="2400">
-              <a:solidFill>
-                <a:schemeClr val="bg1"/>
-              </a:solidFill>
-            </a:endParaRPr>
+              <a:t> npm init -y</a:t>
+            </a:r>
+            <a:endParaRPr lang="en-US"/>
           </a:p>
           <a:p>
             <a:pPr algn="l"/>
@@ -6046,7 +12369,7 @@
 </p:sld>
 </file>
 
-<file path=ppt/slides/slide6.xml><?xml version="1.0" encoding="utf-8"?>
+<file path=ppt/slides/slide5.xml><?xml version="1.0" encoding="utf-8"?>
 <p:sld xmlns:a="http://schemas.openxmlformats.org/drawingml/2006/main" xmlns:r="http://schemas.openxmlformats.org/officeDocument/2006/relationships" xmlns:p="http://schemas.openxmlformats.org/presentationml/2006/main">
   <p:cSld>
     <p:spTree>
@@ -6056,36 +12379,6 @@
         <p:nvPr/>
       </p:nvGrpSpPr>
       <p:grpSpPr/>
-      <p:sp>
-        <p:nvSpPr>
-          <p:cNvPr id="2" name="Title 1"/>
-          <p:cNvSpPr>
-            <a:spLocks noGrp="true"/>
-          </p:cNvSpPr>
-          <p:nvPr>
-            <p:ph type="ctrTitle"/>
-          </p:nvPr>
-        </p:nvSpPr>
-        <p:spPr>
-          <a:xfrm>
-            <a:off x="-34925" y="340995"/>
-            <a:ext cx="10018395" cy="1252855"/>
-          </a:xfrm>
-        </p:spPr>
-        <p:txBody>
-          <a:bodyPr>
-            <a:normAutofit fontScale="90000"/>
-          </a:bodyPr>
-          <a:p>
-            <a:pPr algn="l"/>
-            <a:r>
-              <a:rPr lang="en-US" altLang="en-US"/>
-              <a:t>  项目分解说明</a:t>
-            </a:r>
-            <a:endParaRPr lang="en-US" altLang="en-US"/>
-          </a:p>
-        </p:txBody>
-      </p:sp>
       <p:sp>
         <p:nvSpPr>
           <p:cNvPr id="3" name="Subtitle 2"/>
@@ -7064,6 +13357,63 @@
           </p:txBody>
         </p:sp>
       </p:grpSp>
+      <p:sp>
+        <p:nvSpPr>
+          <p:cNvPr id="41" name="Title 1"/>
+          <p:cNvSpPr>
+            <a:spLocks noGrp="true"/>
+          </p:cNvSpPr>
+          <p:nvPr/>
+        </p:nvSpPr>
+        <p:spPr>
+          <a:xfrm>
+            <a:off x="76200" y="396240"/>
+            <a:ext cx="9118600" cy="1252855"/>
+          </a:xfrm>
+          <a:prstGeom prst="rect">
+            <a:avLst/>
+          </a:prstGeom>
+        </p:spPr>
+        <p:txBody>
+          <a:bodyPr vert="horz" lIns="91440" tIns="45720" rIns="91440" bIns="45720" rtlCol="0" anchor="b">
+            <a:normAutofit fontScale="90000"/>
+          </a:bodyPr>
+          <a:lstStyle>
+            <a:lvl1pPr algn="ctr" defTabSz="914400" rtl="0" eaLnBrk="1" latinLnBrk="0" hangingPunct="1">
+              <a:lnSpc>
+                <a:spcPct val="130000"/>
+              </a:lnSpc>
+              <a:spcBef>
+                <a:spcPct val="0"/>
+              </a:spcBef>
+              <a:buNone/>
+              <a:defRPr sz="6000" kern="1200">
+                <a:solidFill>
+                  <a:schemeClr val="tx1"/>
+                </a:solidFill>
+                <a:effectLst>
+                  <a:outerShdw blurRad="38100" dist="38100" dir="2700000" algn="tl">
+                    <a:srgbClr val="000000">
+                      <a:alpha val="43137"/>
+                    </a:srgbClr>
+                  </a:outerShdw>
+                </a:effectLst>
+                <a:latin typeface="+mj-lt"/>
+                <a:ea typeface="+mj-ea"/>
+                <a:cs typeface="+mj-cs"/>
+              </a:defRPr>
+            </a:lvl1pPr>
+          </a:lstStyle>
+          <a:p>
+            <a:pPr algn="l"/>
+            <a:r>
+              <a:rPr lang="en-US" altLang="en-US"/>
+              <a:t>  创建服务器</a:t>
+            </a:r>
+            <a:endParaRPr lang="en-US" altLang="en-US"/>
+          </a:p>
+        </p:txBody>
+      </p:sp>
     </p:spTree>
   </p:cSld>
   <p:clrMapOvr>
@@ -7075,7 +13425,7 @@
 </p:sld>
 </file>
 
-<file path=ppt/slides/slide7.xml><?xml version="1.0" encoding="utf-8"?>
+<file path=ppt/slides/slide6.xml><?xml version="1.0" encoding="utf-8"?>
 <p:sld xmlns:a="http://schemas.openxmlformats.org/drawingml/2006/main" xmlns:r="http://schemas.openxmlformats.org/officeDocument/2006/relationships" xmlns:p="http://schemas.openxmlformats.org/presentationml/2006/main">
   <p:cSld>
     <p:spTree>
@@ -7085,36 +13435,6 @@
         <p:nvPr/>
       </p:nvGrpSpPr>
       <p:grpSpPr/>
-      <p:sp>
-        <p:nvSpPr>
-          <p:cNvPr id="2" name="Title 1"/>
-          <p:cNvSpPr>
-            <a:spLocks noGrp="true"/>
-          </p:cNvSpPr>
-          <p:nvPr>
-            <p:ph type="ctrTitle"/>
-          </p:nvPr>
-        </p:nvSpPr>
-        <p:spPr>
-          <a:xfrm>
-            <a:off x="-34925" y="340995"/>
-            <a:ext cx="9118600" cy="1252855"/>
-          </a:xfrm>
-        </p:spPr>
-        <p:txBody>
-          <a:bodyPr>
-            <a:normAutofit fontScale="90000"/>
-          </a:bodyPr>
-          <a:p>
-            <a:pPr algn="l"/>
-            <a:r>
-              <a:rPr lang="en-US" altLang="en-US"/>
-              <a:t>  项目分解说明</a:t>
-            </a:r>
-            <a:endParaRPr lang="en-US" altLang="en-US"/>
-          </a:p>
-        </p:txBody>
-      </p:sp>
       <p:sp>
         <p:nvSpPr>
           <p:cNvPr id="3" name="Subtitle 2"/>
@@ -7471,7 +13791,577 @@
             <a:pPr algn="l"/>
             <a:r>
               <a:rPr lang="" altLang="en-US" sz="2800"/>
-              <a:t>4</a:t>
+              <a:t>2. 本地下载安装项目所需第三方模块</a:t>
+            </a:r>
+            <a:r>
+              <a:rPr lang="en-US" altLang="en-US"/>
+              <a:t> </a:t>
+            </a:r>
+            <a:endParaRPr lang="en-US" altLang="en-US"/>
+          </a:p>
+        </p:txBody>
+      </p:sp>
+      <p:sp>
+        <p:nvSpPr>
+          <p:cNvPr id="13" name="Rounded Rectangle 12"/>
+          <p:cNvSpPr/>
+          <p:nvPr/>
+        </p:nvSpPr>
+        <p:spPr>
+          <a:xfrm>
+            <a:off x="1694180" y="3303905"/>
+            <a:ext cx="8803640" cy="922020"/>
+          </a:xfrm>
+          <a:prstGeom prst="roundRect">
+            <a:avLst/>
+          </a:prstGeom>
+          <a:solidFill>
+            <a:schemeClr val="bg2">
+              <a:lumMod val="50000"/>
+            </a:schemeClr>
+          </a:solidFill>
+          <a:ln>
+            <a:solidFill>
+              <a:schemeClr val="bg2">
+                <a:lumMod val="50000"/>
+              </a:schemeClr>
+            </a:solidFill>
+          </a:ln>
+        </p:spPr>
+        <p:style>
+          <a:lnRef idx="2">
+            <a:schemeClr val="accent1">
+              <a:shade val="50000"/>
+            </a:schemeClr>
+          </a:lnRef>
+          <a:fillRef idx="1">
+            <a:schemeClr val="accent1"/>
+          </a:fillRef>
+          <a:effectRef idx="0">
+            <a:schemeClr val="accent1"/>
+          </a:effectRef>
+          <a:fontRef idx="minor">
+            <a:schemeClr val="lt1"/>
+          </a:fontRef>
+        </p:style>
+        <p:txBody>
+          <a:bodyPr rtlCol="0" anchor="ctr"/>
+          <a:p>
+            <a:pPr algn="ctr"/>
+            <a:endParaRPr lang="en-US"/>
+          </a:p>
+        </p:txBody>
+      </p:sp>
+      <p:sp>
+        <p:nvSpPr>
+          <p:cNvPr id="12" name="Text Box 11"/>
+          <p:cNvSpPr txBox="true"/>
+          <p:nvPr/>
+        </p:nvSpPr>
+        <p:spPr>
+          <a:xfrm>
+            <a:off x="1694180" y="3262630"/>
+            <a:ext cx="8803640" cy="1014730"/>
+          </a:xfrm>
+          <a:prstGeom prst="rect">
+            <a:avLst/>
+          </a:prstGeom>
+          <a:noFill/>
+        </p:spPr>
+        <p:txBody>
+          <a:bodyPr wrap="square" rtlCol="0">
+            <a:spAutoFit/>
+          </a:bodyPr>
+          <a:p>
+            <a:pPr algn="l"/>
+            <a:endParaRPr lang="en-US"/>
+          </a:p>
+          <a:p>
+            <a:pPr algn="l"/>
+            <a:r>
+              <a:rPr lang="en-US"/>
+              <a:t> </a:t>
+            </a:r>
+            <a:r>
+              <a:rPr lang="en-US" sz="2400">
+                <a:solidFill>
+                  <a:schemeClr val="bg1"/>
+                </a:solidFill>
+              </a:rPr>
+              <a:t> npm install express </a:t>
+            </a:r>
+            <a:endParaRPr lang="en-US" sz="2400">
+              <a:solidFill>
+                <a:schemeClr val="bg1"/>
+              </a:solidFill>
+            </a:endParaRPr>
+          </a:p>
+          <a:p>
+            <a:pPr algn="l"/>
+            <a:r>
+              <a:rPr lang="en-US"/>
+              <a:t>  </a:t>
+            </a:r>
+            <a:endParaRPr lang="en-US"/>
+          </a:p>
+        </p:txBody>
+      </p:sp>
+      <p:sp>
+        <p:nvSpPr>
+          <p:cNvPr id="14" name="Date Placeholder 13"/>
+          <p:cNvSpPr>
+            <a:spLocks noGrp="true"/>
+          </p:cNvSpPr>
+          <p:nvPr>
+            <p:ph type="dt" sz="half" idx="10"/>
+          </p:nvPr>
+        </p:nvSpPr>
+        <p:spPr/>
+        <p:txBody>
+          <a:bodyPr/>
+          <a:p>
+            <a:fld id="{760FBDFE-C587-4B4C-A407-44438C67B59E}" type="datetime1">
+              <a:rPr lang="en-US" altLang="en-US" smtClean="0"/>
+            </a:fld>
+            <a:endParaRPr lang="zh-CN" altLang="en-US"/>
+          </a:p>
+        </p:txBody>
+      </p:sp>
+      <p:sp>
+        <p:nvSpPr>
+          <p:cNvPr id="41" name="Title 1"/>
+          <p:cNvSpPr>
+            <a:spLocks noGrp="true"/>
+          </p:cNvSpPr>
+          <p:nvPr/>
+        </p:nvSpPr>
+        <p:spPr>
+          <a:xfrm>
+            <a:off x="-20320" y="396240"/>
+            <a:ext cx="9118600" cy="1252855"/>
+          </a:xfrm>
+          <a:prstGeom prst="rect">
+            <a:avLst/>
+          </a:prstGeom>
+        </p:spPr>
+        <p:txBody>
+          <a:bodyPr vert="horz" lIns="91440" tIns="45720" rIns="91440" bIns="45720" rtlCol="0" anchor="b">
+            <a:normAutofit fontScale="90000"/>
+          </a:bodyPr>
+          <a:lstStyle>
+            <a:lvl1pPr algn="ctr" defTabSz="914400" rtl="0" eaLnBrk="1" latinLnBrk="0" hangingPunct="1">
+              <a:lnSpc>
+                <a:spcPct val="130000"/>
+              </a:lnSpc>
+              <a:spcBef>
+                <a:spcPct val="0"/>
+              </a:spcBef>
+              <a:buNone/>
+              <a:defRPr sz="6000" kern="1200">
+                <a:solidFill>
+                  <a:schemeClr val="tx1"/>
+                </a:solidFill>
+                <a:effectLst>
+                  <a:outerShdw blurRad="38100" dist="38100" dir="2700000" algn="tl">
+                    <a:srgbClr val="000000">
+                      <a:alpha val="43137"/>
+                    </a:srgbClr>
+                  </a:outerShdw>
+                </a:effectLst>
+                <a:latin typeface="+mj-lt"/>
+                <a:ea typeface="+mj-ea"/>
+                <a:cs typeface="+mj-cs"/>
+              </a:defRPr>
+            </a:lvl1pPr>
+          </a:lstStyle>
+          <a:p>
+            <a:pPr algn="l"/>
+            <a:r>
+              <a:rPr lang="en-US" altLang="en-US"/>
+              <a:t>  创建服务器</a:t>
+            </a:r>
+            <a:endParaRPr lang="en-US" altLang="en-US"/>
+          </a:p>
+        </p:txBody>
+      </p:sp>
+    </p:spTree>
+  </p:cSld>
+  <p:clrMapOvr>
+    <a:masterClrMapping/>
+  </p:clrMapOvr>
+  <p:transition>
+    <p:wipe/>
+  </p:transition>
+</p:sld>
+</file>
+
+<file path=ppt/slides/slide7.xml><?xml version="1.0" encoding="utf-8"?>
+<p:sld xmlns:a="http://schemas.openxmlformats.org/drawingml/2006/main" xmlns:r="http://schemas.openxmlformats.org/officeDocument/2006/relationships" xmlns:p="http://schemas.openxmlformats.org/presentationml/2006/main">
+  <p:cSld>
+    <p:spTree>
+      <p:nvGrpSpPr>
+        <p:cNvPr id="1" name=""/>
+        <p:cNvGrpSpPr/>
+        <p:nvPr/>
+      </p:nvGrpSpPr>
+      <p:grpSpPr/>
+      <p:sp>
+        <p:nvSpPr>
+          <p:cNvPr id="3" name="Subtitle 2"/>
+          <p:cNvSpPr>
+            <a:spLocks noGrp="true"/>
+          </p:cNvSpPr>
+          <p:nvPr>
+            <p:ph type="subTitle" idx="1"/>
+          </p:nvPr>
+        </p:nvSpPr>
+        <p:spPr>
+          <a:xfrm>
+            <a:off x="-17780" y="6407785"/>
+            <a:ext cx="3229610" cy="349250"/>
+          </a:xfrm>
+        </p:spPr>
+        <p:txBody>
+          <a:bodyPr>
+            <a:normAutofit lnSpcReduction="20000"/>
+          </a:bodyPr>
+          <a:p>
+            <a:pPr algn="r"/>
+            <a:r>
+              <a:rPr lang="en-US" altLang="en-US"/>
+              <a:t>Coding your wanderful life</a:t>
+            </a:r>
+            <a:endParaRPr lang="en-US" altLang="en-US"/>
+          </a:p>
+        </p:txBody>
+      </p:sp>
+      <p:grpSp>
+        <p:nvGrpSpPr>
+          <p:cNvPr id="6" name="Group 5"/>
+          <p:cNvGrpSpPr/>
+          <p:nvPr/>
+        </p:nvGrpSpPr>
+        <p:grpSpPr>
+          <a:xfrm>
+            <a:off x="-20320" y="6691630"/>
+            <a:ext cx="12218035" cy="152400"/>
+            <a:chOff x="-32" y="10538"/>
+            <a:chExt cx="19241" cy="240"/>
+          </a:xfrm>
+        </p:grpSpPr>
+        <p:sp>
+          <p:nvSpPr>
+            <p:cNvPr id="4" name="Rectangle 3"/>
+            <p:cNvSpPr/>
+            <p:nvPr/>
+          </p:nvSpPr>
+          <p:spPr>
+            <a:xfrm>
+              <a:off x="-32" y="10538"/>
+              <a:ext cx="14944" cy="240"/>
+            </a:xfrm>
+            <a:prstGeom prst="rect">
+              <a:avLst/>
+            </a:prstGeom>
+            <a:solidFill>
+              <a:srgbClr val="FF6600"/>
+            </a:solidFill>
+            <a:ln>
+              <a:solidFill>
+                <a:srgbClr val="FF6600"/>
+              </a:solidFill>
+            </a:ln>
+          </p:spPr>
+          <p:style>
+            <a:lnRef idx="2">
+              <a:schemeClr val="accent1">
+                <a:shade val="50000"/>
+              </a:schemeClr>
+            </a:lnRef>
+            <a:fillRef idx="1">
+              <a:schemeClr val="accent1"/>
+            </a:fillRef>
+            <a:effectRef idx="0">
+              <a:schemeClr val="accent1"/>
+            </a:effectRef>
+            <a:fontRef idx="minor">
+              <a:schemeClr val="lt1"/>
+            </a:fontRef>
+          </p:style>
+          <p:txBody>
+            <a:bodyPr rtlCol="0" anchor="ctr"/>
+            <a:p>
+              <a:pPr algn="ctr"/>
+              <a:endParaRPr lang="en-US"/>
+            </a:p>
+          </p:txBody>
+        </p:sp>
+        <p:sp>
+          <p:nvSpPr>
+            <p:cNvPr id="5" name="Rectangle 4"/>
+            <p:cNvSpPr/>
+            <p:nvPr/>
+          </p:nvSpPr>
+          <p:spPr>
+            <a:xfrm>
+              <a:off x="14933" y="10538"/>
+              <a:ext cx="4276" cy="240"/>
+            </a:xfrm>
+            <a:prstGeom prst="rect">
+              <a:avLst/>
+            </a:prstGeom>
+            <a:solidFill>
+              <a:schemeClr val="tx1">
+                <a:lumMod val="75000"/>
+                <a:lumOff val="25000"/>
+              </a:schemeClr>
+            </a:solidFill>
+            <a:ln>
+              <a:solidFill>
+                <a:schemeClr val="tx1">
+                  <a:lumMod val="75000"/>
+                  <a:lumOff val="25000"/>
+                </a:schemeClr>
+              </a:solidFill>
+            </a:ln>
+          </p:spPr>
+          <p:style>
+            <a:lnRef idx="2">
+              <a:schemeClr val="accent1">
+                <a:shade val="50000"/>
+              </a:schemeClr>
+            </a:lnRef>
+            <a:fillRef idx="1">
+              <a:schemeClr val="accent1"/>
+            </a:fillRef>
+            <a:effectRef idx="0">
+              <a:schemeClr val="accent1"/>
+            </a:effectRef>
+            <a:fontRef idx="minor">
+              <a:schemeClr val="lt1"/>
+            </a:fontRef>
+          </p:style>
+          <p:txBody>
+            <a:bodyPr rtlCol="0" anchor="ctr"/>
+            <a:p>
+              <a:pPr algn="ctr"/>
+              <a:endParaRPr lang="en-US"/>
+            </a:p>
+          </p:txBody>
+        </p:sp>
+      </p:grpSp>
+      <p:sp>
+        <p:nvSpPr>
+          <p:cNvPr id="7" name="Rectangle 6"/>
+          <p:cNvSpPr/>
+          <p:nvPr/>
+        </p:nvSpPr>
+        <p:spPr>
+          <a:xfrm>
+            <a:off x="-20320" y="779145"/>
+            <a:ext cx="96520" cy="650875"/>
+          </a:xfrm>
+          <a:prstGeom prst="rect">
+            <a:avLst/>
+          </a:prstGeom>
+          <a:solidFill>
+            <a:schemeClr val="tx1">
+              <a:lumMod val="50000"/>
+              <a:lumOff val="50000"/>
+            </a:schemeClr>
+          </a:solidFill>
+          <a:ln>
+            <a:solidFill>
+              <a:schemeClr val="tx1">
+                <a:lumMod val="50000"/>
+                <a:lumOff val="50000"/>
+              </a:schemeClr>
+            </a:solidFill>
+          </a:ln>
+        </p:spPr>
+        <p:style>
+          <a:lnRef idx="2">
+            <a:schemeClr val="accent1">
+              <a:shade val="50000"/>
+            </a:schemeClr>
+          </a:lnRef>
+          <a:fillRef idx="1">
+            <a:schemeClr val="accent1"/>
+          </a:fillRef>
+          <a:effectRef idx="0">
+            <a:schemeClr val="accent1"/>
+          </a:effectRef>
+          <a:fontRef idx="minor">
+            <a:schemeClr val="lt1"/>
+          </a:fontRef>
+        </p:style>
+        <p:txBody>
+          <a:bodyPr rtlCol="0" anchor="ctr"/>
+          <a:p>
+            <a:pPr algn="ctr"/>
+            <a:endParaRPr lang="en-US"/>
+          </a:p>
+        </p:txBody>
+      </p:sp>
+      <p:grpSp>
+        <p:nvGrpSpPr>
+          <p:cNvPr id="10" name="Group 9"/>
+          <p:cNvGrpSpPr/>
+          <p:nvPr/>
+        </p:nvGrpSpPr>
+        <p:grpSpPr>
+          <a:xfrm>
+            <a:off x="10734040" y="422275"/>
+            <a:ext cx="928370" cy="900430"/>
+            <a:chOff x="16799" y="665"/>
+            <a:chExt cx="1462" cy="1418"/>
+          </a:xfrm>
+        </p:grpSpPr>
+        <p:sp>
+          <p:nvSpPr>
+            <p:cNvPr id="8" name="Oval 7"/>
+            <p:cNvSpPr/>
+            <p:nvPr/>
+          </p:nvSpPr>
+          <p:spPr>
+            <a:xfrm>
+              <a:off x="16799" y="665"/>
+              <a:ext cx="1463" cy="1419"/>
+            </a:xfrm>
+            <a:prstGeom prst="ellipse">
+              <a:avLst/>
+            </a:prstGeom>
+            <a:solidFill>
+              <a:srgbClr val="FF8D41"/>
+            </a:solidFill>
+            <a:ln>
+              <a:solidFill>
+                <a:srgbClr val="FF8D41"/>
+              </a:solidFill>
+            </a:ln>
+          </p:spPr>
+          <p:style>
+            <a:lnRef idx="2">
+              <a:schemeClr val="accent1">
+                <a:shade val="50000"/>
+              </a:schemeClr>
+            </a:lnRef>
+            <a:fillRef idx="1">
+              <a:schemeClr val="accent1"/>
+            </a:fillRef>
+            <a:effectRef idx="0">
+              <a:schemeClr val="accent1"/>
+            </a:effectRef>
+            <a:fontRef idx="minor">
+              <a:schemeClr val="lt1"/>
+            </a:fontRef>
+          </p:style>
+          <p:txBody>
+            <a:bodyPr rtlCol="0" anchor="ctr"/>
+            <a:p>
+              <a:pPr algn="ctr"/>
+              <a:endParaRPr lang="en-US"/>
+            </a:p>
+          </p:txBody>
+        </p:sp>
+        <p:sp>
+          <p:nvSpPr>
+            <p:cNvPr id="9" name="Text Box 8"/>
+            <p:cNvSpPr txBox="true"/>
+            <p:nvPr/>
+          </p:nvSpPr>
+          <p:spPr>
+            <a:xfrm>
+              <a:off x="16916" y="964"/>
+              <a:ext cx="1187" cy="822"/>
+            </a:xfrm>
+            <a:prstGeom prst="rect">
+              <a:avLst/>
+            </a:prstGeom>
+            <a:noFill/>
+          </p:spPr>
+          <p:txBody>
+            <a:bodyPr wrap="square" rtlCol="0">
+              <a:spAutoFit/>
+            </a:bodyPr>
+            <a:p>
+              <a:r>
+                <a:rPr lang="en-US" altLang="en-US" sz="1400">
+                  <a:ln>
+                    <a:solidFill>
+                      <a:schemeClr val="bg1"/>
+                    </a:solidFill>
+                  </a:ln>
+                  <a:solidFill>
+                    <a:schemeClr val="bg1"/>
+                  </a:solidFill>
+                </a:rPr>
+                <a:t> HTML</a:t>
+              </a:r>
+              <a:endParaRPr lang="en-US" altLang="en-US" sz="1400">
+                <a:ln>
+                  <a:solidFill>
+                    <a:schemeClr val="bg1"/>
+                  </a:solidFill>
+                </a:ln>
+                <a:solidFill>
+                  <a:schemeClr val="bg1"/>
+                </a:solidFill>
+              </a:endParaRPr>
+            </a:p>
+            <a:p>
+              <a:r>
+                <a:rPr lang="en-US" altLang="en-US" sz="1400">
+                  <a:ln>
+                    <a:solidFill>
+                      <a:schemeClr val="bg1"/>
+                    </a:solidFill>
+                  </a:ln>
+                  <a:solidFill>
+                    <a:schemeClr val="bg1"/>
+                  </a:solidFill>
+                </a:rPr>
+                <a:t>  CSS</a:t>
+              </a:r>
+              <a:endParaRPr lang="en-US" altLang="en-US" sz="1400">
+                <a:ln>
+                  <a:solidFill>
+                    <a:schemeClr val="bg1"/>
+                  </a:solidFill>
+                </a:ln>
+                <a:solidFill>
+                  <a:schemeClr val="bg1"/>
+                </a:solidFill>
+              </a:endParaRPr>
+            </a:p>
+          </p:txBody>
+        </p:sp>
+      </p:grpSp>
+      <p:sp>
+        <p:nvSpPr>
+          <p:cNvPr id="11" name="Text Box 10"/>
+          <p:cNvSpPr txBox="true"/>
+          <p:nvPr/>
+        </p:nvSpPr>
+        <p:spPr>
+          <a:xfrm>
+            <a:off x="838835" y="1824355"/>
+            <a:ext cx="8990330" cy="521970"/>
+          </a:xfrm>
+          <a:prstGeom prst="rect">
+            <a:avLst/>
+          </a:prstGeom>
+          <a:noFill/>
+        </p:spPr>
+        <p:txBody>
+          <a:bodyPr wrap="square" rtlCol="0">
+            <a:spAutoFit/>
+          </a:bodyPr>
+          <a:p>
+            <a:pPr algn="l"/>
+            <a:r>
+              <a:rPr lang="" altLang="en-US" sz="2800"/>
+              <a:t>3</a:t>
             </a:r>
             <a:r>
               <a:rPr lang="en-US" altLang="en-US" sz="2800"/>
@@ -7815,6 +14705,63 @@
           </a:p>
         </p:txBody>
       </p:sp>
+      <p:sp>
+        <p:nvSpPr>
+          <p:cNvPr id="41" name="Title 1"/>
+          <p:cNvSpPr>
+            <a:spLocks noGrp="true"/>
+          </p:cNvSpPr>
+          <p:nvPr/>
+        </p:nvSpPr>
+        <p:spPr>
+          <a:xfrm>
+            <a:off x="76200" y="396240"/>
+            <a:ext cx="9118600" cy="1252855"/>
+          </a:xfrm>
+          <a:prstGeom prst="rect">
+            <a:avLst/>
+          </a:prstGeom>
+        </p:spPr>
+        <p:txBody>
+          <a:bodyPr vert="horz" lIns="91440" tIns="45720" rIns="91440" bIns="45720" rtlCol="0" anchor="b">
+            <a:normAutofit fontScale="90000"/>
+          </a:bodyPr>
+          <a:lstStyle>
+            <a:lvl1pPr algn="ctr" defTabSz="914400" rtl="0" eaLnBrk="1" latinLnBrk="0" hangingPunct="1">
+              <a:lnSpc>
+                <a:spcPct val="130000"/>
+              </a:lnSpc>
+              <a:spcBef>
+                <a:spcPct val="0"/>
+              </a:spcBef>
+              <a:buNone/>
+              <a:defRPr sz="6000" kern="1200">
+                <a:solidFill>
+                  <a:schemeClr val="tx1"/>
+                </a:solidFill>
+                <a:effectLst>
+                  <a:outerShdw blurRad="38100" dist="38100" dir="2700000" algn="tl">
+                    <a:srgbClr val="000000">
+                      <a:alpha val="43137"/>
+                    </a:srgbClr>
+                  </a:outerShdw>
+                </a:effectLst>
+                <a:latin typeface="+mj-lt"/>
+                <a:ea typeface="+mj-ea"/>
+                <a:cs typeface="+mj-cs"/>
+              </a:defRPr>
+            </a:lvl1pPr>
+          </a:lstStyle>
+          <a:p>
+            <a:pPr algn="l"/>
+            <a:r>
+              <a:rPr lang="en-US" altLang="en-US"/>
+              <a:t>  创建服务器</a:t>
+            </a:r>
+            <a:endParaRPr lang="en-US" altLang="en-US"/>
+          </a:p>
+        </p:txBody>
+      </p:sp>
     </p:spTree>
   </p:cSld>
   <p:clrMapOvr>
@@ -7836,36 +14783,6 @@
         <p:nvPr/>
       </p:nvGrpSpPr>
       <p:grpSpPr/>
-      <p:sp>
-        <p:nvSpPr>
-          <p:cNvPr id="2" name="Title 1"/>
-          <p:cNvSpPr>
-            <a:spLocks noGrp="true"/>
-          </p:cNvSpPr>
-          <p:nvPr>
-            <p:ph type="ctrTitle"/>
-          </p:nvPr>
-        </p:nvSpPr>
-        <p:spPr>
-          <a:xfrm>
-            <a:off x="-34925" y="340995"/>
-            <a:ext cx="9118600" cy="1252855"/>
-          </a:xfrm>
-        </p:spPr>
-        <p:txBody>
-          <a:bodyPr>
-            <a:normAutofit fontScale="90000"/>
-          </a:bodyPr>
-          <a:p>
-            <a:pPr algn="l"/>
-            <a:r>
-              <a:rPr lang="en-US" altLang="en-US"/>
-              <a:t>  项目分解说明</a:t>
-            </a:r>
-            <a:endParaRPr lang="en-US" altLang="en-US"/>
-          </a:p>
-        </p:txBody>
-      </p:sp>
       <p:sp>
         <p:nvSpPr>
           <p:cNvPr id="3" name="Subtitle 2"/>
@@ -8221,8 +15138,12 @@
           <a:p>
             <a:pPr algn="l"/>
             <a:r>
+              <a:rPr lang="" altLang="en-US" sz="2800"/>
+              <a:t>3</a:t>
+            </a:r>
+            <a:r>
               <a:rPr lang="en-US" altLang="en-US" sz="2800"/>
-              <a:t>4. 启动项目服务器 </a:t>
+              <a:t>. 启动项目服务器 </a:t>
             </a:r>
             <a:r>
               <a:rPr lang="en-US" altLang="en-US"/>
@@ -8417,6 +15338,63 @@
           </p:txBody>
         </p:sp>
       </p:grpSp>
+      <p:sp>
+        <p:nvSpPr>
+          <p:cNvPr id="41" name="Title 1"/>
+          <p:cNvSpPr>
+            <a:spLocks noGrp="true"/>
+          </p:cNvSpPr>
+          <p:nvPr/>
+        </p:nvSpPr>
+        <p:spPr>
+          <a:xfrm>
+            <a:off x="76200" y="396240"/>
+            <a:ext cx="9118600" cy="1252855"/>
+          </a:xfrm>
+          <a:prstGeom prst="rect">
+            <a:avLst/>
+          </a:prstGeom>
+        </p:spPr>
+        <p:txBody>
+          <a:bodyPr vert="horz" lIns="91440" tIns="45720" rIns="91440" bIns="45720" rtlCol="0" anchor="b">
+            <a:normAutofit fontScale="90000"/>
+          </a:bodyPr>
+          <a:lstStyle>
+            <a:lvl1pPr algn="ctr" defTabSz="914400" rtl="0" eaLnBrk="1" latinLnBrk="0" hangingPunct="1">
+              <a:lnSpc>
+                <a:spcPct val="130000"/>
+              </a:lnSpc>
+              <a:spcBef>
+                <a:spcPct val="0"/>
+              </a:spcBef>
+              <a:buNone/>
+              <a:defRPr sz="6000" kern="1200">
+                <a:solidFill>
+                  <a:schemeClr val="tx1"/>
+                </a:solidFill>
+                <a:effectLst>
+                  <a:outerShdw blurRad="38100" dist="38100" dir="2700000" algn="tl">
+                    <a:srgbClr val="000000">
+                      <a:alpha val="43137"/>
+                    </a:srgbClr>
+                  </a:outerShdw>
+                </a:effectLst>
+                <a:latin typeface="+mj-lt"/>
+                <a:ea typeface="+mj-ea"/>
+                <a:cs typeface="+mj-cs"/>
+              </a:defRPr>
+            </a:lvl1pPr>
+          </a:lstStyle>
+          <a:p>
+            <a:pPr algn="l"/>
+            <a:r>
+              <a:rPr lang="en-US" altLang="en-US"/>
+              <a:t>  创建服务器</a:t>
+            </a:r>
+            <a:endParaRPr lang="en-US" altLang="en-US"/>
+          </a:p>
+        </p:txBody>
+      </p:sp>
     </p:spTree>
   </p:cSld>
   <p:clrMapOvr>
@@ -8462,9 +15440,13 @@
             <a:pPr algn="l"/>
             <a:r>
               <a:rPr lang="en-US" altLang="en-US"/>
-              <a:t>  项目分解说明</a:t>
-            </a:r>
-            <a:endParaRPr lang="en-US" altLang="en-US"/>
+              <a:t>  </a:t>
+            </a:r>
+            <a:r>
+              <a:rPr lang="" altLang="en-US"/>
+              <a:t>创建静态资源</a:t>
+            </a:r>
+            <a:endParaRPr lang="" altLang="en-US"/>
           </a:p>
         </p:txBody>
       </p:sp>
@@ -8843,10 +15825,93 @@
           </a:bodyPr>
           <a:p>
             <a:r>
+              <a:rPr lang="" altLang="en-US" sz="2800"/>
+              <a:t>4</a:t>
+            </a:r>
+            <a:r>
               <a:rPr lang="en-US" altLang="en-US" sz="2800"/>
-              <a:t>3. 创建静态页面 </a:t>
+              <a:t>. 创建静态页面 </a:t>
             </a:r>
             <a:endParaRPr lang="en-US" altLang="en-US" sz="2800"/>
+          </a:p>
+        </p:txBody>
+      </p:sp>
+      <p:sp>
+        <p:nvSpPr>
+          <p:cNvPr id="16" name="Text Box 15"/>
+          <p:cNvSpPr txBox="true"/>
+          <p:nvPr/>
+        </p:nvSpPr>
+        <p:spPr>
+          <a:xfrm>
+            <a:off x="1405890" y="2836545"/>
+            <a:ext cx="10156190" cy="2676525"/>
+          </a:xfrm>
+          <a:prstGeom prst="rect">
+            <a:avLst/>
+          </a:prstGeom>
+          <a:noFill/>
+        </p:spPr>
+        <p:txBody>
+          <a:bodyPr wrap="square" rtlCol="0">
+            <a:spAutoFit/>
+          </a:bodyPr>
+          <a:p>
+            <a:r>
+              <a:rPr lang="en-US" altLang="en-US" sz="2400"/>
+              <a:t>1) </a:t>
+            </a:r>
+            <a:r>
+              <a:rPr lang="" altLang="en-US" sz="2400"/>
+              <a:t>创建静态资源目录</a:t>
+            </a:r>
+            <a:endParaRPr lang="" altLang="en-US" sz="2400"/>
+          </a:p>
+          <a:p>
+            <a:endParaRPr lang="en-US" altLang="en-US" sz="2400"/>
+          </a:p>
+          <a:p>
+            <a:r>
+              <a:rPr lang="en-US" altLang="en-US" sz="2400"/>
+              <a:t>2)</a:t>
+            </a:r>
+            <a:r>
+              <a:rPr lang="" altLang="en-US" sz="2400"/>
+              <a:t> HTML首页</a:t>
+            </a:r>
+            <a:endParaRPr lang="" altLang="en-US" sz="2400"/>
+          </a:p>
+          <a:p>
+            <a:endParaRPr lang="en-US" altLang="en-US" sz="2400"/>
+          </a:p>
+          <a:p>
+            <a:r>
+              <a:rPr lang="" altLang="en-US" sz="2400"/>
+              <a:t>     + 项目源码：</a:t>
+            </a:r>
+            <a:endParaRPr lang="" altLang="en-US" sz="2400"/>
+          </a:p>
+          <a:p>
+            <a:endParaRPr lang="" altLang="en-US" sz="2400"/>
+          </a:p>
+          <a:p>
+            <a:r>
+              <a:rPr lang="" altLang="en-US" sz="2400"/>
+              <a:t>	</a:t>
+            </a:r>
+            <a:r>
+              <a:rPr lang="" altLang="en-US" sz="2400">
+                <a:solidFill>
+                  <a:srgbClr val="FF0000"/>
+                </a:solidFill>
+              </a:rPr>
+              <a:t>https://github.com/web-south/express-element-master</a:t>
+            </a:r>
+            <a:endParaRPr lang="" altLang="en-US" sz="2400">
+              <a:solidFill>
+                <a:srgbClr val="FF0000"/>
+              </a:solidFill>
+            </a:endParaRPr>
           </a:p>
         </p:txBody>
       </p:sp>

--- a/course/项目分析课程.pptx
+++ b/course/项目分析课程.pptx
@@ -5,10 +5,10 @@
     <p:sldMasterId id="2147483648" r:id="rId1"/>
   </p:sldMasterIdLst>
   <p:notesMasterIdLst>
-    <p:notesMasterId r:id="rId25"/>
+    <p:notesMasterId r:id="rId27"/>
   </p:notesMasterIdLst>
   <p:handoutMasterIdLst>
-    <p:handoutMasterId r:id="rId26"/>
+    <p:handoutMasterId r:id="rId28"/>
   </p:handoutMasterIdLst>
   <p:sldIdLst>
     <p:sldId id="257" r:id="rId3"/>
@@ -32,7 +32,9 @@
     <p:sldId id="277" r:id="rId21"/>
     <p:sldId id="276" r:id="rId22"/>
     <p:sldId id="274" r:id="rId23"/>
-    <p:sldId id="271" r:id="rId24"/>
+    <p:sldId id="279" r:id="rId24"/>
+    <p:sldId id="280" r:id="rId25"/>
+    <p:sldId id="271" r:id="rId26"/>
   </p:sldIdLst>
   <p:sldSz cx="12192000" cy="6858000"/>
   <p:notesSz cx="7103745" cy="10234295"/>
@@ -3576,10 +3578,10 @@
           <a:bodyPr/>
           <a:p>
             <a:r>
-              <a:rPr lang="" altLang="en-US"/>
+              <a:rPr lang="en-US" altLang="en-US"/>
               <a:t>HTML CSS 实战项目说明</a:t>
             </a:r>
-            <a:endParaRPr lang="" altLang="en-US"/>
+            <a:endParaRPr lang="en-US" altLang="en-US"/>
           </a:p>
         </p:txBody>
       </p:sp>
@@ -3979,13 +3981,9 @@
             <a:pPr algn="l"/>
             <a:r>
               <a:rPr lang="en-US" altLang="en-US"/>
-              <a:t>  </a:t>
+              <a:t>  创建静态资源目录</a:t>
             </a:r>
-            <a:r>
-              <a:rPr lang="" altLang="en-US"/>
-              <a:t>创建静态资源目录</a:t>
-            </a:r>
-            <a:endParaRPr lang="" altLang="en-US"/>
+            <a:endParaRPr lang="en-US" altLang="en-US"/>
           </a:p>
         </p:txBody>
       </p:sp>
@@ -4364,12 +4362,8 @@
           </a:bodyPr>
           <a:p>
             <a:r>
-              <a:rPr lang="" altLang="en-US" sz="2800"/>
-              <a:t>5</a:t>
-            </a:r>
-            <a:r>
               <a:rPr lang="en-US" altLang="en-US" sz="2800"/>
-              <a:t>. 静态资源目录</a:t>
+              <a:t>5. 静态资源目录</a:t>
             </a:r>
             <a:endParaRPr lang="en-US" altLang="en-US" sz="2800"/>
           </a:p>
@@ -4444,13 +4438,9 @@
             <a:pPr algn="l"/>
             <a:r>
               <a:rPr lang="en-US" altLang="en-US"/>
-              <a:t>  </a:t>
+              <a:t>  VS Code编辑器安装与配置</a:t>
             </a:r>
-            <a:r>
-              <a:rPr lang="" altLang="en-US"/>
-              <a:t>VS Code编辑器安装与配置</a:t>
-            </a:r>
-            <a:endParaRPr lang="" altLang="en-US"/>
+            <a:endParaRPr lang="en-US" altLang="en-US"/>
           </a:p>
         </p:txBody>
       </p:sp>
@@ -4829,18 +4819,10 @@
           </a:bodyPr>
           <a:p>
             <a:r>
-              <a:rPr lang="" altLang="en-US" sz="2800"/>
-              <a:t>6</a:t>
+              <a:rPr lang="en-US" altLang="en-US" sz="2800"/>
+              <a:t>6. VS Code编辑其的准备工作</a:t>
             </a:r>
-            <a:r>
-              <a:rPr lang="en-US" altLang="en-US" sz="2800"/>
-              <a:t>. </a:t>
-            </a:r>
-            <a:r>
-              <a:rPr lang="" altLang="en-US" sz="2800"/>
-              <a:t>VS Code编辑其的准备工作</a:t>
-            </a:r>
-            <a:endParaRPr lang="" altLang="en-US" sz="2800"/>
+            <a:endParaRPr lang="en-US" altLang="en-US" sz="2800"/>
           </a:p>
         </p:txBody>
       </p:sp>
@@ -4866,30 +4848,30 @@
           </a:bodyPr>
           <a:p>
             <a:r>
-              <a:rPr lang="" altLang="en-US" sz="2400"/>
+              <a:rPr lang="en-US" altLang="en-US" sz="2400"/>
               <a:t>1) 设置同步：setting sync</a:t>
             </a:r>
-            <a:endParaRPr lang="" altLang="en-US" sz="2400"/>
-          </a:p>
-          <a:p>
-            <a:endParaRPr lang="" altLang="en-US" sz="2400"/>
+            <a:endParaRPr lang="en-US" altLang="en-US" sz="2400"/>
+          </a:p>
+          <a:p>
+            <a:endParaRPr lang="en-US" altLang="en-US" sz="2400"/>
           </a:p>
           <a:p>
             <a:r>
-              <a:rPr lang="" altLang="en-US" sz="2400"/>
+              <a:rPr lang="en-US" altLang="en-US" sz="2400"/>
               <a:t>2) User Snippet</a:t>
             </a:r>
-            <a:endParaRPr lang="" altLang="en-US" sz="2400"/>
-          </a:p>
-          <a:p>
-            <a:endParaRPr lang="" altLang="en-US" sz="2400"/>
+            <a:endParaRPr lang="en-US" altLang="en-US" sz="2400"/>
+          </a:p>
+          <a:p>
+            <a:endParaRPr lang="en-US" altLang="en-US" sz="2400"/>
           </a:p>
           <a:p>
             <a:r>
-              <a:rPr lang="" altLang="en-US" sz="2400"/>
+              <a:rPr lang="en-US" altLang="en-US" sz="2400"/>
               <a:t>3) 安装插件</a:t>
             </a:r>
-            <a:endParaRPr lang="" altLang="en-US" sz="2400"/>
+            <a:endParaRPr lang="en-US" altLang="en-US" sz="2400"/>
           </a:p>
         </p:txBody>
       </p:sp>
@@ -5349,38 +5331,38 @@
           </a:p>
           <a:p>
             <a:r>
-              <a:rPr lang="" altLang="en-US" sz="2400"/>
+              <a:rPr lang="en-US" altLang="en-US" sz="2400"/>
               <a:t>      + Auto Rename Tag</a:t>
             </a:r>
-            <a:endParaRPr lang="" altLang="en-US" sz="2400"/>
+            <a:endParaRPr lang="en-US" altLang="en-US" sz="2400"/>
           </a:p>
           <a:p>
             <a:r>
-              <a:rPr lang="" altLang="en-US" sz="2400"/>
+              <a:rPr lang="en-US" altLang="en-US" sz="2400"/>
               <a:t>      + Vscode Icons</a:t>
             </a:r>
-            <a:endParaRPr lang="" altLang="en-US" sz="2400"/>
+            <a:endParaRPr lang="en-US" altLang="en-US" sz="2400"/>
           </a:p>
           <a:p>
             <a:r>
-              <a:rPr lang="" altLang="en-US" sz="2400"/>
+              <a:rPr lang="en-US" altLang="en-US" sz="2400"/>
               <a:t>      + CSS Peek</a:t>
             </a:r>
-            <a:endParaRPr lang="" altLang="en-US" sz="2400"/>
+            <a:endParaRPr lang="en-US" altLang="en-US" sz="2400"/>
           </a:p>
           <a:p>
             <a:r>
-              <a:rPr lang="" altLang="en-US" sz="2400"/>
+              <a:rPr lang="en-US" altLang="en-US" sz="2400"/>
               <a:t>      + Color info</a:t>
             </a:r>
-            <a:endParaRPr lang="" altLang="en-US" sz="2400"/>
+            <a:endParaRPr lang="en-US" altLang="en-US" sz="2400"/>
           </a:p>
           <a:p>
             <a:r>
-              <a:rPr lang="" altLang="en-US" sz="2400"/>
+              <a:rPr lang="en-US" altLang="en-US" sz="2400"/>
               <a:t>      + Debugger for Chrome</a:t>
             </a:r>
-            <a:endParaRPr lang="" altLang="en-US" sz="2400"/>
+            <a:endParaRPr lang="en-US" altLang="en-US" sz="2400"/>
           </a:p>
         </p:txBody>
       </p:sp>
@@ -5839,16 +5821,8 @@
           </a:bodyPr>
           <a:p>
             <a:r>
-              <a:rPr lang="" altLang="en-US" sz="2400"/>
-              <a:t>1</a:t>
-            </a:r>
-            <a:r>
               <a:rPr lang="en-US" altLang="en-US" sz="2400"/>
-              <a:t>) 插件</a:t>
-            </a:r>
-            <a:r>
-              <a:rPr lang="" altLang="en-US" sz="2400"/>
-              <a:t>配置文件</a:t>
+              <a:t>1) 插件配置文件</a:t>
             </a:r>
             <a:endParaRPr lang="en-US" altLang="en-US" sz="2400"/>
           </a:p>
@@ -6280,18 +6254,10 @@
           </a:bodyPr>
           <a:p>
             <a:r>
-              <a:rPr lang="" altLang="en-US" sz="2800"/>
-              <a:t>7</a:t>
+              <a:rPr lang="en-US" altLang="en-US" sz="2800"/>
+              <a:t>7. index.html页面</a:t>
             </a:r>
-            <a:r>
-              <a:rPr lang="en-US" altLang="en-US" sz="2800"/>
-              <a:t>. </a:t>
-            </a:r>
-            <a:r>
-              <a:rPr lang="" altLang="en-US" sz="2800"/>
-              <a:t>index.html页面</a:t>
-            </a:r>
-            <a:endParaRPr lang="" altLang="en-US" sz="2800"/>
+            <a:endParaRPr lang="en-US" altLang="en-US" sz="2800"/>
           </a:p>
         </p:txBody>
       </p:sp>
@@ -6318,58 +6284,58 @@
           <a:p>
             <a:pPr algn="l"/>
             <a:r>
-              <a:rPr lang="" altLang="en-US" sz="2400"/>
+              <a:rPr lang="en-US" altLang="en-US" sz="2400"/>
               <a:t>1) 页面favicon.ico引入</a:t>
             </a:r>
-            <a:endParaRPr lang="" altLang="en-US" sz="2400"/>
+            <a:endParaRPr lang="en-US" altLang="en-US" sz="2400"/>
           </a:p>
           <a:p>
             <a:pPr algn="l"/>
-            <a:endParaRPr lang="" altLang="en-US" sz="2400"/>
+            <a:endParaRPr lang="en-US" altLang="en-US" sz="2400"/>
           </a:p>
           <a:p>
             <a:pPr algn="l"/>
             <a:r>
-              <a:rPr lang="" altLang="en-US" sz="2400"/>
+              <a:rPr lang="en-US" altLang="en-US" sz="2400"/>
               <a:t>2) 引入CSS外联样式</a:t>
             </a:r>
-            <a:endParaRPr lang="" altLang="en-US" sz="2400"/>
+            <a:endParaRPr lang="en-US" altLang="en-US" sz="2400"/>
           </a:p>
           <a:p>
             <a:pPr algn="l"/>
-            <a:endParaRPr lang="" altLang="en-US" sz="2400"/>
+            <a:endParaRPr lang="en-US" altLang="en-US" sz="2400"/>
           </a:p>
           <a:p>
             <a:pPr algn="l"/>
             <a:r>
-              <a:rPr lang="" altLang="en-US" sz="2400"/>
+              <a:rPr lang="en-US" altLang="en-US" sz="2400"/>
               <a:t>3) 引入Vue3.js</a:t>
             </a:r>
-            <a:endParaRPr lang="" altLang="en-US" sz="2400"/>
+            <a:endParaRPr lang="en-US" altLang="en-US" sz="2400"/>
           </a:p>
           <a:p>
             <a:pPr algn="l"/>
-            <a:endParaRPr lang="" altLang="en-US" sz="2400"/>
+            <a:endParaRPr lang="en-US" altLang="en-US" sz="2400"/>
           </a:p>
           <a:p>
             <a:pPr algn="l"/>
             <a:r>
-              <a:rPr lang="" altLang="en-US" sz="2400"/>
+              <a:rPr lang="en-US" altLang="en-US" sz="2400"/>
               <a:t>4) 编辑title</a:t>
             </a:r>
-            <a:endParaRPr lang="" altLang="en-US" sz="2400"/>
+            <a:endParaRPr lang="en-US" altLang="en-US" sz="2400"/>
           </a:p>
           <a:p>
             <a:pPr algn="l"/>
-            <a:endParaRPr lang="" altLang="en-US" sz="2400"/>
+            <a:endParaRPr lang="en-US" altLang="en-US" sz="2400"/>
           </a:p>
           <a:p>
             <a:pPr algn="l"/>
             <a:r>
-              <a:rPr lang="" altLang="en-US" sz="2400"/>
+              <a:rPr lang="en-US" altLang="en-US" sz="2400"/>
               <a:t>5) 编辑Vue3.0</a:t>
             </a:r>
-            <a:endParaRPr lang="" altLang="en-US" sz="2400"/>
+            <a:endParaRPr lang="en-US" altLang="en-US" sz="2400"/>
           </a:p>
         </p:txBody>
       </p:sp>
@@ -6397,13 +6363,9 @@
             <a:pPr algn="l"/>
             <a:r>
               <a:rPr lang="en-US" altLang="en-US"/>
-              <a:t>  </a:t>
+              <a:t>  Index.html首页布局</a:t>
             </a:r>
-            <a:r>
-              <a:rPr lang="" altLang="en-US"/>
-              <a:t>Index.html首页布局</a:t>
-            </a:r>
-            <a:endParaRPr lang="" altLang="en-US"/>
+            <a:endParaRPr lang="en-US" altLang="en-US"/>
           </a:p>
         </p:txBody>
       </p:sp>
@@ -6803,18 +6765,10 @@
           </a:bodyPr>
           <a:p>
             <a:r>
-              <a:rPr lang="" altLang="en-US" sz="2800"/>
-              <a:t>8</a:t>
+              <a:rPr lang="en-US" altLang="en-US" sz="2800"/>
+              <a:t>8. html代码</a:t>
             </a:r>
-            <a:r>
-              <a:rPr lang="en-US" altLang="en-US" sz="2800"/>
-              <a:t>. html</a:t>
-            </a:r>
-            <a:r>
-              <a:rPr lang="" altLang="en-US" sz="2800"/>
-              <a:t>代码</a:t>
-            </a:r>
-            <a:endParaRPr lang="" altLang="en-US" sz="2800"/>
+            <a:endParaRPr lang="en-US" altLang="en-US" sz="2800"/>
           </a:p>
         </p:txBody>
       </p:sp>
@@ -6871,33 +6825,29 @@
           <a:p>
             <a:r>
               <a:rPr lang="en-US" altLang="en-US" sz="2400"/>
-              <a:t>1) </a:t>
+              <a:t>1) header</a:t>
             </a:r>
+            <a:endParaRPr lang="en-US" altLang="en-US" sz="2400"/>
+          </a:p>
+          <a:p>
+            <a:endParaRPr lang="en-US" altLang="en-US" sz="2400"/>
+          </a:p>
+          <a:p>
             <a:r>
-              <a:rPr lang="" altLang="en-US" sz="2400"/>
-              <a:t>header</a:t>
-            </a:r>
-            <a:endParaRPr lang="" altLang="en-US" sz="2400"/>
-          </a:p>
-          <a:p>
-            <a:endParaRPr lang="" altLang="en-US" sz="2400"/>
-          </a:p>
-          <a:p>
-            <a:r>
-              <a:rPr lang="" altLang="en-US" sz="2400"/>
+              <a:rPr lang="en-US" altLang="en-US" sz="2400"/>
               <a:t>2) main</a:t>
             </a:r>
-            <a:endParaRPr lang="" altLang="en-US" sz="2400"/>
-          </a:p>
-          <a:p>
-            <a:endParaRPr lang="" altLang="en-US" sz="2400"/>
+            <a:endParaRPr lang="en-US" altLang="en-US" sz="2400"/>
+          </a:p>
+          <a:p>
+            <a:endParaRPr lang="en-US" altLang="en-US" sz="2400"/>
           </a:p>
           <a:p>
             <a:r>
-              <a:rPr lang="" altLang="en-US" sz="2400"/>
+              <a:rPr lang="en-US" altLang="en-US" sz="2400"/>
               <a:t>3) footer</a:t>
             </a:r>
-            <a:endParaRPr lang="" altLang="en-US" sz="2400"/>
+            <a:endParaRPr lang="en-US" altLang="en-US" sz="2400"/>
           </a:p>
         </p:txBody>
       </p:sp>
@@ -7314,13 +7264,9 @@
             </a:r>
             <a:r>
               <a:rPr lang="en-US" altLang="en-US" sz="2800"/>
-              <a:t>代码</a:t>
+              <a:t>代码 :  .container</a:t>
             </a:r>
-            <a:r>
-              <a:rPr lang="" altLang="en-US" sz="2800"/>
-              <a:t> :  .container</a:t>
-            </a:r>
-            <a:endParaRPr lang="" altLang="en-US" sz="2800"/>
+            <a:endParaRPr lang="en-US" altLang="en-US" sz="2800"/>
           </a:p>
         </p:txBody>
       </p:sp>
@@ -7483,14 +7429,14 @@
           </a:bodyPr>
           <a:p>
             <a:r>
-              <a:rPr lang="" altLang="en-US" sz="1400">
+              <a:rPr lang="en-US" altLang="en-US" sz="1400">
                 <a:solidFill>
                   <a:schemeClr val="bg1"/>
                 </a:solidFill>
               </a:rPr>
               <a:t>About  Blog  Products  Contract</a:t>
             </a:r>
-            <a:endParaRPr lang="" altLang="en-US" sz="1400">
+            <a:endParaRPr lang="en-US" altLang="en-US" sz="1400">
               <a:solidFill>
                 <a:schemeClr val="bg1"/>
               </a:solidFill>
@@ -7911,13 +7857,9 @@
             </a:r>
             <a:r>
               <a:rPr lang="en-US" altLang="en-US" sz="2800"/>
-              <a:t>代码</a:t>
+              <a:t>代码: header</a:t>
             </a:r>
-            <a:r>
-              <a:rPr lang="" altLang="en-US" sz="2800"/>
-              <a:t>: header</a:t>
-            </a:r>
-            <a:endParaRPr lang="" altLang="en-US" sz="2800"/>
+            <a:endParaRPr lang="en-US" altLang="en-US" sz="2800"/>
           </a:p>
         </p:txBody>
       </p:sp>
@@ -7951,150 +7893,165 @@
           </a:p>
         </p:txBody>
       </p:sp>
-      <p:sp>
-        <p:nvSpPr>
-          <p:cNvPr id="2" name="Rectangle 1"/>
-          <p:cNvSpPr/>
+      <p:grpSp>
+        <p:nvGrpSpPr>
+          <p:cNvPr id="11" name="Group 10"/>
+          <p:cNvGrpSpPr/>
           <p:nvPr/>
-        </p:nvSpPr>
-        <p:spPr>
+        </p:nvGrpSpPr>
+        <p:grpSpPr>
           <a:xfrm>
             <a:off x="635000" y="2435225"/>
-            <a:ext cx="11028045" cy="2642870"/>
-          </a:xfrm>
-          <a:prstGeom prst="rect">
-            <a:avLst/>
-          </a:prstGeom>
-          <a:solidFill>
-            <a:schemeClr val="tx1">
-              <a:lumMod val="95000"/>
-              <a:lumOff val="5000"/>
-            </a:schemeClr>
-          </a:solidFill>
-          <a:ln>
+            <a:ext cx="11041380" cy="2660015"/>
+            <a:chOff x="1000" y="3835"/>
+            <a:chExt cx="17388" cy="4189"/>
+          </a:xfrm>
+        </p:grpSpPr>
+        <p:sp>
+          <p:nvSpPr>
+            <p:cNvPr id="2" name="Rectangle 1"/>
+            <p:cNvSpPr/>
+            <p:nvPr/>
+          </p:nvSpPr>
+          <p:spPr>
+            <a:xfrm>
+              <a:off x="1000" y="3835"/>
+              <a:ext cx="17367" cy="4162"/>
+            </a:xfrm>
+            <a:prstGeom prst="rect">
+              <a:avLst/>
+            </a:prstGeom>
             <a:solidFill>
               <a:schemeClr val="tx1">
                 <a:lumMod val="95000"/>
                 <a:lumOff val="5000"/>
               </a:schemeClr>
             </a:solidFill>
-          </a:ln>
-        </p:spPr>
-        <p:style>
-          <a:lnRef idx="2">
-            <a:schemeClr val="accent1">
-              <a:shade val="50000"/>
-            </a:schemeClr>
-          </a:lnRef>
-          <a:fillRef idx="1">
-            <a:schemeClr val="accent1"/>
-          </a:fillRef>
-          <a:effectRef idx="0">
-            <a:schemeClr val="accent1"/>
-          </a:effectRef>
-          <a:fontRef idx="minor">
-            <a:schemeClr val="lt1"/>
-          </a:fontRef>
-        </p:style>
-        <p:txBody>
-          <a:bodyPr rtlCol="0" anchor="ctr"/>
-          <a:p>
-            <a:pPr algn="ctr"/>
-            <a:endParaRPr lang="en-US"/>
-          </a:p>
-        </p:txBody>
-      </p:sp>
-      <p:pic>
-        <p:nvPicPr>
-          <p:cNvPr id="13" name="Picture 12" descr="Homepage Banner_Savour Summer_Optimized"/>
-          <p:cNvPicPr>
-            <a:picLocks noChangeAspect="true"/>
-          </p:cNvPicPr>
-          <p:nvPr/>
-        </p:nvPicPr>
-        <p:blipFill>
-          <a:blip r:embed="rId1"/>
-          <a:stretch>
-            <a:fillRect/>
-          </a:stretch>
-        </p:blipFill>
-        <p:spPr>
-          <a:xfrm>
-            <a:off x="635635" y="2839720"/>
-            <a:ext cx="11064240" cy="2256155"/>
-          </a:xfrm>
-          <a:prstGeom prst="rect">
-            <a:avLst/>
-          </a:prstGeom>
-        </p:spPr>
-      </p:pic>
-      <p:pic>
-        <p:nvPicPr>
-          <p:cNvPr id="15" name="Picture 14" descr="001-home"/>
-          <p:cNvPicPr>
-            <a:picLocks noChangeAspect="true"/>
-          </p:cNvPicPr>
-          <p:nvPr/>
-        </p:nvPicPr>
-        <p:blipFill>
-          <a:blip r:embed="rId2">
-            <a:extLst>
-              <a:ext uri="{96DAC541-7B7A-43D3-8B79-37D633B846F1}">
-                <asvg:svgBlip xmlns:asvg="http://schemas.microsoft.com/office/drawing/2016/SVG/main" r:embed="rId3"/>
-              </a:ext>
-            </a:extLst>
-          </a:blip>
-          <a:stretch>
-            <a:fillRect/>
-          </a:stretch>
-        </p:blipFill>
-        <p:spPr>
-          <a:xfrm>
-            <a:off x="1167130" y="2519680"/>
-            <a:ext cx="228600" cy="228600"/>
-          </a:xfrm>
-          <a:prstGeom prst="rect">
-            <a:avLst/>
-          </a:prstGeom>
-        </p:spPr>
-      </p:pic>
-      <p:sp>
-        <p:nvSpPr>
-          <p:cNvPr id="16" name="Text Box 15"/>
-          <p:cNvSpPr txBox="true"/>
-          <p:nvPr/>
-        </p:nvSpPr>
-        <p:spPr>
-          <a:xfrm>
-            <a:off x="8364220" y="2478405"/>
-            <a:ext cx="3222625" cy="306705"/>
-          </a:xfrm>
-          <a:prstGeom prst="rect">
-            <a:avLst/>
-          </a:prstGeom>
-          <a:noFill/>
-        </p:spPr>
-        <p:txBody>
-          <a:bodyPr wrap="square" rtlCol="0">
-            <a:spAutoFit/>
-          </a:bodyPr>
-          <a:p>
-            <a:r>
-              <a:rPr lang="en-US" altLang="en-US" sz="1400">
+            <a:ln>
+              <a:solidFill>
+                <a:schemeClr val="tx1">
+                  <a:lumMod val="95000"/>
+                  <a:lumOff val="5000"/>
+                </a:schemeClr>
+              </a:solidFill>
+            </a:ln>
+          </p:spPr>
+          <p:style>
+            <a:lnRef idx="2">
+              <a:schemeClr val="accent1">
+                <a:shade val="50000"/>
+              </a:schemeClr>
+            </a:lnRef>
+            <a:fillRef idx="1">
+              <a:schemeClr val="accent1"/>
+            </a:fillRef>
+            <a:effectRef idx="0">
+              <a:schemeClr val="accent1"/>
+            </a:effectRef>
+            <a:fontRef idx="minor">
+              <a:schemeClr val="lt1"/>
+            </a:fontRef>
+          </p:style>
+          <p:txBody>
+            <a:bodyPr rtlCol="0" anchor="ctr"/>
+            <a:p>
+              <a:pPr algn="ctr"/>
+              <a:endParaRPr lang="en-US"/>
+            </a:p>
+          </p:txBody>
+        </p:sp>
+        <p:pic>
+          <p:nvPicPr>
+            <p:cNvPr id="13" name="Picture 12" descr="Homepage Banner_Savour Summer_Optimized"/>
+            <p:cNvPicPr>
+              <a:picLocks noChangeAspect="true"/>
+            </p:cNvPicPr>
+            <p:nvPr/>
+          </p:nvPicPr>
+          <p:blipFill>
+            <a:blip r:embed="rId1"/>
+            <a:stretch>
+              <a:fillRect/>
+            </a:stretch>
+          </p:blipFill>
+          <p:spPr>
+            <a:xfrm>
+              <a:off x="1000" y="4472"/>
+              <a:ext cx="17388" cy="3553"/>
+            </a:xfrm>
+            <a:prstGeom prst="rect">
+              <a:avLst/>
+            </a:prstGeom>
+          </p:spPr>
+        </p:pic>
+        <p:pic>
+          <p:nvPicPr>
+            <p:cNvPr id="15" name="Picture 14" descr="001-home"/>
+            <p:cNvPicPr>
+              <a:picLocks noChangeAspect="true"/>
+            </p:cNvPicPr>
+            <p:nvPr/>
+          </p:nvPicPr>
+          <p:blipFill>
+            <a:blip r:embed="rId2">
+              <a:extLst>
+                <a:ext uri="{96DAC541-7B7A-43D3-8B79-37D633B846F1}">
+                  <asvg:svgBlip xmlns:asvg="http://schemas.microsoft.com/office/drawing/2016/SVG/main" r:embed="rId3"/>
+                </a:ext>
+              </a:extLst>
+            </a:blip>
+            <a:stretch>
+              <a:fillRect/>
+            </a:stretch>
+          </p:blipFill>
+          <p:spPr>
+            <a:xfrm>
+              <a:off x="1838" y="3968"/>
+              <a:ext cx="360" cy="360"/>
+            </a:xfrm>
+            <a:prstGeom prst="rect">
+              <a:avLst/>
+            </a:prstGeom>
+          </p:spPr>
+        </p:pic>
+        <p:sp>
+          <p:nvSpPr>
+            <p:cNvPr id="16" name="Text Box 15"/>
+            <p:cNvSpPr txBox="true"/>
+            <p:nvPr/>
+          </p:nvSpPr>
+          <p:spPr>
+            <a:xfrm>
+              <a:off x="13172" y="3903"/>
+              <a:ext cx="5075" cy="483"/>
+            </a:xfrm>
+            <a:prstGeom prst="rect">
+              <a:avLst/>
+            </a:prstGeom>
+            <a:noFill/>
+          </p:spPr>
+          <p:txBody>
+            <a:bodyPr wrap="square" rtlCol="0">
+              <a:spAutoFit/>
+            </a:bodyPr>
+            <a:p>
+              <a:r>
+                <a:rPr lang="en-US" altLang="en-US" sz="1400">
+                  <a:solidFill>
+                    <a:schemeClr val="bg1"/>
+                  </a:solidFill>
+                </a:rPr>
+                <a:t>About  Blog  Products  Contract</a:t>
+              </a:r>
+              <a:endParaRPr lang="en-US" altLang="en-US" sz="1400">
                 <a:solidFill>
                   <a:schemeClr val="bg1"/>
                 </a:solidFill>
-              </a:rPr>
-              <a:t>About  Blog  Products  Contract</a:t>
-            </a:r>
-            <a:endParaRPr lang="en-US" altLang="en-US" sz="1400">
-              <a:solidFill>
-                <a:schemeClr val="bg1"/>
-              </a:solidFill>
-            </a:endParaRPr>
-          </a:p>
-        </p:txBody>
-      </p:sp>
+              </a:endParaRPr>
+            </a:p>
+          </p:txBody>
+        </p:sp>
+      </p:grpSp>
     </p:spTree>
   </p:cSld>
   <p:clrMapOvr>
@@ -8483,7 +8440,7 @@
         </p:nvSpPr>
         <p:spPr>
           <a:xfrm>
-            <a:off x="996950" y="1739900"/>
+            <a:off x="1092200" y="1706245"/>
             <a:ext cx="9464675" cy="521970"/>
           </a:xfrm>
           <a:prstGeom prst="rect">
@@ -8544,150 +8501,165 @@
           </a:p>
         </p:txBody>
       </p:sp>
-      <p:sp>
-        <p:nvSpPr>
-          <p:cNvPr id="2" name="Rectangle 1"/>
-          <p:cNvSpPr/>
+      <p:grpSp>
+        <p:nvGrpSpPr>
+          <p:cNvPr id="11" name="Group 10"/>
+          <p:cNvGrpSpPr/>
           <p:nvPr/>
-        </p:nvSpPr>
-        <p:spPr>
+        </p:nvGrpSpPr>
+        <p:grpSpPr>
           <a:xfrm>
             <a:off x="635000" y="2435225"/>
-            <a:ext cx="11028045" cy="2642870"/>
-          </a:xfrm>
-          <a:prstGeom prst="rect">
-            <a:avLst/>
-          </a:prstGeom>
-          <a:solidFill>
-            <a:schemeClr val="tx1">
-              <a:lumMod val="95000"/>
-              <a:lumOff val="5000"/>
-            </a:schemeClr>
-          </a:solidFill>
-          <a:ln>
+            <a:ext cx="11027410" cy="2660015"/>
+            <a:chOff x="1000" y="3835"/>
+            <a:chExt cx="17366" cy="4189"/>
+          </a:xfrm>
+        </p:grpSpPr>
+        <p:sp>
+          <p:nvSpPr>
+            <p:cNvPr id="2" name="Rectangle 1"/>
+            <p:cNvSpPr/>
+            <p:nvPr/>
+          </p:nvSpPr>
+          <p:spPr>
+            <a:xfrm>
+              <a:off x="1000" y="3835"/>
+              <a:ext cx="17367" cy="4162"/>
+            </a:xfrm>
+            <a:prstGeom prst="rect">
+              <a:avLst/>
+            </a:prstGeom>
             <a:solidFill>
               <a:schemeClr val="tx1">
                 <a:lumMod val="95000"/>
                 <a:lumOff val="5000"/>
               </a:schemeClr>
             </a:solidFill>
-          </a:ln>
-        </p:spPr>
-        <p:style>
-          <a:lnRef idx="2">
-            <a:schemeClr val="accent1">
-              <a:shade val="50000"/>
-            </a:schemeClr>
-          </a:lnRef>
-          <a:fillRef idx="1">
-            <a:schemeClr val="accent1"/>
-          </a:fillRef>
-          <a:effectRef idx="0">
-            <a:schemeClr val="accent1"/>
-          </a:effectRef>
-          <a:fontRef idx="minor">
-            <a:schemeClr val="lt1"/>
-          </a:fontRef>
-        </p:style>
-        <p:txBody>
-          <a:bodyPr rtlCol="0" anchor="ctr"/>
-          <a:p>
-            <a:pPr algn="ctr"/>
-            <a:endParaRPr lang="en-US"/>
-          </a:p>
-        </p:txBody>
-      </p:sp>
-      <p:pic>
-        <p:nvPicPr>
-          <p:cNvPr id="13" name="Picture 12" descr="Homepage Banner_Savour Summer_Optimized"/>
-          <p:cNvPicPr>
-            <a:picLocks noChangeAspect="true"/>
-          </p:cNvPicPr>
-          <p:nvPr/>
-        </p:nvPicPr>
-        <p:blipFill>
-          <a:blip r:embed="rId1"/>
-          <a:stretch>
-            <a:fillRect/>
-          </a:stretch>
-        </p:blipFill>
-        <p:spPr>
-          <a:xfrm>
-            <a:off x="1092200" y="2839720"/>
-            <a:ext cx="10137775" cy="2256155"/>
-          </a:xfrm>
-          <a:prstGeom prst="rect">
-            <a:avLst/>
-          </a:prstGeom>
-        </p:spPr>
-      </p:pic>
-      <p:pic>
-        <p:nvPicPr>
-          <p:cNvPr id="15" name="Picture 14" descr="001-home"/>
-          <p:cNvPicPr>
-            <a:picLocks noChangeAspect="true"/>
-          </p:cNvPicPr>
-          <p:nvPr/>
-        </p:nvPicPr>
-        <p:blipFill>
-          <a:blip r:embed="rId2">
-            <a:extLst>
-              <a:ext uri="{96DAC541-7B7A-43D3-8B79-37D633B846F1}">
-                <asvg:svgBlip xmlns:asvg="http://schemas.microsoft.com/office/drawing/2016/SVG/main" r:embed="rId3"/>
-              </a:ext>
-            </a:extLst>
-          </a:blip>
-          <a:stretch>
-            <a:fillRect/>
-          </a:stretch>
-        </p:blipFill>
-        <p:spPr>
-          <a:xfrm>
-            <a:off x="1092200" y="2519680"/>
-            <a:ext cx="228600" cy="228600"/>
-          </a:xfrm>
-          <a:prstGeom prst="rect">
-            <a:avLst/>
-          </a:prstGeom>
-        </p:spPr>
-      </p:pic>
-      <p:sp>
-        <p:nvSpPr>
-          <p:cNvPr id="16" name="Text Box 15"/>
-          <p:cNvSpPr txBox="true"/>
-          <p:nvPr/>
-        </p:nvSpPr>
-        <p:spPr>
-          <a:xfrm>
-            <a:off x="8364220" y="2478405"/>
-            <a:ext cx="3222625" cy="306705"/>
-          </a:xfrm>
-          <a:prstGeom prst="rect">
-            <a:avLst/>
-          </a:prstGeom>
-          <a:noFill/>
-        </p:spPr>
-        <p:txBody>
-          <a:bodyPr wrap="square" rtlCol="0">
-            <a:spAutoFit/>
-          </a:bodyPr>
-          <a:p>
-            <a:r>
-              <a:rPr lang="en-US" altLang="en-US" sz="1400">
+            <a:ln>
+              <a:solidFill>
+                <a:schemeClr val="tx1">
+                  <a:lumMod val="95000"/>
+                  <a:lumOff val="5000"/>
+                </a:schemeClr>
+              </a:solidFill>
+            </a:ln>
+          </p:spPr>
+          <p:style>
+            <a:lnRef idx="2">
+              <a:schemeClr val="accent1">
+                <a:shade val="50000"/>
+              </a:schemeClr>
+            </a:lnRef>
+            <a:fillRef idx="1">
+              <a:schemeClr val="accent1"/>
+            </a:fillRef>
+            <a:effectRef idx="0">
+              <a:schemeClr val="accent1"/>
+            </a:effectRef>
+            <a:fontRef idx="minor">
+              <a:schemeClr val="lt1"/>
+            </a:fontRef>
+          </p:style>
+          <p:txBody>
+            <a:bodyPr rtlCol="0" anchor="ctr"/>
+            <a:p>
+              <a:pPr algn="ctr"/>
+              <a:endParaRPr lang="en-US"/>
+            </a:p>
+          </p:txBody>
+        </p:sp>
+        <p:pic>
+          <p:nvPicPr>
+            <p:cNvPr id="13" name="Picture 12" descr="Homepage Banner_Savour Summer_Optimized"/>
+            <p:cNvPicPr>
+              <a:picLocks noChangeAspect="true"/>
+            </p:cNvPicPr>
+            <p:nvPr/>
+          </p:nvPicPr>
+          <p:blipFill>
+            <a:blip r:embed="rId1"/>
+            <a:stretch>
+              <a:fillRect/>
+            </a:stretch>
+          </p:blipFill>
+          <p:spPr>
+            <a:xfrm>
+              <a:off x="1720" y="4472"/>
+              <a:ext cx="15965" cy="3553"/>
+            </a:xfrm>
+            <a:prstGeom prst="rect">
+              <a:avLst/>
+            </a:prstGeom>
+          </p:spPr>
+        </p:pic>
+        <p:pic>
+          <p:nvPicPr>
+            <p:cNvPr id="15" name="Picture 14" descr="001-home"/>
+            <p:cNvPicPr>
+              <a:picLocks noChangeAspect="true"/>
+            </p:cNvPicPr>
+            <p:nvPr/>
+          </p:nvPicPr>
+          <p:blipFill>
+            <a:blip r:embed="rId2">
+              <a:extLst>
+                <a:ext uri="{96DAC541-7B7A-43D3-8B79-37D633B846F1}">
+                  <asvg:svgBlip xmlns:asvg="http://schemas.microsoft.com/office/drawing/2016/SVG/main" r:embed="rId3"/>
+                </a:ext>
+              </a:extLst>
+            </a:blip>
+            <a:stretch>
+              <a:fillRect/>
+            </a:stretch>
+          </p:blipFill>
+          <p:spPr>
+            <a:xfrm>
+              <a:off x="1720" y="3968"/>
+              <a:ext cx="360" cy="360"/>
+            </a:xfrm>
+            <a:prstGeom prst="rect">
+              <a:avLst/>
+            </a:prstGeom>
+          </p:spPr>
+        </p:pic>
+        <p:sp>
+          <p:nvSpPr>
+            <p:cNvPr id="16" name="Text Box 15"/>
+            <p:cNvSpPr txBox="true"/>
+            <p:nvPr/>
+          </p:nvSpPr>
+          <p:spPr>
+            <a:xfrm>
+              <a:off x="13172" y="3903"/>
+              <a:ext cx="5075" cy="483"/>
+            </a:xfrm>
+            <a:prstGeom prst="rect">
+              <a:avLst/>
+            </a:prstGeom>
+            <a:noFill/>
+          </p:spPr>
+          <p:txBody>
+            <a:bodyPr wrap="square" rtlCol="0">
+              <a:spAutoFit/>
+            </a:bodyPr>
+            <a:p>
+              <a:r>
+                <a:rPr lang="en-US" altLang="en-US" sz="1400">
+                  <a:solidFill>
+                    <a:schemeClr val="bg1"/>
+                  </a:solidFill>
+                </a:rPr>
+                <a:t>About  Blog  Products  Contract</a:t>
+              </a:r>
+              <a:endParaRPr lang="en-US" altLang="en-US" sz="1400">
                 <a:solidFill>
                   <a:schemeClr val="bg1"/>
                 </a:solidFill>
-              </a:rPr>
-              <a:t>About  Blog  Products  Contract</a:t>
-            </a:r>
-            <a:endParaRPr lang="en-US" altLang="en-US" sz="1400">
-              <a:solidFill>
-                <a:schemeClr val="bg1"/>
-              </a:solidFill>
-            </a:endParaRPr>
-          </a:p>
-        </p:txBody>
-      </p:sp>
+              </a:endParaRPr>
+            </a:p>
+          </p:txBody>
+        </p:sp>
+      </p:grpSp>
     </p:spTree>
   </p:cSld>
   <p:clrMapOvr>
@@ -9146,7 +9118,7 @@
         <p:spPr>
           <a:xfrm>
             <a:off x="635000" y="2435225"/>
-            <a:ext cx="11028045" cy="411480"/>
+            <a:ext cx="11027410" cy="411480"/>
           </a:xfrm>
           <a:prstGeom prst="rect">
             <a:avLst/>
@@ -9207,7 +9179,7 @@
         <p:spPr>
           <a:xfrm>
             <a:off x="635000" y="2846705"/>
-            <a:ext cx="11028045" cy="2256155"/>
+            <a:ext cx="11062970" cy="2256155"/>
           </a:xfrm>
           <a:prstGeom prst="rect">
             <a:avLst/>
@@ -9252,7 +9224,7 @@
         </p:nvSpPr>
         <p:spPr>
           <a:xfrm>
-            <a:off x="8364220" y="2478405"/>
+            <a:off x="8364220" y="2495550"/>
             <a:ext cx="3222625" cy="306705"/>
           </a:xfrm>
           <a:prstGeom prst="rect">
@@ -9325,18 +9297,10 @@
           <a:p>
             <a:pPr algn="l"/>
             <a:r>
-              <a:rPr lang="" altLang="en-US"/>
-              <a:t>  </a:t>
+              <a:rPr lang="en-US" altLang="en-US"/>
+              <a:t>  项目分解说明</a:t>
             </a:r>
-            <a:r>
-              <a:rPr lang="en-US" altLang="en-US"/>
-              <a:t>项目</a:t>
-            </a:r>
-            <a:r>
-              <a:rPr lang="" altLang="en-US"/>
-              <a:t>分解说明</a:t>
-            </a:r>
-            <a:endParaRPr lang="" altLang="en-US"/>
+            <a:endParaRPr lang="en-US" altLang="en-US"/>
           </a:p>
         </p:txBody>
       </p:sp>
@@ -9694,14 +9658,14 @@
           </a:bodyPr>
           <a:p>
             <a:r>
-              <a:rPr lang="" altLang="en-US" sz="2800"/>
+              <a:rPr lang="en-US" altLang="en-US" sz="2800"/>
               <a:t>1. 项目初始化</a:t>
             </a:r>
             <a:r>
-              <a:rPr lang="" altLang="en-US"/>
+              <a:rPr lang="en-US" altLang="en-US"/>
               <a:t> </a:t>
             </a:r>
-            <a:endParaRPr lang="" altLang="en-US"/>
+            <a:endParaRPr lang="en-US" altLang="en-US"/>
           </a:p>
         </p:txBody>
       </p:sp>
@@ -9748,7 +9712,7 @@
           </a:bodyPr>
           <a:p>
             <a:r>
-              <a:rPr lang="" altLang="en-US" sz="2800"/>
+              <a:rPr lang="en-US" altLang="en-US" sz="2800"/>
               <a:t>2. 创建项目服务器</a:t>
             </a:r>
             <a:endParaRPr lang="en-US" altLang="en-US" sz="2000"/>
@@ -9777,14 +9741,10 @@
           </a:bodyPr>
           <a:p>
             <a:r>
-              <a:rPr lang="" altLang="en-US" sz="2800"/>
-              <a:t>3. 创建静态页面</a:t>
+              <a:rPr lang="en-US" altLang="en-US" sz="2800"/>
+              <a:t>3. 创建静态页面 </a:t>
             </a:r>
-            <a:r>
-              <a:rPr lang="en-US" altLang="en-US" sz="2800"/>
-              <a:t> </a:t>
-            </a:r>
-            <a:endParaRPr lang="" altLang="en-US" sz="2800"/>
+            <a:endParaRPr lang="en-US" altLang="en-US" sz="2800"/>
           </a:p>
         </p:txBody>
       </p:sp>
@@ -10176,7 +10136,7 @@
         </p:nvSpPr>
         <p:spPr>
           <a:xfrm>
-            <a:off x="996950" y="1739900"/>
+            <a:off x="1078230" y="1724025"/>
             <a:ext cx="9464675" cy="521970"/>
           </a:xfrm>
           <a:prstGeom prst="rect">
@@ -10191,15 +10151,7 @@
           <a:p>
             <a:r>
               <a:rPr lang="en-US" altLang="en-US" sz="2800"/>
-              <a:t>8. h</a:t>
-            </a:r>
-            <a:r>
-              <a:rPr lang="" altLang="en-US" sz="2800"/>
-              <a:t>eader</a:t>
-            </a:r>
-            <a:r>
-              <a:rPr lang="en-US" altLang="en-US" sz="2800"/>
-              <a:t>代码 :  nav</a:t>
+              <a:t>8. header代码 :  nav</a:t>
             </a:r>
             <a:endParaRPr lang="en-US" altLang="en-US" sz="2800"/>
           </a:p>
@@ -10235,150 +10187,165 @@
           </a:p>
         </p:txBody>
       </p:sp>
-      <p:sp>
-        <p:nvSpPr>
-          <p:cNvPr id="2" name="Rectangle 1"/>
-          <p:cNvSpPr/>
+      <p:grpSp>
+        <p:nvGrpSpPr>
+          <p:cNvPr id="11" name="Group 10"/>
+          <p:cNvGrpSpPr/>
           <p:nvPr/>
-        </p:nvSpPr>
-        <p:spPr>
-          <a:xfrm>
-            <a:off x="635000" y="2435225"/>
-            <a:ext cx="11028045" cy="411480"/>
-          </a:xfrm>
-          <a:prstGeom prst="rect">
-            <a:avLst/>
-          </a:prstGeom>
-          <a:solidFill>
-            <a:schemeClr val="tx1">
-              <a:lumMod val="95000"/>
-              <a:lumOff val="5000"/>
-            </a:schemeClr>
-          </a:solidFill>
-          <a:ln>
+        </p:nvGrpSpPr>
+        <p:grpSpPr>
+          <a:xfrm>
+            <a:off x="635000" y="2470785"/>
+            <a:ext cx="11027410" cy="2915920"/>
+            <a:chOff x="1000" y="3835"/>
+            <a:chExt cx="17366" cy="4592"/>
+          </a:xfrm>
+        </p:grpSpPr>
+        <p:sp>
+          <p:nvSpPr>
+            <p:cNvPr id="2" name="Rectangle 1"/>
+            <p:cNvSpPr/>
+            <p:nvPr/>
+          </p:nvSpPr>
+          <p:spPr>
+            <a:xfrm>
+              <a:off x="1000" y="3835"/>
+              <a:ext cx="17367" cy="648"/>
+            </a:xfrm>
+            <a:prstGeom prst="rect">
+              <a:avLst/>
+            </a:prstGeom>
             <a:solidFill>
               <a:schemeClr val="tx1">
                 <a:lumMod val="95000"/>
                 <a:lumOff val="5000"/>
               </a:schemeClr>
             </a:solidFill>
-          </a:ln>
-        </p:spPr>
-        <p:style>
-          <a:lnRef idx="2">
-            <a:schemeClr val="accent1">
-              <a:shade val="50000"/>
-            </a:schemeClr>
-          </a:lnRef>
-          <a:fillRef idx="1">
-            <a:schemeClr val="accent1"/>
-          </a:fillRef>
-          <a:effectRef idx="0">
-            <a:schemeClr val="accent1"/>
-          </a:effectRef>
-          <a:fontRef idx="minor">
-            <a:schemeClr val="lt1"/>
-          </a:fontRef>
-        </p:style>
-        <p:txBody>
-          <a:bodyPr rtlCol="0" anchor="ctr"/>
-          <a:p>
-            <a:pPr algn="ctr"/>
-            <a:endParaRPr lang="en-US"/>
-          </a:p>
-        </p:txBody>
-      </p:sp>
-      <p:pic>
-        <p:nvPicPr>
-          <p:cNvPr id="13" name="Picture 12" descr="Homepage Banner_Savour Summer_Optimized"/>
-          <p:cNvPicPr>
-            <a:picLocks noChangeAspect="true"/>
-          </p:cNvPicPr>
-          <p:nvPr/>
-        </p:nvPicPr>
-        <p:blipFill>
-          <a:blip r:embed="rId1"/>
-          <a:stretch>
-            <a:fillRect/>
-          </a:stretch>
-        </p:blipFill>
-        <p:spPr>
-          <a:xfrm>
-            <a:off x="635000" y="3095625"/>
-            <a:ext cx="11028045" cy="2256155"/>
-          </a:xfrm>
-          <a:prstGeom prst="rect">
-            <a:avLst/>
-          </a:prstGeom>
-        </p:spPr>
-      </p:pic>
-      <p:pic>
-        <p:nvPicPr>
-          <p:cNvPr id="15" name="Picture 14" descr="001-home"/>
-          <p:cNvPicPr>
-            <a:picLocks noChangeAspect="true"/>
-          </p:cNvPicPr>
-          <p:nvPr/>
-        </p:nvPicPr>
-        <p:blipFill>
-          <a:blip r:embed="rId2">
-            <a:extLst>
-              <a:ext uri="{96DAC541-7B7A-43D3-8B79-37D633B846F1}">
-                <asvg:svgBlip xmlns:asvg="http://schemas.microsoft.com/office/drawing/2016/SVG/main" r:embed="rId3"/>
-              </a:ext>
-            </a:extLst>
-          </a:blip>
-          <a:stretch>
-            <a:fillRect/>
-          </a:stretch>
-        </p:blipFill>
-        <p:spPr>
-          <a:xfrm>
-            <a:off x="1078230" y="2519680"/>
-            <a:ext cx="228600" cy="228600"/>
-          </a:xfrm>
-          <a:prstGeom prst="rect">
-            <a:avLst/>
-          </a:prstGeom>
-        </p:spPr>
-      </p:pic>
-      <p:sp>
-        <p:nvSpPr>
-          <p:cNvPr id="16" name="Text Box 15"/>
-          <p:cNvSpPr txBox="true"/>
-          <p:nvPr/>
-        </p:nvSpPr>
-        <p:spPr>
-          <a:xfrm>
-            <a:off x="8364220" y="2478405"/>
-            <a:ext cx="3222625" cy="306705"/>
-          </a:xfrm>
-          <a:prstGeom prst="rect">
-            <a:avLst/>
-          </a:prstGeom>
-          <a:noFill/>
-        </p:spPr>
-        <p:txBody>
-          <a:bodyPr wrap="square" rtlCol="0">
-            <a:spAutoFit/>
-          </a:bodyPr>
-          <a:p>
-            <a:r>
-              <a:rPr lang="en-US" altLang="en-US" sz="1400">
+            <a:ln>
+              <a:solidFill>
+                <a:schemeClr val="tx1">
+                  <a:lumMod val="95000"/>
+                  <a:lumOff val="5000"/>
+                </a:schemeClr>
+              </a:solidFill>
+            </a:ln>
+          </p:spPr>
+          <p:style>
+            <a:lnRef idx="2">
+              <a:schemeClr val="accent1">
+                <a:shade val="50000"/>
+              </a:schemeClr>
+            </a:lnRef>
+            <a:fillRef idx="1">
+              <a:schemeClr val="accent1"/>
+            </a:fillRef>
+            <a:effectRef idx="0">
+              <a:schemeClr val="accent1"/>
+            </a:effectRef>
+            <a:fontRef idx="minor">
+              <a:schemeClr val="lt1"/>
+            </a:fontRef>
+          </p:style>
+          <p:txBody>
+            <a:bodyPr rtlCol="0" anchor="ctr"/>
+            <a:p>
+              <a:pPr algn="ctr"/>
+              <a:endParaRPr lang="en-US"/>
+            </a:p>
+          </p:txBody>
+        </p:sp>
+        <p:pic>
+          <p:nvPicPr>
+            <p:cNvPr id="13" name="Picture 12" descr="Homepage Banner_Savour Summer_Optimized"/>
+            <p:cNvPicPr>
+              <a:picLocks noChangeAspect="true"/>
+            </p:cNvPicPr>
+            <p:nvPr/>
+          </p:nvPicPr>
+          <p:blipFill>
+            <a:blip r:embed="rId1"/>
+            <a:stretch>
+              <a:fillRect/>
+            </a:stretch>
+          </p:blipFill>
+          <p:spPr>
+            <a:xfrm>
+              <a:off x="1000" y="4875"/>
+              <a:ext cx="17367" cy="3553"/>
+            </a:xfrm>
+            <a:prstGeom prst="rect">
+              <a:avLst/>
+            </a:prstGeom>
+          </p:spPr>
+        </p:pic>
+        <p:pic>
+          <p:nvPicPr>
+            <p:cNvPr id="15" name="Picture 14" descr="001-home"/>
+            <p:cNvPicPr>
+              <a:picLocks noChangeAspect="true"/>
+            </p:cNvPicPr>
+            <p:nvPr/>
+          </p:nvPicPr>
+          <p:blipFill>
+            <a:blip r:embed="rId2">
+              <a:extLst>
+                <a:ext uri="{96DAC541-7B7A-43D3-8B79-37D633B846F1}">
+                  <asvg:svgBlip xmlns:asvg="http://schemas.microsoft.com/office/drawing/2016/SVG/main" r:embed="rId3"/>
+                </a:ext>
+              </a:extLst>
+            </a:blip>
+            <a:stretch>
+              <a:fillRect/>
+            </a:stretch>
+          </p:blipFill>
+          <p:spPr>
+            <a:xfrm>
+              <a:off x="1698" y="3968"/>
+              <a:ext cx="360" cy="360"/>
+            </a:xfrm>
+            <a:prstGeom prst="rect">
+              <a:avLst/>
+            </a:prstGeom>
+          </p:spPr>
+        </p:pic>
+        <p:sp>
+          <p:nvSpPr>
+            <p:cNvPr id="16" name="Text Box 15"/>
+            <p:cNvSpPr txBox="true"/>
+            <p:nvPr/>
+          </p:nvSpPr>
+          <p:spPr>
+            <a:xfrm>
+              <a:off x="13172" y="3903"/>
+              <a:ext cx="5075" cy="483"/>
+            </a:xfrm>
+            <a:prstGeom prst="rect">
+              <a:avLst/>
+            </a:prstGeom>
+            <a:noFill/>
+          </p:spPr>
+          <p:txBody>
+            <a:bodyPr wrap="square" rtlCol="0">
+              <a:spAutoFit/>
+            </a:bodyPr>
+            <a:p>
+              <a:r>
+                <a:rPr lang="en-US" altLang="en-US" sz="1400">
+                  <a:solidFill>
+                    <a:schemeClr val="bg1"/>
+                  </a:solidFill>
+                </a:rPr>
+                <a:t>About  Blog  Products  Contract</a:t>
+              </a:r>
+              <a:endParaRPr lang="en-US" altLang="en-US" sz="1400">
                 <a:solidFill>
                   <a:schemeClr val="bg1"/>
                 </a:solidFill>
-              </a:rPr>
-              <a:t>About  Blog  Products  Contract</a:t>
-            </a:r>
-            <a:endParaRPr lang="en-US" altLang="en-US" sz="1400">
-              <a:solidFill>
-                <a:schemeClr val="bg1"/>
-              </a:solidFill>
-            </a:endParaRPr>
-          </a:p>
-        </p:txBody>
-      </p:sp>
+              </a:endParaRPr>
+            </a:p>
+          </p:txBody>
+        </p:sp>
+      </p:grpSp>
     </p:spTree>
   </p:cSld>
   <p:clrMapOvr>
@@ -10761,7 +10728,7 @@
         </p:nvSpPr>
         <p:spPr>
           <a:xfrm>
-            <a:off x="1014730" y="1770380"/>
+            <a:off x="1078230" y="1770380"/>
             <a:ext cx="9464675" cy="521970"/>
           </a:xfrm>
           <a:prstGeom prst="rect">
@@ -10776,7 +10743,7 @@
           <a:p>
             <a:r>
               <a:rPr lang="en-US" altLang="en-US" sz="2800"/>
-              <a:t>8. html代码</a:t>
+              <a:t>9. footer代码: .container</a:t>
             </a:r>
             <a:endParaRPr lang="en-US" altLang="en-US" sz="2800"/>
           </a:p>
@@ -10812,43 +10779,270 @@
           </a:p>
         </p:txBody>
       </p:sp>
-      <p:sp>
-        <p:nvSpPr>
-          <p:cNvPr id="11" name="Text Box 10"/>
-          <p:cNvSpPr txBox="true"/>
+      <p:grpSp>
+        <p:nvGrpSpPr>
+          <p:cNvPr id="23" name="Group 22"/>
+          <p:cNvGrpSpPr/>
           <p:nvPr/>
-        </p:nvSpPr>
-        <p:spPr>
-          <a:xfrm>
-            <a:off x="1343660" y="2527300"/>
-            <a:ext cx="9464675" cy="460375"/>
-          </a:xfrm>
-          <a:prstGeom prst="rect">
-            <a:avLst/>
-          </a:prstGeom>
-          <a:noFill/>
-        </p:spPr>
-        <p:txBody>
-          <a:bodyPr wrap="square" rtlCol="0">
-            <a:spAutoFit/>
-          </a:bodyPr>
-          <a:p>
-            <a:r>
-              <a:rPr lang="" altLang="en-US" sz="2400"/>
-              <a:t>2</a:t>
-            </a:r>
-            <a:r>
-              <a:rPr lang="en-US" altLang="en-US" sz="2400"/>
-              <a:t>)</a:t>
-            </a:r>
-            <a:r>
-              <a:rPr lang="" altLang="en-US" sz="2400"/>
-              <a:t> nav</a:t>
-            </a:r>
-            <a:endParaRPr lang="" altLang="en-US" sz="2400"/>
-          </a:p>
-        </p:txBody>
-      </p:sp>
+        </p:nvGrpSpPr>
+        <p:grpSpPr>
+          <a:xfrm>
+            <a:off x="635000" y="2968625"/>
+            <a:ext cx="11046460" cy="3081020"/>
+            <a:chOff x="1000" y="4675"/>
+            <a:chExt cx="17396" cy="4852"/>
+          </a:xfrm>
+        </p:grpSpPr>
+        <p:grpSp>
+          <p:nvGrpSpPr>
+            <p:cNvPr id="13" name="Group 12"/>
+            <p:cNvGrpSpPr/>
+            <p:nvPr/>
+          </p:nvGrpSpPr>
+          <p:grpSpPr>
+            <a:xfrm>
+              <a:off x="1012" y="8879"/>
+              <a:ext cx="17366" cy="648"/>
+              <a:chOff x="1320" y="4371"/>
+              <a:chExt cx="17366" cy="648"/>
+            </a:xfrm>
+          </p:grpSpPr>
+          <p:sp>
+            <p:nvSpPr>
+              <p:cNvPr id="12" name="Rectangle 11"/>
+              <p:cNvSpPr/>
+              <p:nvPr/>
+            </p:nvSpPr>
+            <p:spPr>
+              <a:xfrm>
+                <a:off x="1320" y="4371"/>
+                <a:ext cx="17367" cy="648"/>
+              </a:xfrm>
+              <a:prstGeom prst="rect">
+                <a:avLst/>
+              </a:prstGeom>
+              <a:solidFill>
+                <a:schemeClr val="tx1">
+                  <a:lumMod val="95000"/>
+                  <a:lumOff val="5000"/>
+                </a:schemeClr>
+              </a:solidFill>
+              <a:ln>
+                <a:solidFill>
+                  <a:schemeClr val="tx1">
+                    <a:lumMod val="95000"/>
+                    <a:lumOff val="5000"/>
+                  </a:schemeClr>
+                </a:solidFill>
+              </a:ln>
+            </p:spPr>
+            <p:style>
+              <a:lnRef idx="2">
+                <a:schemeClr val="accent1">
+                  <a:shade val="50000"/>
+                </a:schemeClr>
+              </a:lnRef>
+              <a:fillRef idx="1">
+                <a:schemeClr val="accent1"/>
+              </a:fillRef>
+              <a:effectRef idx="0">
+                <a:schemeClr val="accent1"/>
+              </a:effectRef>
+              <a:fontRef idx="minor">
+                <a:schemeClr val="lt1"/>
+              </a:fontRef>
+            </p:style>
+            <p:txBody>
+              <a:bodyPr rtlCol="0" anchor="ctr"/>
+              <a:p>
+                <a:pPr algn="ctr"/>
+                <a:endParaRPr lang="en-US"/>
+              </a:p>
+            </p:txBody>
+          </p:sp>
+          <p:sp>
+            <p:nvSpPr>
+              <p:cNvPr id="16" name="Text Box 15"/>
+              <p:cNvSpPr txBox="true"/>
+              <p:nvPr/>
+            </p:nvSpPr>
+            <p:spPr>
+              <a:xfrm>
+                <a:off x="14714" y="4480"/>
+                <a:ext cx="3525" cy="483"/>
+              </a:xfrm>
+              <a:prstGeom prst="rect">
+                <a:avLst/>
+              </a:prstGeom>
+              <a:noFill/>
+            </p:spPr>
+            <p:txBody>
+              <a:bodyPr wrap="square" rtlCol="0">
+                <a:spAutoFit/>
+              </a:bodyPr>
+              <a:p>
+                <a:r>
+                  <a:rPr lang="en-US" altLang="en-US" sz="1400">
+                    <a:solidFill>
+                      <a:schemeClr val="bg1"/>
+                    </a:solidFill>
+                  </a:rPr>
+                  <a:t>@copyright Yangyixin  </a:t>
+                </a:r>
+                <a:endParaRPr lang="en-US" altLang="en-US" sz="1400">
+                  <a:solidFill>
+                    <a:schemeClr val="bg1"/>
+                  </a:solidFill>
+                </a:endParaRPr>
+              </a:p>
+            </p:txBody>
+          </p:sp>
+        </p:grpSp>
+        <p:sp>
+          <p:nvSpPr>
+            <p:cNvPr id="18" name="Rectangle 17"/>
+            <p:cNvSpPr/>
+            <p:nvPr/>
+          </p:nvSpPr>
+          <p:spPr>
+            <a:xfrm>
+              <a:off x="1000" y="4675"/>
+              <a:ext cx="17367" cy="648"/>
+            </a:xfrm>
+            <a:prstGeom prst="rect">
+              <a:avLst/>
+            </a:prstGeom>
+            <a:solidFill>
+              <a:schemeClr val="tx1">
+                <a:lumMod val="95000"/>
+                <a:lumOff val="5000"/>
+              </a:schemeClr>
+            </a:solidFill>
+            <a:ln>
+              <a:solidFill>
+                <a:schemeClr val="tx1">
+                  <a:lumMod val="95000"/>
+                  <a:lumOff val="5000"/>
+                </a:schemeClr>
+              </a:solidFill>
+            </a:ln>
+          </p:spPr>
+          <p:style>
+            <a:lnRef idx="2">
+              <a:schemeClr val="accent1">
+                <a:shade val="50000"/>
+              </a:schemeClr>
+            </a:lnRef>
+            <a:fillRef idx="1">
+              <a:schemeClr val="accent1"/>
+            </a:fillRef>
+            <a:effectRef idx="0">
+              <a:schemeClr val="accent1"/>
+            </a:effectRef>
+            <a:fontRef idx="minor">
+              <a:schemeClr val="lt1"/>
+            </a:fontRef>
+          </p:style>
+          <p:txBody>
+            <a:bodyPr rtlCol="0" anchor="ctr"/>
+            <a:p>
+              <a:pPr algn="ctr"/>
+              <a:endParaRPr lang="en-US"/>
+            </a:p>
+          </p:txBody>
+        </p:sp>
+        <p:pic>
+          <p:nvPicPr>
+            <p:cNvPr id="20" name="Picture 19" descr="Homepage Banner_Savour Summer_Optimized"/>
+            <p:cNvPicPr>
+              <a:picLocks noChangeAspect="true"/>
+            </p:cNvPicPr>
+            <p:nvPr/>
+          </p:nvPicPr>
+          <p:blipFill>
+            <a:blip r:embed="rId1"/>
+            <a:stretch>
+              <a:fillRect/>
+            </a:stretch>
+          </p:blipFill>
+          <p:spPr>
+            <a:xfrm>
+              <a:off x="1000" y="5323"/>
+              <a:ext cx="17396" cy="3553"/>
+            </a:xfrm>
+            <a:prstGeom prst="rect">
+              <a:avLst/>
+            </a:prstGeom>
+          </p:spPr>
+        </p:pic>
+        <p:pic>
+          <p:nvPicPr>
+            <p:cNvPr id="21" name="Picture 20" descr="001-home"/>
+            <p:cNvPicPr>
+              <a:picLocks noChangeAspect="true"/>
+            </p:cNvPicPr>
+            <p:nvPr/>
+          </p:nvPicPr>
+          <p:blipFill>
+            <a:blip r:embed="rId2">
+              <a:extLst>
+                <a:ext uri="{96DAC541-7B7A-43D3-8B79-37D633B846F1}">
+                  <asvg:svgBlip xmlns:asvg="http://schemas.microsoft.com/office/drawing/2016/SVG/main" r:embed="rId3"/>
+                </a:ext>
+              </a:extLst>
+            </a:blip>
+            <a:stretch>
+              <a:fillRect/>
+            </a:stretch>
+          </p:blipFill>
+          <p:spPr>
+            <a:xfrm>
+              <a:off x="1698" y="4808"/>
+              <a:ext cx="360" cy="360"/>
+            </a:xfrm>
+            <a:prstGeom prst="rect">
+              <a:avLst/>
+            </a:prstGeom>
+          </p:spPr>
+        </p:pic>
+        <p:sp>
+          <p:nvSpPr>
+            <p:cNvPr id="22" name="Text Box 21"/>
+            <p:cNvSpPr txBox="true"/>
+            <p:nvPr/>
+          </p:nvSpPr>
+          <p:spPr>
+            <a:xfrm>
+              <a:off x="13172" y="4743"/>
+              <a:ext cx="5075" cy="483"/>
+            </a:xfrm>
+            <a:prstGeom prst="rect">
+              <a:avLst/>
+            </a:prstGeom>
+            <a:noFill/>
+          </p:spPr>
+          <p:txBody>
+            <a:bodyPr wrap="square" rtlCol="0">
+              <a:spAutoFit/>
+            </a:bodyPr>
+            <a:p>
+              <a:r>
+                <a:rPr lang="en-US" altLang="en-US" sz="1400">
+                  <a:solidFill>
+                    <a:schemeClr val="bg1"/>
+                  </a:solidFill>
+                </a:rPr>
+                <a:t>About  Blog  Products  Contract</a:t>
+              </a:r>
+              <a:endParaRPr lang="en-US" altLang="en-US" sz="1400">
+                <a:solidFill>
+                  <a:schemeClr val="bg1"/>
+                </a:solidFill>
+              </a:endParaRPr>
+            </a:p>
+          </p:txBody>
+        </p:sp>
+      </p:grpSp>
     </p:spTree>
   </p:cSld>
   <p:clrMapOvr>
@@ -11231,7 +11425,7 @@
         </p:nvSpPr>
         <p:spPr>
           <a:xfrm>
-            <a:off x="1014730" y="1770380"/>
+            <a:off x="1078230" y="1610360"/>
             <a:ext cx="9464675" cy="521970"/>
           </a:xfrm>
           <a:prstGeom prst="rect">
@@ -11246,15 +11440,7 @@
           <a:p>
             <a:r>
               <a:rPr lang="en-US" altLang="en-US" sz="2800"/>
-              <a:t>8. </a:t>
-            </a:r>
-            <a:r>
-              <a:rPr lang="" altLang="en-US" sz="2800"/>
-              <a:t>less</a:t>
-            </a:r>
-            <a:r>
-              <a:rPr lang="en-US" altLang="en-US" sz="2800"/>
-              <a:t>代码</a:t>
+              <a:t>10. main代码: main</a:t>
             </a:r>
             <a:endParaRPr lang="en-US" altLang="en-US" sz="2800"/>
           </a:p>
@@ -11290,6 +11476,364 @@
           </a:p>
         </p:txBody>
       </p:sp>
+      <p:grpSp>
+        <p:nvGrpSpPr>
+          <p:cNvPr id="24" name="Group 23"/>
+          <p:cNvGrpSpPr/>
+          <p:nvPr/>
+        </p:nvGrpSpPr>
+        <p:grpSpPr>
+          <a:xfrm>
+            <a:off x="581660" y="2300605"/>
+            <a:ext cx="11046460" cy="3837940"/>
+            <a:chOff x="1000" y="3483"/>
+            <a:chExt cx="17396" cy="6044"/>
+          </a:xfrm>
+        </p:grpSpPr>
+        <p:grpSp>
+          <p:nvGrpSpPr>
+            <p:cNvPr id="13" name="Group 12"/>
+            <p:cNvGrpSpPr/>
+            <p:nvPr/>
+          </p:nvGrpSpPr>
+          <p:grpSpPr>
+            <a:xfrm rot="0">
+              <a:off x="1012" y="8879"/>
+              <a:ext cx="17366" cy="648"/>
+              <a:chOff x="1320" y="4371"/>
+              <a:chExt cx="17366" cy="648"/>
+            </a:xfrm>
+          </p:grpSpPr>
+          <p:sp>
+            <p:nvSpPr>
+              <p:cNvPr id="12" name="Rectangle 11"/>
+              <p:cNvSpPr/>
+              <p:nvPr/>
+            </p:nvSpPr>
+            <p:spPr>
+              <a:xfrm>
+                <a:off x="1320" y="4371"/>
+                <a:ext cx="17367" cy="648"/>
+              </a:xfrm>
+              <a:prstGeom prst="rect">
+                <a:avLst/>
+              </a:prstGeom>
+              <a:solidFill>
+                <a:schemeClr val="tx1">
+                  <a:lumMod val="95000"/>
+                  <a:lumOff val="5000"/>
+                </a:schemeClr>
+              </a:solidFill>
+              <a:ln>
+                <a:solidFill>
+                  <a:schemeClr val="tx1">
+                    <a:lumMod val="95000"/>
+                    <a:lumOff val="5000"/>
+                  </a:schemeClr>
+                </a:solidFill>
+              </a:ln>
+            </p:spPr>
+            <p:style>
+              <a:lnRef idx="2">
+                <a:schemeClr val="accent1">
+                  <a:shade val="50000"/>
+                </a:schemeClr>
+              </a:lnRef>
+              <a:fillRef idx="1">
+                <a:schemeClr val="accent1"/>
+              </a:fillRef>
+              <a:effectRef idx="0">
+                <a:schemeClr val="accent1"/>
+              </a:effectRef>
+              <a:fontRef idx="minor">
+                <a:schemeClr val="lt1"/>
+              </a:fontRef>
+            </p:style>
+            <p:txBody>
+              <a:bodyPr rtlCol="0" anchor="ctr"/>
+              <a:p>
+                <a:pPr algn="ctr"/>
+                <a:endParaRPr lang="en-US"/>
+              </a:p>
+            </p:txBody>
+          </p:sp>
+          <p:sp>
+            <p:nvSpPr>
+              <p:cNvPr id="16" name="Text Box 15"/>
+              <p:cNvSpPr txBox="true"/>
+              <p:nvPr/>
+            </p:nvSpPr>
+            <p:spPr>
+              <a:xfrm>
+                <a:off x="14714" y="4480"/>
+                <a:ext cx="3525" cy="483"/>
+              </a:xfrm>
+              <a:prstGeom prst="rect">
+                <a:avLst/>
+              </a:prstGeom>
+              <a:noFill/>
+            </p:spPr>
+            <p:txBody>
+              <a:bodyPr wrap="square" rtlCol="0">
+                <a:spAutoFit/>
+              </a:bodyPr>
+              <a:p>
+                <a:r>
+                  <a:rPr lang="en-US" altLang="en-US" sz="1400">
+                    <a:solidFill>
+                      <a:schemeClr val="bg1"/>
+                    </a:solidFill>
+                  </a:rPr>
+                  <a:t>@copyright Yangyixin  </a:t>
+                </a:r>
+                <a:endParaRPr lang="en-US" altLang="en-US" sz="1400">
+                  <a:solidFill>
+                    <a:schemeClr val="bg1"/>
+                  </a:solidFill>
+                </a:endParaRPr>
+              </a:p>
+            </p:txBody>
+          </p:sp>
+        </p:grpSp>
+        <p:grpSp>
+          <p:nvGrpSpPr>
+            <p:cNvPr id="2" name="Group 1"/>
+            <p:cNvGrpSpPr/>
+            <p:nvPr/>
+          </p:nvGrpSpPr>
+          <p:grpSpPr>
+            <a:xfrm>
+              <a:off x="1000" y="3483"/>
+              <a:ext cx="17396" cy="4200"/>
+              <a:chOff x="1000" y="4675"/>
+              <a:chExt cx="17396" cy="4200"/>
+            </a:xfrm>
+          </p:grpSpPr>
+          <p:sp>
+            <p:nvSpPr>
+              <p:cNvPr id="18" name="Rectangle 17"/>
+              <p:cNvSpPr/>
+              <p:nvPr/>
+            </p:nvSpPr>
+            <p:spPr>
+              <a:xfrm>
+                <a:off x="1000" y="4675"/>
+                <a:ext cx="17367" cy="648"/>
+              </a:xfrm>
+              <a:prstGeom prst="rect">
+                <a:avLst/>
+              </a:prstGeom>
+              <a:solidFill>
+                <a:schemeClr val="tx1">
+                  <a:lumMod val="95000"/>
+                  <a:lumOff val="5000"/>
+                </a:schemeClr>
+              </a:solidFill>
+              <a:ln>
+                <a:solidFill>
+                  <a:schemeClr val="tx1">
+                    <a:lumMod val="95000"/>
+                    <a:lumOff val="5000"/>
+                  </a:schemeClr>
+                </a:solidFill>
+              </a:ln>
+            </p:spPr>
+            <p:style>
+              <a:lnRef idx="2">
+                <a:schemeClr val="accent1">
+                  <a:shade val="50000"/>
+                </a:schemeClr>
+              </a:lnRef>
+              <a:fillRef idx="1">
+                <a:schemeClr val="accent1"/>
+              </a:fillRef>
+              <a:effectRef idx="0">
+                <a:schemeClr val="accent1"/>
+              </a:effectRef>
+              <a:fontRef idx="minor">
+                <a:schemeClr val="lt1"/>
+              </a:fontRef>
+            </p:style>
+            <p:txBody>
+              <a:bodyPr rtlCol="0" anchor="ctr"/>
+              <a:p>
+                <a:pPr algn="ctr"/>
+                <a:endParaRPr lang="en-US"/>
+              </a:p>
+            </p:txBody>
+          </p:sp>
+          <p:pic>
+            <p:nvPicPr>
+              <p:cNvPr id="20" name="Picture 19" descr="Homepage Banner_Savour Summer_Optimized"/>
+              <p:cNvPicPr>
+                <a:picLocks noChangeAspect="true"/>
+              </p:cNvPicPr>
+              <p:nvPr/>
+            </p:nvPicPr>
+            <p:blipFill>
+              <a:blip r:embed="rId1"/>
+              <a:stretch>
+                <a:fillRect/>
+              </a:stretch>
+            </p:blipFill>
+            <p:spPr>
+              <a:xfrm>
+                <a:off x="1000" y="5323"/>
+                <a:ext cx="17396" cy="3553"/>
+              </a:xfrm>
+              <a:prstGeom prst="rect">
+                <a:avLst/>
+              </a:prstGeom>
+            </p:spPr>
+          </p:pic>
+          <p:pic>
+            <p:nvPicPr>
+              <p:cNvPr id="21" name="Picture 20" descr="001-home"/>
+              <p:cNvPicPr>
+                <a:picLocks noChangeAspect="true"/>
+              </p:cNvPicPr>
+              <p:nvPr/>
+            </p:nvPicPr>
+            <p:blipFill>
+              <a:blip r:embed="rId2">
+                <a:extLst>
+                  <a:ext uri="{96DAC541-7B7A-43D3-8B79-37D633B846F1}">
+                    <asvg:svgBlip xmlns:asvg="http://schemas.microsoft.com/office/drawing/2016/SVG/main" r:embed="rId3"/>
+                  </a:ext>
+                </a:extLst>
+              </a:blip>
+              <a:stretch>
+                <a:fillRect/>
+              </a:stretch>
+            </p:blipFill>
+            <p:spPr>
+              <a:xfrm>
+                <a:off x="1698" y="4808"/>
+                <a:ext cx="360" cy="360"/>
+              </a:xfrm>
+              <a:prstGeom prst="rect">
+                <a:avLst/>
+              </a:prstGeom>
+            </p:spPr>
+          </p:pic>
+          <p:sp>
+            <p:nvSpPr>
+              <p:cNvPr id="22" name="Text Box 21"/>
+              <p:cNvSpPr txBox="true"/>
+              <p:nvPr/>
+            </p:nvSpPr>
+            <p:spPr>
+              <a:xfrm>
+                <a:off x="13172" y="4743"/>
+                <a:ext cx="5075" cy="483"/>
+              </a:xfrm>
+              <a:prstGeom prst="rect">
+                <a:avLst/>
+              </a:prstGeom>
+              <a:noFill/>
+            </p:spPr>
+            <p:txBody>
+              <a:bodyPr wrap="square" rtlCol="0">
+                <a:spAutoFit/>
+              </a:bodyPr>
+              <a:p>
+                <a:r>
+                  <a:rPr lang="en-US" altLang="en-US" sz="1400">
+                    <a:solidFill>
+                      <a:schemeClr val="bg1"/>
+                    </a:solidFill>
+                  </a:rPr>
+                  <a:t>About  Blog  Products  Contract</a:t>
+                </a:r>
+                <a:endParaRPr lang="en-US" altLang="en-US" sz="1400">
+                  <a:solidFill>
+                    <a:schemeClr val="bg1"/>
+                  </a:solidFill>
+                </a:endParaRPr>
+              </a:p>
+            </p:txBody>
+          </p:sp>
+        </p:grpSp>
+        <p:sp>
+          <p:nvSpPr>
+            <p:cNvPr id="11" name="Rectangle 10"/>
+            <p:cNvSpPr/>
+            <p:nvPr/>
+          </p:nvSpPr>
+          <p:spPr>
+            <a:xfrm>
+              <a:off x="1000" y="7695"/>
+              <a:ext cx="17367" cy="1184"/>
+            </a:xfrm>
+            <a:prstGeom prst="rect">
+              <a:avLst/>
+            </a:prstGeom>
+            <a:solidFill>
+              <a:schemeClr val="bg1"/>
+            </a:solidFill>
+            <a:ln>
+              <a:solidFill>
+                <a:schemeClr val="tx1">
+                  <a:lumMod val="95000"/>
+                  <a:lumOff val="5000"/>
+                </a:schemeClr>
+              </a:solidFill>
+            </a:ln>
+          </p:spPr>
+          <p:style>
+            <a:lnRef idx="2">
+              <a:schemeClr val="accent1">
+                <a:shade val="50000"/>
+              </a:schemeClr>
+            </a:lnRef>
+            <a:fillRef idx="1">
+              <a:schemeClr val="accent1"/>
+            </a:fillRef>
+            <a:effectRef idx="0">
+              <a:schemeClr val="accent1"/>
+            </a:effectRef>
+            <a:fontRef idx="minor">
+              <a:schemeClr val="lt1"/>
+            </a:fontRef>
+          </p:style>
+          <p:txBody>
+            <a:bodyPr rtlCol="0" anchor="ctr"/>
+            <a:p>
+              <a:pPr algn="ctr"/>
+              <a:endParaRPr lang="en-US"/>
+            </a:p>
+          </p:txBody>
+        </p:sp>
+        <p:sp>
+          <p:nvSpPr>
+            <p:cNvPr id="15" name="Text Box 14"/>
+            <p:cNvSpPr txBox="true"/>
+            <p:nvPr/>
+          </p:nvSpPr>
+          <p:spPr>
+            <a:xfrm>
+              <a:off x="1133" y="7997"/>
+              <a:ext cx="1490" cy="580"/>
+            </a:xfrm>
+            <a:prstGeom prst="rect">
+              <a:avLst/>
+            </a:prstGeom>
+            <a:noFill/>
+          </p:spPr>
+          <p:txBody>
+            <a:bodyPr wrap="none" rtlCol="0">
+              <a:spAutoFit/>
+            </a:bodyPr>
+            <a:p>
+              <a:r>
+                <a:rPr lang="en-US" altLang="en-US"/>
+                <a:t>Manin </a:t>
+              </a:r>
+              <a:endParaRPr lang="en-US" altLang="en-US"/>
+            </a:p>
+          </p:txBody>
+        </p:sp>
+      </p:grpSp>
     </p:spTree>
   </p:cSld>
   <p:clrMapOvr>
@@ -11301,7 +11845,7 @@
 </p:sld>
 </file>
 
-<file path=ppt/slides/slide3.xml><?xml version="1.0" encoding="utf-8"?>
+<file path=ppt/slides/slide23.xml><?xml version="1.0" encoding="utf-8"?>
 <p:sld xmlns:a="http://schemas.openxmlformats.org/drawingml/2006/main" xmlns:r="http://schemas.openxmlformats.org/officeDocument/2006/relationships" xmlns:p="http://schemas.openxmlformats.org/presentationml/2006/main">
   <p:cSld>
     <p:spTree>
@@ -11311,36 +11855,6 @@
         <p:nvPr/>
       </p:nvGrpSpPr>
       <p:grpSpPr/>
-      <p:sp>
-        <p:nvSpPr>
-          <p:cNvPr id="2" name="Title 1"/>
-          <p:cNvSpPr>
-            <a:spLocks noGrp="true"/>
-          </p:cNvSpPr>
-          <p:nvPr>
-            <p:ph type="ctrTitle"/>
-          </p:nvPr>
-        </p:nvSpPr>
-        <p:spPr>
-          <a:xfrm>
-            <a:off x="-34925" y="340995"/>
-            <a:ext cx="9118600" cy="1252855"/>
-          </a:xfrm>
-        </p:spPr>
-        <p:txBody>
-          <a:bodyPr>
-            <a:normAutofit fontScale="90000"/>
-          </a:bodyPr>
-          <a:p>
-            <a:pPr algn="l"/>
-            <a:r>
-              <a:rPr lang="en-US" altLang="en-US"/>
-              <a:t>  项目分解说明</a:t>
-            </a:r>
-            <a:endParaRPr lang="en-US" altLang="en-US"/>
-          </a:p>
-        </p:txBody>
-      </p:sp>
       <p:sp>
         <p:nvSpPr>
           <p:cNvPr id="3" name="Subtitle 2"/>
@@ -11696,14 +12210,14 @@
       </p:sp>
       <p:sp>
         <p:nvSpPr>
-          <p:cNvPr id="15" name="Text Box 14"/>
+          <p:cNvPr id="17" name="Text Box 16"/>
           <p:cNvSpPr txBox="true"/>
           <p:nvPr/>
         </p:nvSpPr>
         <p:spPr>
           <a:xfrm>
-            <a:off x="838200" y="1901190"/>
-            <a:ext cx="9464675" cy="521970"/>
+            <a:off x="584835" y="1610360"/>
+            <a:ext cx="11024870" cy="521970"/>
           </a:xfrm>
           <a:prstGeom prst="rect">
             <a:avLst/>
@@ -11717,105 +12231,1103 @@
           <a:p>
             <a:r>
               <a:rPr lang="en-US" altLang="en-US" sz="2800"/>
-              <a:t>2. 创建项目服务器</a:t>
+              <a:t>10. main代码: main: 给父元素添加样式： flex-wrape: wrape;</a:t>
             </a:r>
-            <a:endParaRPr lang="en-US" altLang="en-US" sz="2000"/>
-          </a:p>
-        </p:txBody>
-      </p:sp>
-      <p:sp>
-        <p:nvSpPr>
-          <p:cNvPr id="16" name="Text Box 15"/>
-          <p:cNvSpPr txBox="true"/>
+            <a:endParaRPr lang="en-US" altLang="en-US" sz="2800"/>
+          </a:p>
+        </p:txBody>
+      </p:sp>
+      <p:sp>
+        <p:nvSpPr>
+          <p:cNvPr id="19" name="Title 18"/>
+          <p:cNvSpPr>
+            <a:spLocks noGrp="true"/>
+          </p:cNvSpPr>
+          <p:nvPr>
+            <p:ph type="ctrTitle"/>
+          </p:nvPr>
+        </p:nvSpPr>
+        <p:spPr>
+          <a:xfrm>
+            <a:off x="-20320" y="357505"/>
+            <a:ext cx="9118600" cy="1252855"/>
+          </a:xfrm>
+        </p:spPr>
+        <p:txBody>
+          <a:bodyPr>
+            <a:normAutofit fontScale="90000"/>
+          </a:bodyPr>
+          <a:p>
+            <a:pPr algn="l"/>
+            <a:r>
+              <a:rPr lang="en-US" altLang="en-US"/>
+              <a:t>  Index.html首页布局</a:t>
+            </a:r>
+            <a:endParaRPr lang="en-US" altLang="en-US"/>
+          </a:p>
+        </p:txBody>
+      </p:sp>
+      <p:grpSp>
+        <p:nvGrpSpPr>
+          <p:cNvPr id="59" name="Group 58"/>
+          <p:cNvGrpSpPr/>
           <p:nvPr/>
-        </p:nvSpPr>
-        <p:spPr>
-          <a:xfrm>
-            <a:off x="1032510" y="2836545"/>
-            <a:ext cx="7454265" cy="2676525"/>
-          </a:xfrm>
-          <a:prstGeom prst="rect">
-            <a:avLst/>
-          </a:prstGeom>
-          <a:noFill/>
-        </p:spPr>
-        <p:txBody>
-          <a:bodyPr wrap="square" rtlCol="0">
-            <a:spAutoFit/>
-          </a:bodyPr>
-          <a:p>
-            <a:r>
-              <a:rPr lang="en-US" altLang="en-US" sz="2400"/>
-              <a:t>1) </a:t>
-            </a:r>
-            <a:r>
-              <a:rPr lang="" altLang="en-US" sz="2400"/>
-              <a:t>安装项目包： Express</a:t>
-            </a:r>
-            <a:endParaRPr lang="en-US" altLang="en-US" sz="2400"/>
-          </a:p>
-          <a:p>
-            <a:r>
-              <a:rPr lang="" altLang="en-US" sz="2400"/>
-              <a:t>2) 引用项目文件</a:t>
-            </a:r>
-            <a:endParaRPr lang="" altLang="en-US" sz="2400"/>
-          </a:p>
-          <a:p>
-            <a:r>
-              <a:rPr lang="" altLang="en-US" sz="2400"/>
-              <a:t>3) 创建服务器</a:t>
-            </a:r>
-            <a:endParaRPr lang="" altLang="en-US" sz="2400"/>
-          </a:p>
-          <a:p>
-            <a:r>
-              <a:rPr lang="" altLang="en-US" sz="2400"/>
-              <a:t>4) 监听端口</a:t>
-            </a:r>
-            <a:endParaRPr lang="" altLang="en-US" sz="2400"/>
-          </a:p>
-          <a:p>
-            <a:r>
-              <a:rPr lang="" altLang="en-US" sz="2400"/>
-              <a:t>5) 启动服务器,启动浏览器</a:t>
-            </a:r>
-            <a:endParaRPr lang="en-US" altLang="en-US" sz="2400"/>
-          </a:p>
-          <a:p>
-            <a:r>
-              <a:rPr lang="" altLang="en-US" sz="2400"/>
-              <a:t>6) </a:t>
-            </a:r>
-            <a:r>
-              <a:rPr lang="en-US" altLang="en-US" sz="2400"/>
-              <a:t>开放静态资源文件目录</a:t>
-            </a:r>
-            <a:endParaRPr lang="en-US" altLang="en-US" sz="2400"/>
-          </a:p>
-          <a:p>
-            <a:r>
-              <a:rPr lang="" altLang="en-US" sz="2400"/>
-              <a:t>7)</a:t>
-            </a:r>
-            <a:r>
-              <a:rPr lang="en-US" altLang="en-US" sz="2400"/>
-              <a:t> </a:t>
-            </a:r>
-            <a:r>
-              <a:rPr lang="en-US" altLang="en-US" sz="2400">
-                <a:sym typeface="+mn-ea"/>
-              </a:rPr>
-              <a:t>设置渲染文件目录</a:t>
-            </a:r>
-            <a:r>
-              <a:rPr lang="en-US" altLang="en-US" sz="2400"/>
-              <a:t> </a:t>
-            </a:r>
-            <a:endParaRPr lang="" altLang="en-US" sz="2400"/>
-          </a:p>
-        </p:txBody>
-      </p:sp>
+        </p:nvGrpSpPr>
+        <p:grpSpPr>
+          <a:xfrm>
+            <a:off x="583565" y="2201545"/>
+            <a:ext cx="11028045" cy="4080510"/>
+            <a:chOff x="919" y="3467"/>
+            <a:chExt cx="17367" cy="6426"/>
+          </a:xfrm>
+        </p:grpSpPr>
+        <p:sp>
+          <p:nvSpPr>
+            <p:cNvPr id="11" name="Rectangle 10"/>
+            <p:cNvSpPr/>
+            <p:nvPr/>
+          </p:nvSpPr>
+          <p:spPr>
+            <a:xfrm>
+              <a:off x="919" y="3467"/>
+              <a:ext cx="17367" cy="6426"/>
+            </a:xfrm>
+            <a:prstGeom prst="rect">
+              <a:avLst/>
+            </a:prstGeom>
+            <a:solidFill>
+              <a:schemeClr val="bg1"/>
+            </a:solidFill>
+            <a:ln>
+              <a:solidFill>
+                <a:schemeClr val="tx1">
+                  <a:lumMod val="95000"/>
+                  <a:lumOff val="5000"/>
+                </a:schemeClr>
+              </a:solidFill>
+            </a:ln>
+          </p:spPr>
+          <p:style>
+            <a:lnRef idx="2">
+              <a:schemeClr val="accent1">
+                <a:shade val="50000"/>
+              </a:schemeClr>
+            </a:lnRef>
+            <a:fillRef idx="1">
+              <a:schemeClr val="accent1"/>
+            </a:fillRef>
+            <a:effectRef idx="0">
+              <a:schemeClr val="accent1"/>
+            </a:effectRef>
+            <a:fontRef idx="minor">
+              <a:schemeClr val="lt1"/>
+            </a:fontRef>
+          </p:style>
+          <p:txBody>
+            <a:bodyPr rtlCol="0" anchor="ctr"/>
+            <a:p>
+              <a:pPr algn="ctr"/>
+              <a:endParaRPr lang="en-US"/>
+            </a:p>
+          </p:txBody>
+        </p:sp>
+        <p:grpSp>
+          <p:nvGrpSpPr>
+            <p:cNvPr id="33" name="Group 32"/>
+            <p:cNvGrpSpPr/>
+            <p:nvPr/>
+          </p:nvGrpSpPr>
+          <p:grpSpPr>
+            <a:xfrm>
+              <a:off x="919" y="3467"/>
+              <a:ext cx="5260" cy="3012"/>
+              <a:chOff x="7204" y="1786"/>
+              <a:chExt cx="5260" cy="3012"/>
+            </a:xfrm>
+          </p:grpSpPr>
+          <p:sp>
+            <p:nvSpPr>
+              <p:cNvPr id="23" name="Rectangle 22"/>
+              <p:cNvSpPr/>
+              <p:nvPr/>
+            </p:nvSpPr>
+            <p:spPr>
+              <a:xfrm>
+                <a:off x="7204" y="1786"/>
+                <a:ext cx="5259" cy="3013"/>
+              </a:xfrm>
+              <a:prstGeom prst="rect">
+                <a:avLst/>
+              </a:prstGeom>
+              <a:solidFill>
+                <a:schemeClr val="bg1"/>
+              </a:solidFill>
+            </p:spPr>
+            <p:style>
+              <a:lnRef idx="2">
+                <a:schemeClr val="accent1">
+                  <a:shade val="50000"/>
+                </a:schemeClr>
+              </a:lnRef>
+              <a:fillRef idx="1">
+                <a:schemeClr val="accent1"/>
+              </a:fillRef>
+              <a:effectRef idx="0">
+                <a:schemeClr val="accent1"/>
+              </a:effectRef>
+              <a:fontRef idx="minor">
+                <a:schemeClr val="lt1"/>
+              </a:fontRef>
+            </p:style>
+            <p:txBody>
+              <a:bodyPr rtlCol="0" anchor="ctr"/>
+              <a:p>
+                <a:pPr algn="ctr"/>
+                <a:endParaRPr lang="en-US"/>
+              </a:p>
+            </p:txBody>
+          </p:sp>
+          <p:grpSp>
+            <p:nvGrpSpPr>
+              <p:cNvPr id="32" name="Group 31"/>
+              <p:cNvGrpSpPr/>
+              <p:nvPr/>
+            </p:nvGrpSpPr>
+            <p:grpSpPr>
+              <a:xfrm>
+                <a:off x="7204" y="1786"/>
+                <a:ext cx="5260" cy="3013"/>
+                <a:chOff x="917" y="3467"/>
+                <a:chExt cx="5260" cy="3013"/>
+              </a:xfrm>
+            </p:grpSpPr>
+            <p:pic>
+              <p:nvPicPr>
+                <p:cNvPr id="30" name="Picture 29" descr="photo4"/>
+                <p:cNvPicPr>
+                  <a:picLocks noChangeAspect="true"/>
+                </p:cNvPicPr>
+                <p:nvPr/>
+              </p:nvPicPr>
+              <p:blipFill>
+                <a:blip r:embed="rId1"/>
+                <a:stretch>
+                  <a:fillRect/>
+                </a:stretch>
+              </p:blipFill>
+              <p:spPr>
+                <a:xfrm>
+                  <a:off x="917" y="3467"/>
+                  <a:ext cx="5260" cy="1365"/>
+                </a:xfrm>
+                <a:prstGeom prst="rect">
+                  <a:avLst/>
+                </a:prstGeom>
+              </p:spPr>
+            </p:pic>
+            <p:sp>
+              <p:nvSpPr>
+                <p:cNvPr id="31" name="Text Box 30"/>
+                <p:cNvSpPr txBox="true"/>
+                <p:nvPr/>
+              </p:nvSpPr>
+              <p:spPr>
+                <a:xfrm>
+                  <a:off x="919" y="4882"/>
+                  <a:ext cx="5258" cy="1598"/>
+                </a:xfrm>
+                <a:prstGeom prst="rect">
+                  <a:avLst/>
+                </a:prstGeom>
+                <a:noFill/>
+              </p:spPr>
+              <p:txBody>
+                <a:bodyPr wrap="square" rtlCol="0">
+                  <a:spAutoFit/>
+                </a:bodyPr>
+                <a:p>
+                  <a:r>
+                    <a:rPr lang="en-US" altLang="en-US" sz="1200"/>
+                    <a:t>  HTML</a:t>
+                  </a:r>
+                  <a:endParaRPr lang="en-US" altLang="en-US" sz="1200"/>
+                </a:p>
+                <a:p>
+                  <a:r>
+                    <a:rPr lang="en-US" altLang="en-US" sz="1200"/>
+                    <a:t>  Song of silence,The sound of silence</a:t>
+                  </a:r>
+                  <a:endParaRPr lang="en-US" altLang="en-US" sz="1200"/>
+                </a:p>
+                <a:p>
+                  <a:r>
+                    <a:rPr lang="en-US" altLang="en-US" sz="1200"/>
+                    <a:t>  Hello darkness my old friend.</a:t>
+                  </a:r>
+                  <a:endParaRPr lang="en-US" altLang="en-US" sz="1200">
+                    <a:sym typeface="+mn-ea"/>
+                  </a:endParaRPr>
+                </a:p>
+                <a:p>
+                  <a:endParaRPr lang="en-US" altLang="en-US" sz="1200">
+                    <a:sym typeface="+mn-ea"/>
+                  </a:endParaRPr>
+                </a:p>
+                <a:p>
+                  <a:r>
+                    <a:rPr lang="en-US" altLang="en-US" sz="1200">
+                      <a:sym typeface="+mn-ea"/>
+                    </a:rPr>
+                    <a:t>                Reference: </a:t>
+                  </a:r>
+                  <a:r>
+                    <a:rPr lang="en-US" altLang="en-US" sz="1200" u="sng">
+                      <a:solidFill>
+                        <a:schemeClr val="accent1">
+                          <a:lumMod val="75000"/>
+                        </a:schemeClr>
+                      </a:solidFill>
+                      <a:sym typeface="+mn-ea"/>
+                    </a:rPr>
+                    <a:t>Simon &amp; Garfunkel</a:t>
+                  </a:r>
+                  <a:endParaRPr lang="en-US" altLang="en-US" sz="1200"/>
+                </a:p>
+              </p:txBody>
+            </p:sp>
+          </p:grpSp>
+        </p:grpSp>
+        <p:grpSp>
+          <p:nvGrpSpPr>
+            <p:cNvPr id="34" name="Group 33"/>
+            <p:cNvGrpSpPr/>
+            <p:nvPr/>
+          </p:nvGrpSpPr>
+          <p:grpSpPr>
+            <a:xfrm>
+              <a:off x="6975" y="6880"/>
+              <a:ext cx="5260" cy="3012"/>
+              <a:chOff x="7204" y="1786"/>
+              <a:chExt cx="5260" cy="3012"/>
+            </a:xfrm>
+          </p:grpSpPr>
+          <p:sp>
+            <p:nvSpPr>
+              <p:cNvPr id="35" name="Rectangle 34"/>
+              <p:cNvSpPr/>
+              <p:nvPr/>
+            </p:nvSpPr>
+            <p:spPr>
+              <a:xfrm>
+                <a:off x="7204" y="1786"/>
+                <a:ext cx="5259" cy="3013"/>
+              </a:xfrm>
+              <a:prstGeom prst="rect">
+                <a:avLst/>
+              </a:prstGeom>
+              <a:solidFill>
+                <a:schemeClr val="bg1"/>
+              </a:solidFill>
+            </p:spPr>
+            <p:style>
+              <a:lnRef idx="2">
+                <a:schemeClr val="accent1">
+                  <a:shade val="50000"/>
+                </a:schemeClr>
+              </a:lnRef>
+              <a:fillRef idx="1">
+                <a:schemeClr val="accent1"/>
+              </a:fillRef>
+              <a:effectRef idx="0">
+                <a:schemeClr val="accent1"/>
+              </a:effectRef>
+              <a:fontRef idx="minor">
+                <a:schemeClr val="lt1"/>
+              </a:fontRef>
+            </p:style>
+            <p:txBody>
+              <a:bodyPr rtlCol="0" anchor="ctr"/>
+              <a:p>
+                <a:pPr algn="ctr"/>
+                <a:endParaRPr lang="en-US"/>
+              </a:p>
+            </p:txBody>
+          </p:sp>
+          <p:grpSp>
+            <p:nvGrpSpPr>
+              <p:cNvPr id="36" name="Group 35"/>
+              <p:cNvGrpSpPr/>
+              <p:nvPr/>
+            </p:nvGrpSpPr>
+            <p:grpSpPr>
+              <a:xfrm>
+                <a:off x="7204" y="1786"/>
+                <a:ext cx="5260" cy="3013"/>
+                <a:chOff x="917" y="3467"/>
+                <a:chExt cx="5260" cy="3013"/>
+              </a:xfrm>
+            </p:grpSpPr>
+            <p:pic>
+              <p:nvPicPr>
+                <p:cNvPr id="37" name="Picture 36" descr="photo4"/>
+                <p:cNvPicPr>
+                  <a:picLocks noChangeAspect="true"/>
+                </p:cNvPicPr>
+                <p:nvPr/>
+              </p:nvPicPr>
+              <p:blipFill>
+                <a:blip r:embed="rId1"/>
+                <a:stretch>
+                  <a:fillRect/>
+                </a:stretch>
+              </p:blipFill>
+              <p:spPr>
+                <a:xfrm>
+                  <a:off x="917" y="3467"/>
+                  <a:ext cx="5260" cy="1365"/>
+                </a:xfrm>
+                <a:prstGeom prst="rect">
+                  <a:avLst/>
+                </a:prstGeom>
+              </p:spPr>
+            </p:pic>
+            <p:sp>
+              <p:nvSpPr>
+                <p:cNvPr id="38" name="Text Box 37"/>
+                <p:cNvSpPr txBox="true"/>
+                <p:nvPr/>
+              </p:nvSpPr>
+              <p:spPr>
+                <a:xfrm>
+                  <a:off x="919" y="4882"/>
+                  <a:ext cx="5258" cy="1598"/>
+                </a:xfrm>
+                <a:prstGeom prst="rect">
+                  <a:avLst/>
+                </a:prstGeom>
+                <a:noFill/>
+              </p:spPr>
+              <p:txBody>
+                <a:bodyPr wrap="square" rtlCol="0">
+                  <a:spAutoFit/>
+                </a:bodyPr>
+                <a:p>
+                  <a:r>
+                    <a:rPr lang="en-US" altLang="en-US" sz="1200"/>
+                    <a:t>  HTML</a:t>
+                  </a:r>
+                  <a:endParaRPr lang="en-US" altLang="en-US" sz="1200"/>
+                </a:p>
+                <a:p>
+                  <a:r>
+                    <a:rPr lang="en-US" altLang="en-US" sz="1200"/>
+                    <a:t>  Song of silence,The sound of silence</a:t>
+                  </a:r>
+                  <a:endParaRPr lang="en-US" altLang="en-US" sz="1200"/>
+                </a:p>
+                <a:p>
+                  <a:r>
+                    <a:rPr lang="en-US" altLang="en-US" sz="1200"/>
+                    <a:t>  Hello darkness my old friend.</a:t>
+                  </a:r>
+                  <a:endParaRPr lang="en-US" altLang="en-US" sz="1200">
+                    <a:sym typeface="+mn-ea"/>
+                  </a:endParaRPr>
+                </a:p>
+                <a:p>
+                  <a:endParaRPr lang="en-US" altLang="en-US" sz="1200">
+                    <a:sym typeface="+mn-ea"/>
+                  </a:endParaRPr>
+                </a:p>
+                <a:p>
+                  <a:r>
+                    <a:rPr lang="en-US" altLang="en-US" sz="1200">
+                      <a:sym typeface="+mn-ea"/>
+                    </a:rPr>
+                    <a:t>                Reference: </a:t>
+                  </a:r>
+                  <a:r>
+                    <a:rPr lang="en-US" altLang="en-US" sz="1200" u="sng">
+                      <a:solidFill>
+                        <a:schemeClr val="accent1">
+                          <a:lumMod val="75000"/>
+                        </a:schemeClr>
+                      </a:solidFill>
+                      <a:sym typeface="+mn-ea"/>
+                    </a:rPr>
+                    <a:t>Simon &amp; Garfunkel</a:t>
+                  </a:r>
+                  <a:endParaRPr lang="en-US" altLang="en-US" sz="1200"/>
+                </a:p>
+              </p:txBody>
+            </p:sp>
+          </p:grpSp>
+        </p:grpSp>
+        <p:grpSp>
+          <p:nvGrpSpPr>
+            <p:cNvPr id="39" name="Group 38"/>
+            <p:cNvGrpSpPr/>
+            <p:nvPr/>
+          </p:nvGrpSpPr>
+          <p:grpSpPr>
+            <a:xfrm>
+              <a:off x="6973" y="3467"/>
+              <a:ext cx="5260" cy="3012"/>
+              <a:chOff x="7204" y="1786"/>
+              <a:chExt cx="5260" cy="3012"/>
+            </a:xfrm>
+          </p:grpSpPr>
+          <p:sp>
+            <p:nvSpPr>
+              <p:cNvPr id="40" name="Rectangle 39"/>
+              <p:cNvSpPr/>
+              <p:nvPr/>
+            </p:nvSpPr>
+            <p:spPr>
+              <a:xfrm>
+                <a:off x="7204" y="1786"/>
+                <a:ext cx="5259" cy="3013"/>
+              </a:xfrm>
+              <a:prstGeom prst="rect">
+                <a:avLst/>
+              </a:prstGeom>
+              <a:solidFill>
+                <a:schemeClr val="bg1"/>
+              </a:solidFill>
+            </p:spPr>
+            <p:style>
+              <a:lnRef idx="2">
+                <a:schemeClr val="accent1">
+                  <a:shade val="50000"/>
+                </a:schemeClr>
+              </a:lnRef>
+              <a:fillRef idx="1">
+                <a:schemeClr val="accent1"/>
+              </a:fillRef>
+              <a:effectRef idx="0">
+                <a:schemeClr val="accent1"/>
+              </a:effectRef>
+              <a:fontRef idx="minor">
+                <a:schemeClr val="lt1"/>
+              </a:fontRef>
+            </p:style>
+            <p:txBody>
+              <a:bodyPr rtlCol="0" anchor="ctr"/>
+              <a:p>
+                <a:pPr algn="ctr"/>
+                <a:endParaRPr lang="en-US"/>
+              </a:p>
+            </p:txBody>
+          </p:sp>
+          <p:grpSp>
+            <p:nvGrpSpPr>
+              <p:cNvPr id="41" name="Group 40"/>
+              <p:cNvGrpSpPr/>
+              <p:nvPr/>
+            </p:nvGrpSpPr>
+            <p:grpSpPr>
+              <a:xfrm>
+                <a:off x="7204" y="1786"/>
+                <a:ext cx="5260" cy="3013"/>
+                <a:chOff x="917" y="3467"/>
+                <a:chExt cx="5260" cy="3013"/>
+              </a:xfrm>
+            </p:grpSpPr>
+            <p:pic>
+              <p:nvPicPr>
+                <p:cNvPr id="42" name="Picture 41" descr="photo4"/>
+                <p:cNvPicPr>
+                  <a:picLocks noChangeAspect="true"/>
+                </p:cNvPicPr>
+                <p:nvPr/>
+              </p:nvPicPr>
+              <p:blipFill>
+                <a:blip r:embed="rId1"/>
+                <a:stretch>
+                  <a:fillRect/>
+                </a:stretch>
+              </p:blipFill>
+              <p:spPr>
+                <a:xfrm>
+                  <a:off x="917" y="3467"/>
+                  <a:ext cx="5260" cy="1365"/>
+                </a:xfrm>
+                <a:prstGeom prst="rect">
+                  <a:avLst/>
+                </a:prstGeom>
+              </p:spPr>
+            </p:pic>
+            <p:sp>
+              <p:nvSpPr>
+                <p:cNvPr id="43" name="Text Box 42"/>
+                <p:cNvSpPr txBox="true"/>
+                <p:nvPr/>
+              </p:nvSpPr>
+              <p:spPr>
+                <a:xfrm>
+                  <a:off x="919" y="4882"/>
+                  <a:ext cx="5258" cy="1598"/>
+                </a:xfrm>
+                <a:prstGeom prst="rect">
+                  <a:avLst/>
+                </a:prstGeom>
+                <a:noFill/>
+              </p:spPr>
+              <p:txBody>
+                <a:bodyPr wrap="square" rtlCol="0">
+                  <a:spAutoFit/>
+                </a:bodyPr>
+                <a:p>
+                  <a:r>
+                    <a:rPr lang="en-US" altLang="en-US" sz="1200"/>
+                    <a:t>  HTML</a:t>
+                  </a:r>
+                  <a:endParaRPr lang="en-US" altLang="en-US" sz="1200"/>
+                </a:p>
+                <a:p>
+                  <a:r>
+                    <a:rPr lang="en-US" altLang="en-US" sz="1200"/>
+                    <a:t>  Song of silence,The sound of silence</a:t>
+                  </a:r>
+                  <a:endParaRPr lang="en-US" altLang="en-US" sz="1200"/>
+                </a:p>
+                <a:p>
+                  <a:r>
+                    <a:rPr lang="en-US" altLang="en-US" sz="1200"/>
+                    <a:t>  Hello darkness my old friend.</a:t>
+                  </a:r>
+                  <a:endParaRPr lang="en-US" altLang="en-US" sz="1200">
+                    <a:sym typeface="+mn-ea"/>
+                  </a:endParaRPr>
+                </a:p>
+                <a:p>
+                  <a:endParaRPr lang="en-US" altLang="en-US" sz="1200">
+                    <a:sym typeface="+mn-ea"/>
+                  </a:endParaRPr>
+                </a:p>
+                <a:p>
+                  <a:r>
+                    <a:rPr lang="en-US" altLang="en-US" sz="1200">
+                      <a:sym typeface="+mn-ea"/>
+                    </a:rPr>
+                    <a:t>                Reference: </a:t>
+                  </a:r>
+                  <a:r>
+                    <a:rPr lang="en-US" altLang="en-US" sz="1200" u="sng">
+                      <a:solidFill>
+                        <a:schemeClr val="accent1">
+                          <a:lumMod val="75000"/>
+                        </a:schemeClr>
+                      </a:solidFill>
+                      <a:sym typeface="+mn-ea"/>
+                    </a:rPr>
+                    <a:t>Simon &amp; Garfunkel</a:t>
+                  </a:r>
+                  <a:endParaRPr lang="en-US" altLang="en-US" sz="1200"/>
+                </a:p>
+              </p:txBody>
+            </p:sp>
+          </p:grpSp>
+        </p:grpSp>
+        <p:grpSp>
+          <p:nvGrpSpPr>
+            <p:cNvPr id="44" name="Group 43"/>
+            <p:cNvGrpSpPr/>
+            <p:nvPr/>
+          </p:nvGrpSpPr>
+          <p:grpSpPr>
+            <a:xfrm>
+              <a:off x="919" y="6858"/>
+              <a:ext cx="5260" cy="3012"/>
+              <a:chOff x="7204" y="1786"/>
+              <a:chExt cx="5260" cy="3012"/>
+            </a:xfrm>
+          </p:grpSpPr>
+          <p:sp>
+            <p:nvSpPr>
+              <p:cNvPr id="45" name="Rectangle 44"/>
+              <p:cNvSpPr/>
+              <p:nvPr/>
+            </p:nvSpPr>
+            <p:spPr>
+              <a:xfrm>
+                <a:off x="7204" y="1786"/>
+                <a:ext cx="5259" cy="3013"/>
+              </a:xfrm>
+              <a:prstGeom prst="rect">
+                <a:avLst/>
+              </a:prstGeom>
+              <a:solidFill>
+                <a:schemeClr val="bg1"/>
+              </a:solidFill>
+            </p:spPr>
+            <p:style>
+              <a:lnRef idx="2">
+                <a:schemeClr val="accent1">
+                  <a:shade val="50000"/>
+                </a:schemeClr>
+              </a:lnRef>
+              <a:fillRef idx="1">
+                <a:schemeClr val="accent1"/>
+              </a:fillRef>
+              <a:effectRef idx="0">
+                <a:schemeClr val="accent1"/>
+              </a:effectRef>
+              <a:fontRef idx="minor">
+                <a:schemeClr val="lt1"/>
+              </a:fontRef>
+            </p:style>
+            <p:txBody>
+              <a:bodyPr rtlCol="0" anchor="ctr"/>
+              <a:p>
+                <a:pPr algn="ctr"/>
+                <a:endParaRPr lang="en-US"/>
+              </a:p>
+            </p:txBody>
+          </p:sp>
+          <p:grpSp>
+            <p:nvGrpSpPr>
+              <p:cNvPr id="46" name="Group 45"/>
+              <p:cNvGrpSpPr/>
+              <p:nvPr/>
+            </p:nvGrpSpPr>
+            <p:grpSpPr>
+              <a:xfrm>
+                <a:off x="7204" y="1786"/>
+                <a:ext cx="5260" cy="3013"/>
+                <a:chOff x="917" y="3467"/>
+                <a:chExt cx="5260" cy="3013"/>
+              </a:xfrm>
+            </p:grpSpPr>
+            <p:pic>
+              <p:nvPicPr>
+                <p:cNvPr id="47" name="Picture 46" descr="photo4"/>
+                <p:cNvPicPr>
+                  <a:picLocks noChangeAspect="true"/>
+                </p:cNvPicPr>
+                <p:nvPr/>
+              </p:nvPicPr>
+              <p:blipFill>
+                <a:blip r:embed="rId1"/>
+                <a:stretch>
+                  <a:fillRect/>
+                </a:stretch>
+              </p:blipFill>
+              <p:spPr>
+                <a:xfrm>
+                  <a:off x="917" y="3467"/>
+                  <a:ext cx="5260" cy="1365"/>
+                </a:xfrm>
+                <a:prstGeom prst="rect">
+                  <a:avLst/>
+                </a:prstGeom>
+              </p:spPr>
+            </p:pic>
+            <p:sp>
+              <p:nvSpPr>
+                <p:cNvPr id="48" name="Text Box 47"/>
+                <p:cNvSpPr txBox="true"/>
+                <p:nvPr/>
+              </p:nvSpPr>
+              <p:spPr>
+                <a:xfrm>
+                  <a:off x="919" y="4882"/>
+                  <a:ext cx="5258" cy="1598"/>
+                </a:xfrm>
+                <a:prstGeom prst="rect">
+                  <a:avLst/>
+                </a:prstGeom>
+                <a:noFill/>
+              </p:spPr>
+              <p:txBody>
+                <a:bodyPr wrap="square" rtlCol="0">
+                  <a:spAutoFit/>
+                </a:bodyPr>
+                <a:p>
+                  <a:r>
+                    <a:rPr lang="en-US" altLang="en-US" sz="1200"/>
+                    <a:t>  HTML</a:t>
+                  </a:r>
+                  <a:endParaRPr lang="en-US" altLang="en-US" sz="1200"/>
+                </a:p>
+                <a:p>
+                  <a:r>
+                    <a:rPr lang="en-US" altLang="en-US" sz="1200"/>
+                    <a:t>  Song of silence,The sound of silence</a:t>
+                  </a:r>
+                  <a:endParaRPr lang="en-US" altLang="en-US" sz="1200"/>
+                </a:p>
+                <a:p>
+                  <a:r>
+                    <a:rPr lang="en-US" altLang="en-US" sz="1200"/>
+                    <a:t>  Hello darkness my old friend.</a:t>
+                  </a:r>
+                  <a:endParaRPr lang="en-US" altLang="en-US" sz="1200">
+                    <a:sym typeface="+mn-ea"/>
+                  </a:endParaRPr>
+                </a:p>
+                <a:p>
+                  <a:endParaRPr lang="en-US" altLang="en-US" sz="1200">
+                    <a:sym typeface="+mn-ea"/>
+                  </a:endParaRPr>
+                </a:p>
+                <a:p>
+                  <a:r>
+                    <a:rPr lang="en-US" altLang="en-US" sz="1200">
+                      <a:sym typeface="+mn-ea"/>
+                    </a:rPr>
+                    <a:t>                Reference: </a:t>
+                  </a:r>
+                  <a:r>
+                    <a:rPr lang="en-US" altLang="en-US" sz="1200" u="sng">
+                      <a:solidFill>
+                        <a:schemeClr val="accent1">
+                          <a:lumMod val="75000"/>
+                        </a:schemeClr>
+                      </a:solidFill>
+                      <a:sym typeface="+mn-ea"/>
+                    </a:rPr>
+                    <a:t>Simon &amp; Garfunkel</a:t>
+                  </a:r>
+                  <a:endParaRPr lang="en-US" altLang="en-US" sz="1200"/>
+                </a:p>
+              </p:txBody>
+            </p:sp>
+          </p:grpSp>
+        </p:grpSp>
+        <p:grpSp>
+          <p:nvGrpSpPr>
+            <p:cNvPr id="49" name="Group 48"/>
+            <p:cNvGrpSpPr/>
+            <p:nvPr/>
+          </p:nvGrpSpPr>
+          <p:grpSpPr>
+            <a:xfrm>
+              <a:off x="13025" y="6880"/>
+              <a:ext cx="5260" cy="3012"/>
+              <a:chOff x="7204" y="1786"/>
+              <a:chExt cx="5260" cy="3012"/>
+            </a:xfrm>
+          </p:grpSpPr>
+          <p:sp>
+            <p:nvSpPr>
+              <p:cNvPr id="50" name="Rectangle 49"/>
+              <p:cNvSpPr/>
+              <p:nvPr/>
+            </p:nvSpPr>
+            <p:spPr>
+              <a:xfrm>
+                <a:off x="7204" y="1786"/>
+                <a:ext cx="5259" cy="3013"/>
+              </a:xfrm>
+              <a:prstGeom prst="rect">
+                <a:avLst/>
+              </a:prstGeom>
+              <a:solidFill>
+                <a:schemeClr val="bg1"/>
+              </a:solidFill>
+            </p:spPr>
+            <p:style>
+              <a:lnRef idx="2">
+                <a:schemeClr val="accent1">
+                  <a:shade val="50000"/>
+                </a:schemeClr>
+              </a:lnRef>
+              <a:fillRef idx="1">
+                <a:schemeClr val="accent1"/>
+              </a:fillRef>
+              <a:effectRef idx="0">
+                <a:schemeClr val="accent1"/>
+              </a:effectRef>
+              <a:fontRef idx="minor">
+                <a:schemeClr val="lt1"/>
+              </a:fontRef>
+            </p:style>
+            <p:txBody>
+              <a:bodyPr rtlCol="0" anchor="ctr"/>
+              <a:p>
+                <a:pPr algn="ctr"/>
+                <a:endParaRPr lang="en-US"/>
+              </a:p>
+            </p:txBody>
+          </p:sp>
+          <p:grpSp>
+            <p:nvGrpSpPr>
+              <p:cNvPr id="51" name="Group 50"/>
+              <p:cNvGrpSpPr/>
+              <p:nvPr/>
+            </p:nvGrpSpPr>
+            <p:grpSpPr>
+              <a:xfrm>
+                <a:off x="7204" y="1786"/>
+                <a:ext cx="5260" cy="3013"/>
+                <a:chOff x="917" y="3467"/>
+                <a:chExt cx="5260" cy="3013"/>
+              </a:xfrm>
+            </p:grpSpPr>
+            <p:pic>
+              <p:nvPicPr>
+                <p:cNvPr id="52" name="Picture 51" descr="photo4"/>
+                <p:cNvPicPr>
+                  <a:picLocks noChangeAspect="true"/>
+                </p:cNvPicPr>
+                <p:nvPr/>
+              </p:nvPicPr>
+              <p:blipFill>
+                <a:blip r:embed="rId1"/>
+                <a:stretch>
+                  <a:fillRect/>
+                </a:stretch>
+              </p:blipFill>
+              <p:spPr>
+                <a:xfrm>
+                  <a:off x="917" y="3467"/>
+                  <a:ext cx="5260" cy="1365"/>
+                </a:xfrm>
+                <a:prstGeom prst="rect">
+                  <a:avLst/>
+                </a:prstGeom>
+              </p:spPr>
+            </p:pic>
+            <p:sp>
+              <p:nvSpPr>
+                <p:cNvPr id="53" name="Text Box 52"/>
+                <p:cNvSpPr txBox="true"/>
+                <p:nvPr/>
+              </p:nvSpPr>
+              <p:spPr>
+                <a:xfrm>
+                  <a:off x="919" y="4882"/>
+                  <a:ext cx="5258" cy="1598"/>
+                </a:xfrm>
+                <a:prstGeom prst="rect">
+                  <a:avLst/>
+                </a:prstGeom>
+                <a:noFill/>
+              </p:spPr>
+              <p:txBody>
+                <a:bodyPr wrap="square" rtlCol="0">
+                  <a:spAutoFit/>
+                </a:bodyPr>
+                <a:p>
+                  <a:r>
+                    <a:rPr lang="en-US" altLang="en-US" sz="1200"/>
+                    <a:t>  HTML</a:t>
+                  </a:r>
+                  <a:endParaRPr lang="en-US" altLang="en-US" sz="1200"/>
+                </a:p>
+                <a:p>
+                  <a:r>
+                    <a:rPr lang="en-US" altLang="en-US" sz="1200"/>
+                    <a:t>  Song of silence,The sound of silence</a:t>
+                  </a:r>
+                  <a:endParaRPr lang="en-US" altLang="en-US" sz="1200"/>
+                </a:p>
+                <a:p>
+                  <a:r>
+                    <a:rPr lang="en-US" altLang="en-US" sz="1200"/>
+                    <a:t>  Hello darkness my old friend.</a:t>
+                  </a:r>
+                  <a:endParaRPr lang="en-US" altLang="en-US" sz="1200">
+                    <a:sym typeface="+mn-ea"/>
+                  </a:endParaRPr>
+                </a:p>
+                <a:p>
+                  <a:endParaRPr lang="en-US" altLang="en-US" sz="1200">
+                    <a:sym typeface="+mn-ea"/>
+                  </a:endParaRPr>
+                </a:p>
+                <a:p>
+                  <a:r>
+                    <a:rPr lang="en-US" altLang="en-US" sz="1200">
+                      <a:sym typeface="+mn-ea"/>
+                    </a:rPr>
+                    <a:t>                Reference: </a:t>
+                  </a:r>
+                  <a:r>
+                    <a:rPr lang="en-US" altLang="en-US" sz="1200" u="sng">
+                      <a:solidFill>
+                        <a:schemeClr val="accent1">
+                          <a:lumMod val="75000"/>
+                        </a:schemeClr>
+                      </a:solidFill>
+                      <a:sym typeface="+mn-ea"/>
+                    </a:rPr>
+                    <a:t>Simon &amp; Garfunkel</a:t>
+                  </a:r>
+                  <a:endParaRPr lang="en-US" altLang="en-US" sz="1200"/>
+                </a:p>
+              </p:txBody>
+            </p:sp>
+          </p:grpSp>
+        </p:grpSp>
+        <p:grpSp>
+          <p:nvGrpSpPr>
+            <p:cNvPr id="54" name="Group 53"/>
+            <p:cNvGrpSpPr/>
+            <p:nvPr/>
+          </p:nvGrpSpPr>
+          <p:grpSpPr>
+            <a:xfrm>
+              <a:off x="13026" y="3467"/>
+              <a:ext cx="5260" cy="3012"/>
+              <a:chOff x="7204" y="1786"/>
+              <a:chExt cx="5260" cy="3012"/>
+            </a:xfrm>
+          </p:grpSpPr>
+          <p:sp>
+            <p:nvSpPr>
+              <p:cNvPr id="55" name="Rectangle 54"/>
+              <p:cNvSpPr/>
+              <p:nvPr/>
+            </p:nvSpPr>
+            <p:spPr>
+              <a:xfrm>
+                <a:off x="7204" y="1786"/>
+                <a:ext cx="5259" cy="3013"/>
+              </a:xfrm>
+              <a:prstGeom prst="rect">
+                <a:avLst/>
+              </a:prstGeom>
+              <a:solidFill>
+                <a:schemeClr val="bg1"/>
+              </a:solidFill>
+            </p:spPr>
+            <p:style>
+              <a:lnRef idx="2">
+                <a:schemeClr val="accent1">
+                  <a:shade val="50000"/>
+                </a:schemeClr>
+              </a:lnRef>
+              <a:fillRef idx="1">
+                <a:schemeClr val="accent1"/>
+              </a:fillRef>
+              <a:effectRef idx="0">
+                <a:schemeClr val="accent1"/>
+              </a:effectRef>
+              <a:fontRef idx="minor">
+                <a:schemeClr val="lt1"/>
+              </a:fontRef>
+            </p:style>
+            <p:txBody>
+              <a:bodyPr rtlCol="0" anchor="ctr"/>
+              <a:p>
+                <a:pPr algn="ctr"/>
+                <a:endParaRPr lang="en-US"/>
+              </a:p>
+            </p:txBody>
+          </p:sp>
+          <p:grpSp>
+            <p:nvGrpSpPr>
+              <p:cNvPr id="56" name="Group 55"/>
+              <p:cNvGrpSpPr/>
+              <p:nvPr/>
+            </p:nvGrpSpPr>
+            <p:grpSpPr>
+              <a:xfrm>
+                <a:off x="7204" y="1786"/>
+                <a:ext cx="5260" cy="3013"/>
+                <a:chOff x="917" y="3467"/>
+                <a:chExt cx="5260" cy="3013"/>
+              </a:xfrm>
+            </p:grpSpPr>
+            <p:pic>
+              <p:nvPicPr>
+                <p:cNvPr id="57" name="Picture 56" descr="photo4"/>
+                <p:cNvPicPr>
+                  <a:picLocks noChangeAspect="true"/>
+                </p:cNvPicPr>
+                <p:nvPr/>
+              </p:nvPicPr>
+              <p:blipFill>
+                <a:blip r:embed="rId1"/>
+                <a:stretch>
+                  <a:fillRect/>
+                </a:stretch>
+              </p:blipFill>
+              <p:spPr>
+                <a:xfrm>
+                  <a:off x="917" y="3467"/>
+                  <a:ext cx="5260" cy="1365"/>
+                </a:xfrm>
+                <a:prstGeom prst="rect">
+                  <a:avLst/>
+                </a:prstGeom>
+              </p:spPr>
+            </p:pic>
+            <p:sp>
+              <p:nvSpPr>
+                <p:cNvPr id="58" name="Text Box 57"/>
+                <p:cNvSpPr txBox="true"/>
+                <p:nvPr/>
+              </p:nvSpPr>
+              <p:spPr>
+                <a:xfrm>
+                  <a:off x="919" y="4882"/>
+                  <a:ext cx="5258" cy="1598"/>
+                </a:xfrm>
+                <a:prstGeom prst="rect">
+                  <a:avLst/>
+                </a:prstGeom>
+                <a:noFill/>
+              </p:spPr>
+              <p:txBody>
+                <a:bodyPr wrap="square" rtlCol="0">
+                  <a:spAutoFit/>
+                </a:bodyPr>
+                <a:p>
+                  <a:r>
+                    <a:rPr lang="en-US" altLang="en-US" sz="1200"/>
+                    <a:t>  HTML</a:t>
+                  </a:r>
+                  <a:endParaRPr lang="en-US" altLang="en-US" sz="1200"/>
+                </a:p>
+                <a:p>
+                  <a:r>
+                    <a:rPr lang="en-US" altLang="en-US" sz="1200"/>
+                    <a:t>  Song of silence,The sound of silence</a:t>
+                  </a:r>
+                  <a:endParaRPr lang="en-US" altLang="en-US" sz="1200"/>
+                </a:p>
+                <a:p>
+                  <a:r>
+                    <a:rPr lang="en-US" altLang="en-US" sz="1200"/>
+                    <a:t>  Hello darkness my old friend.</a:t>
+                  </a:r>
+                  <a:endParaRPr lang="en-US" altLang="en-US" sz="1200">
+                    <a:sym typeface="+mn-ea"/>
+                  </a:endParaRPr>
+                </a:p>
+                <a:p>
+                  <a:endParaRPr lang="en-US" altLang="en-US" sz="1200">
+                    <a:sym typeface="+mn-ea"/>
+                  </a:endParaRPr>
+                </a:p>
+                <a:p>
+                  <a:r>
+                    <a:rPr lang="en-US" altLang="en-US" sz="1200">
+                      <a:sym typeface="+mn-ea"/>
+                    </a:rPr>
+                    <a:t>                Reference: </a:t>
+                  </a:r>
+                  <a:r>
+                    <a:rPr lang="en-US" altLang="en-US" sz="1200" u="sng">
+                      <a:solidFill>
+                        <a:schemeClr val="accent1">
+                          <a:lumMod val="75000"/>
+                        </a:schemeClr>
+                      </a:solidFill>
+                      <a:sym typeface="+mn-ea"/>
+                    </a:rPr>
+                    <a:t>Simon &amp; Garfunkel</a:t>
+                  </a:r>
+                  <a:endParaRPr lang="en-US" altLang="en-US" sz="1200"/>
+                </a:p>
+              </p:txBody>
+            </p:sp>
+          </p:grpSp>
+        </p:grpSp>
+      </p:grpSp>
     </p:spTree>
   </p:cSld>
   <p:clrMapOvr>
@@ -11827,7 +13339,7 @@
 </p:sld>
 </file>
 
-<file path=ppt/slides/slide4.xml><?xml version="1.0" encoding="utf-8"?>
+<file path=ppt/slides/slide24.xml><?xml version="1.0" encoding="utf-8"?>
 <p:sld xmlns:a="http://schemas.openxmlformats.org/drawingml/2006/main" xmlns:r="http://schemas.openxmlformats.org/officeDocument/2006/relationships" xmlns:p="http://schemas.openxmlformats.org/presentationml/2006/main">
   <p:cSld>
     <p:spTree>
@@ -11837,40 +13349,6 @@
         <p:nvPr/>
       </p:nvGrpSpPr>
       <p:grpSpPr/>
-      <p:sp>
-        <p:nvSpPr>
-          <p:cNvPr id="2" name="Title 1"/>
-          <p:cNvSpPr>
-            <a:spLocks noGrp="true"/>
-          </p:cNvSpPr>
-          <p:nvPr>
-            <p:ph type="ctrTitle"/>
-          </p:nvPr>
-        </p:nvSpPr>
-        <p:spPr>
-          <a:xfrm>
-            <a:off x="-34925" y="340995"/>
-            <a:ext cx="9118600" cy="1252855"/>
-          </a:xfrm>
-        </p:spPr>
-        <p:txBody>
-          <a:bodyPr>
-            <a:normAutofit fontScale="90000"/>
-          </a:bodyPr>
-          <a:p>
-            <a:pPr algn="l"/>
-            <a:r>
-              <a:rPr lang="en-US" altLang="en-US"/>
-              <a:t>  </a:t>
-            </a:r>
-            <a:r>
-              <a:rPr lang="" altLang="en-US"/>
-              <a:t>创建服务器</a:t>
-            </a:r>
-            <a:endParaRPr lang="" altLang="en-US"/>
-          </a:p>
-        </p:txBody>
-      </p:sp>
       <p:sp>
         <p:nvSpPr>
           <p:cNvPr id="3" name="Subtitle 2"/>
@@ -12205,140 +13683,6 @@
       </p:grpSp>
       <p:sp>
         <p:nvSpPr>
-          <p:cNvPr id="11" name="Text Box 10"/>
-          <p:cNvSpPr txBox="true"/>
-          <p:nvPr/>
-        </p:nvSpPr>
-        <p:spPr>
-          <a:xfrm>
-            <a:off x="1032510" y="1875790"/>
-            <a:ext cx="9464675" cy="521970"/>
-          </a:xfrm>
-          <a:prstGeom prst="rect">
-            <a:avLst/>
-          </a:prstGeom>
-          <a:noFill/>
-        </p:spPr>
-        <p:txBody>
-          <a:bodyPr wrap="square" rtlCol="0">
-            <a:spAutoFit/>
-          </a:bodyPr>
-          <a:p>
-            <a:r>
-              <a:rPr lang="en-US" altLang="en-US" sz="2800"/>
-              <a:t>1. 项目初始化</a:t>
-            </a:r>
-            <a:r>
-              <a:rPr lang="en-US" altLang="en-US"/>
-              <a:t> </a:t>
-            </a:r>
-            <a:endParaRPr lang="en-US" altLang="en-US"/>
-          </a:p>
-        </p:txBody>
-      </p:sp>
-      <p:sp>
-        <p:nvSpPr>
-          <p:cNvPr id="13" name="Rounded Rectangle 12"/>
-          <p:cNvSpPr/>
-          <p:nvPr/>
-        </p:nvSpPr>
-        <p:spPr>
-          <a:xfrm>
-            <a:off x="1694180" y="3303905"/>
-            <a:ext cx="8803640" cy="922020"/>
-          </a:xfrm>
-          <a:prstGeom prst="roundRect">
-            <a:avLst/>
-          </a:prstGeom>
-          <a:solidFill>
-            <a:schemeClr val="bg2">
-              <a:lumMod val="50000"/>
-            </a:schemeClr>
-          </a:solidFill>
-          <a:ln>
-            <a:solidFill>
-              <a:schemeClr val="bg2">
-                <a:lumMod val="50000"/>
-              </a:schemeClr>
-            </a:solidFill>
-          </a:ln>
-        </p:spPr>
-        <p:style>
-          <a:lnRef idx="2">
-            <a:schemeClr val="accent1">
-              <a:shade val="50000"/>
-            </a:schemeClr>
-          </a:lnRef>
-          <a:fillRef idx="1">
-            <a:schemeClr val="accent1"/>
-          </a:fillRef>
-          <a:effectRef idx="0">
-            <a:schemeClr val="accent1"/>
-          </a:effectRef>
-          <a:fontRef idx="minor">
-            <a:schemeClr val="lt1"/>
-          </a:fontRef>
-        </p:style>
-        <p:txBody>
-          <a:bodyPr rtlCol="0" anchor="ctr"/>
-          <a:p>
-            <a:pPr algn="ctr"/>
-            <a:endParaRPr lang="en-US"/>
-          </a:p>
-        </p:txBody>
-      </p:sp>
-      <p:sp>
-        <p:nvSpPr>
-          <p:cNvPr id="12" name="Text Box 11"/>
-          <p:cNvSpPr txBox="true"/>
-          <p:nvPr/>
-        </p:nvSpPr>
-        <p:spPr>
-          <a:xfrm>
-            <a:off x="1694180" y="3218180"/>
-            <a:ext cx="8803640" cy="1014730"/>
-          </a:xfrm>
-          <a:prstGeom prst="rect">
-            <a:avLst/>
-          </a:prstGeom>
-          <a:noFill/>
-        </p:spPr>
-        <p:txBody>
-          <a:bodyPr wrap="square" rtlCol="0">
-            <a:spAutoFit/>
-          </a:bodyPr>
-          <a:p>
-            <a:pPr algn="l"/>
-            <a:endParaRPr lang="en-US"/>
-          </a:p>
-          <a:p>
-            <a:pPr algn="l"/>
-            <a:r>
-              <a:rPr lang="en-US"/>
-              <a:t> </a:t>
-            </a:r>
-            <a:r>
-              <a:rPr lang="en-US" sz="2400">
-                <a:solidFill>
-                  <a:schemeClr val="bg1"/>
-                </a:solidFill>
-              </a:rPr>
-              <a:t> npm init -y</a:t>
-            </a:r>
-            <a:endParaRPr lang="en-US"/>
-          </a:p>
-          <a:p>
-            <a:pPr algn="l"/>
-            <a:r>
-              <a:rPr lang="en-US"/>
-              <a:t>  </a:t>
-            </a:r>
-            <a:endParaRPr lang="en-US"/>
-          </a:p>
-        </p:txBody>
-      </p:sp>
-      <p:sp>
-        <p:nvSpPr>
           <p:cNvPr id="14" name="Date Placeholder 13"/>
           <p:cNvSpPr>
             <a:spLocks noGrp="true"/>
@@ -12347,14 +13691,79 @@
             <p:ph type="dt" sz="half" idx="10"/>
           </p:nvPr>
         </p:nvSpPr>
-        <p:spPr/>
+        <p:spPr>
+          <a:xfrm>
+            <a:off x="9413875" y="6412230"/>
+            <a:ext cx="2743200" cy="365125"/>
+          </a:xfrm>
+        </p:spPr>
         <p:txBody>
           <a:bodyPr/>
           <a:p>
+            <a:pPr algn="r"/>
             <a:fld id="{760FBDFE-C587-4B4C-A407-44438C67B59E}" type="datetime1">
               <a:rPr lang="en-US" altLang="en-US" smtClean="0"/>
             </a:fld>
             <a:endParaRPr lang="zh-CN" altLang="en-US"/>
+          </a:p>
+        </p:txBody>
+      </p:sp>
+      <p:sp>
+        <p:nvSpPr>
+          <p:cNvPr id="17" name="Text Box 16"/>
+          <p:cNvSpPr txBox="true"/>
+          <p:nvPr/>
+        </p:nvSpPr>
+        <p:spPr>
+          <a:xfrm>
+            <a:off x="1014730" y="1770380"/>
+            <a:ext cx="9464675" cy="521970"/>
+          </a:xfrm>
+          <a:prstGeom prst="rect">
+            <a:avLst/>
+          </a:prstGeom>
+          <a:noFill/>
+        </p:spPr>
+        <p:txBody>
+          <a:bodyPr wrap="square" rtlCol="0">
+            <a:spAutoFit/>
+          </a:bodyPr>
+          <a:p>
+            <a:r>
+              <a:rPr lang="en-US" altLang="en-US" sz="2800"/>
+              <a:t>8. less代码</a:t>
+            </a:r>
+            <a:endParaRPr lang="en-US" altLang="en-US" sz="2800"/>
+          </a:p>
+        </p:txBody>
+      </p:sp>
+      <p:sp>
+        <p:nvSpPr>
+          <p:cNvPr id="19" name="Title 18"/>
+          <p:cNvSpPr>
+            <a:spLocks noGrp="true"/>
+          </p:cNvSpPr>
+          <p:nvPr>
+            <p:ph type="ctrTitle"/>
+          </p:nvPr>
+        </p:nvSpPr>
+        <p:spPr>
+          <a:xfrm>
+            <a:off x="-34925" y="340995"/>
+            <a:ext cx="9118600" cy="1252855"/>
+          </a:xfrm>
+        </p:spPr>
+        <p:txBody>
+          <a:bodyPr>
+            <a:normAutofit fontScale="90000"/>
+          </a:bodyPr>
+          <a:p>
+            <a:pPr algn="l"/>
+            <a:r>
+              <a:rPr lang="en-US" altLang="en-US"/>
+              <a:t>  Index.html首页布局</a:t>
+            </a:r>
+            <a:endParaRPr lang="en-US" altLang="en-US"/>
           </a:p>
         </p:txBody>
       </p:sp>
@@ -12369,7 +13778,7 @@
 </p:sld>
 </file>
 
-<file path=ppt/slides/slide5.xml><?xml version="1.0" encoding="utf-8"?>
+<file path=ppt/slides/slide3.xml><?xml version="1.0" encoding="utf-8"?>
 <p:sld xmlns:a="http://schemas.openxmlformats.org/drawingml/2006/main" xmlns:r="http://schemas.openxmlformats.org/officeDocument/2006/relationships" xmlns:p="http://schemas.openxmlformats.org/presentationml/2006/main">
   <p:cSld>
     <p:spTree>
@@ -12379,6 +13788,36 @@
         <p:nvPr/>
       </p:nvGrpSpPr>
       <p:grpSpPr/>
+      <p:sp>
+        <p:nvSpPr>
+          <p:cNvPr id="2" name="Title 1"/>
+          <p:cNvSpPr>
+            <a:spLocks noGrp="true"/>
+          </p:cNvSpPr>
+          <p:nvPr>
+            <p:ph type="ctrTitle"/>
+          </p:nvPr>
+        </p:nvSpPr>
+        <p:spPr>
+          <a:xfrm>
+            <a:off x="-34925" y="340995"/>
+            <a:ext cx="9118600" cy="1252855"/>
+          </a:xfrm>
+        </p:spPr>
+        <p:txBody>
+          <a:bodyPr>
+            <a:normAutofit fontScale="90000"/>
+          </a:bodyPr>
+          <a:p>
+            <a:pPr algn="l"/>
+            <a:r>
+              <a:rPr lang="en-US" altLang="en-US"/>
+              <a:t>  项目分解说明</a:t>
+            </a:r>
+            <a:endParaRPr lang="en-US" altLang="en-US"/>
+          </a:p>
+        </p:txBody>
+      </p:sp>
       <p:sp>
         <p:nvSpPr>
           <p:cNvPr id="3" name="Subtitle 2"/>
@@ -12713,14 +14152,35 @@
       </p:grpSp>
       <p:sp>
         <p:nvSpPr>
-          <p:cNvPr id="11" name="Text Box 10"/>
+          <p:cNvPr id="14" name="Date Placeholder 13"/>
+          <p:cNvSpPr>
+            <a:spLocks noGrp="true"/>
+          </p:cNvSpPr>
+          <p:nvPr>
+            <p:ph type="dt" sz="half" idx="10"/>
+          </p:nvPr>
+        </p:nvSpPr>
+        <p:spPr/>
+        <p:txBody>
+          <a:bodyPr/>
+          <a:p>
+            <a:fld id="{760FBDFE-C587-4B4C-A407-44438C67B59E}" type="datetime1">
+              <a:rPr lang="en-US" altLang="en-US" smtClean="0"/>
+            </a:fld>
+            <a:endParaRPr lang="zh-CN" altLang="en-US"/>
+          </a:p>
+        </p:txBody>
+      </p:sp>
+      <p:sp>
+        <p:nvSpPr>
+          <p:cNvPr id="15" name="Text Box 14"/>
           <p:cNvSpPr txBox="true"/>
           <p:nvPr/>
         </p:nvSpPr>
         <p:spPr>
           <a:xfrm>
-            <a:off x="1034415" y="1649095"/>
-            <a:ext cx="10312400" cy="521970"/>
+            <a:off x="838200" y="1901190"/>
+            <a:ext cx="9464675" cy="521970"/>
           </a:xfrm>
           <a:prstGeom prst="rect">
             <a:avLst/>
@@ -12732,14 +14192,1011 @@
             <a:spAutoFit/>
           </a:bodyPr>
           <a:p>
+            <a:r>
+              <a:rPr lang="en-US" altLang="en-US" sz="2800"/>
+              <a:t>2. 创建项目服务器</a:t>
+            </a:r>
+            <a:endParaRPr lang="en-US" altLang="en-US" sz="2000"/>
+          </a:p>
+        </p:txBody>
+      </p:sp>
+      <p:sp>
+        <p:nvSpPr>
+          <p:cNvPr id="16" name="Text Box 15"/>
+          <p:cNvSpPr txBox="true"/>
+          <p:nvPr/>
+        </p:nvSpPr>
+        <p:spPr>
+          <a:xfrm>
+            <a:off x="1032510" y="2836545"/>
+            <a:ext cx="7454265" cy="2676525"/>
+          </a:xfrm>
+          <a:prstGeom prst="rect">
+            <a:avLst/>
+          </a:prstGeom>
+          <a:noFill/>
+        </p:spPr>
+        <p:txBody>
+          <a:bodyPr wrap="square" rtlCol="0">
+            <a:spAutoFit/>
+          </a:bodyPr>
+          <a:p>
+            <a:r>
+              <a:rPr lang="en-US" altLang="en-US" sz="2400"/>
+              <a:t>1) 安装项目包： Express</a:t>
+            </a:r>
+            <a:endParaRPr lang="en-US" altLang="en-US" sz="2400"/>
+          </a:p>
+          <a:p>
+            <a:r>
+              <a:rPr lang="en-US" altLang="en-US" sz="2400"/>
+              <a:t>2) 引用项目文件</a:t>
+            </a:r>
+            <a:endParaRPr lang="en-US" altLang="en-US" sz="2400"/>
+          </a:p>
+          <a:p>
+            <a:r>
+              <a:rPr lang="en-US" altLang="en-US" sz="2400"/>
+              <a:t>3) 创建服务器</a:t>
+            </a:r>
+            <a:endParaRPr lang="en-US" altLang="en-US" sz="2400"/>
+          </a:p>
+          <a:p>
+            <a:r>
+              <a:rPr lang="en-US" altLang="en-US" sz="2400"/>
+              <a:t>4) 监听端口</a:t>
+            </a:r>
+            <a:endParaRPr lang="en-US" altLang="en-US" sz="2400"/>
+          </a:p>
+          <a:p>
+            <a:r>
+              <a:rPr lang="en-US" altLang="en-US" sz="2400"/>
+              <a:t>5) 启动服务器,启动浏览器</a:t>
+            </a:r>
+            <a:endParaRPr lang="en-US" altLang="en-US" sz="2400"/>
+          </a:p>
+          <a:p>
+            <a:r>
+              <a:rPr lang="en-US" altLang="en-US" sz="2400"/>
+              <a:t>6) 开放静态资源文件目录</a:t>
+            </a:r>
+            <a:endParaRPr lang="en-US" altLang="en-US" sz="2400"/>
+          </a:p>
+          <a:p>
+            <a:r>
+              <a:rPr lang="en-US" altLang="en-US" sz="2400"/>
+              <a:t>7) </a:t>
+            </a:r>
+            <a:r>
+              <a:rPr lang="en-US" altLang="en-US" sz="2400">
+                <a:sym typeface="+mn-ea"/>
+              </a:rPr>
+              <a:t>设置渲染文件目录</a:t>
+            </a:r>
+            <a:r>
+              <a:rPr lang="en-US" altLang="en-US" sz="2400"/>
+              <a:t> </a:t>
+            </a:r>
+            <a:endParaRPr lang="en-US" altLang="en-US" sz="2400"/>
+          </a:p>
+        </p:txBody>
+      </p:sp>
+    </p:spTree>
+  </p:cSld>
+  <p:clrMapOvr>
+    <a:masterClrMapping/>
+  </p:clrMapOvr>
+  <p:transition>
+    <p:wipe/>
+  </p:transition>
+</p:sld>
+</file>
+
+<file path=ppt/slides/slide4.xml><?xml version="1.0" encoding="utf-8"?>
+<p:sld xmlns:a="http://schemas.openxmlformats.org/drawingml/2006/main" xmlns:r="http://schemas.openxmlformats.org/officeDocument/2006/relationships" xmlns:p="http://schemas.openxmlformats.org/presentationml/2006/main">
+  <p:cSld>
+    <p:spTree>
+      <p:nvGrpSpPr>
+        <p:cNvPr id="1" name=""/>
+        <p:cNvGrpSpPr/>
+        <p:nvPr/>
+      </p:nvGrpSpPr>
+      <p:grpSpPr/>
+      <p:sp>
+        <p:nvSpPr>
+          <p:cNvPr id="2" name="Title 1"/>
+          <p:cNvSpPr>
+            <a:spLocks noGrp="true"/>
+          </p:cNvSpPr>
+          <p:nvPr>
+            <p:ph type="ctrTitle"/>
+          </p:nvPr>
+        </p:nvSpPr>
+        <p:spPr>
+          <a:xfrm>
+            <a:off x="-34925" y="340995"/>
+            <a:ext cx="9118600" cy="1252855"/>
+          </a:xfrm>
+        </p:spPr>
+        <p:txBody>
+          <a:bodyPr>
+            <a:normAutofit fontScale="90000"/>
+          </a:bodyPr>
+          <a:p>
             <a:pPr algn="l"/>
             <a:r>
-              <a:rPr lang="" altLang="en-US" sz="2800"/>
-              <a:t>3</a:t>
+              <a:rPr lang="en-US" altLang="en-US"/>
+              <a:t>  创建服务器</a:t>
+            </a:r>
+            <a:endParaRPr lang="en-US" altLang="en-US"/>
+          </a:p>
+        </p:txBody>
+      </p:sp>
+      <p:sp>
+        <p:nvSpPr>
+          <p:cNvPr id="3" name="Subtitle 2"/>
+          <p:cNvSpPr>
+            <a:spLocks noGrp="true"/>
+          </p:cNvSpPr>
+          <p:nvPr>
+            <p:ph type="subTitle" idx="1"/>
+          </p:nvPr>
+        </p:nvSpPr>
+        <p:spPr>
+          <a:xfrm>
+            <a:off x="-17780" y="6407785"/>
+            <a:ext cx="3229610" cy="349250"/>
+          </a:xfrm>
+        </p:spPr>
+        <p:txBody>
+          <a:bodyPr>
+            <a:normAutofit lnSpcReduction="20000"/>
+          </a:bodyPr>
+          <a:p>
+            <a:pPr algn="r"/>
+            <a:r>
+              <a:rPr lang="en-US" altLang="en-US"/>
+              <a:t>Coding your wanderful life</a:t>
+            </a:r>
+            <a:endParaRPr lang="en-US" altLang="en-US"/>
+          </a:p>
+        </p:txBody>
+      </p:sp>
+      <p:grpSp>
+        <p:nvGrpSpPr>
+          <p:cNvPr id="6" name="Group 5"/>
+          <p:cNvGrpSpPr/>
+          <p:nvPr/>
+        </p:nvGrpSpPr>
+        <p:grpSpPr>
+          <a:xfrm>
+            <a:off x="-20320" y="6691630"/>
+            <a:ext cx="12218035" cy="152400"/>
+            <a:chOff x="-32" y="10538"/>
+            <a:chExt cx="19241" cy="240"/>
+          </a:xfrm>
+        </p:grpSpPr>
+        <p:sp>
+          <p:nvSpPr>
+            <p:cNvPr id="4" name="Rectangle 3"/>
+            <p:cNvSpPr/>
+            <p:nvPr/>
+          </p:nvSpPr>
+          <p:spPr>
+            <a:xfrm>
+              <a:off x="-32" y="10538"/>
+              <a:ext cx="14944" cy="240"/>
+            </a:xfrm>
+            <a:prstGeom prst="rect">
+              <a:avLst/>
+            </a:prstGeom>
+            <a:solidFill>
+              <a:srgbClr val="FF6600"/>
+            </a:solidFill>
+            <a:ln>
+              <a:solidFill>
+                <a:srgbClr val="FF6600"/>
+              </a:solidFill>
+            </a:ln>
+          </p:spPr>
+          <p:style>
+            <a:lnRef idx="2">
+              <a:schemeClr val="accent1">
+                <a:shade val="50000"/>
+              </a:schemeClr>
+            </a:lnRef>
+            <a:fillRef idx="1">
+              <a:schemeClr val="accent1"/>
+            </a:fillRef>
+            <a:effectRef idx="0">
+              <a:schemeClr val="accent1"/>
+            </a:effectRef>
+            <a:fontRef idx="minor">
+              <a:schemeClr val="lt1"/>
+            </a:fontRef>
+          </p:style>
+          <p:txBody>
+            <a:bodyPr rtlCol="0" anchor="ctr"/>
+            <a:p>
+              <a:pPr algn="ctr"/>
+              <a:endParaRPr lang="en-US"/>
+            </a:p>
+          </p:txBody>
+        </p:sp>
+        <p:sp>
+          <p:nvSpPr>
+            <p:cNvPr id="5" name="Rectangle 4"/>
+            <p:cNvSpPr/>
+            <p:nvPr/>
+          </p:nvSpPr>
+          <p:spPr>
+            <a:xfrm>
+              <a:off x="14933" y="10538"/>
+              <a:ext cx="4276" cy="240"/>
+            </a:xfrm>
+            <a:prstGeom prst="rect">
+              <a:avLst/>
+            </a:prstGeom>
+            <a:solidFill>
+              <a:schemeClr val="tx1">
+                <a:lumMod val="75000"/>
+                <a:lumOff val="25000"/>
+              </a:schemeClr>
+            </a:solidFill>
+            <a:ln>
+              <a:solidFill>
+                <a:schemeClr val="tx1">
+                  <a:lumMod val="75000"/>
+                  <a:lumOff val="25000"/>
+                </a:schemeClr>
+              </a:solidFill>
+            </a:ln>
+          </p:spPr>
+          <p:style>
+            <a:lnRef idx="2">
+              <a:schemeClr val="accent1">
+                <a:shade val="50000"/>
+              </a:schemeClr>
+            </a:lnRef>
+            <a:fillRef idx="1">
+              <a:schemeClr val="accent1"/>
+            </a:fillRef>
+            <a:effectRef idx="0">
+              <a:schemeClr val="accent1"/>
+            </a:effectRef>
+            <a:fontRef idx="minor">
+              <a:schemeClr val="lt1"/>
+            </a:fontRef>
+          </p:style>
+          <p:txBody>
+            <a:bodyPr rtlCol="0" anchor="ctr"/>
+            <a:p>
+              <a:pPr algn="ctr"/>
+              <a:endParaRPr lang="en-US"/>
+            </a:p>
+          </p:txBody>
+        </p:sp>
+      </p:grpSp>
+      <p:sp>
+        <p:nvSpPr>
+          <p:cNvPr id="7" name="Rectangle 6"/>
+          <p:cNvSpPr/>
+          <p:nvPr/>
+        </p:nvSpPr>
+        <p:spPr>
+          <a:xfrm>
+            <a:off x="-20320" y="779145"/>
+            <a:ext cx="96520" cy="650875"/>
+          </a:xfrm>
+          <a:prstGeom prst="rect">
+            <a:avLst/>
+          </a:prstGeom>
+          <a:solidFill>
+            <a:schemeClr val="tx1">
+              <a:lumMod val="50000"/>
+              <a:lumOff val="50000"/>
+            </a:schemeClr>
+          </a:solidFill>
+          <a:ln>
+            <a:solidFill>
+              <a:schemeClr val="tx1">
+                <a:lumMod val="50000"/>
+                <a:lumOff val="50000"/>
+              </a:schemeClr>
+            </a:solidFill>
+          </a:ln>
+        </p:spPr>
+        <p:style>
+          <a:lnRef idx="2">
+            <a:schemeClr val="accent1">
+              <a:shade val="50000"/>
+            </a:schemeClr>
+          </a:lnRef>
+          <a:fillRef idx="1">
+            <a:schemeClr val="accent1"/>
+          </a:fillRef>
+          <a:effectRef idx="0">
+            <a:schemeClr val="accent1"/>
+          </a:effectRef>
+          <a:fontRef idx="minor">
+            <a:schemeClr val="lt1"/>
+          </a:fontRef>
+        </p:style>
+        <p:txBody>
+          <a:bodyPr rtlCol="0" anchor="ctr"/>
+          <a:p>
+            <a:pPr algn="ctr"/>
+            <a:endParaRPr lang="en-US"/>
+          </a:p>
+        </p:txBody>
+      </p:sp>
+      <p:grpSp>
+        <p:nvGrpSpPr>
+          <p:cNvPr id="10" name="Group 9"/>
+          <p:cNvGrpSpPr/>
+          <p:nvPr/>
+        </p:nvGrpSpPr>
+        <p:grpSpPr>
+          <a:xfrm>
+            <a:off x="10734040" y="422275"/>
+            <a:ext cx="928370" cy="900430"/>
+            <a:chOff x="16799" y="665"/>
+            <a:chExt cx="1462" cy="1418"/>
+          </a:xfrm>
+        </p:grpSpPr>
+        <p:sp>
+          <p:nvSpPr>
+            <p:cNvPr id="8" name="Oval 7"/>
+            <p:cNvSpPr/>
+            <p:nvPr/>
+          </p:nvSpPr>
+          <p:spPr>
+            <a:xfrm>
+              <a:off x="16799" y="665"/>
+              <a:ext cx="1463" cy="1419"/>
+            </a:xfrm>
+            <a:prstGeom prst="ellipse">
+              <a:avLst/>
+            </a:prstGeom>
+            <a:solidFill>
+              <a:srgbClr val="FF8D41"/>
+            </a:solidFill>
+            <a:ln>
+              <a:solidFill>
+                <a:srgbClr val="FF8D41"/>
+              </a:solidFill>
+            </a:ln>
+          </p:spPr>
+          <p:style>
+            <a:lnRef idx="2">
+              <a:schemeClr val="accent1">
+                <a:shade val="50000"/>
+              </a:schemeClr>
+            </a:lnRef>
+            <a:fillRef idx="1">
+              <a:schemeClr val="accent1"/>
+            </a:fillRef>
+            <a:effectRef idx="0">
+              <a:schemeClr val="accent1"/>
+            </a:effectRef>
+            <a:fontRef idx="minor">
+              <a:schemeClr val="lt1"/>
+            </a:fontRef>
+          </p:style>
+          <p:txBody>
+            <a:bodyPr rtlCol="0" anchor="ctr"/>
+            <a:p>
+              <a:pPr algn="ctr"/>
+              <a:endParaRPr lang="en-US"/>
+            </a:p>
+          </p:txBody>
+        </p:sp>
+        <p:sp>
+          <p:nvSpPr>
+            <p:cNvPr id="9" name="Text Box 8"/>
+            <p:cNvSpPr txBox="true"/>
+            <p:nvPr/>
+          </p:nvSpPr>
+          <p:spPr>
+            <a:xfrm>
+              <a:off x="16916" y="964"/>
+              <a:ext cx="1187" cy="822"/>
+            </a:xfrm>
+            <a:prstGeom prst="rect">
+              <a:avLst/>
+            </a:prstGeom>
+            <a:noFill/>
+          </p:spPr>
+          <p:txBody>
+            <a:bodyPr wrap="square" rtlCol="0">
+              <a:spAutoFit/>
+            </a:bodyPr>
+            <a:p>
+              <a:r>
+                <a:rPr lang="en-US" altLang="en-US" sz="1400">
+                  <a:ln>
+                    <a:solidFill>
+                      <a:schemeClr val="bg1"/>
+                    </a:solidFill>
+                  </a:ln>
+                  <a:solidFill>
+                    <a:schemeClr val="bg1"/>
+                  </a:solidFill>
+                </a:rPr>
+                <a:t> HTML</a:t>
+              </a:r>
+              <a:endParaRPr lang="en-US" altLang="en-US" sz="1400">
+                <a:ln>
+                  <a:solidFill>
+                    <a:schemeClr val="bg1"/>
+                  </a:solidFill>
+                </a:ln>
+                <a:solidFill>
+                  <a:schemeClr val="bg1"/>
+                </a:solidFill>
+              </a:endParaRPr>
+            </a:p>
+            <a:p>
+              <a:r>
+                <a:rPr lang="en-US" altLang="en-US" sz="1400">
+                  <a:ln>
+                    <a:solidFill>
+                      <a:schemeClr val="bg1"/>
+                    </a:solidFill>
+                  </a:ln>
+                  <a:solidFill>
+                    <a:schemeClr val="bg1"/>
+                  </a:solidFill>
+                </a:rPr>
+                <a:t>  CSS</a:t>
+              </a:r>
+              <a:endParaRPr lang="en-US" altLang="en-US" sz="1400">
+                <a:ln>
+                  <a:solidFill>
+                    <a:schemeClr val="bg1"/>
+                  </a:solidFill>
+                </a:ln>
+                <a:solidFill>
+                  <a:schemeClr val="bg1"/>
+                </a:solidFill>
+              </a:endParaRPr>
+            </a:p>
+          </p:txBody>
+        </p:sp>
+      </p:grpSp>
+      <p:sp>
+        <p:nvSpPr>
+          <p:cNvPr id="11" name="Text Box 10"/>
+          <p:cNvSpPr txBox="true"/>
+          <p:nvPr/>
+        </p:nvSpPr>
+        <p:spPr>
+          <a:xfrm>
+            <a:off x="1032510" y="1875790"/>
+            <a:ext cx="9464675" cy="521970"/>
+          </a:xfrm>
+          <a:prstGeom prst="rect">
+            <a:avLst/>
+          </a:prstGeom>
+          <a:noFill/>
+        </p:spPr>
+        <p:txBody>
+          <a:bodyPr wrap="square" rtlCol="0">
+            <a:spAutoFit/>
+          </a:bodyPr>
+          <a:p>
+            <a:r>
+              <a:rPr lang="en-US" altLang="en-US" sz="2800"/>
+              <a:t>1. 项目初始化</a:t>
             </a:r>
             <a:r>
+              <a:rPr lang="en-US" altLang="en-US"/>
+              <a:t> </a:t>
+            </a:r>
+            <a:endParaRPr lang="en-US" altLang="en-US"/>
+          </a:p>
+        </p:txBody>
+      </p:sp>
+      <p:sp>
+        <p:nvSpPr>
+          <p:cNvPr id="13" name="Rounded Rectangle 12"/>
+          <p:cNvSpPr/>
+          <p:nvPr/>
+        </p:nvSpPr>
+        <p:spPr>
+          <a:xfrm>
+            <a:off x="1694180" y="3303905"/>
+            <a:ext cx="8803640" cy="922020"/>
+          </a:xfrm>
+          <a:prstGeom prst="roundRect">
+            <a:avLst/>
+          </a:prstGeom>
+          <a:solidFill>
+            <a:schemeClr val="bg2">
+              <a:lumMod val="50000"/>
+            </a:schemeClr>
+          </a:solidFill>
+          <a:ln>
+            <a:solidFill>
+              <a:schemeClr val="bg2">
+                <a:lumMod val="50000"/>
+              </a:schemeClr>
+            </a:solidFill>
+          </a:ln>
+        </p:spPr>
+        <p:style>
+          <a:lnRef idx="2">
+            <a:schemeClr val="accent1">
+              <a:shade val="50000"/>
+            </a:schemeClr>
+          </a:lnRef>
+          <a:fillRef idx="1">
+            <a:schemeClr val="accent1"/>
+          </a:fillRef>
+          <a:effectRef idx="0">
+            <a:schemeClr val="accent1"/>
+          </a:effectRef>
+          <a:fontRef idx="minor">
+            <a:schemeClr val="lt1"/>
+          </a:fontRef>
+        </p:style>
+        <p:txBody>
+          <a:bodyPr rtlCol="0" anchor="ctr"/>
+          <a:p>
+            <a:pPr algn="ctr"/>
+            <a:endParaRPr lang="en-US"/>
+          </a:p>
+        </p:txBody>
+      </p:sp>
+      <p:sp>
+        <p:nvSpPr>
+          <p:cNvPr id="12" name="Text Box 11"/>
+          <p:cNvSpPr txBox="true"/>
+          <p:nvPr/>
+        </p:nvSpPr>
+        <p:spPr>
+          <a:xfrm>
+            <a:off x="1694180" y="3218180"/>
+            <a:ext cx="8803640" cy="1014730"/>
+          </a:xfrm>
+          <a:prstGeom prst="rect">
+            <a:avLst/>
+          </a:prstGeom>
+          <a:noFill/>
+        </p:spPr>
+        <p:txBody>
+          <a:bodyPr wrap="square" rtlCol="0">
+            <a:spAutoFit/>
+          </a:bodyPr>
+          <a:p>
+            <a:pPr algn="l"/>
+            <a:endParaRPr lang="en-US"/>
+          </a:p>
+          <a:p>
+            <a:pPr algn="l"/>
+            <a:r>
+              <a:rPr lang="en-US"/>
+              <a:t> </a:t>
+            </a:r>
+            <a:r>
+              <a:rPr lang="en-US" sz="2400">
+                <a:solidFill>
+                  <a:schemeClr val="bg1"/>
+                </a:solidFill>
+              </a:rPr>
+              <a:t> npm init -y</a:t>
+            </a:r>
+            <a:endParaRPr lang="en-US"/>
+          </a:p>
+          <a:p>
+            <a:pPr algn="l"/>
+            <a:r>
+              <a:rPr lang="en-US"/>
+              <a:t>  </a:t>
+            </a:r>
+            <a:endParaRPr lang="en-US"/>
+          </a:p>
+        </p:txBody>
+      </p:sp>
+      <p:sp>
+        <p:nvSpPr>
+          <p:cNvPr id="14" name="Date Placeholder 13"/>
+          <p:cNvSpPr>
+            <a:spLocks noGrp="true"/>
+          </p:cNvSpPr>
+          <p:nvPr>
+            <p:ph type="dt" sz="half" idx="10"/>
+          </p:nvPr>
+        </p:nvSpPr>
+        <p:spPr/>
+        <p:txBody>
+          <a:bodyPr/>
+          <a:p>
+            <a:fld id="{760FBDFE-C587-4B4C-A407-44438C67B59E}" type="datetime1">
+              <a:rPr lang="en-US" altLang="en-US" smtClean="0"/>
+            </a:fld>
+            <a:endParaRPr lang="zh-CN" altLang="en-US"/>
+          </a:p>
+        </p:txBody>
+      </p:sp>
+    </p:spTree>
+  </p:cSld>
+  <p:clrMapOvr>
+    <a:masterClrMapping/>
+  </p:clrMapOvr>
+  <p:transition>
+    <p:wipe/>
+  </p:transition>
+</p:sld>
+</file>
+
+<file path=ppt/slides/slide5.xml><?xml version="1.0" encoding="utf-8"?>
+<p:sld xmlns:a="http://schemas.openxmlformats.org/drawingml/2006/main" xmlns:r="http://schemas.openxmlformats.org/officeDocument/2006/relationships" xmlns:p="http://schemas.openxmlformats.org/presentationml/2006/main">
+  <p:cSld>
+    <p:spTree>
+      <p:nvGrpSpPr>
+        <p:cNvPr id="1" name=""/>
+        <p:cNvGrpSpPr/>
+        <p:nvPr/>
+      </p:nvGrpSpPr>
+      <p:grpSpPr/>
+      <p:sp>
+        <p:nvSpPr>
+          <p:cNvPr id="3" name="Subtitle 2"/>
+          <p:cNvSpPr>
+            <a:spLocks noGrp="true"/>
+          </p:cNvSpPr>
+          <p:nvPr>
+            <p:ph type="subTitle" idx="1"/>
+          </p:nvPr>
+        </p:nvSpPr>
+        <p:spPr>
+          <a:xfrm>
+            <a:off x="-17780" y="6407785"/>
+            <a:ext cx="3229610" cy="349250"/>
+          </a:xfrm>
+        </p:spPr>
+        <p:txBody>
+          <a:bodyPr>
+            <a:normAutofit lnSpcReduction="20000"/>
+          </a:bodyPr>
+          <a:p>
+            <a:pPr algn="r"/>
+            <a:r>
+              <a:rPr lang="en-US" altLang="en-US"/>
+              <a:t>Coding your wanderful life</a:t>
+            </a:r>
+            <a:endParaRPr lang="en-US" altLang="en-US"/>
+          </a:p>
+        </p:txBody>
+      </p:sp>
+      <p:grpSp>
+        <p:nvGrpSpPr>
+          <p:cNvPr id="6" name="Group 5"/>
+          <p:cNvGrpSpPr/>
+          <p:nvPr/>
+        </p:nvGrpSpPr>
+        <p:grpSpPr>
+          <a:xfrm>
+            <a:off x="-20320" y="6691630"/>
+            <a:ext cx="12218035" cy="152400"/>
+            <a:chOff x="-32" y="10538"/>
+            <a:chExt cx="19241" cy="240"/>
+          </a:xfrm>
+        </p:grpSpPr>
+        <p:sp>
+          <p:nvSpPr>
+            <p:cNvPr id="4" name="Rectangle 3"/>
+            <p:cNvSpPr/>
+            <p:nvPr/>
+          </p:nvSpPr>
+          <p:spPr>
+            <a:xfrm>
+              <a:off x="-32" y="10538"/>
+              <a:ext cx="14944" cy="240"/>
+            </a:xfrm>
+            <a:prstGeom prst="rect">
+              <a:avLst/>
+            </a:prstGeom>
+            <a:solidFill>
+              <a:srgbClr val="FF6600"/>
+            </a:solidFill>
+            <a:ln>
+              <a:solidFill>
+                <a:srgbClr val="FF6600"/>
+              </a:solidFill>
+            </a:ln>
+          </p:spPr>
+          <p:style>
+            <a:lnRef idx="2">
+              <a:schemeClr val="accent1">
+                <a:shade val="50000"/>
+              </a:schemeClr>
+            </a:lnRef>
+            <a:fillRef idx="1">
+              <a:schemeClr val="accent1"/>
+            </a:fillRef>
+            <a:effectRef idx="0">
+              <a:schemeClr val="accent1"/>
+            </a:effectRef>
+            <a:fontRef idx="minor">
+              <a:schemeClr val="lt1"/>
+            </a:fontRef>
+          </p:style>
+          <p:txBody>
+            <a:bodyPr rtlCol="0" anchor="ctr"/>
+            <a:p>
+              <a:pPr algn="ctr"/>
+              <a:endParaRPr lang="en-US"/>
+            </a:p>
+          </p:txBody>
+        </p:sp>
+        <p:sp>
+          <p:nvSpPr>
+            <p:cNvPr id="5" name="Rectangle 4"/>
+            <p:cNvSpPr/>
+            <p:nvPr/>
+          </p:nvSpPr>
+          <p:spPr>
+            <a:xfrm>
+              <a:off x="14933" y="10538"/>
+              <a:ext cx="4276" cy="240"/>
+            </a:xfrm>
+            <a:prstGeom prst="rect">
+              <a:avLst/>
+            </a:prstGeom>
+            <a:solidFill>
+              <a:schemeClr val="tx1">
+                <a:lumMod val="75000"/>
+                <a:lumOff val="25000"/>
+              </a:schemeClr>
+            </a:solidFill>
+            <a:ln>
+              <a:solidFill>
+                <a:schemeClr val="tx1">
+                  <a:lumMod val="75000"/>
+                  <a:lumOff val="25000"/>
+                </a:schemeClr>
+              </a:solidFill>
+            </a:ln>
+          </p:spPr>
+          <p:style>
+            <a:lnRef idx="2">
+              <a:schemeClr val="accent1">
+                <a:shade val="50000"/>
+              </a:schemeClr>
+            </a:lnRef>
+            <a:fillRef idx="1">
+              <a:schemeClr val="accent1"/>
+            </a:fillRef>
+            <a:effectRef idx="0">
+              <a:schemeClr val="accent1"/>
+            </a:effectRef>
+            <a:fontRef idx="minor">
+              <a:schemeClr val="lt1"/>
+            </a:fontRef>
+          </p:style>
+          <p:txBody>
+            <a:bodyPr rtlCol="0" anchor="ctr"/>
+            <a:p>
+              <a:pPr algn="ctr"/>
+              <a:endParaRPr lang="en-US"/>
+            </a:p>
+          </p:txBody>
+        </p:sp>
+      </p:grpSp>
+      <p:sp>
+        <p:nvSpPr>
+          <p:cNvPr id="7" name="Rectangle 6"/>
+          <p:cNvSpPr/>
+          <p:nvPr/>
+        </p:nvSpPr>
+        <p:spPr>
+          <a:xfrm>
+            <a:off x="-20320" y="779145"/>
+            <a:ext cx="96520" cy="650875"/>
+          </a:xfrm>
+          <a:prstGeom prst="rect">
+            <a:avLst/>
+          </a:prstGeom>
+          <a:solidFill>
+            <a:schemeClr val="tx1">
+              <a:lumMod val="50000"/>
+              <a:lumOff val="50000"/>
+            </a:schemeClr>
+          </a:solidFill>
+          <a:ln>
+            <a:solidFill>
+              <a:schemeClr val="tx1">
+                <a:lumMod val="50000"/>
+                <a:lumOff val="50000"/>
+              </a:schemeClr>
+            </a:solidFill>
+          </a:ln>
+        </p:spPr>
+        <p:style>
+          <a:lnRef idx="2">
+            <a:schemeClr val="accent1">
+              <a:shade val="50000"/>
+            </a:schemeClr>
+          </a:lnRef>
+          <a:fillRef idx="1">
+            <a:schemeClr val="accent1"/>
+          </a:fillRef>
+          <a:effectRef idx="0">
+            <a:schemeClr val="accent1"/>
+          </a:effectRef>
+          <a:fontRef idx="minor">
+            <a:schemeClr val="lt1"/>
+          </a:fontRef>
+        </p:style>
+        <p:txBody>
+          <a:bodyPr rtlCol="0" anchor="ctr"/>
+          <a:p>
+            <a:pPr algn="ctr"/>
+            <a:endParaRPr lang="en-US"/>
+          </a:p>
+        </p:txBody>
+      </p:sp>
+      <p:grpSp>
+        <p:nvGrpSpPr>
+          <p:cNvPr id="10" name="Group 9"/>
+          <p:cNvGrpSpPr/>
+          <p:nvPr/>
+        </p:nvGrpSpPr>
+        <p:grpSpPr>
+          <a:xfrm>
+            <a:off x="10734040" y="422275"/>
+            <a:ext cx="928370" cy="900430"/>
+            <a:chOff x="16799" y="665"/>
+            <a:chExt cx="1462" cy="1418"/>
+          </a:xfrm>
+        </p:grpSpPr>
+        <p:sp>
+          <p:nvSpPr>
+            <p:cNvPr id="8" name="Oval 7"/>
+            <p:cNvSpPr/>
+            <p:nvPr/>
+          </p:nvSpPr>
+          <p:spPr>
+            <a:xfrm>
+              <a:off x="16799" y="665"/>
+              <a:ext cx="1463" cy="1419"/>
+            </a:xfrm>
+            <a:prstGeom prst="ellipse">
+              <a:avLst/>
+            </a:prstGeom>
+            <a:solidFill>
+              <a:srgbClr val="FF8D41"/>
+            </a:solidFill>
+            <a:ln>
+              <a:solidFill>
+                <a:srgbClr val="FF8D41"/>
+              </a:solidFill>
+            </a:ln>
+          </p:spPr>
+          <p:style>
+            <a:lnRef idx="2">
+              <a:schemeClr val="accent1">
+                <a:shade val="50000"/>
+              </a:schemeClr>
+            </a:lnRef>
+            <a:fillRef idx="1">
+              <a:schemeClr val="accent1"/>
+            </a:fillRef>
+            <a:effectRef idx="0">
+              <a:schemeClr val="accent1"/>
+            </a:effectRef>
+            <a:fontRef idx="minor">
+              <a:schemeClr val="lt1"/>
+            </a:fontRef>
+          </p:style>
+          <p:txBody>
+            <a:bodyPr rtlCol="0" anchor="ctr"/>
+            <a:p>
+              <a:pPr algn="ctr"/>
+              <a:endParaRPr lang="en-US"/>
+            </a:p>
+          </p:txBody>
+        </p:sp>
+        <p:sp>
+          <p:nvSpPr>
+            <p:cNvPr id="9" name="Text Box 8"/>
+            <p:cNvSpPr txBox="true"/>
+            <p:nvPr/>
+          </p:nvSpPr>
+          <p:spPr>
+            <a:xfrm>
+              <a:off x="16916" y="964"/>
+              <a:ext cx="1187" cy="822"/>
+            </a:xfrm>
+            <a:prstGeom prst="rect">
+              <a:avLst/>
+            </a:prstGeom>
+            <a:noFill/>
+          </p:spPr>
+          <p:txBody>
+            <a:bodyPr wrap="square" rtlCol="0">
+              <a:spAutoFit/>
+            </a:bodyPr>
+            <a:p>
+              <a:r>
+                <a:rPr lang="en-US" altLang="en-US" sz="1400">
+                  <a:ln>
+                    <a:solidFill>
+                      <a:schemeClr val="bg1"/>
+                    </a:solidFill>
+                  </a:ln>
+                  <a:solidFill>
+                    <a:schemeClr val="bg1"/>
+                  </a:solidFill>
+                </a:rPr>
+                <a:t> HTML</a:t>
+              </a:r>
+              <a:endParaRPr lang="en-US" altLang="en-US" sz="1400">
+                <a:ln>
+                  <a:solidFill>
+                    <a:schemeClr val="bg1"/>
+                  </a:solidFill>
+                </a:ln>
+                <a:solidFill>
+                  <a:schemeClr val="bg1"/>
+                </a:solidFill>
+              </a:endParaRPr>
+            </a:p>
+            <a:p>
+              <a:r>
+                <a:rPr lang="en-US" altLang="en-US" sz="1400">
+                  <a:ln>
+                    <a:solidFill>
+                      <a:schemeClr val="bg1"/>
+                    </a:solidFill>
+                  </a:ln>
+                  <a:solidFill>
+                    <a:schemeClr val="bg1"/>
+                  </a:solidFill>
+                </a:rPr>
+                <a:t>  CSS</a:t>
+              </a:r>
+              <a:endParaRPr lang="en-US" altLang="en-US" sz="1400">
+                <a:ln>
+                  <a:solidFill>
+                    <a:schemeClr val="bg1"/>
+                  </a:solidFill>
+                </a:ln>
+                <a:solidFill>
+                  <a:schemeClr val="bg1"/>
+                </a:solidFill>
+              </a:endParaRPr>
+            </a:p>
+          </p:txBody>
+        </p:sp>
+      </p:grpSp>
+      <p:sp>
+        <p:nvSpPr>
+          <p:cNvPr id="11" name="Text Box 10"/>
+          <p:cNvSpPr txBox="true"/>
+          <p:nvPr/>
+        </p:nvSpPr>
+        <p:spPr>
+          <a:xfrm>
+            <a:off x="1034415" y="1649095"/>
+            <a:ext cx="10312400" cy="521970"/>
+          </a:xfrm>
+          <a:prstGeom prst="rect">
+            <a:avLst/>
+          </a:prstGeom>
+          <a:noFill/>
+        </p:spPr>
+        <p:txBody>
+          <a:bodyPr wrap="square" rtlCol="0">
+            <a:spAutoFit/>
+          </a:bodyPr>
+          <a:p>
+            <a:pPr algn="l"/>
+            <a:r>
               <a:rPr lang="en-US" altLang="en-US" sz="2800"/>
-              <a:t>. 创建项目服务器</a:t>
+              <a:t>3. 创建项目服务器</a:t>
             </a:r>
             <a:r>
               <a:rPr lang="en-US" altLang="en-US"/>
@@ -12921,36 +15378,12 @@
                   <a:t> </a:t>
                 </a:r>
                 <a:r>
-                  <a:rPr lang="" altLang="en-US" sz="2400">
-                    <a:solidFill>
-                      <a:schemeClr val="bg1"/>
-                    </a:solidFill>
-                  </a:rPr>
-                  <a:t>app</a:t>
-                </a:r>
-                <a:r>
                   <a:rPr lang="en-US" altLang="en-US" sz="2400">
                     <a:solidFill>
                       <a:schemeClr val="bg1"/>
                     </a:solidFill>
                   </a:rPr>
-                  <a:t> = express</a:t>
-                </a:r>
-                <a:r>
-                  <a:rPr lang="" altLang="en-US" sz="2400">
-                    <a:solidFill>
-                      <a:schemeClr val="bg1"/>
-                    </a:solidFill>
-                  </a:rPr>
-                  <a:t>()</a:t>
-                </a:r>
-                <a:r>
-                  <a:rPr lang="en-US" altLang="en-US" sz="2400">
-                    <a:solidFill>
-                      <a:schemeClr val="bg1"/>
-                    </a:solidFill>
-                  </a:rPr>
-                  <a:t>;</a:t>
+                  <a:t>app = express();</a:t>
                 </a:r>
                 <a:r>
                   <a:rPr lang="en-US" sz="2400">
@@ -13099,7 +15532,7 @@
               <a:p>
                 <a:pPr algn="l"/>
                 <a:r>
-                  <a:rPr lang="" altLang="en-US" sz="2400">
+                  <a:rPr lang="en-US" altLang="en-US" sz="2400">
                     <a:solidFill>
                       <a:schemeClr val="bg1"/>
                     </a:solidFill>
@@ -13115,7 +15548,7 @@
                   <a:t> express</a:t>
                 </a:r>
                 <a:r>
-                  <a:rPr lang="" altLang="en-US" sz="2400">
+                  <a:rPr lang="en-US" altLang="en-US" sz="2400">
                     <a:solidFill>
                       <a:schemeClr val="bg1"/>
                     </a:solidFill>
@@ -13790,7 +16223,7 @@
           <a:p>
             <a:pPr algn="l"/>
             <a:r>
-              <a:rPr lang="" altLang="en-US" sz="2800"/>
+              <a:rPr lang="en-US" altLang="en-US" sz="2800"/>
               <a:t>2. 本地下载安装项目所需第三方模块</a:t>
             </a:r>
             <a:r>
@@ -14360,20 +16793,8 @@
           <a:p>
             <a:pPr algn="l"/>
             <a:r>
-              <a:rPr lang="" altLang="en-US" sz="2800"/>
-              <a:t>3</a:t>
-            </a:r>
-            <a:r>
               <a:rPr lang="en-US" altLang="en-US" sz="2800"/>
-              <a:t>.</a:t>
-            </a:r>
-            <a:r>
-              <a:rPr lang="" altLang="en-US" sz="2800"/>
-              <a:t> 启动项目服务器</a:t>
-            </a:r>
-            <a:r>
-              <a:rPr lang="en-US" altLang="en-US" sz="2800"/>
-              <a:t> </a:t>
+              <a:t>3. 启动项目服务器 </a:t>
             </a:r>
             <a:r>
               <a:rPr lang="en-US" altLang="en-US"/>
@@ -14506,7 +16927,7 @@
               <a:p>
                 <a:pPr algn="l"/>
                 <a:r>
-                  <a:rPr lang="" altLang="en-US" sz="2400">
+                  <a:rPr lang="en-US" altLang="en-US" sz="2400">
                     <a:solidFill>
                       <a:schemeClr val="bg1"/>
                     </a:solidFill>
@@ -14544,10 +16965,10 @@
                 <a:buNone/>
               </a:pPr>
               <a:r>
-                <a:rPr lang="" altLang="en-US" sz="2000"/>
+                <a:rPr lang="en-US" altLang="en-US" sz="2000"/>
                 <a:t>1)  全局安装 nodemon</a:t>
               </a:r>
-              <a:endParaRPr lang="" altLang="en-US" sz="2000"/>
+              <a:endParaRPr lang="en-US" altLang="en-US" sz="2000"/>
             </a:p>
           </p:txBody>
         </p:sp>
@@ -14645,17 +17066,9 @@
                     <a:schemeClr val="bg1"/>
                   </a:solidFill>
                 </a:rPr>
-                <a:t>   nodemon</a:t>
+                <a:t>   nodemon app.js    or     nodemon </a:t>
               </a:r>
-              <a:r>
-                <a:rPr lang="" altLang="en-US" sz="2400">
-                  <a:solidFill>
-                    <a:schemeClr val="bg1"/>
-                  </a:solidFill>
-                </a:rPr>
-                <a:t> app.js    or     nodemon </a:t>
-              </a:r>
-              <a:endParaRPr lang="" altLang="en-US" sz="2400">
+              <a:endParaRPr lang="en-US" altLang="en-US" sz="2400">
                 <a:solidFill>
                   <a:schemeClr val="bg1"/>
                 </a:solidFill>
@@ -14690,18 +17103,10 @@
               <a:buNone/>
             </a:pPr>
             <a:r>
-              <a:rPr lang="" altLang="en-US" sz="2000"/>
-              <a:t>2</a:t>
+              <a:rPr lang="en-US" altLang="en-US" sz="2000"/>
+              <a:t>2)  启动服务器</a:t>
             </a:r>
-            <a:r>
-              <a:rPr lang="en-US" altLang="en-US" sz="2000"/>
-              <a:t>)  </a:t>
-            </a:r>
-            <a:r>
-              <a:rPr lang="" altLang="en-US" sz="2000"/>
-              <a:t>启动服务器</a:t>
-            </a:r>
-            <a:endParaRPr lang="" altLang="en-US" sz="2000"/>
+            <a:endParaRPr lang="en-US" altLang="en-US" sz="2000"/>
           </a:p>
         </p:txBody>
       </p:sp>
@@ -15138,12 +17543,8 @@
           <a:p>
             <a:pPr algn="l"/>
             <a:r>
-              <a:rPr lang="" altLang="en-US" sz="2800"/>
-              <a:t>3</a:t>
-            </a:r>
-            <a:r>
               <a:rPr lang="en-US" altLang="en-US" sz="2800"/>
-              <a:t>. 启动项目服务器 </a:t>
+              <a:t>3. 启动项目服务器 </a:t>
             </a:r>
             <a:r>
               <a:rPr lang="en-US" altLang="en-US"/>
@@ -15281,17 +17682,9 @@
                       <a:schemeClr val="bg1"/>
                     </a:solidFill>
                   </a:rPr>
-                  <a:t>   </a:t>
+                  <a:t>   URL = “http://localhosr:3000”</a:t>
                 </a:r>
-                <a:r>
-                  <a:rPr lang="" altLang="en-US" sz="2400">
-                    <a:solidFill>
-                      <a:schemeClr val="bg1"/>
-                    </a:solidFill>
-                  </a:rPr>
-                  <a:t>URL = “http://localhosr:3000”</a:t>
-                </a:r>
-                <a:endParaRPr lang="" altLang="en-US" sz="2400">
+                <a:endParaRPr lang="en-US" altLang="en-US" sz="2400">
                   <a:solidFill>
                     <a:schemeClr val="bg1"/>
                   </a:solidFill>
@@ -15327,13 +17720,9 @@
               </a:pPr>
               <a:r>
                 <a:rPr lang="en-US" altLang="en-US" sz="2000"/>
-                <a:t>1) </a:t>
+                <a:t>1) 打开浏览器</a:t>
               </a:r>
-              <a:r>
-                <a:rPr lang="" altLang="en-US" sz="2000"/>
-                <a:t>打开浏览器</a:t>
-              </a:r>
-              <a:endParaRPr lang="" altLang="en-US" sz="2000"/>
+              <a:endParaRPr lang="en-US" altLang="en-US" sz="2000"/>
             </a:p>
           </p:txBody>
         </p:sp>
@@ -15440,13 +17829,9 @@
             <a:pPr algn="l"/>
             <a:r>
               <a:rPr lang="en-US" altLang="en-US"/>
-              <a:t>  </a:t>
+              <a:t>  创建静态资源</a:t>
             </a:r>
-            <a:r>
-              <a:rPr lang="" altLang="en-US"/>
-              <a:t>创建静态资源</a:t>
-            </a:r>
-            <a:endParaRPr lang="" altLang="en-US"/>
+            <a:endParaRPr lang="en-US" altLang="en-US"/>
           </a:p>
         </p:txBody>
       </p:sp>
@@ -15825,12 +18210,8 @@
           </a:bodyPr>
           <a:p>
             <a:r>
-              <a:rPr lang="" altLang="en-US" sz="2800"/>
-              <a:t>4</a:t>
-            </a:r>
-            <a:r>
               <a:rPr lang="en-US" altLang="en-US" sz="2800"/>
-              <a:t>. 创建静态页面 </a:t>
+              <a:t>4. 创建静态页面 </a:t>
             </a:r>
             <a:endParaRPr lang="en-US" altLang="en-US" sz="2800"/>
           </a:p>
@@ -15859,13 +18240,9 @@
           <a:p>
             <a:r>
               <a:rPr lang="en-US" altLang="en-US" sz="2400"/>
-              <a:t>1) </a:t>
+              <a:t>1) 创建静态资源目录</a:t>
             </a:r>
-            <a:r>
-              <a:rPr lang="" altLang="en-US" sz="2400"/>
-              <a:t>创建静态资源目录</a:t>
-            </a:r>
-            <a:endParaRPr lang="" altLang="en-US" sz="2400"/>
+            <a:endParaRPr lang="en-US" altLang="en-US" sz="2400"/>
           </a:p>
           <a:p>
             <a:endParaRPr lang="en-US" altLang="en-US" sz="2400"/>
@@ -15873,41 +18250,37 @@
           <a:p>
             <a:r>
               <a:rPr lang="en-US" altLang="en-US" sz="2400"/>
-              <a:t>2)</a:t>
+              <a:t>2) HTML首页</a:t>
             </a:r>
+            <a:endParaRPr lang="en-US" altLang="en-US" sz="2400"/>
+          </a:p>
+          <a:p>
+            <a:endParaRPr lang="en-US" altLang="en-US" sz="2400"/>
+          </a:p>
+          <a:p>
             <a:r>
-              <a:rPr lang="" altLang="en-US" sz="2400"/>
-              <a:t> HTML首页</a:t>
-            </a:r>
-            <a:endParaRPr lang="" altLang="en-US" sz="2400"/>
-          </a:p>
-          <a:p>
-            <a:endParaRPr lang="en-US" altLang="en-US" sz="2400"/>
-          </a:p>
-          <a:p>
-            <a:r>
-              <a:rPr lang="" altLang="en-US" sz="2400"/>
+              <a:rPr lang="en-US" altLang="en-US" sz="2400"/>
               <a:t>     + 项目源码：</a:t>
             </a:r>
-            <a:endParaRPr lang="" altLang="en-US" sz="2400"/>
-          </a:p>
-          <a:p>
-            <a:endParaRPr lang="" altLang="en-US" sz="2400"/>
+            <a:endParaRPr lang="en-US" altLang="en-US" sz="2400"/>
+          </a:p>
+          <a:p>
+            <a:endParaRPr lang="en-US" altLang="en-US" sz="2400"/>
           </a:p>
           <a:p>
             <a:r>
-              <a:rPr lang="" altLang="en-US" sz="2400"/>
+              <a:rPr lang="en-US" altLang="en-US" sz="2400"/>
               <a:t>	</a:t>
             </a:r>
             <a:r>
-              <a:rPr lang="" altLang="en-US" sz="2400">
+              <a:rPr lang="en-US" altLang="en-US" sz="2400">
                 <a:solidFill>
                   <a:srgbClr val="FF0000"/>
                 </a:solidFill>
               </a:rPr>
               <a:t>https://github.com/web-south/express-element-master</a:t>
             </a:r>
-            <a:endParaRPr lang="" altLang="en-US" sz="2400">
+            <a:endParaRPr lang="en-US" altLang="en-US" sz="2400">
               <a:solidFill>
                 <a:srgbClr val="FF0000"/>
               </a:solidFill>
